--- a/MovieChatBot.pptx
+++ b/MovieChatBot.pptx
@@ -2,139 +2,116 @@
 <file path=ppt/presentation.xml><?xml version="1.0" encoding="utf-8"?>
 <p:presentation xmlns:a="http://schemas.openxmlformats.org/drawingml/2006/main" xmlns:r="http://schemas.openxmlformats.org/officeDocument/2006/relationships" xmlns:p="http://schemas.openxmlformats.org/presentationml/2006/main" saveSubsetFonts="1" autoCompressPictures="0">
   <p:sldMasterIdLst>
-    <p:sldMasterId id="2147483648" r:id="rId1"/>
+    <p:sldMasterId id="2147483661" r:id="rId1"/>
   </p:sldMasterIdLst>
   <p:notesMasterIdLst>
-    <p:notesMasterId r:id="rId6"/>
+    <p:notesMasterId r:id="rId13"/>
   </p:notesMasterIdLst>
   <p:sldIdLst>
     <p:sldId id="256" r:id="rId2"/>
-    <p:sldId id="257" r:id="rId3"/>
+    <p:sldId id="286" r:id="rId3"/>
     <p:sldId id="279" r:id="rId4"/>
-    <p:sldId id="280" r:id="rId5"/>
+    <p:sldId id="281" r:id="rId5"/>
+    <p:sldId id="282" r:id="rId6"/>
+    <p:sldId id="283" r:id="rId7"/>
+    <p:sldId id="284" r:id="rId8"/>
+    <p:sldId id="285" r:id="rId9"/>
+    <p:sldId id="287" r:id="rId10"/>
+    <p:sldId id="288" r:id="rId11"/>
+    <p:sldId id="289" r:id="rId12"/>
   </p:sldIdLst>
-  <p:sldSz cx="9144000" cy="6858000" type="screen4x3"/>
+  <p:sldSz cx="12192000" cy="6858000"/>
   <p:notesSz cx="6858000" cy="9144000"/>
   <p:defaultTextStyle>
     <a:defPPr>
       <a:defRPr lang="en-US"/>
     </a:defPPr>
-    <a:lvl1pPr algn="ctr" rtl="0" fontAlgn="base">
-      <a:spcBef>
-        <a:spcPct val="0"/>
-      </a:spcBef>
-      <a:spcAft>
-        <a:spcPct val="0"/>
-      </a:spcAft>
-      <a:defRPr sz="2400" kern="1200">
+    <a:lvl1pPr marL="0" algn="l" defTabSz="457200" rtl="0" eaLnBrk="1" latinLnBrk="0" hangingPunct="1">
+      <a:defRPr sz="1800" kern="1200">
         <a:solidFill>
           <a:schemeClr val="tx1"/>
         </a:solidFill>
-        <a:latin typeface="Arial" panose="020B0604020202020204" pitchFamily="34" charset="0"/>
+        <a:latin typeface="+mn-lt"/>
         <a:ea typeface="+mn-ea"/>
         <a:cs typeface="+mn-cs"/>
       </a:defRPr>
     </a:lvl1pPr>
-    <a:lvl2pPr marL="457200" algn="ctr" rtl="0" fontAlgn="base">
-      <a:spcBef>
-        <a:spcPct val="0"/>
-      </a:spcBef>
-      <a:spcAft>
-        <a:spcPct val="0"/>
-      </a:spcAft>
-      <a:defRPr sz="2400" kern="1200">
+    <a:lvl2pPr marL="457200" algn="l" defTabSz="457200" rtl="0" eaLnBrk="1" latinLnBrk="0" hangingPunct="1">
+      <a:defRPr sz="1800" kern="1200">
         <a:solidFill>
           <a:schemeClr val="tx1"/>
         </a:solidFill>
-        <a:latin typeface="Arial" panose="020B0604020202020204" pitchFamily="34" charset="0"/>
+        <a:latin typeface="+mn-lt"/>
         <a:ea typeface="+mn-ea"/>
         <a:cs typeface="+mn-cs"/>
       </a:defRPr>
     </a:lvl2pPr>
-    <a:lvl3pPr marL="914400" algn="ctr" rtl="0" fontAlgn="base">
-      <a:spcBef>
-        <a:spcPct val="0"/>
-      </a:spcBef>
-      <a:spcAft>
-        <a:spcPct val="0"/>
-      </a:spcAft>
-      <a:defRPr sz="2400" kern="1200">
+    <a:lvl3pPr marL="914400" algn="l" defTabSz="457200" rtl="0" eaLnBrk="1" latinLnBrk="0" hangingPunct="1">
+      <a:defRPr sz="1800" kern="1200">
         <a:solidFill>
           <a:schemeClr val="tx1"/>
         </a:solidFill>
-        <a:latin typeface="Arial" panose="020B0604020202020204" pitchFamily="34" charset="0"/>
+        <a:latin typeface="+mn-lt"/>
         <a:ea typeface="+mn-ea"/>
         <a:cs typeface="+mn-cs"/>
       </a:defRPr>
     </a:lvl3pPr>
-    <a:lvl4pPr marL="1371600" algn="ctr" rtl="0" fontAlgn="base">
-      <a:spcBef>
-        <a:spcPct val="0"/>
-      </a:spcBef>
-      <a:spcAft>
-        <a:spcPct val="0"/>
-      </a:spcAft>
-      <a:defRPr sz="2400" kern="1200">
+    <a:lvl4pPr marL="1371600" algn="l" defTabSz="457200" rtl="0" eaLnBrk="1" latinLnBrk="0" hangingPunct="1">
+      <a:defRPr sz="1800" kern="1200">
         <a:solidFill>
           <a:schemeClr val="tx1"/>
         </a:solidFill>
-        <a:latin typeface="Arial" panose="020B0604020202020204" pitchFamily="34" charset="0"/>
+        <a:latin typeface="+mn-lt"/>
         <a:ea typeface="+mn-ea"/>
         <a:cs typeface="+mn-cs"/>
       </a:defRPr>
     </a:lvl4pPr>
-    <a:lvl5pPr marL="1828800" algn="ctr" rtl="0" fontAlgn="base">
-      <a:spcBef>
-        <a:spcPct val="0"/>
-      </a:spcBef>
-      <a:spcAft>
-        <a:spcPct val="0"/>
-      </a:spcAft>
-      <a:defRPr sz="2400" kern="1200">
+    <a:lvl5pPr marL="1828800" algn="l" defTabSz="457200" rtl="0" eaLnBrk="1" latinLnBrk="0" hangingPunct="1">
+      <a:defRPr sz="1800" kern="1200">
         <a:solidFill>
           <a:schemeClr val="tx1"/>
         </a:solidFill>
-        <a:latin typeface="Arial" panose="020B0604020202020204" pitchFamily="34" charset="0"/>
+        <a:latin typeface="+mn-lt"/>
         <a:ea typeface="+mn-ea"/>
         <a:cs typeface="+mn-cs"/>
       </a:defRPr>
     </a:lvl5pPr>
-    <a:lvl6pPr marL="2286000" algn="l" defTabSz="914400" rtl="0" eaLnBrk="1" latinLnBrk="0" hangingPunct="1">
-      <a:defRPr sz="2400" kern="1200">
+    <a:lvl6pPr marL="2286000" algn="l" defTabSz="457200" rtl="0" eaLnBrk="1" latinLnBrk="0" hangingPunct="1">
+      <a:defRPr sz="1800" kern="1200">
         <a:solidFill>
           <a:schemeClr val="tx1"/>
         </a:solidFill>
-        <a:latin typeface="Arial" panose="020B0604020202020204" pitchFamily="34" charset="0"/>
+        <a:latin typeface="+mn-lt"/>
         <a:ea typeface="+mn-ea"/>
         <a:cs typeface="+mn-cs"/>
       </a:defRPr>
     </a:lvl6pPr>
-    <a:lvl7pPr marL="2743200" algn="l" defTabSz="914400" rtl="0" eaLnBrk="1" latinLnBrk="0" hangingPunct="1">
-      <a:defRPr sz="2400" kern="1200">
+    <a:lvl7pPr marL="2743200" algn="l" defTabSz="457200" rtl="0" eaLnBrk="1" latinLnBrk="0" hangingPunct="1">
+      <a:defRPr sz="1800" kern="1200">
         <a:solidFill>
           <a:schemeClr val="tx1"/>
         </a:solidFill>
-        <a:latin typeface="Arial" panose="020B0604020202020204" pitchFamily="34" charset="0"/>
+        <a:latin typeface="+mn-lt"/>
         <a:ea typeface="+mn-ea"/>
         <a:cs typeface="+mn-cs"/>
       </a:defRPr>
     </a:lvl7pPr>
-    <a:lvl8pPr marL="3200400" algn="l" defTabSz="914400" rtl="0" eaLnBrk="1" latinLnBrk="0" hangingPunct="1">
-      <a:defRPr sz="2400" kern="1200">
+    <a:lvl8pPr marL="3200400" algn="l" defTabSz="457200" rtl="0" eaLnBrk="1" latinLnBrk="0" hangingPunct="1">
+      <a:defRPr sz="1800" kern="1200">
         <a:solidFill>
           <a:schemeClr val="tx1"/>
         </a:solidFill>
-        <a:latin typeface="Arial" panose="020B0604020202020204" pitchFamily="34" charset="0"/>
+        <a:latin typeface="+mn-lt"/>
         <a:ea typeface="+mn-ea"/>
         <a:cs typeface="+mn-cs"/>
       </a:defRPr>
     </a:lvl8pPr>
-    <a:lvl9pPr marL="3657600" algn="l" defTabSz="914400" rtl="0" eaLnBrk="1" latinLnBrk="0" hangingPunct="1">
-      <a:defRPr sz="2400" kern="1200">
+    <a:lvl9pPr marL="3657600" algn="l" defTabSz="457200" rtl="0" eaLnBrk="1" latinLnBrk="0" hangingPunct="1">
+      <a:defRPr sz="1800" kern="1200">
         <a:solidFill>
           <a:schemeClr val="tx1"/>
         </a:solidFill>
-        <a:latin typeface="Arial" panose="020B0604020202020204" pitchFamily="34" charset="0"/>
+        <a:latin typeface="+mn-lt"/>
         <a:ea typeface="+mn-ea"/>
         <a:cs typeface="+mn-cs"/>
       </a:defRPr>
@@ -143,12 +120,12 @@
   <p:extLst>
     <p:ext uri="{EFAFB233-063F-42B5-8137-9DF3F51BA10A}">
       <p15:sldGuideLst xmlns:p15="http://schemas.microsoft.com/office/powerpoint/2012/main">
-        <p15:guide id="1" orient="horz" pos="2160">
+        <p15:guide id="1" orient="horz" pos="2160" userDrawn="1">
           <p15:clr>
             <a:srgbClr val="A4A3A4"/>
           </p15:clr>
         </p15:guide>
-        <p15:guide id="2" pos="2880">
+        <p15:guide id="2" pos="3840" userDrawn="1">
           <p15:clr>
             <a:srgbClr val="A4A3A4"/>
           </p15:clr>
@@ -157,6 +134,608 @@
     </p:ext>
   </p:extLst>
 </p:presentation>
+</file>
+
+<file path=ppt/revisionInfo.xml><?xml version="1.0" encoding="utf-8"?>
+<p1510:revInfo xmlns:a="http://schemas.openxmlformats.org/drawingml/2006/main" xmlns:r="http://schemas.openxmlformats.org/officeDocument/2006/relationships" xmlns:p1510="http://schemas.microsoft.com/office/powerpoint/2015/10/main">
+  <p1510:revLst>
+    <p1510:client id="{332BE8A4-B281-294F-AB14-0DCB2E557640}" v="10" dt="2024-10-30T23:22:40.694"/>
+  </p1510:revLst>
+</p1510:revInfo>
+</file>
+
+<file path=ppt/changesInfos/changesInfo1.xml><?xml version="1.0" encoding="utf-8"?>
+<pc:chgInfo xmlns:a="http://schemas.openxmlformats.org/drawingml/2006/main" xmlns:r="http://schemas.openxmlformats.org/officeDocument/2006/relationships" xmlns:ac="http://schemas.microsoft.com/office/drawing/2013/main/command" xmlns:pc="http://schemas.microsoft.com/office/powerpoint/2013/main/command">
+  <pc:docChgLst>
+    <pc:chgData name="Brian Campbell" userId="a27f3cf3f583021c" providerId="LiveId" clId="{332BE8A4-B281-294F-AB14-0DCB2E557640}"/>
+    <pc:docChg chg="custSel addSld delSld modSld sldOrd modMainMaster modNotesMaster">
+      <pc:chgData name="Brian Campbell" userId="a27f3cf3f583021c" providerId="LiveId" clId="{332BE8A4-B281-294F-AB14-0DCB2E557640}" dt="2024-10-30T23:23:03.306" v="448" actId="2696"/>
+      <pc:docMkLst>
+        <pc:docMk/>
+      </pc:docMkLst>
+      <pc:sldChg chg="modSp mod modNotes">
+        <pc:chgData name="Brian Campbell" userId="a27f3cf3f583021c" providerId="LiveId" clId="{332BE8A4-B281-294F-AB14-0DCB2E557640}" dt="2024-10-30T23:14:08.944" v="99" actId="207"/>
+        <pc:sldMkLst>
+          <pc:docMk/>
+          <pc:sldMk cId="0" sldId="256"/>
+        </pc:sldMkLst>
+        <pc:spChg chg="mod">
+          <ac:chgData name="Brian Campbell" userId="a27f3cf3f583021c" providerId="LiveId" clId="{332BE8A4-B281-294F-AB14-0DCB2E557640}" dt="2024-10-30T23:14:08.944" v="99" actId="207"/>
+          <ac:spMkLst>
+            <pc:docMk/>
+            <pc:sldMk cId="0" sldId="256"/>
+            <ac:spMk id="2052" creationId="{CA3B02F7-BA67-F164-2F0B-DA5095C054EB}"/>
+          </ac:spMkLst>
+        </pc:spChg>
+        <pc:spChg chg="mod">
+          <ac:chgData name="Brian Campbell" userId="a27f3cf3f583021c" providerId="LiveId" clId="{332BE8A4-B281-294F-AB14-0DCB2E557640}" dt="2024-10-30T23:13:36.382" v="68" actId="207"/>
+          <ac:spMkLst>
+            <pc:docMk/>
+            <pc:sldMk cId="0" sldId="256"/>
+            <ac:spMk id="2053" creationId="{F16B5713-7201-D1BF-73D8-F1A167EA88C2}"/>
+          </ac:spMkLst>
+        </pc:spChg>
+      </pc:sldChg>
+      <pc:sldChg chg="modSp del modNotes">
+        <pc:chgData name="Brian Campbell" userId="a27f3cf3f583021c" providerId="LiveId" clId="{332BE8A4-B281-294F-AB14-0DCB2E557640}" dt="2024-10-30T23:22:32.976" v="432" actId="2696"/>
+        <pc:sldMkLst>
+          <pc:docMk/>
+          <pc:sldMk cId="0" sldId="257"/>
+        </pc:sldMkLst>
+        <pc:spChg chg="mod">
+          <ac:chgData name="Brian Campbell" userId="a27f3cf3f583021c" providerId="LiveId" clId="{332BE8A4-B281-294F-AB14-0DCB2E557640}" dt="2024-10-30T23:12:50.963" v="25"/>
+          <ac:spMkLst>
+            <pc:docMk/>
+            <pc:sldMk cId="0" sldId="257"/>
+            <ac:spMk id="17413" creationId="{2A525472-B9F1-677F-AADE-B9384972A160}"/>
+          </ac:spMkLst>
+        </pc:spChg>
+        <pc:spChg chg="mod">
+          <ac:chgData name="Brian Campbell" userId="a27f3cf3f583021c" providerId="LiveId" clId="{332BE8A4-B281-294F-AB14-0DCB2E557640}" dt="2024-10-30T23:12:50.963" v="25"/>
+          <ac:spMkLst>
+            <pc:docMk/>
+            <pc:sldMk cId="0" sldId="257"/>
+            <ac:spMk id="17415" creationId="{27A79928-C049-6000-CABE-EA7BC43DDD09}"/>
+          </ac:spMkLst>
+        </pc:spChg>
+      </pc:sldChg>
+      <pc:sldChg chg="modSp mod ord modNotes">
+        <pc:chgData name="Brian Campbell" userId="a27f3cf3f583021c" providerId="LiveId" clId="{332BE8A4-B281-294F-AB14-0DCB2E557640}" dt="2024-10-30T23:21:36.907" v="375" actId="20577"/>
+        <pc:sldMkLst>
+          <pc:docMk/>
+          <pc:sldMk cId="0" sldId="279"/>
+        </pc:sldMkLst>
+        <pc:spChg chg="mod">
+          <ac:chgData name="Brian Campbell" userId="a27f3cf3f583021c" providerId="LiveId" clId="{332BE8A4-B281-294F-AB14-0DCB2E557640}" dt="2024-10-30T23:20:01.280" v="297" actId="20577"/>
+          <ac:spMkLst>
+            <pc:docMk/>
+            <pc:sldMk cId="0" sldId="279"/>
+            <ac:spMk id="60418" creationId="{E2728947-8E0A-E718-3609-38FEC8287145}"/>
+          </ac:spMkLst>
+        </pc:spChg>
+        <pc:spChg chg="mod">
+          <ac:chgData name="Brian Campbell" userId="a27f3cf3f583021c" providerId="LiveId" clId="{332BE8A4-B281-294F-AB14-0DCB2E557640}" dt="2024-10-30T23:21:36.907" v="375" actId="20577"/>
+          <ac:spMkLst>
+            <pc:docMk/>
+            <pc:sldMk cId="0" sldId="279"/>
+            <ac:spMk id="60419" creationId="{33AE491E-ABD3-00EF-D080-FB024754D38B}"/>
+          </ac:spMkLst>
+        </pc:spChg>
+      </pc:sldChg>
+      <pc:sldChg chg="modSp del">
+        <pc:chgData name="Brian Campbell" userId="a27f3cf3f583021c" providerId="LiveId" clId="{332BE8A4-B281-294F-AB14-0DCB2E557640}" dt="2024-10-30T23:23:03.300" v="446" actId="2696"/>
+        <pc:sldMkLst>
+          <pc:docMk/>
+          <pc:sldMk cId="1390402765" sldId="280"/>
+        </pc:sldMkLst>
+        <pc:spChg chg="mod">
+          <ac:chgData name="Brian Campbell" userId="a27f3cf3f583021c" providerId="LiveId" clId="{332BE8A4-B281-294F-AB14-0DCB2E557640}" dt="2024-10-30T23:12:50.963" v="25"/>
+          <ac:spMkLst>
+            <pc:docMk/>
+            <pc:sldMk cId="1390402765" sldId="280"/>
+            <ac:spMk id="2" creationId="{C59A0321-5CD8-D2E0-2D29-88156B7C5F38}"/>
+          </ac:spMkLst>
+        </pc:spChg>
+        <pc:spChg chg="mod">
+          <ac:chgData name="Brian Campbell" userId="a27f3cf3f583021c" providerId="LiveId" clId="{332BE8A4-B281-294F-AB14-0DCB2E557640}" dt="2024-10-30T23:12:50.963" v="25"/>
+          <ac:spMkLst>
+            <pc:docMk/>
+            <pc:sldMk cId="1390402765" sldId="280"/>
+            <ac:spMk id="3" creationId="{A93BA1B0-EE28-9C01-DE65-C41CC6E1973A}"/>
+          </ac:spMkLst>
+        </pc:spChg>
+      </pc:sldChg>
+      <pc:sldChg chg="new del">
+        <pc:chgData name="Brian Campbell" userId="a27f3cf3f583021c" providerId="LiveId" clId="{332BE8A4-B281-294F-AB14-0DCB2E557640}" dt="2024-10-30T23:14:36.120" v="102" actId="2696"/>
+        <pc:sldMkLst>
+          <pc:docMk/>
+          <pc:sldMk cId="367759916" sldId="281"/>
+        </pc:sldMkLst>
+      </pc:sldChg>
+      <pc:sldChg chg="modSp add mod">
+        <pc:chgData name="Brian Campbell" userId="a27f3cf3f583021c" providerId="LiveId" clId="{332BE8A4-B281-294F-AB14-0DCB2E557640}" dt="2024-10-30T23:21:33.740" v="374" actId="20577"/>
+        <pc:sldMkLst>
+          <pc:docMk/>
+          <pc:sldMk cId="497463052" sldId="281"/>
+        </pc:sldMkLst>
+        <pc:spChg chg="mod">
+          <ac:chgData name="Brian Campbell" userId="a27f3cf3f583021c" providerId="LiveId" clId="{332BE8A4-B281-294F-AB14-0DCB2E557640}" dt="2024-10-30T23:20:10.454" v="302" actId="20577"/>
+          <ac:spMkLst>
+            <pc:docMk/>
+            <pc:sldMk cId="497463052" sldId="281"/>
+            <ac:spMk id="60418" creationId="{8E4F9805-CC1E-B5B8-15A0-FC46ED72075F}"/>
+          </ac:spMkLst>
+        </pc:spChg>
+        <pc:spChg chg="mod">
+          <ac:chgData name="Brian Campbell" userId="a27f3cf3f583021c" providerId="LiveId" clId="{332BE8A4-B281-294F-AB14-0DCB2E557640}" dt="2024-10-30T23:21:33.740" v="374" actId="20577"/>
+          <ac:spMkLst>
+            <pc:docMk/>
+            <pc:sldMk cId="497463052" sldId="281"/>
+            <ac:spMk id="60419" creationId="{949B5838-92C8-069A-F2C5-4B89ADE54B4D}"/>
+          </ac:spMkLst>
+        </pc:spChg>
+      </pc:sldChg>
+      <pc:sldChg chg="modSp add mod">
+        <pc:chgData name="Brian Campbell" userId="a27f3cf3f583021c" providerId="LiveId" clId="{332BE8A4-B281-294F-AB14-0DCB2E557640}" dt="2024-10-30T23:21:30.002" v="373" actId="20577"/>
+        <pc:sldMkLst>
+          <pc:docMk/>
+          <pc:sldMk cId="871028883" sldId="282"/>
+        </pc:sldMkLst>
+        <pc:spChg chg="mod">
+          <ac:chgData name="Brian Campbell" userId="a27f3cf3f583021c" providerId="LiveId" clId="{332BE8A4-B281-294F-AB14-0DCB2E557640}" dt="2024-10-30T23:20:27.824" v="328" actId="20577"/>
+          <ac:spMkLst>
+            <pc:docMk/>
+            <pc:sldMk cId="871028883" sldId="282"/>
+            <ac:spMk id="60418" creationId="{C3B1486B-3323-583C-1E91-242909401F54}"/>
+          </ac:spMkLst>
+        </pc:spChg>
+        <pc:spChg chg="mod">
+          <ac:chgData name="Brian Campbell" userId="a27f3cf3f583021c" providerId="LiveId" clId="{332BE8A4-B281-294F-AB14-0DCB2E557640}" dt="2024-10-30T23:21:30.002" v="373" actId="20577"/>
+          <ac:spMkLst>
+            <pc:docMk/>
+            <pc:sldMk cId="871028883" sldId="282"/>
+            <ac:spMk id="60419" creationId="{60F53B80-3D43-8FFD-1366-12955FB9BC19}"/>
+          </ac:spMkLst>
+        </pc:spChg>
+      </pc:sldChg>
+      <pc:sldChg chg="modSp add mod">
+        <pc:chgData name="Brian Campbell" userId="a27f3cf3f583021c" providerId="LiveId" clId="{332BE8A4-B281-294F-AB14-0DCB2E557640}" dt="2024-10-30T23:21:25.240" v="372" actId="20577"/>
+        <pc:sldMkLst>
+          <pc:docMk/>
+          <pc:sldMk cId="4178781547" sldId="283"/>
+        </pc:sldMkLst>
+        <pc:spChg chg="mod">
+          <ac:chgData name="Brian Campbell" userId="a27f3cf3f583021c" providerId="LiveId" clId="{332BE8A4-B281-294F-AB14-0DCB2E557640}" dt="2024-10-30T23:20:42.720" v="336" actId="20577"/>
+          <ac:spMkLst>
+            <pc:docMk/>
+            <pc:sldMk cId="4178781547" sldId="283"/>
+            <ac:spMk id="60418" creationId="{C7BB92C0-CCEE-D74D-D97E-1184E4070CFE}"/>
+          </ac:spMkLst>
+        </pc:spChg>
+        <pc:spChg chg="mod">
+          <ac:chgData name="Brian Campbell" userId="a27f3cf3f583021c" providerId="LiveId" clId="{332BE8A4-B281-294F-AB14-0DCB2E557640}" dt="2024-10-30T23:21:25.240" v="372" actId="20577"/>
+          <ac:spMkLst>
+            <pc:docMk/>
+            <pc:sldMk cId="4178781547" sldId="283"/>
+            <ac:spMk id="60419" creationId="{61DBB77E-11F3-FD26-45DA-1C8E0117B90E}"/>
+          </ac:spMkLst>
+        </pc:spChg>
+      </pc:sldChg>
+      <pc:sldChg chg="modSp add mod">
+        <pc:chgData name="Brian Campbell" userId="a27f3cf3f583021c" providerId="LiveId" clId="{332BE8A4-B281-294F-AB14-0DCB2E557640}" dt="2024-10-30T23:21:19.158" v="371" actId="20577"/>
+        <pc:sldMkLst>
+          <pc:docMk/>
+          <pc:sldMk cId="4285789930" sldId="284"/>
+        </pc:sldMkLst>
+        <pc:spChg chg="mod">
+          <ac:chgData name="Brian Campbell" userId="a27f3cf3f583021c" providerId="LiveId" clId="{332BE8A4-B281-294F-AB14-0DCB2E557640}" dt="2024-10-30T23:20:55.758" v="358" actId="20577"/>
+          <ac:spMkLst>
+            <pc:docMk/>
+            <pc:sldMk cId="4285789930" sldId="284"/>
+            <ac:spMk id="60418" creationId="{C8B4D701-8BD7-D8AC-0D4D-0F6940BAE5D8}"/>
+          </ac:spMkLst>
+        </pc:spChg>
+        <pc:spChg chg="mod">
+          <ac:chgData name="Brian Campbell" userId="a27f3cf3f583021c" providerId="LiveId" clId="{332BE8A4-B281-294F-AB14-0DCB2E557640}" dt="2024-10-30T23:21:19.158" v="371" actId="20577"/>
+          <ac:spMkLst>
+            <pc:docMk/>
+            <pc:sldMk cId="4285789930" sldId="284"/>
+            <ac:spMk id="60419" creationId="{3F2D526A-DA43-5DE9-EA63-EC936F0AA0EA}"/>
+          </ac:spMkLst>
+        </pc:spChg>
+      </pc:sldChg>
+      <pc:sldChg chg="modSp add mod">
+        <pc:chgData name="Brian Campbell" userId="a27f3cf3f583021c" providerId="LiveId" clId="{332BE8A4-B281-294F-AB14-0DCB2E557640}" dt="2024-10-30T23:21:12.510" v="370" actId="20577"/>
+        <pc:sldMkLst>
+          <pc:docMk/>
+          <pc:sldMk cId="1680910897" sldId="285"/>
+        </pc:sldMkLst>
+        <pc:spChg chg="mod">
+          <ac:chgData name="Brian Campbell" userId="a27f3cf3f583021c" providerId="LiveId" clId="{332BE8A4-B281-294F-AB14-0DCB2E557640}" dt="2024-10-30T23:21:03.883" v="365" actId="20577"/>
+          <ac:spMkLst>
+            <pc:docMk/>
+            <pc:sldMk cId="1680910897" sldId="285"/>
+            <ac:spMk id="60418" creationId="{1459C886-B2F7-6ACE-A5F7-13335A4351DB}"/>
+          </ac:spMkLst>
+        </pc:spChg>
+        <pc:spChg chg="mod">
+          <ac:chgData name="Brian Campbell" userId="a27f3cf3f583021c" providerId="LiveId" clId="{332BE8A4-B281-294F-AB14-0DCB2E557640}" dt="2024-10-30T23:21:12.510" v="370" actId="20577"/>
+          <ac:spMkLst>
+            <pc:docMk/>
+            <pc:sldMk cId="1680910897" sldId="285"/>
+            <ac:spMk id="60419" creationId="{F57700C5-D0B9-18F0-7F0B-98E44CDD39C2}"/>
+          </ac:spMkLst>
+        </pc:spChg>
+      </pc:sldChg>
+      <pc:sldChg chg="modSp add mod ord">
+        <pc:chgData name="Brian Campbell" userId="a27f3cf3f583021c" providerId="LiveId" clId="{332BE8A4-B281-294F-AB14-0DCB2E557640}" dt="2024-10-30T23:18:33.773" v="286" actId="403"/>
+        <pc:sldMkLst>
+          <pc:docMk/>
+          <pc:sldMk cId="2251916252" sldId="286"/>
+        </pc:sldMkLst>
+        <pc:spChg chg="mod">
+          <ac:chgData name="Brian Campbell" userId="a27f3cf3f583021c" providerId="LiveId" clId="{332BE8A4-B281-294F-AB14-0DCB2E557640}" dt="2024-10-30T23:16:51.469" v="131" actId="20577"/>
+          <ac:spMkLst>
+            <pc:docMk/>
+            <pc:sldMk cId="2251916252" sldId="286"/>
+            <ac:spMk id="60418" creationId="{7AACFE46-1938-8D10-600A-F180AC6FE13A}"/>
+          </ac:spMkLst>
+        </pc:spChg>
+        <pc:spChg chg="mod">
+          <ac:chgData name="Brian Campbell" userId="a27f3cf3f583021c" providerId="LiveId" clId="{332BE8A4-B281-294F-AB14-0DCB2E557640}" dt="2024-10-30T23:18:33.773" v="286" actId="403"/>
+          <ac:spMkLst>
+            <pc:docMk/>
+            <pc:sldMk cId="2251916252" sldId="286"/>
+            <ac:spMk id="60419" creationId="{0CC9A297-94A8-2B14-FD36-F7FD5F97ACE3}"/>
+          </ac:spMkLst>
+        </pc:spChg>
+      </pc:sldChg>
+      <pc:sldChg chg="modSp add mod">
+        <pc:chgData name="Brian Campbell" userId="a27f3cf3f583021c" providerId="LiveId" clId="{332BE8A4-B281-294F-AB14-0DCB2E557640}" dt="2024-10-30T23:21:52.409" v="404" actId="20577"/>
+        <pc:sldMkLst>
+          <pc:docMk/>
+          <pc:sldMk cId="2253827582" sldId="287"/>
+        </pc:sldMkLst>
+        <pc:spChg chg="mod">
+          <ac:chgData name="Brian Campbell" userId="a27f3cf3f583021c" providerId="LiveId" clId="{332BE8A4-B281-294F-AB14-0DCB2E557640}" dt="2024-10-30T23:21:52.409" v="404" actId="20577"/>
+          <ac:spMkLst>
+            <pc:docMk/>
+            <pc:sldMk cId="2253827582" sldId="287"/>
+            <ac:spMk id="60418" creationId="{0488DDC5-2CEC-1FC1-9EA8-BAEA655ED731}"/>
+          </ac:spMkLst>
+        </pc:spChg>
+      </pc:sldChg>
+      <pc:sldChg chg="modSp add mod">
+        <pc:chgData name="Brian Campbell" userId="a27f3cf3f583021c" providerId="LiveId" clId="{332BE8A4-B281-294F-AB14-0DCB2E557640}" dt="2024-10-30T23:22:09.014" v="428" actId="20577"/>
+        <pc:sldMkLst>
+          <pc:docMk/>
+          <pc:sldMk cId="3025235660" sldId="288"/>
+        </pc:sldMkLst>
+        <pc:spChg chg="mod">
+          <ac:chgData name="Brian Campbell" userId="a27f3cf3f583021c" providerId="LiveId" clId="{332BE8A4-B281-294F-AB14-0DCB2E557640}" dt="2024-10-30T23:22:09.014" v="428" actId="20577"/>
+          <ac:spMkLst>
+            <pc:docMk/>
+            <pc:sldMk cId="3025235660" sldId="288"/>
+            <ac:spMk id="60418" creationId="{803D9B48-C227-49B8-9254-F04579ABD5C5}"/>
+          </ac:spMkLst>
+        </pc:spChg>
+      </pc:sldChg>
+      <pc:sldChg chg="delSp modSp add mod ord">
+        <pc:chgData name="Brian Campbell" userId="a27f3cf3f583021c" providerId="LiveId" clId="{332BE8A4-B281-294F-AB14-0DCB2E557640}" dt="2024-10-30T23:22:45.162" v="444" actId="20577"/>
+        <pc:sldMkLst>
+          <pc:docMk/>
+          <pc:sldMk cId="1147992668" sldId="289"/>
+        </pc:sldMkLst>
+        <pc:spChg chg="del">
+          <ac:chgData name="Brian Campbell" userId="a27f3cf3f583021c" providerId="LiveId" clId="{332BE8A4-B281-294F-AB14-0DCB2E557640}" dt="2024-10-30T23:22:40.693" v="434" actId="478"/>
+          <ac:spMkLst>
+            <pc:docMk/>
+            <pc:sldMk cId="1147992668" sldId="289"/>
+            <ac:spMk id="2052" creationId="{2BEB9E70-D407-C59C-442B-3B8CAB3487EB}"/>
+          </ac:spMkLst>
+        </pc:spChg>
+        <pc:spChg chg="mod">
+          <ac:chgData name="Brian Campbell" userId="a27f3cf3f583021c" providerId="LiveId" clId="{332BE8A4-B281-294F-AB14-0DCB2E557640}" dt="2024-10-30T23:22:45.162" v="444" actId="20577"/>
+          <ac:spMkLst>
+            <pc:docMk/>
+            <pc:sldMk cId="1147992668" sldId="289"/>
+            <ac:spMk id="2053" creationId="{234DA708-AFFF-29E4-AEEC-E17EF9976A53}"/>
+          </ac:spMkLst>
+        </pc:spChg>
+      </pc:sldChg>
+      <pc:sldChg chg="add del">
+        <pc:chgData name="Brian Campbell" userId="a27f3cf3f583021c" providerId="LiveId" clId="{332BE8A4-B281-294F-AB14-0DCB2E557640}" dt="2024-10-30T23:23:03.306" v="448" actId="2696"/>
+        <pc:sldMkLst>
+          <pc:docMk/>
+          <pc:sldMk cId="1609846788" sldId="290"/>
+        </pc:sldMkLst>
+      </pc:sldChg>
+      <pc:sldChg chg="add del">
+        <pc:chgData name="Brian Campbell" userId="a27f3cf3f583021c" providerId="LiveId" clId="{332BE8A4-B281-294F-AB14-0DCB2E557640}" dt="2024-10-30T23:23:03.304" v="447" actId="2696"/>
+        <pc:sldMkLst>
+          <pc:docMk/>
+          <pc:sldMk cId="582738402" sldId="291"/>
+        </pc:sldMkLst>
+      </pc:sldChg>
+      <pc:sldMasterChg chg="modSp modSldLayout">
+        <pc:chgData name="Brian Campbell" userId="a27f3cf3f583021c" providerId="LiveId" clId="{332BE8A4-B281-294F-AB14-0DCB2E557640}" dt="2024-10-30T23:12:50.963" v="25"/>
+        <pc:sldMasterMkLst>
+          <pc:docMk/>
+          <pc:sldMasterMk cId="0" sldId="2147483648"/>
+        </pc:sldMasterMkLst>
+        <pc:spChg chg="mod">
+          <ac:chgData name="Brian Campbell" userId="a27f3cf3f583021c" providerId="LiveId" clId="{332BE8A4-B281-294F-AB14-0DCB2E557640}" dt="2024-10-30T23:12:50.963" v="25"/>
+          <ac:spMkLst>
+            <pc:docMk/>
+            <pc:sldMasterMk cId="0" sldId="2147483648"/>
+            <ac:spMk id="1026" creationId="{EAD54FFF-A87A-454F-7723-DA1FF11654F1}"/>
+          </ac:spMkLst>
+        </pc:spChg>
+        <pc:spChg chg="mod">
+          <ac:chgData name="Brian Campbell" userId="a27f3cf3f583021c" providerId="LiveId" clId="{332BE8A4-B281-294F-AB14-0DCB2E557640}" dt="2024-10-30T23:12:50.963" v="25"/>
+          <ac:spMkLst>
+            <pc:docMk/>
+            <pc:sldMasterMk cId="0" sldId="2147483648"/>
+            <ac:spMk id="1027" creationId="{DF608D5D-DBAD-6050-FDFE-F4A0E671D1DA}"/>
+          </ac:spMkLst>
+        </pc:spChg>
+        <pc:sldLayoutChg chg="modSp">
+          <pc:chgData name="Brian Campbell" userId="a27f3cf3f583021c" providerId="LiveId" clId="{332BE8A4-B281-294F-AB14-0DCB2E557640}" dt="2024-10-30T23:12:50.963" v="25"/>
+          <pc:sldLayoutMkLst>
+            <pc:docMk/>
+            <pc:sldMasterMk cId="0" sldId="2147483648"/>
+            <pc:sldLayoutMk cId="0" sldId="2147483649"/>
+          </pc:sldLayoutMkLst>
+          <pc:spChg chg="mod">
+            <ac:chgData name="Brian Campbell" userId="a27f3cf3f583021c" providerId="LiveId" clId="{332BE8A4-B281-294F-AB14-0DCB2E557640}" dt="2024-10-30T23:12:50.963" v="25"/>
+            <ac:spMkLst>
+              <pc:docMk/>
+              <pc:sldMasterMk cId="0" sldId="2147483648"/>
+              <pc:sldLayoutMk cId="0" sldId="2147483649"/>
+              <ac:spMk id="3074" creationId="{0E926E3A-CC0D-B785-05F6-4D93BF803C02}"/>
+            </ac:spMkLst>
+          </pc:spChg>
+          <pc:spChg chg="mod">
+            <ac:chgData name="Brian Campbell" userId="a27f3cf3f583021c" providerId="LiveId" clId="{332BE8A4-B281-294F-AB14-0DCB2E557640}" dt="2024-10-30T23:12:50.963" v="25"/>
+            <ac:spMkLst>
+              <pc:docMk/>
+              <pc:sldMasterMk cId="0" sldId="2147483648"/>
+              <pc:sldLayoutMk cId="0" sldId="2147483649"/>
+              <ac:spMk id="3075" creationId="{AE4F9082-DA7C-C849-BECA-648AD7EF74DC}"/>
+            </ac:spMkLst>
+          </pc:spChg>
+        </pc:sldLayoutChg>
+        <pc:sldLayoutChg chg="modSp">
+          <pc:chgData name="Brian Campbell" userId="a27f3cf3f583021c" providerId="LiveId" clId="{332BE8A4-B281-294F-AB14-0DCB2E557640}" dt="2024-10-30T23:12:50.963" v="25"/>
+          <pc:sldLayoutMkLst>
+            <pc:docMk/>
+            <pc:sldMasterMk cId="0" sldId="2147483648"/>
+            <pc:sldLayoutMk cId="521997429" sldId="2147483651"/>
+          </pc:sldLayoutMkLst>
+          <pc:spChg chg="mod">
+            <ac:chgData name="Brian Campbell" userId="a27f3cf3f583021c" providerId="LiveId" clId="{332BE8A4-B281-294F-AB14-0DCB2E557640}" dt="2024-10-30T23:12:50.963" v="25"/>
+            <ac:spMkLst>
+              <pc:docMk/>
+              <pc:sldMasterMk cId="0" sldId="2147483648"/>
+              <pc:sldLayoutMk cId="521997429" sldId="2147483651"/>
+              <ac:spMk id="2" creationId="{59CFC040-28C7-F770-BFF2-AAF17C01E629}"/>
+            </ac:spMkLst>
+          </pc:spChg>
+          <pc:spChg chg="mod">
+            <ac:chgData name="Brian Campbell" userId="a27f3cf3f583021c" providerId="LiveId" clId="{332BE8A4-B281-294F-AB14-0DCB2E557640}" dt="2024-10-30T23:12:50.963" v="25"/>
+            <ac:spMkLst>
+              <pc:docMk/>
+              <pc:sldMasterMk cId="0" sldId="2147483648"/>
+              <pc:sldLayoutMk cId="521997429" sldId="2147483651"/>
+              <ac:spMk id="3" creationId="{29214AD0-3A68-CED2-DF94-A746F9DA2CF8}"/>
+            </ac:spMkLst>
+          </pc:spChg>
+        </pc:sldLayoutChg>
+        <pc:sldLayoutChg chg="modSp">
+          <pc:chgData name="Brian Campbell" userId="a27f3cf3f583021c" providerId="LiveId" clId="{332BE8A4-B281-294F-AB14-0DCB2E557640}" dt="2024-10-30T23:12:50.963" v="25"/>
+          <pc:sldLayoutMkLst>
+            <pc:docMk/>
+            <pc:sldMasterMk cId="0" sldId="2147483648"/>
+            <pc:sldLayoutMk cId="3154276105" sldId="2147483652"/>
+          </pc:sldLayoutMkLst>
+          <pc:spChg chg="mod">
+            <ac:chgData name="Brian Campbell" userId="a27f3cf3f583021c" providerId="LiveId" clId="{332BE8A4-B281-294F-AB14-0DCB2E557640}" dt="2024-10-30T23:12:50.963" v="25"/>
+            <ac:spMkLst>
+              <pc:docMk/>
+              <pc:sldMasterMk cId="0" sldId="2147483648"/>
+              <pc:sldLayoutMk cId="3154276105" sldId="2147483652"/>
+              <ac:spMk id="3" creationId="{0D08A7D0-B79C-F39A-0ED4-88AEB062F50F}"/>
+            </ac:spMkLst>
+          </pc:spChg>
+          <pc:spChg chg="mod">
+            <ac:chgData name="Brian Campbell" userId="a27f3cf3f583021c" providerId="LiveId" clId="{332BE8A4-B281-294F-AB14-0DCB2E557640}" dt="2024-10-30T23:12:50.963" v="25"/>
+            <ac:spMkLst>
+              <pc:docMk/>
+              <pc:sldMasterMk cId="0" sldId="2147483648"/>
+              <pc:sldLayoutMk cId="3154276105" sldId="2147483652"/>
+              <ac:spMk id="4" creationId="{178BFAC9-F352-AE1A-3BD3-EFB519E2CBDA}"/>
+            </ac:spMkLst>
+          </pc:spChg>
+        </pc:sldLayoutChg>
+        <pc:sldLayoutChg chg="modSp">
+          <pc:chgData name="Brian Campbell" userId="a27f3cf3f583021c" providerId="LiveId" clId="{332BE8A4-B281-294F-AB14-0DCB2E557640}" dt="2024-10-30T23:12:50.963" v="25"/>
+          <pc:sldLayoutMkLst>
+            <pc:docMk/>
+            <pc:sldMasterMk cId="0" sldId="2147483648"/>
+            <pc:sldLayoutMk cId="3827406924" sldId="2147483653"/>
+          </pc:sldLayoutMkLst>
+          <pc:spChg chg="mod">
+            <ac:chgData name="Brian Campbell" userId="a27f3cf3f583021c" providerId="LiveId" clId="{332BE8A4-B281-294F-AB14-0DCB2E557640}" dt="2024-10-30T23:12:50.963" v="25"/>
+            <ac:spMkLst>
+              <pc:docMk/>
+              <pc:sldMasterMk cId="0" sldId="2147483648"/>
+              <pc:sldLayoutMk cId="3827406924" sldId="2147483653"/>
+              <ac:spMk id="2" creationId="{F54D0018-DDBB-7A89-ED58-AB741D145865}"/>
+            </ac:spMkLst>
+          </pc:spChg>
+          <pc:spChg chg="mod">
+            <ac:chgData name="Brian Campbell" userId="a27f3cf3f583021c" providerId="LiveId" clId="{332BE8A4-B281-294F-AB14-0DCB2E557640}" dt="2024-10-30T23:12:50.963" v="25"/>
+            <ac:spMkLst>
+              <pc:docMk/>
+              <pc:sldMasterMk cId="0" sldId="2147483648"/>
+              <pc:sldLayoutMk cId="3827406924" sldId="2147483653"/>
+              <ac:spMk id="3" creationId="{0AE8083B-A1EF-3503-7354-D5AD7DA7955B}"/>
+            </ac:spMkLst>
+          </pc:spChg>
+          <pc:spChg chg="mod">
+            <ac:chgData name="Brian Campbell" userId="a27f3cf3f583021c" providerId="LiveId" clId="{332BE8A4-B281-294F-AB14-0DCB2E557640}" dt="2024-10-30T23:12:50.963" v="25"/>
+            <ac:spMkLst>
+              <pc:docMk/>
+              <pc:sldMasterMk cId="0" sldId="2147483648"/>
+              <pc:sldLayoutMk cId="3827406924" sldId="2147483653"/>
+              <ac:spMk id="4" creationId="{D9F30945-E1C5-E072-8CBC-DB3E180AC7FD}"/>
+            </ac:spMkLst>
+          </pc:spChg>
+          <pc:spChg chg="mod">
+            <ac:chgData name="Brian Campbell" userId="a27f3cf3f583021c" providerId="LiveId" clId="{332BE8A4-B281-294F-AB14-0DCB2E557640}" dt="2024-10-30T23:12:50.963" v="25"/>
+            <ac:spMkLst>
+              <pc:docMk/>
+              <pc:sldMasterMk cId="0" sldId="2147483648"/>
+              <pc:sldLayoutMk cId="3827406924" sldId="2147483653"/>
+              <ac:spMk id="5" creationId="{7D127156-C6CE-7906-E90B-FE6148AAECF3}"/>
+            </ac:spMkLst>
+          </pc:spChg>
+          <pc:spChg chg="mod">
+            <ac:chgData name="Brian Campbell" userId="a27f3cf3f583021c" providerId="LiveId" clId="{332BE8A4-B281-294F-AB14-0DCB2E557640}" dt="2024-10-30T23:12:50.963" v="25"/>
+            <ac:spMkLst>
+              <pc:docMk/>
+              <pc:sldMasterMk cId="0" sldId="2147483648"/>
+              <pc:sldLayoutMk cId="3827406924" sldId="2147483653"/>
+              <ac:spMk id="6" creationId="{8BEDDD4C-CF28-D846-2ABE-DF4E16EA6098}"/>
+            </ac:spMkLst>
+          </pc:spChg>
+        </pc:sldLayoutChg>
+        <pc:sldLayoutChg chg="modSp">
+          <pc:chgData name="Brian Campbell" userId="a27f3cf3f583021c" providerId="LiveId" clId="{332BE8A4-B281-294F-AB14-0DCB2E557640}" dt="2024-10-30T23:12:50.963" v="25"/>
+          <pc:sldLayoutMkLst>
+            <pc:docMk/>
+            <pc:sldMasterMk cId="0" sldId="2147483648"/>
+            <pc:sldLayoutMk cId="2020299455" sldId="2147483656"/>
+          </pc:sldLayoutMkLst>
+          <pc:spChg chg="mod">
+            <ac:chgData name="Brian Campbell" userId="a27f3cf3f583021c" providerId="LiveId" clId="{332BE8A4-B281-294F-AB14-0DCB2E557640}" dt="2024-10-30T23:12:50.963" v="25"/>
+            <ac:spMkLst>
+              <pc:docMk/>
+              <pc:sldMasterMk cId="0" sldId="2147483648"/>
+              <pc:sldLayoutMk cId="2020299455" sldId="2147483656"/>
+              <ac:spMk id="2" creationId="{6E1BE303-9321-3BFE-27F7-188D69F0C8A0}"/>
+            </ac:spMkLst>
+          </pc:spChg>
+          <pc:spChg chg="mod">
+            <ac:chgData name="Brian Campbell" userId="a27f3cf3f583021c" providerId="LiveId" clId="{332BE8A4-B281-294F-AB14-0DCB2E557640}" dt="2024-10-30T23:12:50.963" v="25"/>
+            <ac:spMkLst>
+              <pc:docMk/>
+              <pc:sldMasterMk cId="0" sldId="2147483648"/>
+              <pc:sldLayoutMk cId="2020299455" sldId="2147483656"/>
+              <ac:spMk id="3" creationId="{BE75201B-426B-AA73-ECFA-A336BD9AF238}"/>
+            </ac:spMkLst>
+          </pc:spChg>
+          <pc:spChg chg="mod">
+            <ac:chgData name="Brian Campbell" userId="a27f3cf3f583021c" providerId="LiveId" clId="{332BE8A4-B281-294F-AB14-0DCB2E557640}" dt="2024-10-30T23:12:50.963" v="25"/>
+            <ac:spMkLst>
+              <pc:docMk/>
+              <pc:sldMasterMk cId="0" sldId="2147483648"/>
+              <pc:sldLayoutMk cId="2020299455" sldId="2147483656"/>
+              <ac:spMk id="4" creationId="{F228A86A-8171-A9E3-0894-CB9096E0342D}"/>
+            </ac:spMkLst>
+          </pc:spChg>
+        </pc:sldLayoutChg>
+        <pc:sldLayoutChg chg="modSp">
+          <pc:chgData name="Brian Campbell" userId="a27f3cf3f583021c" providerId="LiveId" clId="{332BE8A4-B281-294F-AB14-0DCB2E557640}" dt="2024-10-30T23:12:50.963" v="25"/>
+          <pc:sldLayoutMkLst>
+            <pc:docMk/>
+            <pc:sldMasterMk cId="0" sldId="2147483648"/>
+            <pc:sldLayoutMk cId="2066909827" sldId="2147483657"/>
+          </pc:sldLayoutMkLst>
+          <pc:spChg chg="mod">
+            <ac:chgData name="Brian Campbell" userId="a27f3cf3f583021c" providerId="LiveId" clId="{332BE8A4-B281-294F-AB14-0DCB2E557640}" dt="2024-10-30T23:12:50.963" v="25"/>
+            <ac:spMkLst>
+              <pc:docMk/>
+              <pc:sldMasterMk cId="0" sldId="2147483648"/>
+              <pc:sldLayoutMk cId="2066909827" sldId="2147483657"/>
+              <ac:spMk id="2" creationId="{F881C741-82E5-F0F3-0554-84815DDC8810}"/>
+            </ac:spMkLst>
+          </pc:spChg>
+          <pc:spChg chg="mod">
+            <ac:chgData name="Brian Campbell" userId="a27f3cf3f583021c" providerId="LiveId" clId="{332BE8A4-B281-294F-AB14-0DCB2E557640}" dt="2024-10-30T23:12:50.963" v="25"/>
+            <ac:spMkLst>
+              <pc:docMk/>
+              <pc:sldMasterMk cId="0" sldId="2147483648"/>
+              <pc:sldLayoutMk cId="2066909827" sldId="2147483657"/>
+              <ac:spMk id="3" creationId="{D9B913B1-B674-1AF1-1917-A08112EC88AB}"/>
+            </ac:spMkLst>
+          </pc:spChg>
+          <pc:spChg chg="mod">
+            <ac:chgData name="Brian Campbell" userId="a27f3cf3f583021c" providerId="LiveId" clId="{332BE8A4-B281-294F-AB14-0DCB2E557640}" dt="2024-10-30T23:12:50.963" v="25"/>
+            <ac:spMkLst>
+              <pc:docMk/>
+              <pc:sldMasterMk cId="0" sldId="2147483648"/>
+              <pc:sldLayoutMk cId="2066909827" sldId="2147483657"/>
+              <ac:spMk id="4" creationId="{AB49FCA1-7825-0EB3-16D7-6D2527CEEC6F}"/>
+            </ac:spMkLst>
+          </pc:spChg>
+        </pc:sldLayoutChg>
+        <pc:sldLayoutChg chg="modSp">
+          <pc:chgData name="Brian Campbell" userId="a27f3cf3f583021c" providerId="LiveId" clId="{332BE8A4-B281-294F-AB14-0DCB2E557640}" dt="2024-10-30T23:12:50.963" v="25"/>
+          <pc:sldLayoutMkLst>
+            <pc:docMk/>
+            <pc:sldMasterMk cId="0" sldId="2147483648"/>
+            <pc:sldLayoutMk cId="532655147" sldId="2147483659"/>
+          </pc:sldLayoutMkLst>
+          <pc:spChg chg="mod">
+            <ac:chgData name="Brian Campbell" userId="a27f3cf3f583021c" providerId="LiveId" clId="{332BE8A4-B281-294F-AB14-0DCB2E557640}" dt="2024-10-30T23:12:50.963" v="25"/>
+            <ac:spMkLst>
+              <pc:docMk/>
+              <pc:sldMasterMk cId="0" sldId="2147483648"/>
+              <pc:sldLayoutMk cId="532655147" sldId="2147483659"/>
+              <ac:spMk id="2" creationId="{D8B83824-7D60-713D-6E48-DF0A515B2B8C}"/>
+            </ac:spMkLst>
+          </pc:spChg>
+          <pc:spChg chg="mod">
+            <ac:chgData name="Brian Campbell" userId="a27f3cf3f583021c" providerId="LiveId" clId="{332BE8A4-B281-294F-AB14-0DCB2E557640}" dt="2024-10-30T23:12:50.963" v="25"/>
+            <ac:spMkLst>
+              <pc:docMk/>
+              <pc:sldMasterMk cId="0" sldId="2147483648"/>
+              <pc:sldLayoutMk cId="532655147" sldId="2147483659"/>
+              <ac:spMk id="3" creationId="{489CC0A1-7614-B570-C53B-7E5E7D2A0D40}"/>
+            </ac:spMkLst>
+          </pc:spChg>
+        </pc:sldLayoutChg>
+        <pc:sldLayoutChg chg="modSp">
+          <pc:chgData name="Brian Campbell" userId="a27f3cf3f583021c" providerId="LiveId" clId="{332BE8A4-B281-294F-AB14-0DCB2E557640}" dt="2024-10-30T23:12:50.963" v="25"/>
+          <pc:sldLayoutMkLst>
+            <pc:docMk/>
+            <pc:sldMasterMk cId="0" sldId="2147483648"/>
+            <pc:sldLayoutMk cId="3438446931" sldId="2147483660"/>
+          </pc:sldLayoutMkLst>
+          <pc:spChg chg="mod">
+            <ac:chgData name="Brian Campbell" userId="a27f3cf3f583021c" providerId="LiveId" clId="{332BE8A4-B281-294F-AB14-0DCB2E557640}" dt="2024-10-30T23:12:50.963" v="25"/>
+            <ac:spMkLst>
+              <pc:docMk/>
+              <pc:sldMasterMk cId="0" sldId="2147483648"/>
+              <pc:sldLayoutMk cId="3438446931" sldId="2147483660"/>
+              <ac:spMk id="2" creationId="{487F5D10-4314-1155-CA18-2FA1D108F517}"/>
+            </ac:spMkLst>
+          </pc:spChg>
+          <pc:spChg chg="mod">
+            <ac:chgData name="Brian Campbell" userId="a27f3cf3f583021c" providerId="LiveId" clId="{332BE8A4-B281-294F-AB14-0DCB2E557640}" dt="2024-10-30T23:12:50.963" v="25"/>
+            <ac:spMkLst>
+              <pc:docMk/>
+              <pc:sldMasterMk cId="0" sldId="2147483648"/>
+              <pc:sldLayoutMk cId="3438446931" sldId="2147483660"/>
+              <ac:spMk id="3" creationId="{0708B474-900A-E188-7D4C-A190A1304C16}"/>
+            </ac:spMkLst>
+          </pc:spChg>
+        </pc:sldLayoutChg>
+      </pc:sldMasterChg>
+    </pc:docChg>
+  </pc:docChgLst>
+</pc:chgInfo>
 </file>
 
 <file path=ppt/notesMasters/notesMaster1.xml><?xml version="1.0" encoding="utf-8"?>
@@ -342,7 +921,7 @@
             </a:extLst>
           </p:cNvPr>
           <p:cNvSpPr>
-            <a:spLocks noRot="1" noChangeArrowheads="1" noTextEdit="1"/>
+            <a:spLocks noGrp="1" noRot="1" noChangeAspect="1" noChangeArrowheads="1" noTextEdit="1"/>
           </p:cNvSpPr>
           <p:nvPr>
             <p:ph type="sldImg" idx="2"/>
@@ -350,8 +929,8 @@
         </p:nvSpPr>
         <p:spPr bwMode="auto">
           <a:xfrm>
-            <a:off x="1143000" y="685800"/>
-            <a:ext cx="4572000" cy="3429000"/>
+            <a:off x="381000" y="685800"/>
+            <a:ext cx="6096000" cy="3429000"/>
           </a:xfrm>
           <a:prstGeom prst="rect">
             <a:avLst/>
@@ -824,13 +1403,17 @@
             </a:extLst>
           </p:cNvPr>
           <p:cNvSpPr>
-            <a:spLocks noRot="1" noChangeArrowheads="1" noTextEdit="1"/>
+            <a:spLocks noGrp="1" noRot="1" noChangeAspect="1" noChangeArrowheads="1" noTextEdit="1"/>
           </p:cNvSpPr>
           <p:nvPr>
             <p:ph type="sldImg"/>
           </p:nvPr>
         </p:nvSpPr>
         <p:spPr>
+          <a:xfrm>
+            <a:off x="381000" y="685800"/>
+            <a:ext cx="6096000" cy="3429000"/>
+          </a:xfrm>
           <a:ln/>
         </p:spPr>
       </p:sp>
@@ -860,6 +1443,240 @@
         </p:txBody>
       </p:sp>
     </p:spTree>
+  </p:cSld>
+  <p:clrMapOvr>
+    <a:masterClrMapping/>
+  </p:clrMapOvr>
+</p:notes>
+</file>
+
+<file path=ppt/notesSlides/notesSlide10.xml><?xml version="1.0" encoding="utf-8"?>
+<p:notes xmlns:a="http://schemas.openxmlformats.org/drawingml/2006/main" xmlns:r="http://schemas.openxmlformats.org/officeDocument/2006/relationships" xmlns:p="http://schemas.openxmlformats.org/presentationml/2006/main">
+  <p:cSld>
+    <p:spTree>
+      <p:nvGrpSpPr>
+        <p:cNvPr id="1" name="">
+          <a:extLst>
+            <a:ext uri="{FF2B5EF4-FFF2-40B4-BE49-F238E27FC236}">
+              <a16:creationId xmlns:a16="http://schemas.microsoft.com/office/drawing/2014/main" id="{B3CD392A-14F9-DC48-F623-4B4B8B017551}"/>
+            </a:ext>
+          </a:extLst>
+        </p:cNvPr>
+        <p:cNvGrpSpPr/>
+        <p:nvPr/>
+      </p:nvGrpSpPr>
+      <p:grpSpPr>
+        <a:xfrm>
+          <a:off x="0" y="0"/>
+          <a:ext cx="0" cy="0"/>
+          <a:chOff x="0" y="0"/>
+          <a:chExt cx="0" cy="0"/>
+        </a:xfrm>
+      </p:grpSpPr>
+      <p:sp>
+        <p:nvSpPr>
+          <p:cNvPr id="5" name="Rectangle 7">
+            <a:extLst>
+              <a:ext uri="{FF2B5EF4-FFF2-40B4-BE49-F238E27FC236}">
+                <a16:creationId xmlns:a16="http://schemas.microsoft.com/office/drawing/2014/main" id="{083718B2-4462-8397-C02C-DADC2BAF39E5}"/>
+              </a:ext>
+            </a:extLst>
+          </p:cNvPr>
+          <p:cNvSpPr>
+            <a:spLocks noGrp="1" noChangeArrowheads="1"/>
+          </p:cNvSpPr>
+          <p:nvPr>
+            <p:ph type="sldNum" sz="quarter" idx="5"/>
+          </p:nvPr>
+        </p:nvSpPr>
+        <p:spPr>
+          <a:ln/>
+        </p:spPr>
+        <p:txBody>
+          <a:bodyPr/>
+          <a:lstStyle/>
+          <a:p>
+            <a:fld id="{72714AC3-856D-8240-A596-99823160380B}" type="slidenum">
+              <a:rPr lang="en-US" altLang="en-US"/>
+              <a:pPr/>
+              <a:t>10</a:t>
+            </a:fld>
+            <a:endParaRPr lang="en-US" altLang="en-US"/>
+          </a:p>
+        </p:txBody>
+      </p:sp>
+      <p:sp>
+        <p:nvSpPr>
+          <p:cNvPr id="110594" name="Rectangle 2">
+            <a:extLst>
+              <a:ext uri="{FF2B5EF4-FFF2-40B4-BE49-F238E27FC236}">
+                <a16:creationId xmlns:a16="http://schemas.microsoft.com/office/drawing/2014/main" id="{C400A3C2-0791-0E95-5C58-0626FFE15500}"/>
+              </a:ext>
+            </a:extLst>
+          </p:cNvPr>
+          <p:cNvSpPr>
+            <a:spLocks noGrp="1" noRot="1" noChangeAspect="1" noChangeArrowheads="1" noTextEdit="1"/>
+          </p:cNvSpPr>
+          <p:nvPr>
+            <p:ph type="sldImg"/>
+          </p:nvPr>
+        </p:nvSpPr>
+        <p:spPr>
+          <a:xfrm>
+            <a:off x="381000" y="685800"/>
+            <a:ext cx="6096000" cy="3429000"/>
+          </a:xfrm>
+          <a:ln/>
+        </p:spPr>
+      </p:sp>
+      <p:sp>
+        <p:nvSpPr>
+          <p:cNvPr id="110595" name="Rectangle 3">
+            <a:extLst>
+              <a:ext uri="{FF2B5EF4-FFF2-40B4-BE49-F238E27FC236}">
+                <a16:creationId xmlns:a16="http://schemas.microsoft.com/office/drawing/2014/main" id="{55A63551-267C-A06D-631F-88B2A7A44400}"/>
+              </a:ext>
+            </a:extLst>
+          </p:cNvPr>
+          <p:cNvSpPr>
+            <a:spLocks noGrp="1" noChangeArrowheads="1"/>
+          </p:cNvSpPr>
+          <p:nvPr>
+            <p:ph type="body" idx="1"/>
+          </p:nvPr>
+        </p:nvSpPr>
+        <p:spPr/>
+        <p:txBody>
+          <a:bodyPr/>
+          <a:lstStyle/>
+          <a:p>
+            <a:endParaRPr lang="ru-RU" altLang="en-US"/>
+          </a:p>
+        </p:txBody>
+      </p:sp>
+    </p:spTree>
+    <p:extLst>
+      <p:ext uri="{BB962C8B-B14F-4D97-AF65-F5344CB8AC3E}">
+        <p14:creationId xmlns:p14="http://schemas.microsoft.com/office/powerpoint/2010/main" val="3507375448"/>
+      </p:ext>
+    </p:extLst>
+  </p:cSld>
+  <p:clrMapOvr>
+    <a:masterClrMapping/>
+  </p:clrMapOvr>
+</p:notes>
+</file>
+
+<file path=ppt/notesSlides/notesSlide11.xml><?xml version="1.0" encoding="utf-8"?>
+<p:notes xmlns:a="http://schemas.openxmlformats.org/drawingml/2006/main" xmlns:r="http://schemas.openxmlformats.org/officeDocument/2006/relationships" xmlns:p="http://schemas.openxmlformats.org/presentationml/2006/main">
+  <p:cSld>
+    <p:spTree>
+      <p:nvGrpSpPr>
+        <p:cNvPr id="1" name="">
+          <a:extLst>
+            <a:ext uri="{FF2B5EF4-FFF2-40B4-BE49-F238E27FC236}">
+              <a16:creationId xmlns:a16="http://schemas.microsoft.com/office/drawing/2014/main" id="{CE4C851F-A9C1-542D-9E12-27469A9472F8}"/>
+            </a:ext>
+          </a:extLst>
+        </p:cNvPr>
+        <p:cNvGrpSpPr/>
+        <p:nvPr/>
+      </p:nvGrpSpPr>
+      <p:grpSpPr>
+        <a:xfrm>
+          <a:off x="0" y="0"/>
+          <a:ext cx="0" cy="0"/>
+          <a:chOff x="0" y="0"/>
+          <a:chExt cx="0" cy="0"/>
+        </a:xfrm>
+      </p:grpSpPr>
+      <p:sp>
+        <p:nvSpPr>
+          <p:cNvPr id="5" name="Rectangle 7">
+            <a:extLst>
+              <a:ext uri="{FF2B5EF4-FFF2-40B4-BE49-F238E27FC236}">
+                <a16:creationId xmlns:a16="http://schemas.microsoft.com/office/drawing/2014/main" id="{7790798E-0F52-AE7E-F496-81F086C980BF}"/>
+              </a:ext>
+            </a:extLst>
+          </p:cNvPr>
+          <p:cNvSpPr>
+            <a:spLocks noGrp="1" noChangeArrowheads="1"/>
+          </p:cNvSpPr>
+          <p:nvPr>
+            <p:ph type="sldNum" sz="quarter" idx="5"/>
+          </p:nvPr>
+        </p:nvSpPr>
+        <p:spPr>
+          <a:ln/>
+        </p:spPr>
+        <p:txBody>
+          <a:bodyPr/>
+          <a:lstStyle/>
+          <a:p>
+            <a:fld id="{4BD7FB76-6670-314C-87BE-DA7DB39FC241}" type="slidenum">
+              <a:rPr lang="en-US" altLang="en-US"/>
+              <a:pPr/>
+              <a:t>11</a:t>
+            </a:fld>
+            <a:endParaRPr lang="en-US" altLang="en-US"/>
+          </a:p>
+        </p:txBody>
+      </p:sp>
+      <p:sp>
+        <p:nvSpPr>
+          <p:cNvPr id="107522" name="Rectangle 2">
+            <a:extLst>
+              <a:ext uri="{FF2B5EF4-FFF2-40B4-BE49-F238E27FC236}">
+                <a16:creationId xmlns:a16="http://schemas.microsoft.com/office/drawing/2014/main" id="{B3ACD148-666D-EF31-7355-A089BB2E6C9B}"/>
+              </a:ext>
+            </a:extLst>
+          </p:cNvPr>
+          <p:cNvSpPr>
+            <a:spLocks noGrp="1" noRot="1" noChangeAspect="1" noChangeArrowheads="1" noTextEdit="1"/>
+          </p:cNvSpPr>
+          <p:nvPr>
+            <p:ph type="sldImg"/>
+          </p:nvPr>
+        </p:nvSpPr>
+        <p:spPr>
+          <a:xfrm>
+            <a:off x="381000" y="685800"/>
+            <a:ext cx="6096000" cy="3429000"/>
+          </a:xfrm>
+          <a:ln/>
+        </p:spPr>
+      </p:sp>
+      <p:sp>
+        <p:nvSpPr>
+          <p:cNvPr id="107523" name="Rectangle 3">
+            <a:extLst>
+              <a:ext uri="{FF2B5EF4-FFF2-40B4-BE49-F238E27FC236}">
+                <a16:creationId xmlns:a16="http://schemas.microsoft.com/office/drawing/2014/main" id="{8B46DFA2-DBA0-643A-4425-CA42E01C3808}"/>
+              </a:ext>
+            </a:extLst>
+          </p:cNvPr>
+          <p:cNvSpPr>
+            <a:spLocks noGrp="1" noChangeArrowheads="1"/>
+          </p:cNvSpPr>
+          <p:nvPr>
+            <p:ph type="body" idx="1"/>
+          </p:nvPr>
+        </p:nvSpPr>
+        <p:spPr/>
+        <p:txBody>
+          <a:bodyPr/>
+          <a:lstStyle/>
+          <a:p>
+            <a:endParaRPr lang="ru-RU" altLang="en-US"/>
+          </a:p>
+        </p:txBody>
+      </p:sp>
+    </p:spTree>
+    <p:extLst>
+      <p:ext uri="{BB962C8B-B14F-4D97-AF65-F5344CB8AC3E}">
+        <p14:creationId xmlns:p14="http://schemas.microsoft.com/office/powerpoint/2010/main" val="3044108689"/>
+      </p:ext>
+    </p:extLst>
   </p:cSld>
   <p:clrMapOvr>
     <a:masterClrMapping/>
@@ -872,7 +1689,13 @@
   <p:cSld>
     <p:spTree>
       <p:nvGrpSpPr>
-        <p:cNvPr id="1" name=""/>
+        <p:cNvPr id="1" name="">
+          <a:extLst>
+            <a:ext uri="{FF2B5EF4-FFF2-40B4-BE49-F238E27FC236}">
+              <a16:creationId xmlns:a16="http://schemas.microsoft.com/office/drawing/2014/main" id="{3657E9A4-D0B7-E206-D894-58DB88474423}"/>
+            </a:ext>
+          </a:extLst>
+        </p:cNvPr>
         <p:cNvGrpSpPr/>
         <p:nvPr/>
       </p:nvGrpSpPr>
@@ -889,7 +1712,7 @@
           <p:cNvPr id="5" name="Rectangle 7">
             <a:extLst>
               <a:ext uri="{FF2B5EF4-FFF2-40B4-BE49-F238E27FC236}">
-                <a16:creationId xmlns:a16="http://schemas.microsoft.com/office/drawing/2014/main" id="{CAB8C572-8C33-C276-7C46-BE35085E0A6C}"/>
+                <a16:creationId xmlns:a16="http://schemas.microsoft.com/office/drawing/2014/main" id="{17841B67-0170-AC37-82E0-F77DE26BCBB6}"/>
               </a:ext>
             </a:extLst>
           </p:cNvPr>
@@ -907,7 +1730,7 @@
           <a:bodyPr/>
           <a:lstStyle/>
           <a:p>
-            <a:fld id="{B47DC529-25A3-A843-BA63-DDCF7B2E7E52}" type="slidenum">
+            <a:fld id="{72714AC3-856D-8240-A596-99823160380B}" type="slidenum">
               <a:rPr lang="en-US" altLang="en-US"/>
               <a:pPr/>
               <a:t>2</a:t>
@@ -918,30 +1741,34 @@
       </p:sp>
       <p:sp>
         <p:nvSpPr>
-          <p:cNvPr id="112642" name="Rectangle 2">
+          <p:cNvPr id="110594" name="Rectangle 2">
             <a:extLst>
               <a:ext uri="{FF2B5EF4-FFF2-40B4-BE49-F238E27FC236}">
-                <a16:creationId xmlns:a16="http://schemas.microsoft.com/office/drawing/2014/main" id="{69644918-2C11-9B92-8487-4DB646F7EA22}"/>
+                <a16:creationId xmlns:a16="http://schemas.microsoft.com/office/drawing/2014/main" id="{F15DB56E-A048-4835-A2B4-01A79424714A}"/>
               </a:ext>
             </a:extLst>
           </p:cNvPr>
           <p:cNvSpPr>
-            <a:spLocks noRot="1" noChangeArrowheads="1" noTextEdit="1"/>
+            <a:spLocks noGrp="1" noRot="1" noChangeAspect="1" noChangeArrowheads="1" noTextEdit="1"/>
           </p:cNvSpPr>
           <p:nvPr>
             <p:ph type="sldImg"/>
           </p:nvPr>
         </p:nvSpPr>
         <p:spPr>
+          <a:xfrm>
+            <a:off x="381000" y="685800"/>
+            <a:ext cx="6096000" cy="3429000"/>
+          </a:xfrm>
           <a:ln/>
         </p:spPr>
       </p:sp>
       <p:sp>
         <p:nvSpPr>
-          <p:cNvPr id="112643" name="Rectangle 3">
+          <p:cNvPr id="110595" name="Rectangle 3">
             <a:extLst>
               <a:ext uri="{FF2B5EF4-FFF2-40B4-BE49-F238E27FC236}">
-                <a16:creationId xmlns:a16="http://schemas.microsoft.com/office/drawing/2014/main" id="{5BE6AC75-2DFE-342B-7A8B-DA950683D431}"/>
+                <a16:creationId xmlns:a16="http://schemas.microsoft.com/office/drawing/2014/main" id="{20099975-FFC6-6D10-1812-9D65F66BF236}"/>
               </a:ext>
             </a:extLst>
           </p:cNvPr>
@@ -962,6 +1789,11 @@
         </p:txBody>
       </p:sp>
     </p:spTree>
+    <p:extLst>
+      <p:ext uri="{BB962C8B-B14F-4D97-AF65-F5344CB8AC3E}">
+        <p14:creationId xmlns:p14="http://schemas.microsoft.com/office/powerpoint/2010/main" val="3591210236"/>
+      </p:ext>
+    </p:extLst>
   </p:cSld>
   <p:clrMapOvr>
     <a:masterClrMapping/>
@@ -1028,13 +1860,17 @@
             </a:extLst>
           </p:cNvPr>
           <p:cNvSpPr>
-            <a:spLocks noRot="1" noChangeArrowheads="1" noTextEdit="1"/>
+            <a:spLocks noGrp="1" noRot="1" noChangeAspect="1" noChangeArrowheads="1" noTextEdit="1"/>
           </p:cNvSpPr>
           <p:nvPr>
             <p:ph type="sldImg"/>
           </p:nvPr>
         </p:nvSpPr>
         <p:spPr>
+          <a:xfrm>
+            <a:off x="381000" y="685800"/>
+            <a:ext cx="6096000" cy="3429000"/>
+          </a:xfrm>
           <a:ln/>
         </p:spPr>
       </p:sp>
@@ -1064,6 +1900,708 @@
         </p:txBody>
       </p:sp>
     </p:spTree>
+  </p:cSld>
+  <p:clrMapOvr>
+    <a:masterClrMapping/>
+  </p:clrMapOvr>
+</p:notes>
+</file>
+
+<file path=ppt/notesSlides/notesSlide4.xml><?xml version="1.0" encoding="utf-8"?>
+<p:notes xmlns:a="http://schemas.openxmlformats.org/drawingml/2006/main" xmlns:r="http://schemas.openxmlformats.org/officeDocument/2006/relationships" xmlns:p="http://schemas.openxmlformats.org/presentationml/2006/main">
+  <p:cSld>
+    <p:spTree>
+      <p:nvGrpSpPr>
+        <p:cNvPr id="1" name="">
+          <a:extLst>
+            <a:ext uri="{FF2B5EF4-FFF2-40B4-BE49-F238E27FC236}">
+              <a16:creationId xmlns:a16="http://schemas.microsoft.com/office/drawing/2014/main" id="{403E21DD-D88A-4DFC-27FE-2CCCA9432EF3}"/>
+            </a:ext>
+          </a:extLst>
+        </p:cNvPr>
+        <p:cNvGrpSpPr/>
+        <p:nvPr/>
+      </p:nvGrpSpPr>
+      <p:grpSpPr>
+        <a:xfrm>
+          <a:off x="0" y="0"/>
+          <a:ext cx="0" cy="0"/>
+          <a:chOff x="0" y="0"/>
+          <a:chExt cx="0" cy="0"/>
+        </a:xfrm>
+      </p:grpSpPr>
+      <p:sp>
+        <p:nvSpPr>
+          <p:cNvPr id="5" name="Rectangle 7">
+            <a:extLst>
+              <a:ext uri="{FF2B5EF4-FFF2-40B4-BE49-F238E27FC236}">
+                <a16:creationId xmlns:a16="http://schemas.microsoft.com/office/drawing/2014/main" id="{DBC42508-4A5B-0DCE-67D6-316DC970C35A}"/>
+              </a:ext>
+            </a:extLst>
+          </p:cNvPr>
+          <p:cNvSpPr>
+            <a:spLocks noGrp="1" noChangeArrowheads="1"/>
+          </p:cNvSpPr>
+          <p:nvPr>
+            <p:ph type="sldNum" sz="quarter" idx="5"/>
+          </p:nvPr>
+        </p:nvSpPr>
+        <p:spPr>
+          <a:ln/>
+        </p:spPr>
+        <p:txBody>
+          <a:bodyPr/>
+          <a:lstStyle/>
+          <a:p>
+            <a:fld id="{72714AC3-856D-8240-A596-99823160380B}" type="slidenum">
+              <a:rPr lang="en-US" altLang="en-US"/>
+              <a:pPr/>
+              <a:t>4</a:t>
+            </a:fld>
+            <a:endParaRPr lang="en-US" altLang="en-US"/>
+          </a:p>
+        </p:txBody>
+      </p:sp>
+      <p:sp>
+        <p:nvSpPr>
+          <p:cNvPr id="110594" name="Rectangle 2">
+            <a:extLst>
+              <a:ext uri="{FF2B5EF4-FFF2-40B4-BE49-F238E27FC236}">
+                <a16:creationId xmlns:a16="http://schemas.microsoft.com/office/drawing/2014/main" id="{DE521AD7-8F3D-3580-0580-8E948E6D8FF5}"/>
+              </a:ext>
+            </a:extLst>
+          </p:cNvPr>
+          <p:cNvSpPr>
+            <a:spLocks noGrp="1" noRot="1" noChangeAspect="1" noChangeArrowheads="1" noTextEdit="1"/>
+          </p:cNvSpPr>
+          <p:nvPr>
+            <p:ph type="sldImg"/>
+          </p:nvPr>
+        </p:nvSpPr>
+        <p:spPr>
+          <a:xfrm>
+            <a:off x="381000" y="685800"/>
+            <a:ext cx="6096000" cy="3429000"/>
+          </a:xfrm>
+          <a:ln/>
+        </p:spPr>
+      </p:sp>
+      <p:sp>
+        <p:nvSpPr>
+          <p:cNvPr id="110595" name="Rectangle 3">
+            <a:extLst>
+              <a:ext uri="{FF2B5EF4-FFF2-40B4-BE49-F238E27FC236}">
+                <a16:creationId xmlns:a16="http://schemas.microsoft.com/office/drawing/2014/main" id="{0ED1955B-3D80-28E1-C2FE-BB75A700A5A9}"/>
+              </a:ext>
+            </a:extLst>
+          </p:cNvPr>
+          <p:cNvSpPr>
+            <a:spLocks noGrp="1" noChangeArrowheads="1"/>
+          </p:cNvSpPr>
+          <p:nvPr>
+            <p:ph type="body" idx="1"/>
+          </p:nvPr>
+        </p:nvSpPr>
+        <p:spPr/>
+        <p:txBody>
+          <a:bodyPr/>
+          <a:lstStyle/>
+          <a:p>
+            <a:endParaRPr lang="ru-RU" altLang="en-US"/>
+          </a:p>
+        </p:txBody>
+      </p:sp>
+    </p:spTree>
+    <p:extLst>
+      <p:ext uri="{BB962C8B-B14F-4D97-AF65-F5344CB8AC3E}">
+        <p14:creationId xmlns:p14="http://schemas.microsoft.com/office/powerpoint/2010/main" val="3345929448"/>
+      </p:ext>
+    </p:extLst>
+  </p:cSld>
+  <p:clrMapOvr>
+    <a:masterClrMapping/>
+  </p:clrMapOvr>
+</p:notes>
+</file>
+
+<file path=ppt/notesSlides/notesSlide5.xml><?xml version="1.0" encoding="utf-8"?>
+<p:notes xmlns:a="http://schemas.openxmlformats.org/drawingml/2006/main" xmlns:r="http://schemas.openxmlformats.org/officeDocument/2006/relationships" xmlns:p="http://schemas.openxmlformats.org/presentationml/2006/main">
+  <p:cSld>
+    <p:spTree>
+      <p:nvGrpSpPr>
+        <p:cNvPr id="1" name="">
+          <a:extLst>
+            <a:ext uri="{FF2B5EF4-FFF2-40B4-BE49-F238E27FC236}">
+              <a16:creationId xmlns:a16="http://schemas.microsoft.com/office/drawing/2014/main" id="{B5EDF8AE-B204-607A-6A64-0201506B3D18}"/>
+            </a:ext>
+          </a:extLst>
+        </p:cNvPr>
+        <p:cNvGrpSpPr/>
+        <p:nvPr/>
+      </p:nvGrpSpPr>
+      <p:grpSpPr>
+        <a:xfrm>
+          <a:off x="0" y="0"/>
+          <a:ext cx="0" cy="0"/>
+          <a:chOff x="0" y="0"/>
+          <a:chExt cx="0" cy="0"/>
+        </a:xfrm>
+      </p:grpSpPr>
+      <p:sp>
+        <p:nvSpPr>
+          <p:cNvPr id="5" name="Rectangle 7">
+            <a:extLst>
+              <a:ext uri="{FF2B5EF4-FFF2-40B4-BE49-F238E27FC236}">
+                <a16:creationId xmlns:a16="http://schemas.microsoft.com/office/drawing/2014/main" id="{B816F9B5-5777-1775-BA2A-FBDE01CAFF3F}"/>
+              </a:ext>
+            </a:extLst>
+          </p:cNvPr>
+          <p:cNvSpPr>
+            <a:spLocks noGrp="1" noChangeArrowheads="1"/>
+          </p:cNvSpPr>
+          <p:nvPr>
+            <p:ph type="sldNum" sz="quarter" idx="5"/>
+          </p:nvPr>
+        </p:nvSpPr>
+        <p:spPr>
+          <a:ln/>
+        </p:spPr>
+        <p:txBody>
+          <a:bodyPr/>
+          <a:lstStyle/>
+          <a:p>
+            <a:fld id="{72714AC3-856D-8240-A596-99823160380B}" type="slidenum">
+              <a:rPr lang="en-US" altLang="en-US"/>
+              <a:pPr/>
+              <a:t>5</a:t>
+            </a:fld>
+            <a:endParaRPr lang="en-US" altLang="en-US"/>
+          </a:p>
+        </p:txBody>
+      </p:sp>
+      <p:sp>
+        <p:nvSpPr>
+          <p:cNvPr id="110594" name="Rectangle 2">
+            <a:extLst>
+              <a:ext uri="{FF2B5EF4-FFF2-40B4-BE49-F238E27FC236}">
+                <a16:creationId xmlns:a16="http://schemas.microsoft.com/office/drawing/2014/main" id="{E5B43A40-D4E2-3B76-06BA-4DC3A2B83833}"/>
+              </a:ext>
+            </a:extLst>
+          </p:cNvPr>
+          <p:cNvSpPr>
+            <a:spLocks noGrp="1" noRot="1" noChangeAspect="1" noChangeArrowheads="1" noTextEdit="1"/>
+          </p:cNvSpPr>
+          <p:nvPr>
+            <p:ph type="sldImg"/>
+          </p:nvPr>
+        </p:nvSpPr>
+        <p:spPr>
+          <a:xfrm>
+            <a:off x="381000" y="685800"/>
+            <a:ext cx="6096000" cy="3429000"/>
+          </a:xfrm>
+          <a:ln/>
+        </p:spPr>
+      </p:sp>
+      <p:sp>
+        <p:nvSpPr>
+          <p:cNvPr id="110595" name="Rectangle 3">
+            <a:extLst>
+              <a:ext uri="{FF2B5EF4-FFF2-40B4-BE49-F238E27FC236}">
+                <a16:creationId xmlns:a16="http://schemas.microsoft.com/office/drawing/2014/main" id="{232B8124-893E-A355-85F5-4096D47A61C1}"/>
+              </a:ext>
+            </a:extLst>
+          </p:cNvPr>
+          <p:cNvSpPr>
+            <a:spLocks noGrp="1" noChangeArrowheads="1"/>
+          </p:cNvSpPr>
+          <p:nvPr>
+            <p:ph type="body" idx="1"/>
+          </p:nvPr>
+        </p:nvSpPr>
+        <p:spPr/>
+        <p:txBody>
+          <a:bodyPr/>
+          <a:lstStyle/>
+          <a:p>
+            <a:endParaRPr lang="ru-RU" altLang="en-US"/>
+          </a:p>
+        </p:txBody>
+      </p:sp>
+    </p:spTree>
+    <p:extLst>
+      <p:ext uri="{BB962C8B-B14F-4D97-AF65-F5344CB8AC3E}">
+        <p14:creationId xmlns:p14="http://schemas.microsoft.com/office/powerpoint/2010/main" val="1271499565"/>
+      </p:ext>
+    </p:extLst>
+  </p:cSld>
+  <p:clrMapOvr>
+    <a:masterClrMapping/>
+  </p:clrMapOvr>
+</p:notes>
+</file>
+
+<file path=ppt/notesSlides/notesSlide6.xml><?xml version="1.0" encoding="utf-8"?>
+<p:notes xmlns:a="http://schemas.openxmlformats.org/drawingml/2006/main" xmlns:r="http://schemas.openxmlformats.org/officeDocument/2006/relationships" xmlns:p="http://schemas.openxmlformats.org/presentationml/2006/main">
+  <p:cSld>
+    <p:spTree>
+      <p:nvGrpSpPr>
+        <p:cNvPr id="1" name="">
+          <a:extLst>
+            <a:ext uri="{FF2B5EF4-FFF2-40B4-BE49-F238E27FC236}">
+              <a16:creationId xmlns:a16="http://schemas.microsoft.com/office/drawing/2014/main" id="{573B5F29-E6A9-31AE-729B-7BFFEA0F0AFE}"/>
+            </a:ext>
+          </a:extLst>
+        </p:cNvPr>
+        <p:cNvGrpSpPr/>
+        <p:nvPr/>
+      </p:nvGrpSpPr>
+      <p:grpSpPr>
+        <a:xfrm>
+          <a:off x="0" y="0"/>
+          <a:ext cx="0" cy="0"/>
+          <a:chOff x="0" y="0"/>
+          <a:chExt cx="0" cy="0"/>
+        </a:xfrm>
+      </p:grpSpPr>
+      <p:sp>
+        <p:nvSpPr>
+          <p:cNvPr id="5" name="Rectangle 7">
+            <a:extLst>
+              <a:ext uri="{FF2B5EF4-FFF2-40B4-BE49-F238E27FC236}">
+                <a16:creationId xmlns:a16="http://schemas.microsoft.com/office/drawing/2014/main" id="{27349C66-5FB2-A45F-3E9D-6BEC8D30B348}"/>
+              </a:ext>
+            </a:extLst>
+          </p:cNvPr>
+          <p:cNvSpPr>
+            <a:spLocks noGrp="1" noChangeArrowheads="1"/>
+          </p:cNvSpPr>
+          <p:nvPr>
+            <p:ph type="sldNum" sz="quarter" idx="5"/>
+          </p:nvPr>
+        </p:nvSpPr>
+        <p:spPr>
+          <a:ln/>
+        </p:spPr>
+        <p:txBody>
+          <a:bodyPr/>
+          <a:lstStyle/>
+          <a:p>
+            <a:fld id="{72714AC3-856D-8240-A596-99823160380B}" type="slidenum">
+              <a:rPr lang="en-US" altLang="en-US"/>
+              <a:pPr/>
+              <a:t>6</a:t>
+            </a:fld>
+            <a:endParaRPr lang="en-US" altLang="en-US"/>
+          </a:p>
+        </p:txBody>
+      </p:sp>
+      <p:sp>
+        <p:nvSpPr>
+          <p:cNvPr id="110594" name="Rectangle 2">
+            <a:extLst>
+              <a:ext uri="{FF2B5EF4-FFF2-40B4-BE49-F238E27FC236}">
+                <a16:creationId xmlns:a16="http://schemas.microsoft.com/office/drawing/2014/main" id="{48B4AEDC-6C4E-6A71-E095-77859761CB6C}"/>
+              </a:ext>
+            </a:extLst>
+          </p:cNvPr>
+          <p:cNvSpPr>
+            <a:spLocks noGrp="1" noRot="1" noChangeAspect="1" noChangeArrowheads="1" noTextEdit="1"/>
+          </p:cNvSpPr>
+          <p:nvPr>
+            <p:ph type="sldImg"/>
+          </p:nvPr>
+        </p:nvSpPr>
+        <p:spPr>
+          <a:xfrm>
+            <a:off x="381000" y="685800"/>
+            <a:ext cx="6096000" cy="3429000"/>
+          </a:xfrm>
+          <a:ln/>
+        </p:spPr>
+      </p:sp>
+      <p:sp>
+        <p:nvSpPr>
+          <p:cNvPr id="110595" name="Rectangle 3">
+            <a:extLst>
+              <a:ext uri="{FF2B5EF4-FFF2-40B4-BE49-F238E27FC236}">
+                <a16:creationId xmlns:a16="http://schemas.microsoft.com/office/drawing/2014/main" id="{F6230E2E-5ED0-0850-AAB2-6B760057A0E7}"/>
+              </a:ext>
+            </a:extLst>
+          </p:cNvPr>
+          <p:cNvSpPr>
+            <a:spLocks noGrp="1" noChangeArrowheads="1"/>
+          </p:cNvSpPr>
+          <p:nvPr>
+            <p:ph type="body" idx="1"/>
+          </p:nvPr>
+        </p:nvSpPr>
+        <p:spPr/>
+        <p:txBody>
+          <a:bodyPr/>
+          <a:lstStyle/>
+          <a:p>
+            <a:endParaRPr lang="ru-RU" altLang="en-US"/>
+          </a:p>
+        </p:txBody>
+      </p:sp>
+    </p:spTree>
+    <p:extLst>
+      <p:ext uri="{BB962C8B-B14F-4D97-AF65-F5344CB8AC3E}">
+        <p14:creationId xmlns:p14="http://schemas.microsoft.com/office/powerpoint/2010/main" val="3519760965"/>
+      </p:ext>
+    </p:extLst>
+  </p:cSld>
+  <p:clrMapOvr>
+    <a:masterClrMapping/>
+  </p:clrMapOvr>
+</p:notes>
+</file>
+
+<file path=ppt/notesSlides/notesSlide7.xml><?xml version="1.0" encoding="utf-8"?>
+<p:notes xmlns:a="http://schemas.openxmlformats.org/drawingml/2006/main" xmlns:r="http://schemas.openxmlformats.org/officeDocument/2006/relationships" xmlns:p="http://schemas.openxmlformats.org/presentationml/2006/main">
+  <p:cSld>
+    <p:spTree>
+      <p:nvGrpSpPr>
+        <p:cNvPr id="1" name="">
+          <a:extLst>
+            <a:ext uri="{FF2B5EF4-FFF2-40B4-BE49-F238E27FC236}">
+              <a16:creationId xmlns:a16="http://schemas.microsoft.com/office/drawing/2014/main" id="{A7246B66-3BA6-21ED-E490-AF4759EE17C4}"/>
+            </a:ext>
+          </a:extLst>
+        </p:cNvPr>
+        <p:cNvGrpSpPr/>
+        <p:nvPr/>
+      </p:nvGrpSpPr>
+      <p:grpSpPr>
+        <a:xfrm>
+          <a:off x="0" y="0"/>
+          <a:ext cx="0" cy="0"/>
+          <a:chOff x="0" y="0"/>
+          <a:chExt cx="0" cy="0"/>
+        </a:xfrm>
+      </p:grpSpPr>
+      <p:sp>
+        <p:nvSpPr>
+          <p:cNvPr id="5" name="Rectangle 7">
+            <a:extLst>
+              <a:ext uri="{FF2B5EF4-FFF2-40B4-BE49-F238E27FC236}">
+                <a16:creationId xmlns:a16="http://schemas.microsoft.com/office/drawing/2014/main" id="{474C36B9-502F-F22A-CA46-994624C4C400}"/>
+              </a:ext>
+            </a:extLst>
+          </p:cNvPr>
+          <p:cNvSpPr>
+            <a:spLocks noGrp="1" noChangeArrowheads="1"/>
+          </p:cNvSpPr>
+          <p:nvPr>
+            <p:ph type="sldNum" sz="quarter" idx="5"/>
+          </p:nvPr>
+        </p:nvSpPr>
+        <p:spPr>
+          <a:ln/>
+        </p:spPr>
+        <p:txBody>
+          <a:bodyPr/>
+          <a:lstStyle/>
+          <a:p>
+            <a:fld id="{72714AC3-856D-8240-A596-99823160380B}" type="slidenum">
+              <a:rPr lang="en-US" altLang="en-US"/>
+              <a:pPr/>
+              <a:t>7</a:t>
+            </a:fld>
+            <a:endParaRPr lang="en-US" altLang="en-US"/>
+          </a:p>
+        </p:txBody>
+      </p:sp>
+      <p:sp>
+        <p:nvSpPr>
+          <p:cNvPr id="110594" name="Rectangle 2">
+            <a:extLst>
+              <a:ext uri="{FF2B5EF4-FFF2-40B4-BE49-F238E27FC236}">
+                <a16:creationId xmlns:a16="http://schemas.microsoft.com/office/drawing/2014/main" id="{CE9FEFE1-03E1-D010-2624-89273F66DF3B}"/>
+              </a:ext>
+            </a:extLst>
+          </p:cNvPr>
+          <p:cNvSpPr>
+            <a:spLocks noGrp="1" noRot="1" noChangeAspect="1" noChangeArrowheads="1" noTextEdit="1"/>
+          </p:cNvSpPr>
+          <p:nvPr>
+            <p:ph type="sldImg"/>
+          </p:nvPr>
+        </p:nvSpPr>
+        <p:spPr>
+          <a:xfrm>
+            <a:off x="381000" y="685800"/>
+            <a:ext cx="6096000" cy="3429000"/>
+          </a:xfrm>
+          <a:ln/>
+        </p:spPr>
+      </p:sp>
+      <p:sp>
+        <p:nvSpPr>
+          <p:cNvPr id="110595" name="Rectangle 3">
+            <a:extLst>
+              <a:ext uri="{FF2B5EF4-FFF2-40B4-BE49-F238E27FC236}">
+                <a16:creationId xmlns:a16="http://schemas.microsoft.com/office/drawing/2014/main" id="{05A27501-980F-25E5-8CB5-58F22AB2B20B}"/>
+              </a:ext>
+            </a:extLst>
+          </p:cNvPr>
+          <p:cNvSpPr>
+            <a:spLocks noGrp="1" noChangeArrowheads="1"/>
+          </p:cNvSpPr>
+          <p:nvPr>
+            <p:ph type="body" idx="1"/>
+          </p:nvPr>
+        </p:nvSpPr>
+        <p:spPr/>
+        <p:txBody>
+          <a:bodyPr/>
+          <a:lstStyle/>
+          <a:p>
+            <a:endParaRPr lang="ru-RU" altLang="en-US"/>
+          </a:p>
+        </p:txBody>
+      </p:sp>
+    </p:spTree>
+    <p:extLst>
+      <p:ext uri="{BB962C8B-B14F-4D97-AF65-F5344CB8AC3E}">
+        <p14:creationId xmlns:p14="http://schemas.microsoft.com/office/powerpoint/2010/main" val="3132973656"/>
+      </p:ext>
+    </p:extLst>
+  </p:cSld>
+  <p:clrMapOvr>
+    <a:masterClrMapping/>
+  </p:clrMapOvr>
+</p:notes>
+</file>
+
+<file path=ppt/notesSlides/notesSlide8.xml><?xml version="1.0" encoding="utf-8"?>
+<p:notes xmlns:a="http://schemas.openxmlformats.org/drawingml/2006/main" xmlns:r="http://schemas.openxmlformats.org/officeDocument/2006/relationships" xmlns:p="http://schemas.openxmlformats.org/presentationml/2006/main">
+  <p:cSld>
+    <p:spTree>
+      <p:nvGrpSpPr>
+        <p:cNvPr id="1" name="">
+          <a:extLst>
+            <a:ext uri="{FF2B5EF4-FFF2-40B4-BE49-F238E27FC236}">
+              <a16:creationId xmlns:a16="http://schemas.microsoft.com/office/drawing/2014/main" id="{A89235A5-3B7B-4D50-509E-F5F1BF89EBA1}"/>
+            </a:ext>
+          </a:extLst>
+        </p:cNvPr>
+        <p:cNvGrpSpPr/>
+        <p:nvPr/>
+      </p:nvGrpSpPr>
+      <p:grpSpPr>
+        <a:xfrm>
+          <a:off x="0" y="0"/>
+          <a:ext cx="0" cy="0"/>
+          <a:chOff x="0" y="0"/>
+          <a:chExt cx="0" cy="0"/>
+        </a:xfrm>
+      </p:grpSpPr>
+      <p:sp>
+        <p:nvSpPr>
+          <p:cNvPr id="5" name="Rectangle 7">
+            <a:extLst>
+              <a:ext uri="{FF2B5EF4-FFF2-40B4-BE49-F238E27FC236}">
+                <a16:creationId xmlns:a16="http://schemas.microsoft.com/office/drawing/2014/main" id="{A9C1CA7E-8A7F-AC77-961C-D8405B1AC299}"/>
+              </a:ext>
+            </a:extLst>
+          </p:cNvPr>
+          <p:cNvSpPr>
+            <a:spLocks noGrp="1" noChangeArrowheads="1"/>
+          </p:cNvSpPr>
+          <p:nvPr>
+            <p:ph type="sldNum" sz="quarter" idx="5"/>
+          </p:nvPr>
+        </p:nvSpPr>
+        <p:spPr>
+          <a:ln/>
+        </p:spPr>
+        <p:txBody>
+          <a:bodyPr/>
+          <a:lstStyle/>
+          <a:p>
+            <a:fld id="{72714AC3-856D-8240-A596-99823160380B}" type="slidenum">
+              <a:rPr lang="en-US" altLang="en-US"/>
+              <a:pPr/>
+              <a:t>8</a:t>
+            </a:fld>
+            <a:endParaRPr lang="en-US" altLang="en-US"/>
+          </a:p>
+        </p:txBody>
+      </p:sp>
+      <p:sp>
+        <p:nvSpPr>
+          <p:cNvPr id="110594" name="Rectangle 2">
+            <a:extLst>
+              <a:ext uri="{FF2B5EF4-FFF2-40B4-BE49-F238E27FC236}">
+                <a16:creationId xmlns:a16="http://schemas.microsoft.com/office/drawing/2014/main" id="{52F8A32F-5C42-AF2A-2DC2-1EAFD1741286}"/>
+              </a:ext>
+            </a:extLst>
+          </p:cNvPr>
+          <p:cNvSpPr>
+            <a:spLocks noGrp="1" noRot="1" noChangeAspect="1" noChangeArrowheads="1" noTextEdit="1"/>
+          </p:cNvSpPr>
+          <p:nvPr>
+            <p:ph type="sldImg"/>
+          </p:nvPr>
+        </p:nvSpPr>
+        <p:spPr>
+          <a:xfrm>
+            <a:off x="381000" y="685800"/>
+            <a:ext cx="6096000" cy="3429000"/>
+          </a:xfrm>
+          <a:ln/>
+        </p:spPr>
+      </p:sp>
+      <p:sp>
+        <p:nvSpPr>
+          <p:cNvPr id="110595" name="Rectangle 3">
+            <a:extLst>
+              <a:ext uri="{FF2B5EF4-FFF2-40B4-BE49-F238E27FC236}">
+                <a16:creationId xmlns:a16="http://schemas.microsoft.com/office/drawing/2014/main" id="{2769034A-CC37-DFFF-D95A-FF264C14FA30}"/>
+              </a:ext>
+            </a:extLst>
+          </p:cNvPr>
+          <p:cNvSpPr>
+            <a:spLocks noGrp="1" noChangeArrowheads="1"/>
+          </p:cNvSpPr>
+          <p:nvPr>
+            <p:ph type="body" idx="1"/>
+          </p:nvPr>
+        </p:nvSpPr>
+        <p:spPr/>
+        <p:txBody>
+          <a:bodyPr/>
+          <a:lstStyle/>
+          <a:p>
+            <a:endParaRPr lang="ru-RU" altLang="en-US"/>
+          </a:p>
+        </p:txBody>
+      </p:sp>
+    </p:spTree>
+    <p:extLst>
+      <p:ext uri="{BB962C8B-B14F-4D97-AF65-F5344CB8AC3E}">
+        <p14:creationId xmlns:p14="http://schemas.microsoft.com/office/powerpoint/2010/main" val="2259941009"/>
+      </p:ext>
+    </p:extLst>
+  </p:cSld>
+  <p:clrMapOvr>
+    <a:masterClrMapping/>
+  </p:clrMapOvr>
+</p:notes>
+</file>
+
+<file path=ppt/notesSlides/notesSlide9.xml><?xml version="1.0" encoding="utf-8"?>
+<p:notes xmlns:a="http://schemas.openxmlformats.org/drawingml/2006/main" xmlns:r="http://schemas.openxmlformats.org/officeDocument/2006/relationships" xmlns:p="http://schemas.openxmlformats.org/presentationml/2006/main">
+  <p:cSld>
+    <p:spTree>
+      <p:nvGrpSpPr>
+        <p:cNvPr id="1" name="">
+          <a:extLst>
+            <a:ext uri="{FF2B5EF4-FFF2-40B4-BE49-F238E27FC236}">
+              <a16:creationId xmlns:a16="http://schemas.microsoft.com/office/drawing/2014/main" id="{216AFB9E-4EEC-F374-7645-431F25177D54}"/>
+            </a:ext>
+          </a:extLst>
+        </p:cNvPr>
+        <p:cNvGrpSpPr/>
+        <p:nvPr/>
+      </p:nvGrpSpPr>
+      <p:grpSpPr>
+        <a:xfrm>
+          <a:off x="0" y="0"/>
+          <a:ext cx="0" cy="0"/>
+          <a:chOff x="0" y="0"/>
+          <a:chExt cx="0" cy="0"/>
+        </a:xfrm>
+      </p:grpSpPr>
+      <p:sp>
+        <p:nvSpPr>
+          <p:cNvPr id="5" name="Rectangle 7">
+            <a:extLst>
+              <a:ext uri="{FF2B5EF4-FFF2-40B4-BE49-F238E27FC236}">
+                <a16:creationId xmlns:a16="http://schemas.microsoft.com/office/drawing/2014/main" id="{4A5B49B7-338F-F7E4-1095-C4F6CCED85EA}"/>
+              </a:ext>
+            </a:extLst>
+          </p:cNvPr>
+          <p:cNvSpPr>
+            <a:spLocks noGrp="1" noChangeArrowheads="1"/>
+          </p:cNvSpPr>
+          <p:nvPr>
+            <p:ph type="sldNum" sz="quarter" idx="5"/>
+          </p:nvPr>
+        </p:nvSpPr>
+        <p:spPr>
+          <a:ln/>
+        </p:spPr>
+        <p:txBody>
+          <a:bodyPr/>
+          <a:lstStyle/>
+          <a:p>
+            <a:fld id="{72714AC3-856D-8240-A596-99823160380B}" type="slidenum">
+              <a:rPr lang="en-US" altLang="en-US"/>
+              <a:pPr/>
+              <a:t>9</a:t>
+            </a:fld>
+            <a:endParaRPr lang="en-US" altLang="en-US"/>
+          </a:p>
+        </p:txBody>
+      </p:sp>
+      <p:sp>
+        <p:nvSpPr>
+          <p:cNvPr id="110594" name="Rectangle 2">
+            <a:extLst>
+              <a:ext uri="{FF2B5EF4-FFF2-40B4-BE49-F238E27FC236}">
+                <a16:creationId xmlns:a16="http://schemas.microsoft.com/office/drawing/2014/main" id="{05C1DD0D-1262-1191-2326-F7FA9BF5EA8C}"/>
+              </a:ext>
+            </a:extLst>
+          </p:cNvPr>
+          <p:cNvSpPr>
+            <a:spLocks noGrp="1" noRot="1" noChangeAspect="1" noChangeArrowheads="1" noTextEdit="1"/>
+          </p:cNvSpPr>
+          <p:nvPr>
+            <p:ph type="sldImg"/>
+          </p:nvPr>
+        </p:nvSpPr>
+        <p:spPr>
+          <a:xfrm>
+            <a:off x="381000" y="685800"/>
+            <a:ext cx="6096000" cy="3429000"/>
+          </a:xfrm>
+          <a:ln/>
+        </p:spPr>
+      </p:sp>
+      <p:sp>
+        <p:nvSpPr>
+          <p:cNvPr id="110595" name="Rectangle 3">
+            <a:extLst>
+              <a:ext uri="{FF2B5EF4-FFF2-40B4-BE49-F238E27FC236}">
+                <a16:creationId xmlns:a16="http://schemas.microsoft.com/office/drawing/2014/main" id="{640F3E74-B570-7022-86FC-C35D9C06B1BE}"/>
+              </a:ext>
+            </a:extLst>
+          </p:cNvPr>
+          <p:cNvSpPr>
+            <a:spLocks noGrp="1" noChangeArrowheads="1"/>
+          </p:cNvSpPr>
+          <p:nvPr>
+            <p:ph type="body" idx="1"/>
+          </p:nvPr>
+        </p:nvSpPr>
+        <p:spPr/>
+        <p:txBody>
+          <a:bodyPr/>
+          <a:lstStyle/>
+          <a:p>
+            <a:endParaRPr lang="ru-RU" altLang="en-US"/>
+          </a:p>
+        </p:txBody>
+      </p:sp>
+    </p:spTree>
+    <p:extLst>
+      <p:ext uri="{BB962C8B-B14F-4D97-AF65-F5344CB8AC3E}">
+        <p14:creationId xmlns:p14="http://schemas.microsoft.com/office/powerpoint/2010/main" val="3304414564"/>
+      </p:ext>
+    </p:extLst>
   </p:cSld>
   <p:clrMapOvr>
     <a:masterClrMapping/>
@@ -1090,15 +2628,9 @@
       </p:grpSpPr>
       <p:sp>
         <p:nvSpPr>
-          <p:cNvPr id="3074" name="Rectangle 2">
-            <a:extLst>
-              <a:ext uri="{FF2B5EF4-FFF2-40B4-BE49-F238E27FC236}">
-                <a16:creationId xmlns:a16="http://schemas.microsoft.com/office/drawing/2014/main" id="{0E926E3A-CC0D-B785-05F6-4D93BF803C02}"/>
-              </a:ext>
-            </a:extLst>
-          </p:cNvPr>
-          <p:cNvSpPr>
-            <a:spLocks noGrp="1" noChangeArrowheads="1"/>
+          <p:cNvPr id="2" name="Title 1"/>
+          <p:cNvSpPr>
+            <a:spLocks noGrp="1"/>
           </p:cNvSpPr>
           <p:nvPr>
             <p:ph type="ctrTitle"/>
@@ -1106,48 +2638,31 @@
         </p:nvSpPr>
         <p:spPr>
           <a:xfrm>
-            <a:off x="5867400" y="2781300"/>
-            <a:ext cx="3124200" cy="704850"/>
+            <a:off x="1524000" y="1122363"/>
+            <a:ext cx="9144000" cy="2387600"/>
           </a:xfrm>
-          <a:extLst>
-            <a:ext uri="{AF507438-7753-43E0-B8FC-AC1667EBCBE1}">
-              <a14:hiddenEffects xmlns:a14="http://schemas.microsoft.com/office/drawing/2010/main">
-                <a:effectLst>
-                  <a:outerShdw dist="17961" dir="2700000" algn="ctr" rotWithShape="0">
-                    <a:schemeClr val="bg1"/>
-                  </a:outerShdw>
-                </a:effectLst>
-              </a14:hiddenEffects>
-            </a:ext>
-          </a:extLst>
         </p:spPr>
         <p:txBody>
-          <a:bodyPr/>
+          <a:bodyPr anchor="b"/>
           <a:lstStyle>
             <a:lvl1pPr algn="ctr">
-              <a:defRPr sz="3600"/>
+              <a:defRPr sz="6000"/>
             </a:lvl1pPr>
           </a:lstStyle>
           <a:p>
-            <a:pPr lvl="0"/>
-            <a:r>
-              <a:rPr lang="en-US" altLang="en-US" noProof="0"/>
+            <a:r>
+              <a:rPr lang="en-US"/>
               <a:t>Click to edit Master title style</a:t>
             </a:r>
-          </a:p>
-        </p:txBody>
-      </p:sp>
-      <p:sp>
-        <p:nvSpPr>
-          <p:cNvPr id="3075" name="Rectangle 3">
-            <a:extLst>
-              <a:ext uri="{FF2B5EF4-FFF2-40B4-BE49-F238E27FC236}">
-                <a16:creationId xmlns:a16="http://schemas.microsoft.com/office/drawing/2014/main" id="{AE4F9082-DA7C-C849-BECA-648AD7EF74DC}"/>
-              </a:ext>
-            </a:extLst>
-          </p:cNvPr>
-          <p:cNvSpPr>
-            <a:spLocks noGrp="1" noChangeArrowheads="1"/>
+            <a:endParaRPr lang="en-US" dirty="0"/>
+          </a:p>
+        </p:txBody>
+      </p:sp>
+      <p:sp>
+        <p:nvSpPr>
+          <p:cNvPr id="3" name="Subtitle 2"/>
+          <p:cNvSpPr>
+            <a:spLocks noGrp="1"/>
           </p:cNvSpPr>
           <p:nvPr>
             <p:ph type="subTitle" idx="1"/>
@@ -1155,40 +2670,130 @@
         </p:nvSpPr>
         <p:spPr>
           <a:xfrm>
-            <a:off x="5867400" y="3771900"/>
-            <a:ext cx="3124200" cy="685800"/>
+            <a:off x="1524000" y="3602038"/>
+            <a:ext cx="9144000" cy="1655762"/>
           </a:xfrm>
-          <a:extLst>
-            <a:ext uri="{AF507438-7753-43E0-B8FC-AC1667EBCBE1}">
-              <a14:hiddenEffects xmlns:a14="http://schemas.microsoft.com/office/drawing/2010/main">
-                <a:effectLst>
-                  <a:outerShdw dist="17961" dir="2700000" algn="ctr" rotWithShape="0">
-                    <a:schemeClr val="bg1"/>
-                  </a:outerShdw>
-                </a:effectLst>
-              </a14:hiddenEffects>
-            </a:ext>
-          </a:extLst>
         </p:spPr>
         <p:txBody>
           <a:bodyPr/>
           <a:lstStyle>
             <a:lvl1pPr marL="0" indent="0" algn="ctr">
-              <a:buFontTx/>
               <a:buNone/>
               <a:defRPr sz="2400"/>
             </a:lvl1pPr>
+            <a:lvl2pPr marL="457200" indent="0" algn="ctr">
+              <a:buNone/>
+              <a:defRPr sz="2000"/>
+            </a:lvl2pPr>
+            <a:lvl3pPr marL="914400" indent="0" algn="ctr">
+              <a:buNone/>
+              <a:defRPr sz="1800"/>
+            </a:lvl3pPr>
+            <a:lvl4pPr marL="1371600" indent="0" algn="ctr">
+              <a:buNone/>
+              <a:defRPr sz="1600"/>
+            </a:lvl4pPr>
+            <a:lvl5pPr marL="1828800" indent="0" algn="ctr">
+              <a:buNone/>
+              <a:defRPr sz="1600"/>
+            </a:lvl5pPr>
+            <a:lvl6pPr marL="2286000" indent="0" algn="ctr">
+              <a:buNone/>
+              <a:defRPr sz="1600"/>
+            </a:lvl6pPr>
+            <a:lvl7pPr marL="2743200" indent="0" algn="ctr">
+              <a:buNone/>
+              <a:defRPr sz="1600"/>
+            </a:lvl7pPr>
+            <a:lvl8pPr marL="3200400" indent="0" algn="ctr">
+              <a:buNone/>
+              <a:defRPr sz="1600"/>
+            </a:lvl8pPr>
+            <a:lvl9pPr marL="3657600" indent="0" algn="ctr">
+              <a:buNone/>
+              <a:defRPr sz="1600"/>
+            </a:lvl9pPr>
           </a:lstStyle>
           <a:p>
-            <a:pPr lvl="0"/>
-            <a:r>
-              <a:rPr lang="en-US" altLang="en-US" noProof="0"/>
+            <a:r>
+              <a:rPr lang="en-US"/>
               <a:t>Click to edit Master subtitle style</a:t>
             </a:r>
+            <a:endParaRPr lang="en-US" dirty="0"/>
+          </a:p>
+        </p:txBody>
+      </p:sp>
+      <p:sp>
+        <p:nvSpPr>
+          <p:cNvPr id="4" name="Date Placeholder 3"/>
+          <p:cNvSpPr>
+            <a:spLocks noGrp="1"/>
+          </p:cNvSpPr>
+          <p:nvPr>
+            <p:ph type="dt" sz="half" idx="10"/>
+          </p:nvPr>
+        </p:nvSpPr>
+        <p:spPr/>
+        <p:txBody>
+          <a:bodyPr/>
+          <a:lstStyle/>
+          <a:p>
+            <a:fld id="{C764DE79-268F-4C1A-8933-263129D2AF90}" type="datetimeFigureOut">
+              <a:rPr lang="en-US" dirty="0"/>
+              <a:t>10/30/24</a:t>
+            </a:fld>
+            <a:endParaRPr lang="en-US" dirty="0"/>
+          </a:p>
+        </p:txBody>
+      </p:sp>
+      <p:sp>
+        <p:nvSpPr>
+          <p:cNvPr id="5" name="Footer Placeholder 4"/>
+          <p:cNvSpPr>
+            <a:spLocks noGrp="1"/>
+          </p:cNvSpPr>
+          <p:nvPr>
+            <p:ph type="ftr" sz="quarter" idx="11"/>
+          </p:nvPr>
+        </p:nvSpPr>
+        <p:spPr/>
+        <p:txBody>
+          <a:bodyPr/>
+          <a:lstStyle/>
+          <a:p>
+            <a:endParaRPr lang="en-US" dirty="0"/>
+          </a:p>
+        </p:txBody>
+      </p:sp>
+      <p:sp>
+        <p:nvSpPr>
+          <p:cNvPr id="6" name="Slide Number Placeholder 5"/>
+          <p:cNvSpPr>
+            <a:spLocks noGrp="1"/>
+          </p:cNvSpPr>
+          <p:nvPr>
+            <p:ph type="sldNum" sz="quarter" idx="12"/>
+          </p:nvPr>
+        </p:nvSpPr>
+        <p:spPr/>
+        <p:txBody>
+          <a:bodyPr/>
+          <a:lstStyle/>
+          <a:p>
+            <a:fld id="{48F63A3B-78C7-47BE-AE5E-E10140E04643}" type="slidenum">
+              <a:rPr lang="en-US" dirty="0"/>
+              <a:t>‹#›</a:t>
+            </a:fld>
+            <a:endParaRPr lang="en-US" dirty="0"/>
           </a:p>
         </p:txBody>
       </p:sp>
     </p:spTree>
+    <p:extLst>
+      <p:ext uri="{BB962C8B-B14F-4D97-AF65-F5344CB8AC3E}">
+        <p14:creationId xmlns:p14="http://schemas.microsoft.com/office/powerpoint/2010/main" val="2454888026"/>
+      </p:ext>
+    </p:extLst>
   </p:cSld>
   <p:clrMapOvr>
     <a:masterClrMapping/>
@@ -1215,13 +2820,7 @@
       </p:grpSpPr>
       <p:sp>
         <p:nvSpPr>
-          <p:cNvPr id="2" name="Title 1">
-            <a:extLst>
-              <a:ext uri="{FF2B5EF4-FFF2-40B4-BE49-F238E27FC236}">
-                <a16:creationId xmlns:a16="http://schemas.microsoft.com/office/drawing/2014/main" id="{B53BED18-E9EA-8394-E4A3-4EB47322DB31}"/>
-              </a:ext>
-            </a:extLst>
-          </p:cNvPr>
+          <p:cNvPr id="2" name="Title 1"/>
           <p:cNvSpPr>
             <a:spLocks noGrp="1"/>
           </p:cNvSpPr>
@@ -1238,18 +2837,13 @@
               <a:rPr lang="en-US"/>
               <a:t>Click to edit Master title style</a:t>
             </a:r>
-          </a:p>
-        </p:txBody>
-      </p:sp>
-      <p:sp>
-        <p:nvSpPr>
-          <p:cNvPr id="3" name="Vertical Text Placeholder 2">
-            <a:extLst>
-              <a:ext uri="{FF2B5EF4-FFF2-40B4-BE49-F238E27FC236}">
-                <a16:creationId xmlns:a16="http://schemas.microsoft.com/office/drawing/2014/main" id="{DFF7BACB-2F34-6F84-FF69-CB452BB0D969}"/>
-              </a:ext>
-            </a:extLst>
-          </p:cNvPr>
+            <a:endParaRPr lang="en-US" dirty="0"/>
+          </a:p>
+        </p:txBody>
+      </p:sp>
+      <p:sp>
+        <p:nvSpPr>
+          <p:cNvPr id="3" name="Vertical Text Placeholder 2"/>
           <p:cNvSpPr>
             <a:spLocks noGrp="1"/>
           </p:cNvSpPr>
@@ -1295,13 +2889,79 @@
               <a:rPr lang="en-US"/>
               <a:t>Fifth level</a:t>
             </a:r>
+            <a:endParaRPr lang="en-US" dirty="0"/>
+          </a:p>
+        </p:txBody>
+      </p:sp>
+      <p:sp>
+        <p:nvSpPr>
+          <p:cNvPr id="4" name="Date Placeholder 3"/>
+          <p:cNvSpPr>
+            <a:spLocks noGrp="1"/>
+          </p:cNvSpPr>
+          <p:nvPr>
+            <p:ph type="dt" sz="half" idx="10"/>
+          </p:nvPr>
+        </p:nvSpPr>
+        <p:spPr/>
+        <p:txBody>
+          <a:bodyPr/>
+          <a:lstStyle/>
+          <a:p>
+            <a:fld id="{C764DE79-268F-4C1A-8933-263129D2AF90}" type="datetimeFigureOut">
+              <a:rPr lang="en-US" dirty="0"/>
+              <a:t>10/30/24</a:t>
+            </a:fld>
+            <a:endParaRPr lang="en-US" dirty="0"/>
+          </a:p>
+        </p:txBody>
+      </p:sp>
+      <p:sp>
+        <p:nvSpPr>
+          <p:cNvPr id="5" name="Footer Placeholder 4"/>
+          <p:cNvSpPr>
+            <a:spLocks noGrp="1"/>
+          </p:cNvSpPr>
+          <p:nvPr>
+            <p:ph type="ftr" sz="quarter" idx="11"/>
+          </p:nvPr>
+        </p:nvSpPr>
+        <p:spPr/>
+        <p:txBody>
+          <a:bodyPr/>
+          <a:lstStyle/>
+          <a:p>
+            <a:endParaRPr lang="en-US" dirty="0"/>
+          </a:p>
+        </p:txBody>
+      </p:sp>
+      <p:sp>
+        <p:nvSpPr>
+          <p:cNvPr id="6" name="Slide Number Placeholder 5"/>
+          <p:cNvSpPr>
+            <a:spLocks noGrp="1"/>
+          </p:cNvSpPr>
+          <p:nvPr>
+            <p:ph type="sldNum" sz="quarter" idx="12"/>
+          </p:nvPr>
+        </p:nvSpPr>
+        <p:spPr/>
+        <p:txBody>
+          <a:bodyPr/>
+          <a:lstStyle/>
+          <a:p>
+            <a:fld id="{48F63A3B-78C7-47BE-AE5E-E10140E04643}" type="slidenum">
+              <a:rPr lang="en-US" dirty="0"/>
+              <a:t>‹#›</a:t>
+            </a:fld>
+            <a:endParaRPr lang="en-US" dirty="0"/>
           </a:p>
         </p:txBody>
       </p:sp>
     </p:spTree>
     <p:extLst>
       <p:ext uri="{BB962C8B-B14F-4D97-AF65-F5344CB8AC3E}">
-        <p14:creationId xmlns:p14="http://schemas.microsoft.com/office/powerpoint/2010/main" val="2342549401"/>
+        <p14:creationId xmlns:p14="http://schemas.microsoft.com/office/powerpoint/2010/main" val="3632938628"/>
       </p:ext>
     </p:extLst>
   </p:cSld>
@@ -1330,13 +2990,7 @@
       </p:grpSpPr>
       <p:sp>
         <p:nvSpPr>
-          <p:cNvPr id="2" name="Vertical Title 1">
-            <a:extLst>
-              <a:ext uri="{FF2B5EF4-FFF2-40B4-BE49-F238E27FC236}">
-                <a16:creationId xmlns:a16="http://schemas.microsoft.com/office/drawing/2014/main" id="{D8B83824-7D60-713D-6E48-DF0A515B2B8C}"/>
-              </a:ext>
-            </a:extLst>
-          </p:cNvPr>
+          <p:cNvPr id="2" name="Vertical Title 1"/>
           <p:cNvSpPr>
             <a:spLocks noGrp="1"/>
           </p:cNvSpPr>
@@ -1346,8 +3000,8 @@
         </p:nvSpPr>
         <p:spPr>
           <a:xfrm>
-            <a:off x="6667500" y="152400"/>
-            <a:ext cx="2171700" cy="5410200"/>
+            <a:off x="8724900" y="365125"/>
+            <a:ext cx="2628900" cy="5811838"/>
           </a:xfrm>
         </p:spPr>
         <p:txBody>
@@ -1358,18 +3012,13 @@
               <a:rPr lang="en-US"/>
               <a:t>Click to edit Master title style</a:t>
             </a:r>
-          </a:p>
-        </p:txBody>
-      </p:sp>
-      <p:sp>
-        <p:nvSpPr>
-          <p:cNvPr id="3" name="Vertical Text Placeholder 2">
-            <a:extLst>
-              <a:ext uri="{FF2B5EF4-FFF2-40B4-BE49-F238E27FC236}">
-                <a16:creationId xmlns:a16="http://schemas.microsoft.com/office/drawing/2014/main" id="{489CC0A1-7614-B570-C53B-7E5E7D2A0D40}"/>
-              </a:ext>
-            </a:extLst>
-          </p:cNvPr>
+            <a:endParaRPr lang="en-US" dirty="0"/>
+          </a:p>
+        </p:txBody>
+      </p:sp>
+      <p:sp>
+        <p:nvSpPr>
+          <p:cNvPr id="3" name="Vertical Text Placeholder 2"/>
           <p:cNvSpPr>
             <a:spLocks noGrp="1"/>
           </p:cNvSpPr>
@@ -1379,8 +3028,8 @@
         </p:nvSpPr>
         <p:spPr>
           <a:xfrm>
-            <a:off x="152400" y="152400"/>
-            <a:ext cx="6362700" cy="5410200"/>
+            <a:off x="838200" y="365125"/>
+            <a:ext cx="7734300" cy="5811838"/>
           </a:xfrm>
         </p:spPr>
         <p:txBody>
@@ -1420,13 +3069,79 @@
               <a:rPr lang="en-US"/>
               <a:t>Fifth level</a:t>
             </a:r>
+            <a:endParaRPr lang="en-US" dirty="0"/>
+          </a:p>
+        </p:txBody>
+      </p:sp>
+      <p:sp>
+        <p:nvSpPr>
+          <p:cNvPr id="4" name="Date Placeholder 3"/>
+          <p:cNvSpPr>
+            <a:spLocks noGrp="1"/>
+          </p:cNvSpPr>
+          <p:nvPr>
+            <p:ph type="dt" sz="half" idx="10"/>
+          </p:nvPr>
+        </p:nvSpPr>
+        <p:spPr/>
+        <p:txBody>
+          <a:bodyPr/>
+          <a:lstStyle/>
+          <a:p>
+            <a:fld id="{C764DE79-268F-4C1A-8933-263129D2AF90}" type="datetimeFigureOut">
+              <a:rPr lang="en-US" dirty="0"/>
+              <a:t>10/30/24</a:t>
+            </a:fld>
+            <a:endParaRPr lang="en-US" dirty="0"/>
+          </a:p>
+        </p:txBody>
+      </p:sp>
+      <p:sp>
+        <p:nvSpPr>
+          <p:cNvPr id="5" name="Footer Placeholder 4"/>
+          <p:cNvSpPr>
+            <a:spLocks noGrp="1"/>
+          </p:cNvSpPr>
+          <p:nvPr>
+            <p:ph type="ftr" sz="quarter" idx="11"/>
+          </p:nvPr>
+        </p:nvSpPr>
+        <p:spPr/>
+        <p:txBody>
+          <a:bodyPr/>
+          <a:lstStyle/>
+          <a:p>
+            <a:endParaRPr lang="en-US" dirty="0"/>
+          </a:p>
+        </p:txBody>
+      </p:sp>
+      <p:sp>
+        <p:nvSpPr>
+          <p:cNvPr id="6" name="Slide Number Placeholder 5"/>
+          <p:cNvSpPr>
+            <a:spLocks noGrp="1"/>
+          </p:cNvSpPr>
+          <p:nvPr>
+            <p:ph type="sldNum" sz="quarter" idx="12"/>
+          </p:nvPr>
+        </p:nvSpPr>
+        <p:spPr/>
+        <p:txBody>
+          <a:bodyPr/>
+          <a:lstStyle/>
+          <a:p>
+            <a:fld id="{48F63A3B-78C7-47BE-AE5E-E10140E04643}" type="slidenum">
+              <a:rPr lang="en-US" dirty="0"/>
+              <a:t>‹#›</a:t>
+            </a:fld>
+            <a:endParaRPr lang="en-US" dirty="0"/>
           </a:p>
         </p:txBody>
       </p:sp>
     </p:spTree>
     <p:extLst>
       <p:ext uri="{BB962C8B-B14F-4D97-AF65-F5344CB8AC3E}">
-        <p14:creationId xmlns:p14="http://schemas.microsoft.com/office/powerpoint/2010/main" val="532655147"/>
+        <p14:creationId xmlns:p14="http://schemas.microsoft.com/office/powerpoint/2010/main" val="167424950"/>
       </p:ext>
     </p:extLst>
   </p:cSld>
@@ -1437,7 +3152,7 @@
 </file>
 
 <file path=ppt/slideLayouts/slideLayout12.xml><?xml version="1.0" encoding="utf-8"?>
-<p:sldLayout xmlns:a="http://schemas.openxmlformats.org/drawingml/2006/main" xmlns:r="http://schemas.openxmlformats.org/officeDocument/2006/relationships" xmlns:p="http://schemas.openxmlformats.org/presentationml/2006/main" type="dgm" preserve="1">
+<p:sldLayout xmlns:a="http://schemas.openxmlformats.org/drawingml/2006/main" xmlns:r="http://schemas.openxmlformats.org/officeDocument/2006/relationships" xmlns:p="http://schemas.openxmlformats.org/presentationml/2006/main" type="dgm">
   <p:cSld name="Title and Diagram or Organization Chart">
     <p:spTree>
       <p:nvGrpSpPr>
@@ -1471,8 +3186,8 @@
         </p:nvSpPr>
         <p:spPr>
           <a:xfrm>
-            <a:off x="152400" y="152400"/>
-            <a:ext cx="8686800" cy="715963"/>
+            <a:off x="203200" y="152401"/>
+            <a:ext cx="11582400" cy="715963"/>
           </a:xfrm>
         </p:spPr>
         <p:txBody>
@@ -1504,8 +3219,8 @@
         </p:nvSpPr>
         <p:spPr>
           <a:xfrm>
-            <a:off x="1066800" y="1371600"/>
-            <a:ext cx="7315200" cy="4191000"/>
+            <a:off x="1422400" y="1371600"/>
+            <a:ext cx="9753600" cy="4191000"/>
           </a:xfrm>
         </p:spPr>
         <p:txBody>
@@ -1522,7 +3237,7 @@
     </p:spTree>
     <p:extLst>
       <p:ext uri="{BB962C8B-B14F-4D97-AF65-F5344CB8AC3E}">
-        <p14:creationId xmlns:p14="http://schemas.microsoft.com/office/powerpoint/2010/main" val="3438446931"/>
+        <p14:creationId xmlns:p14="http://schemas.microsoft.com/office/powerpoint/2010/main" val="834177852"/>
       </p:ext>
     </p:extLst>
   </p:cSld>
@@ -1551,13 +3266,7 @@
       </p:grpSpPr>
       <p:sp>
         <p:nvSpPr>
-          <p:cNvPr id="2" name="Title 1">
-            <a:extLst>
-              <a:ext uri="{FF2B5EF4-FFF2-40B4-BE49-F238E27FC236}">
-                <a16:creationId xmlns:a16="http://schemas.microsoft.com/office/drawing/2014/main" id="{DAA6A852-016B-8E65-0B4E-BC4D9AC38113}"/>
-              </a:ext>
-            </a:extLst>
-          </p:cNvPr>
+          <p:cNvPr id="2" name="Title 1"/>
           <p:cNvSpPr>
             <a:spLocks noGrp="1"/>
           </p:cNvSpPr>
@@ -1574,18 +3283,13 @@
               <a:rPr lang="en-US"/>
               <a:t>Click to edit Master title style</a:t>
             </a:r>
-          </a:p>
-        </p:txBody>
-      </p:sp>
-      <p:sp>
-        <p:nvSpPr>
-          <p:cNvPr id="3" name="Content Placeholder 2">
-            <a:extLst>
-              <a:ext uri="{FF2B5EF4-FFF2-40B4-BE49-F238E27FC236}">
-                <a16:creationId xmlns:a16="http://schemas.microsoft.com/office/drawing/2014/main" id="{FE191B80-84DA-94A5-A544-84232E55B34F}"/>
-              </a:ext>
-            </a:extLst>
-          </p:cNvPr>
+            <a:endParaRPr lang="en-US" dirty="0"/>
+          </a:p>
+        </p:txBody>
+      </p:sp>
+      <p:sp>
+        <p:nvSpPr>
+          <p:cNvPr id="3" name="Content Placeholder 2"/>
           <p:cNvSpPr>
             <a:spLocks noGrp="1"/>
           </p:cNvSpPr>
@@ -1631,13 +3335,79 @@
               <a:rPr lang="en-US"/>
               <a:t>Fifth level</a:t>
             </a:r>
+            <a:endParaRPr lang="en-US" dirty="0"/>
+          </a:p>
+        </p:txBody>
+      </p:sp>
+      <p:sp>
+        <p:nvSpPr>
+          <p:cNvPr id="4" name="Date Placeholder 3"/>
+          <p:cNvSpPr>
+            <a:spLocks noGrp="1"/>
+          </p:cNvSpPr>
+          <p:nvPr>
+            <p:ph type="dt" sz="half" idx="10"/>
+          </p:nvPr>
+        </p:nvSpPr>
+        <p:spPr/>
+        <p:txBody>
+          <a:bodyPr/>
+          <a:lstStyle/>
+          <a:p>
+            <a:fld id="{C764DE79-268F-4C1A-8933-263129D2AF90}" type="datetimeFigureOut">
+              <a:rPr lang="en-US" dirty="0"/>
+              <a:t>10/30/24</a:t>
+            </a:fld>
+            <a:endParaRPr lang="en-US" dirty="0"/>
+          </a:p>
+        </p:txBody>
+      </p:sp>
+      <p:sp>
+        <p:nvSpPr>
+          <p:cNvPr id="5" name="Footer Placeholder 4"/>
+          <p:cNvSpPr>
+            <a:spLocks noGrp="1"/>
+          </p:cNvSpPr>
+          <p:nvPr>
+            <p:ph type="ftr" sz="quarter" idx="11"/>
+          </p:nvPr>
+        </p:nvSpPr>
+        <p:spPr/>
+        <p:txBody>
+          <a:bodyPr/>
+          <a:lstStyle/>
+          <a:p>
+            <a:endParaRPr lang="en-US" dirty="0"/>
+          </a:p>
+        </p:txBody>
+      </p:sp>
+      <p:sp>
+        <p:nvSpPr>
+          <p:cNvPr id="6" name="Slide Number Placeholder 5"/>
+          <p:cNvSpPr>
+            <a:spLocks noGrp="1"/>
+          </p:cNvSpPr>
+          <p:nvPr>
+            <p:ph type="sldNum" sz="quarter" idx="12"/>
+          </p:nvPr>
+        </p:nvSpPr>
+        <p:spPr/>
+        <p:txBody>
+          <a:bodyPr/>
+          <a:lstStyle/>
+          <a:p>
+            <a:fld id="{48F63A3B-78C7-47BE-AE5E-E10140E04643}" type="slidenum">
+              <a:rPr lang="en-US" dirty="0"/>
+              <a:t>‹#›</a:t>
+            </a:fld>
+            <a:endParaRPr lang="en-US" dirty="0"/>
           </a:p>
         </p:txBody>
       </p:sp>
     </p:spTree>
     <p:extLst>
       <p:ext uri="{BB962C8B-B14F-4D97-AF65-F5344CB8AC3E}">
-        <p14:creationId xmlns:p14="http://schemas.microsoft.com/office/powerpoint/2010/main" val="2037653116"/>
+        <p14:creationId xmlns:p14="http://schemas.microsoft.com/office/powerpoint/2010/main" val="3104500864"/>
       </p:ext>
     </p:extLst>
   </p:cSld>
@@ -1666,13 +3436,7 @@
       </p:grpSpPr>
       <p:sp>
         <p:nvSpPr>
-          <p:cNvPr id="2" name="Title 1">
-            <a:extLst>
-              <a:ext uri="{FF2B5EF4-FFF2-40B4-BE49-F238E27FC236}">
-                <a16:creationId xmlns:a16="http://schemas.microsoft.com/office/drawing/2014/main" id="{59CFC040-28C7-F770-BFF2-AAF17C01E629}"/>
-              </a:ext>
-            </a:extLst>
-          </p:cNvPr>
+          <p:cNvPr id="2" name="Title 1"/>
           <p:cNvSpPr>
             <a:spLocks noGrp="1"/>
           </p:cNvSpPr>
@@ -1682,8 +3446,8 @@
         </p:nvSpPr>
         <p:spPr>
           <a:xfrm>
-            <a:off x="623888" y="1709738"/>
-            <a:ext cx="7886700" cy="2852737"/>
+            <a:off x="831850" y="1709738"/>
+            <a:ext cx="10515600" cy="2852737"/>
           </a:xfrm>
         </p:spPr>
         <p:txBody>
@@ -1698,18 +3462,13 @@
               <a:rPr lang="en-US"/>
               <a:t>Click to edit Master title style</a:t>
             </a:r>
-          </a:p>
-        </p:txBody>
-      </p:sp>
-      <p:sp>
-        <p:nvSpPr>
-          <p:cNvPr id="3" name="Text Placeholder 2">
-            <a:extLst>
-              <a:ext uri="{FF2B5EF4-FFF2-40B4-BE49-F238E27FC236}">
-                <a16:creationId xmlns:a16="http://schemas.microsoft.com/office/drawing/2014/main" id="{29214AD0-3A68-CED2-DF94-A746F9DA2CF8}"/>
-              </a:ext>
-            </a:extLst>
-          </p:cNvPr>
+            <a:endParaRPr lang="en-US" dirty="0"/>
+          </a:p>
+        </p:txBody>
+      </p:sp>
+      <p:sp>
+        <p:nvSpPr>
+          <p:cNvPr id="3" name="Text Placeholder 2"/>
           <p:cNvSpPr>
             <a:spLocks noGrp="1"/>
           </p:cNvSpPr>
@@ -1719,8 +3478,8 @@
         </p:nvSpPr>
         <p:spPr>
           <a:xfrm>
-            <a:off x="623888" y="4589463"/>
-            <a:ext cx="7886700" cy="1500187"/>
+            <a:off x="831850" y="4589463"/>
+            <a:ext cx="10515600" cy="1500187"/>
           </a:xfrm>
         </p:spPr>
         <p:txBody>
@@ -1728,39 +3487,93 @@
           <a:lstStyle>
             <a:lvl1pPr marL="0" indent="0">
               <a:buNone/>
-              <a:defRPr sz="2400"/>
+              <a:defRPr sz="2400">
+                <a:solidFill>
+                  <a:schemeClr val="tx1">
+                    <a:tint val="82000"/>
+                  </a:schemeClr>
+                </a:solidFill>
+              </a:defRPr>
             </a:lvl1pPr>
             <a:lvl2pPr marL="457200" indent="0">
               <a:buNone/>
-              <a:defRPr sz="2000"/>
+              <a:defRPr sz="2000">
+                <a:solidFill>
+                  <a:schemeClr val="tx1">
+                    <a:tint val="82000"/>
+                  </a:schemeClr>
+                </a:solidFill>
+              </a:defRPr>
             </a:lvl2pPr>
             <a:lvl3pPr marL="914400" indent="0">
               <a:buNone/>
-              <a:defRPr sz="1800"/>
+              <a:defRPr sz="1800">
+                <a:solidFill>
+                  <a:schemeClr val="tx1">
+                    <a:tint val="82000"/>
+                  </a:schemeClr>
+                </a:solidFill>
+              </a:defRPr>
             </a:lvl3pPr>
             <a:lvl4pPr marL="1371600" indent="0">
               <a:buNone/>
-              <a:defRPr sz="1600"/>
+              <a:defRPr sz="1600">
+                <a:solidFill>
+                  <a:schemeClr val="tx1">
+                    <a:tint val="82000"/>
+                  </a:schemeClr>
+                </a:solidFill>
+              </a:defRPr>
             </a:lvl4pPr>
             <a:lvl5pPr marL="1828800" indent="0">
               <a:buNone/>
-              <a:defRPr sz="1600"/>
+              <a:defRPr sz="1600">
+                <a:solidFill>
+                  <a:schemeClr val="tx1">
+                    <a:tint val="82000"/>
+                  </a:schemeClr>
+                </a:solidFill>
+              </a:defRPr>
             </a:lvl5pPr>
             <a:lvl6pPr marL="2286000" indent="0">
               <a:buNone/>
-              <a:defRPr sz="1600"/>
+              <a:defRPr sz="1600">
+                <a:solidFill>
+                  <a:schemeClr val="tx1">
+                    <a:tint val="82000"/>
+                  </a:schemeClr>
+                </a:solidFill>
+              </a:defRPr>
             </a:lvl6pPr>
             <a:lvl7pPr marL="2743200" indent="0">
               <a:buNone/>
-              <a:defRPr sz="1600"/>
+              <a:defRPr sz="1600">
+                <a:solidFill>
+                  <a:schemeClr val="tx1">
+                    <a:tint val="82000"/>
+                  </a:schemeClr>
+                </a:solidFill>
+              </a:defRPr>
             </a:lvl7pPr>
             <a:lvl8pPr marL="3200400" indent="0">
               <a:buNone/>
-              <a:defRPr sz="1600"/>
+              <a:defRPr sz="1600">
+                <a:solidFill>
+                  <a:schemeClr val="tx1">
+                    <a:tint val="82000"/>
+                  </a:schemeClr>
+                </a:solidFill>
+              </a:defRPr>
             </a:lvl8pPr>
             <a:lvl9pPr marL="3657600" indent="0">
               <a:buNone/>
-              <a:defRPr sz="1600"/>
+              <a:defRPr sz="1600">
+                <a:solidFill>
+                  <a:schemeClr val="tx1">
+                    <a:tint val="82000"/>
+                  </a:schemeClr>
+                </a:solidFill>
+              </a:defRPr>
             </a:lvl9pPr>
           </a:lstStyle>
           <a:p>
@@ -1769,13 +3582,78 @@
               <a:rPr lang="en-US"/>
               <a:t>Click to edit Master text styles</a:t>
             </a:r>
+          </a:p>
+        </p:txBody>
+      </p:sp>
+      <p:sp>
+        <p:nvSpPr>
+          <p:cNvPr id="4" name="Date Placeholder 3"/>
+          <p:cNvSpPr>
+            <a:spLocks noGrp="1"/>
+          </p:cNvSpPr>
+          <p:nvPr>
+            <p:ph type="dt" sz="half" idx="10"/>
+          </p:nvPr>
+        </p:nvSpPr>
+        <p:spPr/>
+        <p:txBody>
+          <a:bodyPr/>
+          <a:lstStyle/>
+          <a:p>
+            <a:fld id="{C764DE79-268F-4C1A-8933-263129D2AF90}" type="datetimeFigureOut">
+              <a:rPr lang="en-US" dirty="0"/>
+              <a:t>10/30/24</a:t>
+            </a:fld>
+            <a:endParaRPr lang="en-US" dirty="0"/>
+          </a:p>
+        </p:txBody>
+      </p:sp>
+      <p:sp>
+        <p:nvSpPr>
+          <p:cNvPr id="5" name="Footer Placeholder 4"/>
+          <p:cNvSpPr>
+            <a:spLocks noGrp="1"/>
+          </p:cNvSpPr>
+          <p:nvPr>
+            <p:ph type="ftr" sz="quarter" idx="11"/>
+          </p:nvPr>
+        </p:nvSpPr>
+        <p:spPr/>
+        <p:txBody>
+          <a:bodyPr/>
+          <a:lstStyle/>
+          <a:p>
+            <a:endParaRPr lang="en-US" dirty="0"/>
+          </a:p>
+        </p:txBody>
+      </p:sp>
+      <p:sp>
+        <p:nvSpPr>
+          <p:cNvPr id="6" name="Slide Number Placeholder 5"/>
+          <p:cNvSpPr>
+            <a:spLocks noGrp="1"/>
+          </p:cNvSpPr>
+          <p:nvPr>
+            <p:ph type="sldNum" sz="quarter" idx="12"/>
+          </p:nvPr>
+        </p:nvSpPr>
+        <p:spPr/>
+        <p:txBody>
+          <a:bodyPr/>
+          <a:lstStyle/>
+          <a:p>
+            <a:fld id="{48F63A3B-78C7-47BE-AE5E-E10140E04643}" type="slidenum">
+              <a:rPr lang="en-US" dirty="0"/>
+              <a:t>‹#›</a:t>
+            </a:fld>
+            <a:endParaRPr lang="en-US" dirty="0"/>
           </a:p>
         </p:txBody>
       </p:sp>
     </p:spTree>
     <p:extLst>
       <p:ext uri="{BB962C8B-B14F-4D97-AF65-F5344CB8AC3E}">
-        <p14:creationId xmlns:p14="http://schemas.microsoft.com/office/powerpoint/2010/main" val="521997429"/>
+        <p14:creationId xmlns:p14="http://schemas.microsoft.com/office/powerpoint/2010/main" val="1602741815"/>
       </p:ext>
     </p:extLst>
   </p:cSld>
@@ -1804,13 +3682,7 @@
       </p:grpSpPr>
       <p:sp>
         <p:nvSpPr>
-          <p:cNvPr id="2" name="Title 1">
-            <a:extLst>
-              <a:ext uri="{FF2B5EF4-FFF2-40B4-BE49-F238E27FC236}">
-                <a16:creationId xmlns:a16="http://schemas.microsoft.com/office/drawing/2014/main" id="{ABEA4CC0-40D8-D166-6F66-B52F50EF54DB}"/>
-              </a:ext>
-            </a:extLst>
-          </p:cNvPr>
+          <p:cNvPr id="2" name="Title 1"/>
           <p:cNvSpPr>
             <a:spLocks noGrp="1"/>
           </p:cNvSpPr>
@@ -1827,18 +3699,13 @@
               <a:rPr lang="en-US"/>
               <a:t>Click to edit Master title style</a:t>
             </a:r>
-          </a:p>
-        </p:txBody>
-      </p:sp>
-      <p:sp>
-        <p:nvSpPr>
-          <p:cNvPr id="3" name="Content Placeholder 2">
-            <a:extLst>
-              <a:ext uri="{FF2B5EF4-FFF2-40B4-BE49-F238E27FC236}">
-                <a16:creationId xmlns:a16="http://schemas.microsoft.com/office/drawing/2014/main" id="{0D08A7D0-B79C-F39A-0ED4-88AEB062F50F}"/>
-              </a:ext>
-            </a:extLst>
-          </p:cNvPr>
+            <a:endParaRPr lang="en-US" dirty="0"/>
+          </a:p>
+        </p:txBody>
+      </p:sp>
+      <p:sp>
+        <p:nvSpPr>
+          <p:cNvPr id="3" name="Content Placeholder 2"/>
           <p:cNvSpPr>
             <a:spLocks noGrp="1"/>
           </p:cNvSpPr>
@@ -1848,8 +3715,8 @@
         </p:nvSpPr>
         <p:spPr>
           <a:xfrm>
-            <a:off x="1066800" y="1371600"/>
-            <a:ext cx="3581400" cy="4191000"/>
+            <a:off x="838200" y="1825625"/>
+            <a:ext cx="5181600" cy="4351338"/>
           </a:xfrm>
         </p:spPr>
         <p:txBody>
@@ -1889,18 +3756,13 @@
               <a:rPr lang="en-US"/>
               <a:t>Fifth level</a:t>
             </a:r>
-          </a:p>
-        </p:txBody>
-      </p:sp>
-      <p:sp>
-        <p:nvSpPr>
-          <p:cNvPr id="4" name="Content Placeholder 3">
-            <a:extLst>
-              <a:ext uri="{FF2B5EF4-FFF2-40B4-BE49-F238E27FC236}">
-                <a16:creationId xmlns:a16="http://schemas.microsoft.com/office/drawing/2014/main" id="{178BFAC9-F352-AE1A-3BD3-EFB519E2CBDA}"/>
-              </a:ext>
-            </a:extLst>
-          </p:cNvPr>
+            <a:endParaRPr lang="en-US" dirty="0"/>
+          </a:p>
+        </p:txBody>
+      </p:sp>
+      <p:sp>
+        <p:nvSpPr>
+          <p:cNvPr id="4" name="Content Placeholder 3"/>
           <p:cNvSpPr>
             <a:spLocks noGrp="1"/>
           </p:cNvSpPr>
@@ -1910,8 +3772,8 @@
         </p:nvSpPr>
         <p:spPr>
           <a:xfrm>
-            <a:off x="4800600" y="1371600"/>
-            <a:ext cx="3581400" cy="4191000"/>
+            <a:off x="6172200" y="1825625"/>
+            <a:ext cx="5181600" cy="4351338"/>
           </a:xfrm>
         </p:spPr>
         <p:txBody>
@@ -1951,13 +3813,79 @@
               <a:rPr lang="en-US"/>
               <a:t>Fifth level</a:t>
             </a:r>
+            <a:endParaRPr lang="en-US" dirty="0"/>
+          </a:p>
+        </p:txBody>
+      </p:sp>
+      <p:sp>
+        <p:nvSpPr>
+          <p:cNvPr id="5" name="Date Placeholder 4"/>
+          <p:cNvSpPr>
+            <a:spLocks noGrp="1"/>
+          </p:cNvSpPr>
+          <p:nvPr>
+            <p:ph type="dt" sz="half" idx="10"/>
+          </p:nvPr>
+        </p:nvSpPr>
+        <p:spPr/>
+        <p:txBody>
+          <a:bodyPr/>
+          <a:lstStyle/>
+          <a:p>
+            <a:fld id="{C764DE79-268F-4C1A-8933-263129D2AF90}" type="datetimeFigureOut">
+              <a:rPr lang="en-US" dirty="0"/>
+              <a:t>10/30/24</a:t>
+            </a:fld>
+            <a:endParaRPr lang="en-US" dirty="0"/>
+          </a:p>
+        </p:txBody>
+      </p:sp>
+      <p:sp>
+        <p:nvSpPr>
+          <p:cNvPr id="6" name="Footer Placeholder 5"/>
+          <p:cNvSpPr>
+            <a:spLocks noGrp="1"/>
+          </p:cNvSpPr>
+          <p:nvPr>
+            <p:ph type="ftr" sz="quarter" idx="11"/>
+          </p:nvPr>
+        </p:nvSpPr>
+        <p:spPr/>
+        <p:txBody>
+          <a:bodyPr/>
+          <a:lstStyle/>
+          <a:p>
+            <a:endParaRPr lang="en-US" dirty="0"/>
+          </a:p>
+        </p:txBody>
+      </p:sp>
+      <p:sp>
+        <p:nvSpPr>
+          <p:cNvPr id="7" name="Slide Number Placeholder 6"/>
+          <p:cNvSpPr>
+            <a:spLocks noGrp="1"/>
+          </p:cNvSpPr>
+          <p:nvPr>
+            <p:ph type="sldNum" sz="quarter" idx="12"/>
+          </p:nvPr>
+        </p:nvSpPr>
+        <p:spPr/>
+        <p:txBody>
+          <a:bodyPr/>
+          <a:lstStyle/>
+          <a:p>
+            <a:fld id="{48F63A3B-78C7-47BE-AE5E-E10140E04643}" type="slidenum">
+              <a:rPr lang="en-US" dirty="0"/>
+              <a:t>‹#›</a:t>
+            </a:fld>
+            <a:endParaRPr lang="en-US" dirty="0"/>
           </a:p>
         </p:txBody>
       </p:sp>
     </p:spTree>
     <p:extLst>
       <p:ext uri="{BB962C8B-B14F-4D97-AF65-F5344CB8AC3E}">
-        <p14:creationId xmlns:p14="http://schemas.microsoft.com/office/powerpoint/2010/main" val="3154276105"/>
+        <p14:creationId xmlns:p14="http://schemas.microsoft.com/office/powerpoint/2010/main" val="1252130164"/>
       </p:ext>
     </p:extLst>
   </p:cSld>
@@ -1986,13 +3914,7 @@
       </p:grpSpPr>
       <p:sp>
         <p:nvSpPr>
-          <p:cNvPr id="2" name="Title 1">
-            <a:extLst>
-              <a:ext uri="{FF2B5EF4-FFF2-40B4-BE49-F238E27FC236}">
-                <a16:creationId xmlns:a16="http://schemas.microsoft.com/office/drawing/2014/main" id="{F54D0018-DDBB-7A89-ED58-AB741D145865}"/>
-              </a:ext>
-            </a:extLst>
-          </p:cNvPr>
+          <p:cNvPr id="2" name="Title 1"/>
           <p:cNvSpPr>
             <a:spLocks noGrp="1"/>
           </p:cNvSpPr>
@@ -2002,8 +3924,8 @@
         </p:nvSpPr>
         <p:spPr>
           <a:xfrm>
-            <a:off x="630238" y="365125"/>
-            <a:ext cx="7886700" cy="1325563"/>
+            <a:off x="839788" y="365125"/>
+            <a:ext cx="10515600" cy="1325563"/>
           </a:xfrm>
         </p:spPr>
         <p:txBody>
@@ -2014,18 +3936,13 @@
               <a:rPr lang="en-US"/>
               <a:t>Click to edit Master title style</a:t>
             </a:r>
-          </a:p>
-        </p:txBody>
-      </p:sp>
-      <p:sp>
-        <p:nvSpPr>
-          <p:cNvPr id="3" name="Text Placeholder 2">
-            <a:extLst>
-              <a:ext uri="{FF2B5EF4-FFF2-40B4-BE49-F238E27FC236}">
-                <a16:creationId xmlns:a16="http://schemas.microsoft.com/office/drawing/2014/main" id="{0AE8083B-A1EF-3503-7354-D5AD7DA7955B}"/>
-              </a:ext>
-            </a:extLst>
-          </p:cNvPr>
+            <a:endParaRPr lang="en-US" dirty="0"/>
+          </a:p>
+        </p:txBody>
+      </p:sp>
+      <p:sp>
+        <p:nvSpPr>
+          <p:cNvPr id="3" name="Text Placeholder 2"/>
           <p:cNvSpPr>
             <a:spLocks noGrp="1"/>
           </p:cNvSpPr>
@@ -2035,8 +3952,8 @@
         </p:nvSpPr>
         <p:spPr>
           <a:xfrm>
-            <a:off x="630238" y="1681163"/>
-            <a:ext cx="3868737" cy="823912"/>
+            <a:off x="839788" y="1681163"/>
+            <a:ext cx="5157787" cy="823912"/>
           </a:xfrm>
         </p:spPr>
         <p:txBody>
@@ -2090,13 +4007,7 @@
       </p:sp>
       <p:sp>
         <p:nvSpPr>
-          <p:cNvPr id="4" name="Content Placeholder 3">
-            <a:extLst>
-              <a:ext uri="{FF2B5EF4-FFF2-40B4-BE49-F238E27FC236}">
-                <a16:creationId xmlns:a16="http://schemas.microsoft.com/office/drawing/2014/main" id="{D9F30945-E1C5-E072-8CBC-DB3E180AC7FD}"/>
-              </a:ext>
-            </a:extLst>
-          </p:cNvPr>
+          <p:cNvPr id="4" name="Content Placeholder 3"/>
           <p:cNvSpPr>
             <a:spLocks noGrp="1"/>
           </p:cNvSpPr>
@@ -2106,8 +4017,8 @@
         </p:nvSpPr>
         <p:spPr>
           <a:xfrm>
-            <a:off x="630238" y="2505075"/>
-            <a:ext cx="3868737" cy="3684588"/>
+            <a:off x="839788" y="2505075"/>
+            <a:ext cx="5157787" cy="3684588"/>
           </a:xfrm>
         </p:spPr>
         <p:txBody>
@@ -2147,18 +4058,13 @@
               <a:rPr lang="en-US"/>
               <a:t>Fifth level</a:t>
             </a:r>
-          </a:p>
-        </p:txBody>
-      </p:sp>
-      <p:sp>
-        <p:nvSpPr>
-          <p:cNvPr id="5" name="Text Placeholder 4">
-            <a:extLst>
-              <a:ext uri="{FF2B5EF4-FFF2-40B4-BE49-F238E27FC236}">
-                <a16:creationId xmlns:a16="http://schemas.microsoft.com/office/drawing/2014/main" id="{7D127156-C6CE-7906-E90B-FE6148AAECF3}"/>
-              </a:ext>
-            </a:extLst>
-          </p:cNvPr>
+            <a:endParaRPr lang="en-US" dirty="0"/>
+          </a:p>
+        </p:txBody>
+      </p:sp>
+      <p:sp>
+        <p:nvSpPr>
+          <p:cNvPr id="5" name="Text Placeholder 4"/>
           <p:cNvSpPr>
             <a:spLocks noGrp="1"/>
           </p:cNvSpPr>
@@ -2168,8 +4074,8 @@
         </p:nvSpPr>
         <p:spPr>
           <a:xfrm>
-            <a:off x="4629150" y="1681163"/>
-            <a:ext cx="3887788" cy="823912"/>
+            <a:off x="6172200" y="1681163"/>
+            <a:ext cx="5183188" cy="823912"/>
           </a:xfrm>
         </p:spPr>
         <p:txBody>
@@ -2223,13 +4129,7 @@
       </p:sp>
       <p:sp>
         <p:nvSpPr>
-          <p:cNvPr id="6" name="Content Placeholder 5">
-            <a:extLst>
-              <a:ext uri="{FF2B5EF4-FFF2-40B4-BE49-F238E27FC236}">
-                <a16:creationId xmlns:a16="http://schemas.microsoft.com/office/drawing/2014/main" id="{8BEDDD4C-CF28-D846-2ABE-DF4E16EA6098}"/>
-              </a:ext>
-            </a:extLst>
-          </p:cNvPr>
+          <p:cNvPr id="6" name="Content Placeholder 5"/>
           <p:cNvSpPr>
             <a:spLocks noGrp="1"/>
           </p:cNvSpPr>
@@ -2239,8 +4139,8 @@
         </p:nvSpPr>
         <p:spPr>
           <a:xfrm>
-            <a:off x="4629150" y="2505075"/>
-            <a:ext cx="3887788" cy="3684588"/>
+            <a:off x="6172200" y="2505075"/>
+            <a:ext cx="5183188" cy="3684588"/>
           </a:xfrm>
         </p:spPr>
         <p:txBody>
@@ -2280,13 +4180,79 @@
               <a:rPr lang="en-US"/>
               <a:t>Fifth level</a:t>
             </a:r>
+            <a:endParaRPr lang="en-US" dirty="0"/>
+          </a:p>
+        </p:txBody>
+      </p:sp>
+      <p:sp>
+        <p:nvSpPr>
+          <p:cNvPr id="7" name="Date Placeholder 6"/>
+          <p:cNvSpPr>
+            <a:spLocks noGrp="1"/>
+          </p:cNvSpPr>
+          <p:nvPr>
+            <p:ph type="dt" sz="half" idx="10"/>
+          </p:nvPr>
+        </p:nvSpPr>
+        <p:spPr/>
+        <p:txBody>
+          <a:bodyPr/>
+          <a:lstStyle/>
+          <a:p>
+            <a:fld id="{C764DE79-268F-4C1A-8933-263129D2AF90}" type="datetimeFigureOut">
+              <a:rPr lang="en-US" dirty="0"/>
+              <a:t>10/30/24</a:t>
+            </a:fld>
+            <a:endParaRPr lang="en-US" dirty="0"/>
+          </a:p>
+        </p:txBody>
+      </p:sp>
+      <p:sp>
+        <p:nvSpPr>
+          <p:cNvPr id="8" name="Footer Placeholder 7"/>
+          <p:cNvSpPr>
+            <a:spLocks noGrp="1"/>
+          </p:cNvSpPr>
+          <p:nvPr>
+            <p:ph type="ftr" sz="quarter" idx="11"/>
+          </p:nvPr>
+        </p:nvSpPr>
+        <p:spPr/>
+        <p:txBody>
+          <a:bodyPr/>
+          <a:lstStyle/>
+          <a:p>
+            <a:endParaRPr lang="en-US" dirty="0"/>
+          </a:p>
+        </p:txBody>
+      </p:sp>
+      <p:sp>
+        <p:nvSpPr>
+          <p:cNvPr id="9" name="Slide Number Placeholder 8"/>
+          <p:cNvSpPr>
+            <a:spLocks noGrp="1"/>
+          </p:cNvSpPr>
+          <p:nvPr>
+            <p:ph type="sldNum" sz="quarter" idx="12"/>
+          </p:nvPr>
+        </p:nvSpPr>
+        <p:spPr/>
+        <p:txBody>
+          <a:bodyPr/>
+          <a:lstStyle/>
+          <a:p>
+            <a:fld id="{48F63A3B-78C7-47BE-AE5E-E10140E04643}" type="slidenum">
+              <a:rPr lang="en-US" dirty="0"/>
+              <a:t>‹#›</a:t>
+            </a:fld>
+            <a:endParaRPr lang="en-US" dirty="0"/>
           </a:p>
         </p:txBody>
       </p:sp>
     </p:spTree>
     <p:extLst>
       <p:ext uri="{BB962C8B-B14F-4D97-AF65-F5344CB8AC3E}">
-        <p14:creationId xmlns:p14="http://schemas.microsoft.com/office/powerpoint/2010/main" val="3827406924"/>
+        <p14:creationId xmlns:p14="http://schemas.microsoft.com/office/powerpoint/2010/main" val="554282052"/>
       </p:ext>
     </p:extLst>
   </p:cSld>
@@ -2315,13 +4281,7 @@
       </p:grpSpPr>
       <p:sp>
         <p:nvSpPr>
-          <p:cNvPr id="2" name="Title 1">
-            <a:extLst>
-              <a:ext uri="{FF2B5EF4-FFF2-40B4-BE49-F238E27FC236}">
-                <a16:creationId xmlns:a16="http://schemas.microsoft.com/office/drawing/2014/main" id="{0A6C50D4-2793-FAE3-FEC8-CCE5ECBE8194}"/>
-              </a:ext>
-            </a:extLst>
-          </p:cNvPr>
+          <p:cNvPr id="2" name="Title 1"/>
           <p:cNvSpPr>
             <a:spLocks noGrp="1"/>
           </p:cNvSpPr>
@@ -2338,13 +4298,79 @@
               <a:rPr lang="en-US"/>
               <a:t>Click to edit Master title style</a:t>
             </a:r>
+            <a:endParaRPr lang="en-US" dirty="0"/>
+          </a:p>
+        </p:txBody>
+      </p:sp>
+      <p:sp>
+        <p:nvSpPr>
+          <p:cNvPr id="3" name="Date Placeholder 2"/>
+          <p:cNvSpPr>
+            <a:spLocks noGrp="1"/>
+          </p:cNvSpPr>
+          <p:nvPr>
+            <p:ph type="dt" sz="half" idx="10"/>
+          </p:nvPr>
+        </p:nvSpPr>
+        <p:spPr/>
+        <p:txBody>
+          <a:bodyPr/>
+          <a:lstStyle/>
+          <a:p>
+            <a:fld id="{C764DE79-268F-4C1A-8933-263129D2AF90}" type="datetimeFigureOut">
+              <a:rPr lang="en-US" dirty="0"/>
+              <a:t>10/30/24</a:t>
+            </a:fld>
+            <a:endParaRPr lang="en-US" dirty="0"/>
+          </a:p>
+        </p:txBody>
+      </p:sp>
+      <p:sp>
+        <p:nvSpPr>
+          <p:cNvPr id="4" name="Footer Placeholder 3"/>
+          <p:cNvSpPr>
+            <a:spLocks noGrp="1"/>
+          </p:cNvSpPr>
+          <p:nvPr>
+            <p:ph type="ftr" sz="quarter" idx="11"/>
+          </p:nvPr>
+        </p:nvSpPr>
+        <p:spPr/>
+        <p:txBody>
+          <a:bodyPr/>
+          <a:lstStyle/>
+          <a:p>
+            <a:endParaRPr lang="en-US" dirty="0"/>
+          </a:p>
+        </p:txBody>
+      </p:sp>
+      <p:sp>
+        <p:nvSpPr>
+          <p:cNvPr id="5" name="Slide Number Placeholder 4"/>
+          <p:cNvSpPr>
+            <a:spLocks noGrp="1"/>
+          </p:cNvSpPr>
+          <p:nvPr>
+            <p:ph type="sldNum" sz="quarter" idx="12"/>
+          </p:nvPr>
+        </p:nvSpPr>
+        <p:spPr/>
+        <p:txBody>
+          <a:bodyPr/>
+          <a:lstStyle/>
+          <a:p>
+            <a:fld id="{48F63A3B-78C7-47BE-AE5E-E10140E04643}" type="slidenum">
+              <a:rPr lang="en-US" dirty="0"/>
+              <a:t>‹#›</a:t>
+            </a:fld>
+            <a:endParaRPr lang="en-US" dirty="0"/>
           </a:p>
         </p:txBody>
       </p:sp>
     </p:spTree>
     <p:extLst>
       <p:ext uri="{BB962C8B-B14F-4D97-AF65-F5344CB8AC3E}">
-        <p14:creationId xmlns:p14="http://schemas.microsoft.com/office/powerpoint/2010/main" val="1592912916"/>
+        <p14:creationId xmlns:p14="http://schemas.microsoft.com/office/powerpoint/2010/main" val="609239422"/>
       </p:ext>
     </p:extLst>
   </p:cSld>
@@ -2371,10 +4397,75 @@
           <a:chExt cx="0" cy="0"/>
         </a:xfrm>
       </p:grpSpPr>
+      <p:sp>
+        <p:nvSpPr>
+          <p:cNvPr id="2" name="Date Placeholder 1"/>
+          <p:cNvSpPr>
+            <a:spLocks noGrp="1"/>
+          </p:cNvSpPr>
+          <p:nvPr>
+            <p:ph type="dt" sz="half" idx="10"/>
+          </p:nvPr>
+        </p:nvSpPr>
+        <p:spPr/>
+        <p:txBody>
+          <a:bodyPr/>
+          <a:lstStyle/>
+          <a:p>
+            <a:fld id="{C764DE79-268F-4C1A-8933-263129D2AF90}" type="datetimeFigureOut">
+              <a:rPr lang="en-US" dirty="0"/>
+              <a:t>10/30/24</a:t>
+            </a:fld>
+            <a:endParaRPr lang="en-US" dirty="0"/>
+          </a:p>
+        </p:txBody>
+      </p:sp>
+      <p:sp>
+        <p:nvSpPr>
+          <p:cNvPr id="3" name="Footer Placeholder 2"/>
+          <p:cNvSpPr>
+            <a:spLocks noGrp="1"/>
+          </p:cNvSpPr>
+          <p:nvPr>
+            <p:ph type="ftr" sz="quarter" idx="11"/>
+          </p:nvPr>
+        </p:nvSpPr>
+        <p:spPr/>
+        <p:txBody>
+          <a:bodyPr/>
+          <a:lstStyle/>
+          <a:p>
+            <a:endParaRPr lang="en-US" dirty="0"/>
+          </a:p>
+        </p:txBody>
+      </p:sp>
+      <p:sp>
+        <p:nvSpPr>
+          <p:cNvPr id="4" name="Slide Number Placeholder 3"/>
+          <p:cNvSpPr>
+            <a:spLocks noGrp="1"/>
+          </p:cNvSpPr>
+          <p:nvPr>
+            <p:ph type="sldNum" sz="quarter" idx="12"/>
+          </p:nvPr>
+        </p:nvSpPr>
+        <p:spPr/>
+        <p:txBody>
+          <a:bodyPr/>
+          <a:lstStyle/>
+          <a:p>
+            <a:fld id="{48F63A3B-78C7-47BE-AE5E-E10140E04643}" type="slidenum">
+              <a:rPr lang="en-US" dirty="0"/>
+              <a:t>‹#›</a:t>
+            </a:fld>
+            <a:endParaRPr lang="en-US" dirty="0"/>
+          </a:p>
+        </p:txBody>
+      </p:sp>
     </p:spTree>
     <p:extLst>
       <p:ext uri="{BB962C8B-B14F-4D97-AF65-F5344CB8AC3E}">
-        <p14:creationId xmlns:p14="http://schemas.microsoft.com/office/powerpoint/2010/main" val="3413947125"/>
+        <p14:creationId xmlns:p14="http://schemas.microsoft.com/office/powerpoint/2010/main" val="932052039"/>
       </p:ext>
     </p:extLst>
   </p:cSld>
@@ -2403,13 +4494,7 @@
       </p:grpSpPr>
       <p:sp>
         <p:nvSpPr>
-          <p:cNvPr id="2" name="Title 1">
-            <a:extLst>
-              <a:ext uri="{FF2B5EF4-FFF2-40B4-BE49-F238E27FC236}">
-                <a16:creationId xmlns:a16="http://schemas.microsoft.com/office/drawing/2014/main" id="{6E1BE303-9321-3BFE-27F7-188D69F0C8A0}"/>
-              </a:ext>
-            </a:extLst>
-          </p:cNvPr>
+          <p:cNvPr id="2" name="Title 1"/>
           <p:cNvSpPr>
             <a:spLocks noGrp="1"/>
           </p:cNvSpPr>
@@ -2419,8 +4504,8 @@
         </p:nvSpPr>
         <p:spPr>
           <a:xfrm>
-            <a:off x="630238" y="457200"/>
-            <a:ext cx="2949575" cy="1600200"/>
+            <a:off x="839788" y="457200"/>
+            <a:ext cx="3932237" cy="1600200"/>
           </a:xfrm>
         </p:spPr>
         <p:txBody>
@@ -2435,18 +4520,13 @@
               <a:rPr lang="en-US"/>
               <a:t>Click to edit Master title style</a:t>
             </a:r>
-          </a:p>
-        </p:txBody>
-      </p:sp>
-      <p:sp>
-        <p:nvSpPr>
-          <p:cNvPr id="3" name="Content Placeholder 2">
-            <a:extLst>
-              <a:ext uri="{FF2B5EF4-FFF2-40B4-BE49-F238E27FC236}">
-                <a16:creationId xmlns:a16="http://schemas.microsoft.com/office/drawing/2014/main" id="{BE75201B-426B-AA73-ECFA-A336BD9AF238}"/>
-              </a:ext>
-            </a:extLst>
-          </p:cNvPr>
+            <a:endParaRPr lang="en-US" dirty="0"/>
+          </a:p>
+        </p:txBody>
+      </p:sp>
+      <p:sp>
+        <p:nvSpPr>
+          <p:cNvPr id="3" name="Content Placeholder 2"/>
           <p:cNvSpPr>
             <a:spLocks noGrp="1"/>
           </p:cNvSpPr>
@@ -2456,8 +4536,8 @@
         </p:nvSpPr>
         <p:spPr>
           <a:xfrm>
-            <a:off x="3887788" y="987425"/>
-            <a:ext cx="4629150" cy="4873625"/>
+            <a:off x="5183188" y="987425"/>
+            <a:ext cx="6172200" cy="4873625"/>
           </a:xfrm>
         </p:spPr>
         <p:txBody>
@@ -2525,18 +4605,13 @@
               <a:rPr lang="en-US"/>
               <a:t>Fifth level</a:t>
             </a:r>
-          </a:p>
-        </p:txBody>
-      </p:sp>
-      <p:sp>
-        <p:nvSpPr>
-          <p:cNvPr id="4" name="Text Placeholder 3">
-            <a:extLst>
-              <a:ext uri="{FF2B5EF4-FFF2-40B4-BE49-F238E27FC236}">
-                <a16:creationId xmlns:a16="http://schemas.microsoft.com/office/drawing/2014/main" id="{F228A86A-8171-A9E3-0894-CB9096E0342D}"/>
-              </a:ext>
-            </a:extLst>
-          </p:cNvPr>
+            <a:endParaRPr lang="en-US" dirty="0"/>
+          </a:p>
+        </p:txBody>
+      </p:sp>
+      <p:sp>
+        <p:nvSpPr>
+          <p:cNvPr id="4" name="Text Placeholder 3"/>
           <p:cNvSpPr>
             <a:spLocks noGrp="1"/>
           </p:cNvSpPr>
@@ -2546,8 +4621,8 @@
         </p:nvSpPr>
         <p:spPr>
           <a:xfrm>
-            <a:off x="630238" y="2057400"/>
-            <a:ext cx="2949575" cy="3811588"/>
+            <a:off x="839788" y="2057400"/>
+            <a:ext cx="3932237" cy="3811588"/>
           </a:xfrm>
         </p:spPr>
         <p:txBody>
@@ -2599,10 +4674,75 @@
           </a:p>
         </p:txBody>
       </p:sp>
+      <p:sp>
+        <p:nvSpPr>
+          <p:cNvPr id="5" name="Date Placeholder 4"/>
+          <p:cNvSpPr>
+            <a:spLocks noGrp="1"/>
+          </p:cNvSpPr>
+          <p:nvPr>
+            <p:ph type="dt" sz="half" idx="10"/>
+          </p:nvPr>
+        </p:nvSpPr>
+        <p:spPr/>
+        <p:txBody>
+          <a:bodyPr/>
+          <a:lstStyle/>
+          <a:p>
+            <a:fld id="{C764DE79-268F-4C1A-8933-263129D2AF90}" type="datetimeFigureOut">
+              <a:rPr lang="en-US" dirty="0"/>
+              <a:t>10/30/24</a:t>
+            </a:fld>
+            <a:endParaRPr lang="en-US" dirty="0"/>
+          </a:p>
+        </p:txBody>
+      </p:sp>
+      <p:sp>
+        <p:nvSpPr>
+          <p:cNvPr id="6" name="Footer Placeholder 5"/>
+          <p:cNvSpPr>
+            <a:spLocks noGrp="1"/>
+          </p:cNvSpPr>
+          <p:nvPr>
+            <p:ph type="ftr" sz="quarter" idx="11"/>
+          </p:nvPr>
+        </p:nvSpPr>
+        <p:spPr/>
+        <p:txBody>
+          <a:bodyPr/>
+          <a:lstStyle/>
+          <a:p>
+            <a:endParaRPr lang="en-US" dirty="0"/>
+          </a:p>
+        </p:txBody>
+      </p:sp>
+      <p:sp>
+        <p:nvSpPr>
+          <p:cNvPr id="7" name="Slide Number Placeholder 6"/>
+          <p:cNvSpPr>
+            <a:spLocks noGrp="1"/>
+          </p:cNvSpPr>
+          <p:nvPr>
+            <p:ph type="sldNum" sz="quarter" idx="12"/>
+          </p:nvPr>
+        </p:nvSpPr>
+        <p:spPr/>
+        <p:txBody>
+          <a:bodyPr/>
+          <a:lstStyle/>
+          <a:p>
+            <a:fld id="{48F63A3B-78C7-47BE-AE5E-E10140E04643}" type="slidenum">
+              <a:rPr lang="en-US" dirty="0"/>
+              <a:t>‹#›</a:t>
+            </a:fld>
+            <a:endParaRPr lang="en-US" dirty="0"/>
+          </a:p>
+        </p:txBody>
+      </p:sp>
     </p:spTree>
     <p:extLst>
       <p:ext uri="{BB962C8B-B14F-4D97-AF65-F5344CB8AC3E}">
-        <p14:creationId xmlns:p14="http://schemas.microsoft.com/office/powerpoint/2010/main" val="2020299455"/>
+        <p14:creationId xmlns:p14="http://schemas.microsoft.com/office/powerpoint/2010/main" val="2881359064"/>
       </p:ext>
     </p:extLst>
   </p:cSld>
@@ -2631,13 +4771,7 @@
       </p:grpSpPr>
       <p:sp>
         <p:nvSpPr>
-          <p:cNvPr id="2" name="Title 1">
-            <a:extLst>
-              <a:ext uri="{FF2B5EF4-FFF2-40B4-BE49-F238E27FC236}">
-                <a16:creationId xmlns:a16="http://schemas.microsoft.com/office/drawing/2014/main" id="{F881C741-82E5-F0F3-0554-84815DDC8810}"/>
-              </a:ext>
-            </a:extLst>
-          </p:cNvPr>
+          <p:cNvPr id="2" name="Title 1"/>
           <p:cNvSpPr>
             <a:spLocks noGrp="1"/>
           </p:cNvSpPr>
@@ -2647,8 +4781,8 @@
         </p:nvSpPr>
         <p:spPr>
           <a:xfrm>
-            <a:off x="630238" y="457200"/>
-            <a:ext cx="2949575" cy="1600200"/>
+            <a:off x="839788" y="457200"/>
+            <a:ext cx="3932237" cy="1600200"/>
           </a:xfrm>
         </p:spPr>
         <p:txBody>
@@ -2663,20 +4797,15 @@
               <a:rPr lang="en-US"/>
               <a:t>Click to edit Master title style</a:t>
             </a:r>
-          </a:p>
-        </p:txBody>
-      </p:sp>
-      <p:sp>
-        <p:nvSpPr>
-          <p:cNvPr id="3" name="Picture Placeholder 2">
-            <a:extLst>
-              <a:ext uri="{FF2B5EF4-FFF2-40B4-BE49-F238E27FC236}">
-                <a16:creationId xmlns:a16="http://schemas.microsoft.com/office/drawing/2014/main" id="{D9B913B1-B674-1AF1-1917-A08112EC88AB}"/>
-              </a:ext>
-            </a:extLst>
-          </p:cNvPr>
-          <p:cNvSpPr>
-            <a:spLocks noGrp="1"/>
+            <a:endParaRPr lang="en-US" dirty="0"/>
+          </a:p>
+        </p:txBody>
+      </p:sp>
+      <p:sp>
+        <p:nvSpPr>
+          <p:cNvPr id="3" name="Picture Placeholder 2"/>
+          <p:cNvSpPr>
+            <a:spLocks noGrp="1" noChangeAspect="1"/>
           </p:cNvSpPr>
           <p:nvPr>
             <p:ph type="pic" idx="1"/>
@@ -2684,12 +4813,12 @@
         </p:nvSpPr>
         <p:spPr>
           <a:xfrm>
-            <a:off x="3887788" y="987425"/>
-            <a:ext cx="4629150" cy="4873625"/>
+            <a:off x="5183188" y="987425"/>
+            <a:ext cx="6172200" cy="4873625"/>
           </a:xfrm>
         </p:spPr>
         <p:txBody>
-          <a:bodyPr/>
+          <a:bodyPr anchor="t"/>
           <a:lstStyle>
             <a:lvl1pPr marL="0" indent="0">
               <a:buNone/>
@@ -2733,18 +4862,13 @@
               <a:rPr lang="en-US"/>
               <a:t>Click icon to add picture</a:t>
             </a:r>
-          </a:p>
-        </p:txBody>
-      </p:sp>
-      <p:sp>
-        <p:nvSpPr>
-          <p:cNvPr id="4" name="Text Placeholder 3">
-            <a:extLst>
-              <a:ext uri="{FF2B5EF4-FFF2-40B4-BE49-F238E27FC236}">
-                <a16:creationId xmlns:a16="http://schemas.microsoft.com/office/drawing/2014/main" id="{AB49FCA1-7825-0EB3-16D7-6D2527CEEC6F}"/>
-              </a:ext>
-            </a:extLst>
-          </p:cNvPr>
+            <a:endParaRPr lang="en-US" dirty="0"/>
+          </a:p>
+        </p:txBody>
+      </p:sp>
+      <p:sp>
+        <p:nvSpPr>
+          <p:cNvPr id="4" name="Text Placeholder 3"/>
           <p:cNvSpPr>
             <a:spLocks noGrp="1"/>
           </p:cNvSpPr>
@@ -2754,8 +4878,8 @@
         </p:nvSpPr>
         <p:spPr>
           <a:xfrm>
-            <a:off x="630238" y="2057400"/>
-            <a:ext cx="2949575" cy="3811588"/>
+            <a:off x="839788" y="2057400"/>
+            <a:ext cx="3932237" cy="3811588"/>
           </a:xfrm>
         </p:spPr>
         <p:txBody>
@@ -2807,10 +4931,75 @@
           </a:p>
         </p:txBody>
       </p:sp>
+      <p:sp>
+        <p:nvSpPr>
+          <p:cNvPr id="5" name="Date Placeholder 4"/>
+          <p:cNvSpPr>
+            <a:spLocks noGrp="1"/>
+          </p:cNvSpPr>
+          <p:nvPr>
+            <p:ph type="dt" sz="half" idx="10"/>
+          </p:nvPr>
+        </p:nvSpPr>
+        <p:spPr/>
+        <p:txBody>
+          <a:bodyPr/>
+          <a:lstStyle/>
+          <a:p>
+            <a:fld id="{C764DE79-268F-4C1A-8933-263129D2AF90}" type="datetimeFigureOut">
+              <a:rPr lang="en-US" dirty="0"/>
+              <a:t>10/30/24</a:t>
+            </a:fld>
+            <a:endParaRPr lang="en-US" dirty="0"/>
+          </a:p>
+        </p:txBody>
+      </p:sp>
+      <p:sp>
+        <p:nvSpPr>
+          <p:cNvPr id="6" name="Footer Placeholder 5"/>
+          <p:cNvSpPr>
+            <a:spLocks noGrp="1"/>
+          </p:cNvSpPr>
+          <p:nvPr>
+            <p:ph type="ftr" sz="quarter" idx="11"/>
+          </p:nvPr>
+        </p:nvSpPr>
+        <p:spPr/>
+        <p:txBody>
+          <a:bodyPr/>
+          <a:lstStyle/>
+          <a:p>
+            <a:endParaRPr lang="en-US" dirty="0"/>
+          </a:p>
+        </p:txBody>
+      </p:sp>
+      <p:sp>
+        <p:nvSpPr>
+          <p:cNvPr id="7" name="Slide Number Placeholder 6"/>
+          <p:cNvSpPr>
+            <a:spLocks noGrp="1"/>
+          </p:cNvSpPr>
+          <p:nvPr>
+            <p:ph type="sldNum" sz="quarter" idx="12"/>
+          </p:nvPr>
+        </p:nvSpPr>
+        <p:spPr/>
+        <p:txBody>
+          <a:bodyPr/>
+          <a:lstStyle/>
+          <a:p>
+            <a:fld id="{48F63A3B-78C7-47BE-AE5E-E10140E04643}" type="slidenum">
+              <a:rPr lang="en-US" dirty="0"/>
+              <a:t>‹#›</a:t>
+            </a:fld>
+            <a:endParaRPr lang="en-US" dirty="0"/>
+          </a:p>
+        </p:txBody>
+      </p:sp>
     </p:spTree>
     <p:extLst>
       <p:ext uri="{BB962C8B-B14F-4D97-AF65-F5344CB8AC3E}">
-        <p14:creationId xmlns:p14="http://schemas.microsoft.com/office/powerpoint/2010/main" val="2066909827"/>
+        <p14:creationId xmlns:p14="http://schemas.microsoft.com/office/powerpoint/2010/main" val="2830527863"/>
       </p:ext>
     </p:extLst>
   </p:cSld>
@@ -2824,16 +5013,9 @@
 <p:sldMaster xmlns:a="http://schemas.openxmlformats.org/drawingml/2006/main" xmlns:r="http://schemas.openxmlformats.org/officeDocument/2006/relationships" xmlns:p="http://schemas.openxmlformats.org/presentationml/2006/main">
   <p:cSld>
     <p:bg>
-      <p:bgPr>
-        <a:blipFill dpi="0" rotWithShape="0">
-          <a:blip r:embed="rId14"/>
-          <a:srcRect/>
-          <a:stretch>
-            <a:fillRect/>
-          </a:stretch>
-        </a:blipFill>
-        <a:effectLst/>
-      </p:bgPr>
+      <p:bgRef idx="1001">
+        <a:schemeClr val="bg1"/>
+      </p:bgRef>
     </p:bg>
     <p:spTree>
       <p:nvGrpSpPr>
@@ -2851,408 +5033,345 @@
       </p:grpSpPr>
       <p:sp>
         <p:nvSpPr>
-          <p:cNvPr id="1026" name="Rectangle 2">
-            <a:extLst>
-              <a:ext uri="{FF2B5EF4-FFF2-40B4-BE49-F238E27FC236}">
-                <a16:creationId xmlns:a16="http://schemas.microsoft.com/office/drawing/2014/main" id="{EAD54FFF-A87A-454F-7723-DA1FF11654F1}"/>
-              </a:ext>
-            </a:extLst>
-          </p:cNvPr>
-          <p:cNvSpPr>
-            <a:spLocks noGrp="1" noChangeArrowheads="1"/>
+          <p:cNvPr id="2" name="Title Placeholder 1"/>
+          <p:cNvSpPr>
+            <a:spLocks noGrp="1"/>
           </p:cNvSpPr>
           <p:nvPr>
             <p:ph type="title"/>
           </p:nvPr>
         </p:nvSpPr>
-        <p:spPr bwMode="auto">
+        <p:spPr>
           <a:xfrm>
-            <a:off x="152400" y="152400"/>
-            <a:ext cx="8686800" cy="715963"/>
+            <a:off x="838200" y="365125"/>
+            <a:ext cx="10515600" cy="1325563"/>
           </a:xfrm>
           <a:prstGeom prst="rect">
             <a:avLst/>
           </a:prstGeom>
-          <a:noFill/>
-          <a:ln>
-            <a:noFill/>
-          </a:ln>
-          <a:effectLst/>
-          <a:extLst>
-            <a:ext uri="{909E8E84-426E-40DD-AFC4-6F175D3DCCD1}">
-              <a14:hiddenFill xmlns:a14="http://schemas.microsoft.com/office/drawing/2010/main">
-                <a:solidFill>
-                  <a:schemeClr val="accent1"/>
-                </a:solidFill>
-              </a14:hiddenFill>
-            </a:ext>
-            <a:ext uri="{91240B29-F687-4F45-9708-019B960494DF}">
-              <a14:hiddenLine xmlns:a14="http://schemas.microsoft.com/office/drawing/2010/main" w="9525">
-                <a:solidFill>
-                  <a:schemeClr val="tx1"/>
-                </a:solidFill>
-                <a:miter lim="800000"/>
-                <a:headEnd/>
-                <a:tailEnd/>
-              </a14:hiddenLine>
-            </a:ext>
-            <a:ext uri="{AF507438-7753-43E0-B8FC-AC1667EBCBE1}">
-              <a14:hiddenEffects xmlns:a14="http://schemas.microsoft.com/office/drawing/2010/main">
-                <a:effectLst>
-                  <a:outerShdw dist="17961" dir="2700000" algn="ctr" rotWithShape="0">
-                    <a:schemeClr val="bg2"/>
-                  </a:outerShdw>
-                </a:effectLst>
-              </a14:hiddenEffects>
-            </a:ext>
-          </a:extLst>
         </p:spPr>
         <p:txBody>
-          <a:bodyPr vert="horz" wrap="square" lIns="91440" tIns="45720" rIns="91440" bIns="45720" numCol="1" anchor="ctr" anchorCtr="0" compatLnSpc="1">
-            <a:prstTxWarp prst="textNoShape">
-              <a:avLst/>
-            </a:prstTxWarp>
+          <a:bodyPr vert="horz" lIns="91440" tIns="45720" rIns="91440" bIns="45720" rtlCol="0" anchor="ctr">
+            <a:normAutofit/>
           </a:bodyPr>
           <a:lstStyle/>
           <a:p>
-            <a:pPr lvl="0"/>
-            <a:r>
-              <a:rPr lang="en-US" altLang="en-US"/>
+            <a:r>
+              <a:rPr lang="en-US"/>
               <a:t>Click to edit Master title style</a:t>
             </a:r>
-          </a:p>
-        </p:txBody>
-      </p:sp>
-      <p:sp>
-        <p:nvSpPr>
-          <p:cNvPr id="1027" name="Rectangle 3">
-            <a:extLst>
-              <a:ext uri="{FF2B5EF4-FFF2-40B4-BE49-F238E27FC236}">
-                <a16:creationId xmlns:a16="http://schemas.microsoft.com/office/drawing/2014/main" id="{DF608D5D-DBAD-6050-FDFE-F4A0E671D1DA}"/>
-              </a:ext>
-            </a:extLst>
-          </p:cNvPr>
-          <p:cNvSpPr>
-            <a:spLocks noGrp="1" noChangeArrowheads="1"/>
+            <a:endParaRPr lang="en-US" dirty="0"/>
+          </a:p>
+        </p:txBody>
+      </p:sp>
+      <p:sp>
+        <p:nvSpPr>
+          <p:cNvPr id="3" name="Text Placeholder 2"/>
+          <p:cNvSpPr>
+            <a:spLocks noGrp="1"/>
           </p:cNvSpPr>
           <p:nvPr>
             <p:ph type="body" idx="1"/>
           </p:nvPr>
         </p:nvSpPr>
-        <p:spPr bwMode="auto">
+        <p:spPr>
           <a:xfrm>
-            <a:off x="1066800" y="1371600"/>
-            <a:ext cx="7315200" cy="4191000"/>
+            <a:off x="838200" y="1825625"/>
+            <a:ext cx="10515600" cy="4351338"/>
           </a:xfrm>
           <a:prstGeom prst="rect">
             <a:avLst/>
           </a:prstGeom>
-          <a:noFill/>
-          <a:ln>
-            <a:noFill/>
-          </a:ln>
-          <a:effectLst/>
-          <a:extLst>
-            <a:ext uri="{909E8E84-426E-40DD-AFC4-6F175D3DCCD1}">
-              <a14:hiddenFill xmlns:a14="http://schemas.microsoft.com/office/drawing/2010/main">
+        </p:spPr>
+        <p:txBody>
+          <a:bodyPr vert="horz" lIns="91440" tIns="45720" rIns="91440" bIns="45720" rtlCol="0">
+            <a:normAutofit/>
+          </a:bodyPr>
+          <a:lstStyle/>
+          <a:p>
+            <a:pPr lvl="0"/>
+            <a:r>
+              <a:rPr lang="en-US"/>
+              <a:t>Click to edit Master text styles</a:t>
+            </a:r>
+          </a:p>
+          <a:p>
+            <a:pPr lvl="1"/>
+            <a:r>
+              <a:rPr lang="en-US"/>
+              <a:t>Second level</a:t>
+            </a:r>
+          </a:p>
+          <a:p>
+            <a:pPr lvl="2"/>
+            <a:r>
+              <a:rPr lang="en-US"/>
+              <a:t>Third level</a:t>
+            </a:r>
+          </a:p>
+          <a:p>
+            <a:pPr lvl="3"/>
+            <a:r>
+              <a:rPr lang="en-US"/>
+              <a:t>Fourth level</a:t>
+            </a:r>
+          </a:p>
+          <a:p>
+            <a:pPr lvl="4"/>
+            <a:r>
+              <a:rPr lang="en-US"/>
+              <a:t>Fifth level</a:t>
+            </a:r>
+            <a:endParaRPr lang="en-US" dirty="0"/>
+          </a:p>
+        </p:txBody>
+      </p:sp>
+      <p:sp>
+        <p:nvSpPr>
+          <p:cNvPr id="4" name="Date Placeholder 3"/>
+          <p:cNvSpPr>
+            <a:spLocks noGrp="1"/>
+          </p:cNvSpPr>
+          <p:nvPr>
+            <p:ph type="dt" sz="half" idx="2"/>
+          </p:nvPr>
+        </p:nvSpPr>
+        <p:spPr>
+          <a:xfrm>
+            <a:off x="838200" y="6356350"/>
+            <a:ext cx="2743200" cy="365125"/>
+          </a:xfrm>
+          <a:prstGeom prst="rect">
+            <a:avLst/>
+          </a:prstGeom>
+        </p:spPr>
+        <p:txBody>
+          <a:bodyPr vert="horz" lIns="91440" tIns="45720" rIns="91440" bIns="45720" rtlCol="0" anchor="ctr"/>
+          <a:lstStyle>
+            <a:lvl1pPr algn="l">
+              <a:defRPr sz="1200">
                 <a:solidFill>
-                  <a:schemeClr val="accent1"/>
+                  <a:schemeClr val="tx1">
+                    <a:tint val="82000"/>
+                  </a:schemeClr>
                 </a:solidFill>
-              </a14:hiddenFill>
-            </a:ext>
-            <a:ext uri="{91240B29-F687-4F45-9708-019B960494DF}">
-              <a14:hiddenLine xmlns:a14="http://schemas.microsoft.com/office/drawing/2010/main" w="9525">
+              </a:defRPr>
+            </a:lvl1pPr>
+          </a:lstStyle>
+          <a:p>
+            <a:fld id="{C764DE79-268F-4C1A-8933-263129D2AF90}" type="datetimeFigureOut">
+              <a:rPr lang="en-US" dirty="0"/>
+              <a:t>10/30/24</a:t>
+            </a:fld>
+            <a:endParaRPr lang="en-US" dirty="0"/>
+          </a:p>
+        </p:txBody>
+      </p:sp>
+      <p:sp>
+        <p:nvSpPr>
+          <p:cNvPr id="5" name="Footer Placeholder 4"/>
+          <p:cNvSpPr>
+            <a:spLocks noGrp="1"/>
+          </p:cNvSpPr>
+          <p:nvPr>
+            <p:ph type="ftr" sz="quarter" idx="3"/>
+          </p:nvPr>
+        </p:nvSpPr>
+        <p:spPr>
+          <a:xfrm>
+            <a:off x="4038600" y="6356350"/>
+            <a:ext cx="4114800" cy="365125"/>
+          </a:xfrm>
+          <a:prstGeom prst="rect">
+            <a:avLst/>
+          </a:prstGeom>
+        </p:spPr>
+        <p:txBody>
+          <a:bodyPr vert="horz" lIns="91440" tIns="45720" rIns="91440" bIns="45720" rtlCol="0" anchor="ctr"/>
+          <a:lstStyle>
+            <a:lvl1pPr algn="ctr">
+              <a:defRPr sz="1200">
                 <a:solidFill>
-                  <a:schemeClr val="tx1"/>
+                  <a:schemeClr val="tx1">
+                    <a:tint val="82000"/>
+                  </a:schemeClr>
                 </a:solidFill>
-                <a:miter lim="800000"/>
-                <a:headEnd/>
-                <a:tailEnd/>
-              </a14:hiddenLine>
-            </a:ext>
-            <a:ext uri="{AF507438-7753-43E0-B8FC-AC1667EBCBE1}">
-              <a14:hiddenEffects xmlns:a14="http://schemas.microsoft.com/office/drawing/2010/main">
-                <a:effectLst>
-                  <a:outerShdw dist="35921" dir="2700000" algn="ctr" rotWithShape="0">
-                    <a:schemeClr val="bg2"/>
-                  </a:outerShdw>
-                </a:effectLst>
-              </a14:hiddenEffects>
-            </a:ext>
-          </a:extLst>
+              </a:defRPr>
+            </a:lvl1pPr>
+          </a:lstStyle>
+          <a:p>
+            <a:endParaRPr lang="en-US" dirty="0"/>
+          </a:p>
+        </p:txBody>
+      </p:sp>
+      <p:sp>
+        <p:nvSpPr>
+          <p:cNvPr id="6" name="Slide Number Placeholder 5"/>
+          <p:cNvSpPr>
+            <a:spLocks noGrp="1"/>
+          </p:cNvSpPr>
+          <p:nvPr>
+            <p:ph type="sldNum" sz="quarter" idx="4"/>
+          </p:nvPr>
+        </p:nvSpPr>
+        <p:spPr>
+          <a:xfrm>
+            <a:off x="8610600" y="6356350"/>
+            <a:ext cx="2743200" cy="365125"/>
+          </a:xfrm>
+          <a:prstGeom prst="rect">
+            <a:avLst/>
+          </a:prstGeom>
         </p:spPr>
         <p:txBody>
-          <a:bodyPr vert="horz" wrap="square" lIns="91440" tIns="45720" rIns="91440" bIns="45720" numCol="1" anchor="t" anchorCtr="0" compatLnSpc="1">
-            <a:prstTxWarp prst="textNoShape">
-              <a:avLst/>
-            </a:prstTxWarp>
-          </a:bodyPr>
-          <a:lstStyle/>
-          <a:p>
-            <a:pPr lvl="0"/>
-            <a:r>
-              <a:rPr lang="en-US" altLang="en-US"/>
-              <a:t>Click to edit Master text styles</a:t>
-            </a:r>
-          </a:p>
-          <a:p>
-            <a:pPr lvl="1"/>
-            <a:r>
-              <a:rPr lang="en-US" altLang="en-US"/>
-              <a:t>Second level</a:t>
-            </a:r>
-          </a:p>
-          <a:p>
-            <a:pPr lvl="2"/>
-            <a:r>
-              <a:rPr lang="en-US" altLang="en-US"/>
-              <a:t>Third level</a:t>
-            </a:r>
-          </a:p>
-          <a:p>
-            <a:pPr lvl="3"/>
-            <a:r>
-              <a:rPr lang="en-US" altLang="en-US"/>
-              <a:t>Fourth level</a:t>
-            </a:r>
-          </a:p>
-          <a:p>
-            <a:pPr lvl="4"/>
-            <a:r>
-              <a:rPr lang="en-US" altLang="en-US"/>
-              <a:t>Fifth level</a:t>
-            </a:r>
+          <a:bodyPr vert="horz" lIns="91440" tIns="45720" rIns="91440" bIns="45720" rtlCol="0" anchor="ctr"/>
+          <a:lstStyle>
+            <a:lvl1pPr algn="r">
+              <a:defRPr sz="1200">
+                <a:solidFill>
+                  <a:schemeClr val="tx1">
+                    <a:tint val="82000"/>
+                  </a:schemeClr>
+                </a:solidFill>
+              </a:defRPr>
+            </a:lvl1pPr>
+          </a:lstStyle>
+          <a:p>
+            <a:fld id="{48F63A3B-78C7-47BE-AE5E-E10140E04643}" type="slidenum">
+              <a:rPr lang="en-US" dirty="0"/>
+              <a:t>‹#›</a:t>
+            </a:fld>
+            <a:endParaRPr lang="en-US" dirty="0"/>
           </a:p>
         </p:txBody>
       </p:sp>
     </p:spTree>
+    <p:extLst>
+      <p:ext uri="{BB962C8B-B14F-4D97-AF65-F5344CB8AC3E}">
+        <p14:creationId xmlns:p14="http://schemas.microsoft.com/office/powerpoint/2010/main" val="3201698824"/>
+      </p:ext>
+    </p:extLst>
   </p:cSld>
   <p:clrMap bg1="lt1" tx1="dk1" bg2="lt2" tx2="dk2" accent1="accent1" accent2="accent2" accent3="accent3" accent4="accent4" accent5="accent5" accent6="accent6" hlink="hlink" folHlink="folHlink"/>
   <p:sldLayoutIdLst>
-    <p:sldLayoutId id="2147483649" r:id="rId1"/>
-    <p:sldLayoutId id="2147483650" r:id="rId2"/>
-    <p:sldLayoutId id="2147483651" r:id="rId3"/>
-    <p:sldLayoutId id="2147483652" r:id="rId4"/>
-    <p:sldLayoutId id="2147483653" r:id="rId5"/>
-    <p:sldLayoutId id="2147483654" r:id="rId6"/>
-    <p:sldLayoutId id="2147483655" r:id="rId7"/>
-    <p:sldLayoutId id="2147483656" r:id="rId8"/>
-    <p:sldLayoutId id="2147483657" r:id="rId9"/>
-    <p:sldLayoutId id="2147483658" r:id="rId10"/>
-    <p:sldLayoutId id="2147483659" r:id="rId11"/>
-    <p:sldLayoutId id="2147483660" r:id="rId12"/>
+    <p:sldLayoutId id="2147483662" r:id="rId1"/>
+    <p:sldLayoutId id="2147483663" r:id="rId2"/>
+    <p:sldLayoutId id="2147483664" r:id="rId3"/>
+    <p:sldLayoutId id="2147483665" r:id="rId4"/>
+    <p:sldLayoutId id="2147483666" r:id="rId5"/>
+    <p:sldLayoutId id="2147483667" r:id="rId6"/>
+    <p:sldLayoutId id="2147483668" r:id="rId7"/>
+    <p:sldLayoutId id="2147483669" r:id="rId8"/>
+    <p:sldLayoutId id="2147483670" r:id="rId9"/>
+    <p:sldLayoutId id="2147483671" r:id="rId10"/>
+    <p:sldLayoutId id="2147483672" r:id="rId11"/>
+    <p:sldLayoutId id="2147483673" r:id="rId12"/>
   </p:sldLayoutIdLst>
   <p:txStyles>
     <p:titleStyle>
-      <a:lvl1pPr algn="l" rtl="0" eaLnBrk="1" fontAlgn="base" hangingPunct="1">
+      <a:lvl1pPr algn="l" defTabSz="914400" rtl="0" eaLnBrk="1" latinLnBrk="0" hangingPunct="1">
+        <a:lnSpc>
+          <a:spcPct val="90000"/>
+        </a:lnSpc>
         <a:spcBef>
           <a:spcPct val="0"/>
         </a:spcBef>
-        <a:spcAft>
-          <a:spcPct val="0"/>
-        </a:spcAft>
+        <a:buNone/>
         <a:defRPr sz="4400" kern="1200">
           <a:solidFill>
-            <a:schemeClr val="bg1"/>
+            <a:schemeClr val="tx1"/>
           </a:solidFill>
           <a:latin typeface="+mj-lt"/>
           <a:ea typeface="+mj-ea"/>
           <a:cs typeface="+mj-cs"/>
         </a:defRPr>
       </a:lvl1pPr>
-      <a:lvl2pPr algn="l" rtl="0" eaLnBrk="1" fontAlgn="base" hangingPunct="1">
-        <a:spcBef>
-          <a:spcPct val="0"/>
-        </a:spcBef>
-        <a:spcAft>
-          <a:spcPct val="0"/>
-        </a:spcAft>
-        <a:defRPr sz="4400">
-          <a:solidFill>
-            <a:schemeClr val="bg1"/>
-          </a:solidFill>
-          <a:latin typeface="Microsoft Sans Serif" panose="020B0604020202020204" pitchFamily="34" charset="0"/>
-        </a:defRPr>
-      </a:lvl2pPr>
-      <a:lvl3pPr algn="l" rtl="0" eaLnBrk="1" fontAlgn="base" hangingPunct="1">
-        <a:spcBef>
-          <a:spcPct val="0"/>
-        </a:spcBef>
-        <a:spcAft>
-          <a:spcPct val="0"/>
-        </a:spcAft>
-        <a:defRPr sz="4400">
-          <a:solidFill>
-            <a:schemeClr val="bg1"/>
-          </a:solidFill>
-          <a:latin typeface="Microsoft Sans Serif" panose="020B0604020202020204" pitchFamily="34" charset="0"/>
-        </a:defRPr>
-      </a:lvl3pPr>
-      <a:lvl4pPr algn="l" rtl="0" eaLnBrk="1" fontAlgn="base" hangingPunct="1">
-        <a:spcBef>
-          <a:spcPct val="0"/>
-        </a:spcBef>
-        <a:spcAft>
-          <a:spcPct val="0"/>
-        </a:spcAft>
-        <a:defRPr sz="4400">
-          <a:solidFill>
-            <a:schemeClr val="bg1"/>
-          </a:solidFill>
-          <a:latin typeface="Microsoft Sans Serif" panose="020B0604020202020204" pitchFamily="34" charset="0"/>
-        </a:defRPr>
-      </a:lvl4pPr>
-      <a:lvl5pPr algn="l" rtl="0" eaLnBrk="1" fontAlgn="base" hangingPunct="1">
-        <a:spcBef>
-          <a:spcPct val="0"/>
-        </a:spcBef>
-        <a:spcAft>
-          <a:spcPct val="0"/>
-        </a:spcAft>
-        <a:defRPr sz="4400">
-          <a:solidFill>
-            <a:schemeClr val="bg1"/>
-          </a:solidFill>
-          <a:latin typeface="Microsoft Sans Serif" panose="020B0604020202020204" pitchFamily="34" charset="0"/>
-        </a:defRPr>
-      </a:lvl5pPr>
-      <a:lvl6pPr marL="457200" algn="l" rtl="0" eaLnBrk="1" fontAlgn="base" hangingPunct="1">
-        <a:spcBef>
-          <a:spcPct val="0"/>
-        </a:spcBef>
-        <a:spcAft>
-          <a:spcPct val="0"/>
-        </a:spcAft>
-        <a:defRPr sz="4400">
-          <a:solidFill>
-            <a:schemeClr val="bg1"/>
-          </a:solidFill>
-          <a:latin typeface="Microsoft Sans Serif" panose="020B0604020202020204" pitchFamily="34" charset="0"/>
-        </a:defRPr>
-      </a:lvl6pPr>
-      <a:lvl7pPr marL="914400" algn="l" rtl="0" eaLnBrk="1" fontAlgn="base" hangingPunct="1">
-        <a:spcBef>
-          <a:spcPct val="0"/>
-        </a:spcBef>
-        <a:spcAft>
-          <a:spcPct val="0"/>
-        </a:spcAft>
-        <a:defRPr sz="4400">
-          <a:solidFill>
-            <a:schemeClr val="bg1"/>
-          </a:solidFill>
-          <a:latin typeface="Microsoft Sans Serif" panose="020B0604020202020204" pitchFamily="34" charset="0"/>
-        </a:defRPr>
-      </a:lvl7pPr>
-      <a:lvl8pPr marL="1371600" algn="l" rtl="0" eaLnBrk="1" fontAlgn="base" hangingPunct="1">
-        <a:spcBef>
-          <a:spcPct val="0"/>
-        </a:spcBef>
-        <a:spcAft>
-          <a:spcPct val="0"/>
-        </a:spcAft>
-        <a:defRPr sz="4400">
-          <a:solidFill>
-            <a:schemeClr val="bg1"/>
-          </a:solidFill>
-          <a:latin typeface="Microsoft Sans Serif" panose="020B0604020202020204" pitchFamily="34" charset="0"/>
-        </a:defRPr>
-      </a:lvl8pPr>
-      <a:lvl9pPr marL="1828800" algn="l" rtl="0" eaLnBrk="1" fontAlgn="base" hangingPunct="1">
-        <a:spcBef>
-          <a:spcPct val="0"/>
-        </a:spcBef>
-        <a:spcAft>
-          <a:spcPct val="0"/>
-        </a:spcAft>
-        <a:defRPr sz="4400">
-          <a:solidFill>
-            <a:schemeClr val="bg1"/>
-          </a:solidFill>
-          <a:latin typeface="Microsoft Sans Serif" panose="020B0604020202020204" pitchFamily="34" charset="0"/>
-        </a:defRPr>
-      </a:lvl9pPr>
     </p:titleStyle>
     <p:bodyStyle>
-      <a:lvl1pPr marL="342900" indent="-342900" algn="l" rtl="0" eaLnBrk="1" fontAlgn="base" hangingPunct="1">
+      <a:lvl1pPr marL="228600" indent="-228600" algn="l" defTabSz="914400" rtl="0" eaLnBrk="1" latinLnBrk="0" hangingPunct="1">
+        <a:lnSpc>
+          <a:spcPct val="90000"/>
+        </a:lnSpc>
         <a:spcBef>
-          <a:spcPct val="20000"/>
+          <a:spcPts val="1000"/>
         </a:spcBef>
-        <a:spcAft>
-          <a:spcPct val="0"/>
-        </a:spcAft>
+        <a:buFont typeface="Arial" panose="020B0604020202020204" pitchFamily="34" charset="0"/>
         <a:buChar char="•"/>
-        <a:defRPr sz="3200" kern="1200">
+        <a:defRPr sz="2800" kern="1200">
           <a:solidFill>
-            <a:schemeClr val="bg1"/>
+            <a:schemeClr val="tx1"/>
           </a:solidFill>
           <a:latin typeface="+mn-lt"/>
           <a:ea typeface="+mn-ea"/>
           <a:cs typeface="+mn-cs"/>
         </a:defRPr>
       </a:lvl1pPr>
-      <a:lvl2pPr marL="742950" indent="-285750" algn="l" rtl="0" eaLnBrk="1" fontAlgn="base" hangingPunct="1">
+      <a:lvl2pPr marL="685800" indent="-228600" algn="l" defTabSz="914400" rtl="0" eaLnBrk="1" latinLnBrk="0" hangingPunct="1">
+        <a:lnSpc>
+          <a:spcPct val="90000"/>
+        </a:lnSpc>
         <a:spcBef>
-          <a:spcPct val="20000"/>
+          <a:spcPts val="500"/>
         </a:spcBef>
-        <a:spcAft>
-          <a:spcPct val="0"/>
-        </a:spcAft>
-        <a:buChar char="–"/>
-        <a:defRPr sz="2800" kern="1200">
+        <a:buFont typeface="Arial" panose="020B0604020202020204" pitchFamily="34" charset="0"/>
+        <a:buChar char="•"/>
+        <a:defRPr sz="2400" kern="1200">
           <a:solidFill>
-            <a:schemeClr val="bg1"/>
+            <a:schemeClr val="tx1"/>
           </a:solidFill>
           <a:latin typeface="+mn-lt"/>
           <a:ea typeface="+mn-ea"/>
           <a:cs typeface="+mn-cs"/>
         </a:defRPr>
       </a:lvl2pPr>
-      <a:lvl3pPr marL="1143000" indent="-228600" algn="l" rtl="0" eaLnBrk="1" fontAlgn="base" hangingPunct="1">
+      <a:lvl3pPr marL="1143000" indent="-228600" algn="l" defTabSz="914400" rtl="0" eaLnBrk="1" latinLnBrk="0" hangingPunct="1">
+        <a:lnSpc>
+          <a:spcPct val="90000"/>
+        </a:lnSpc>
         <a:spcBef>
-          <a:spcPct val="20000"/>
+          <a:spcPts val="500"/>
         </a:spcBef>
-        <a:spcAft>
-          <a:spcPct val="0"/>
-        </a:spcAft>
+        <a:buFont typeface="Arial" panose="020B0604020202020204" pitchFamily="34" charset="0"/>
         <a:buChar char="•"/>
-        <a:defRPr sz="2400" kern="1200">
+        <a:defRPr sz="2000" kern="1200">
           <a:solidFill>
-            <a:schemeClr val="bg1"/>
+            <a:schemeClr val="tx1"/>
           </a:solidFill>
           <a:latin typeface="+mn-lt"/>
           <a:ea typeface="+mn-ea"/>
           <a:cs typeface="+mn-cs"/>
         </a:defRPr>
       </a:lvl3pPr>
-      <a:lvl4pPr marL="1600200" indent="-228600" algn="l" rtl="0" eaLnBrk="1" fontAlgn="base" hangingPunct="1">
+      <a:lvl4pPr marL="1600200" indent="-228600" algn="l" defTabSz="914400" rtl="0" eaLnBrk="1" latinLnBrk="0" hangingPunct="1">
+        <a:lnSpc>
+          <a:spcPct val="90000"/>
+        </a:lnSpc>
         <a:spcBef>
-          <a:spcPct val="20000"/>
+          <a:spcPts val="500"/>
         </a:spcBef>
-        <a:spcAft>
-          <a:spcPct val="0"/>
-        </a:spcAft>
-        <a:buChar char="–"/>
-        <a:defRPr sz="2000" kern="1200">
+        <a:buFont typeface="Arial" panose="020B0604020202020204" pitchFamily="34" charset="0"/>
+        <a:buChar char="•"/>
+        <a:defRPr sz="1800" kern="1200">
           <a:solidFill>
-            <a:schemeClr val="bg1"/>
+            <a:schemeClr val="tx1"/>
           </a:solidFill>
           <a:latin typeface="+mn-lt"/>
           <a:ea typeface="+mn-ea"/>
           <a:cs typeface="+mn-cs"/>
         </a:defRPr>
       </a:lvl4pPr>
-      <a:lvl5pPr marL="2057400" indent="-228600" algn="l" rtl="0" eaLnBrk="1" fontAlgn="base" hangingPunct="1">
+      <a:lvl5pPr marL="2057400" indent="-228600" algn="l" defTabSz="914400" rtl="0" eaLnBrk="1" latinLnBrk="0" hangingPunct="1">
+        <a:lnSpc>
+          <a:spcPct val="90000"/>
+        </a:lnSpc>
         <a:spcBef>
-          <a:spcPct val="20000"/>
+          <a:spcPts val="500"/>
         </a:spcBef>
-        <a:spcAft>
-          <a:spcPct val="0"/>
-        </a:spcAft>
-        <a:buChar char="»"/>
-        <a:defRPr sz="2000" kern="1200">
+        <a:buFont typeface="Arial" panose="020B0604020202020204" pitchFamily="34" charset="0"/>
+        <a:buChar char="•"/>
+        <a:defRPr sz="1800" kern="1200">
           <a:solidFill>
-            <a:schemeClr val="bg1"/>
+            <a:schemeClr val="tx1"/>
           </a:solidFill>
           <a:latin typeface="+mn-lt"/>
           <a:ea typeface="+mn-ea"/>
@@ -3478,8 +5597,8 @@
         </p:nvSpPr>
         <p:spPr>
           <a:xfrm>
-            <a:off x="5072063" y="1533525"/>
-            <a:ext cx="3733800" cy="1600200"/>
+            <a:off x="6972300" y="990600"/>
+            <a:ext cx="4914900" cy="1600200"/>
           </a:xfrm>
           <a:extLst>
             <a:ext uri="{AF507438-7753-43E0-B8FC-AC1667EBCBE1}">
@@ -3494,20 +5613,27 @@
           </a:extLst>
         </p:spPr>
         <p:txBody>
-          <a:bodyPr/>
+          <a:bodyPr>
+            <a:normAutofit/>
+          </a:bodyPr>
           <a:lstStyle/>
           <a:p>
             <a:pPr algn="ctr"/>
             <a:r>
-              <a:rPr lang="en-US" altLang="en-US" sz="4500"/>
-              <a:t>Name of</a:t>
-            </a:r>
-            <a:br>
-              <a:rPr lang="en-US" altLang="en-US" sz="4500"/>
-            </a:br>
-            <a:r>
-              <a:rPr lang="en-US" altLang="en-US" sz="4500"/>
-              <a:t>presentation</a:t>
+              <a:rPr lang="en-US" altLang="en-US" sz="4500" dirty="0" err="1">
+                <a:solidFill>
+                  <a:schemeClr val="bg1"/>
+                </a:solidFill>
+              </a:rPr>
+              <a:t>ChatBot</a:t>
+            </a:r>
+            <a:r>
+              <a:rPr lang="en-US" altLang="en-US" sz="4500" dirty="0">
+                <a:solidFill>
+                  <a:schemeClr val="bg1"/>
+                </a:solidFill>
+              </a:rPr>
+              <a:t> to Recommend Movies</a:t>
             </a:r>
           </a:p>
         </p:txBody>
@@ -3530,8 +5656,8 @@
         </p:nvSpPr>
         <p:spPr>
           <a:xfrm>
-            <a:off x="5464175" y="3003550"/>
-            <a:ext cx="2971800" cy="533400"/>
+            <a:off x="9067800" y="3023152"/>
+            <a:ext cx="2971800" cy="811696"/>
           </a:xfrm>
           <a:extLst>
             <a:ext uri="{AF507438-7753-43E0-B8FC-AC1667EBCBE1}">
@@ -3546,24 +5672,41 @@
           </a:extLst>
         </p:spPr>
         <p:txBody>
-          <a:bodyPr/>
+          <a:bodyPr>
+            <a:normAutofit lnSpcReduction="10000"/>
+          </a:bodyPr>
           <a:lstStyle/>
           <a:p>
             <a:pPr marL="0" indent="0" algn="ctr">
-              <a:buFontTx/>
               <a:buNone/>
             </a:pPr>
             <a:r>
-              <a:rPr lang="en-US" altLang="en-US" sz="2300"/>
-              <a:t>Company name</a:t>
-            </a:r>
-          </a:p>
-          <a:p>
-            <a:pPr marL="0" indent="0" algn="r">
-              <a:buFontTx/>
+              <a:rPr lang="en-US" altLang="en-US" sz="2300" dirty="0">
+                <a:solidFill>
+                  <a:schemeClr val="bg1"/>
+                </a:solidFill>
+              </a:rPr>
+              <a:t>Vu Pham</a:t>
+            </a:r>
+          </a:p>
+          <a:p>
+            <a:pPr marL="0" indent="0" algn="ctr">
               <a:buNone/>
             </a:pPr>
-            <a:endParaRPr lang="en-US" altLang="en-US" sz="2700"/>
+            <a:r>
+              <a:rPr lang="en-US" altLang="en-US" sz="2300" dirty="0">
+                <a:solidFill>
+                  <a:schemeClr val="bg1"/>
+                </a:solidFill>
+              </a:rPr>
+              <a:t>Brian E Campbell</a:t>
+            </a:r>
+          </a:p>
+          <a:p>
+            <a:pPr marL="0" indent="0" algn="r">
+              <a:buNone/>
+            </a:pPr>
+            <a:endParaRPr lang="en-US" altLang="en-US" sz="2700" dirty="0"/>
           </a:p>
         </p:txBody>
       </p:sp>
@@ -3575,12 +5718,30 @@
 </p:sld>
 </file>
 
-<file path=ppt/slides/slide2.xml><?xml version="1.0" encoding="utf-8"?>
+<file path=ppt/slides/slide10.xml><?xml version="1.0" encoding="utf-8"?>
 <p:sld xmlns:a="http://schemas.openxmlformats.org/drawingml/2006/main" xmlns:r="http://schemas.openxmlformats.org/officeDocument/2006/relationships" xmlns:p="http://schemas.openxmlformats.org/presentationml/2006/main">
   <p:cSld>
+    <p:bg>
+      <p:bgPr>
+        <a:blipFill dpi="0" rotWithShape="0">
+          <a:blip r:embed="rId3"/>
+          <a:srcRect/>
+          <a:stretch>
+            <a:fillRect/>
+          </a:stretch>
+        </a:blipFill>
+        <a:effectLst/>
+      </p:bgPr>
+    </p:bg>
     <p:spTree>
       <p:nvGrpSpPr>
-        <p:cNvPr id="1" name=""/>
+        <p:cNvPr id="1" name="">
+          <a:extLst>
+            <a:ext uri="{FF2B5EF4-FFF2-40B4-BE49-F238E27FC236}">
+              <a16:creationId xmlns:a16="http://schemas.microsoft.com/office/drawing/2014/main" id="{955E91D8-78DD-BF8E-CD72-4C06DA80E1F5}"/>
+            </a:ext>
+          </a:extLst>
+        </p:cNvPr>
         <p:cNvGrpSpPr/>
         <p:nvPr/>
       </p:nvGrpSpPr>
@@ -3594,10 +5755,10 @@
       </p:grpSpPr>
       <p:sp>
         <p:nvSpPr>
-          <p:cNvPr id="17413" name="Rectangle 5">
+          <p:cNvPr id="60418" name="Rectangle 2">
             <a:extLst>
               <a:ext uri="{FF2B5EF4-FFF2-40B4-BE49-F238E27FC236}">
-                <a16:creationId xmlns:a16="http://schemas.microsoft.com/office/drawing/2014/main" id="{2A525472-B9F1-677F-AADE-B9384972A160}"/>
+                <a16:creationId xmlns:a16="http://schemas.microsoft.com/office/drawing/2014/main" id="{803D9B48-C227-49B8-9254-F04579ABD5C5}"/>
               </a:ext>
             </a:extLst>
           </p:cNvPr>
@@ -3610,8 +5771,8 @@
         </p:nvSpPr>
         <p:spPr>
           <a:xfrm>
-            <a:off x="1066800" y="762000"/>
-            <a:ext cx="7162800" cy="715963"/>
+            <a:off x="3505200" y="762001"/>
+            <a:ext cx="6934200" cy="715963"/>
           </a:xfrm>
         </p:spPr>
         <p:txBody>
@@ -3619,19 +5780,22 @@
           <a:lstStyle/>
           <a:p>
             <a:r>
-              <a:rPr lang="en-US" altLang="en-US" sz="4000"/>
-              <a:t>Slide master</a:t>
-            </a:r>
-            <a:endParaRPr lang="ru-RU" altLang="en-US" sz="4000"/>
-          </a:p>
-        </p:txBody>
-      </p:sp>
-      <p:sp>
-        <p:nvSpPr>
-          <p:cNvPr id="17415" name="Rectangle 7">
+              <a:rPr lang="en-US" altLang="en-US" sz="4000" dirty="0">
+                <a:solidFill>
+                  <a:schemeClr val="tx1"/>
+                </a:solidFill>
+              </a:rPr>
+              <a:t>Future Considerations</a:t>
+            </a:r>
+          </a:p>
+        </p:txBody>
+      </p:sp>
+      <p:sp>
+        <p:nvSpPr>
+          <p:cNvPr id="60419" name="Rectangle 3">
             <a:extLst>
               <a:ext uri="{FF2B5EF4-FFF2-40B4-BE49-F238E27FC236}">
-                <a16:creationId xmlns:a16="http://schemas.microsoft.com/office/drawing/2014/main" id="{27A79928-C049-6000-CABE-EA7BC43DDD09}"/>
+                <a16:creationId xmlns:a16="http://schemas.microsoft.com/office/drawing/2014/main" id="{5158D3F5-80BA-21E4-9713-657455F14F79}"/>
               </a:ext>
             </a:extLst>
           </p:cNvPr>
@@ -3639,13 +5803,13 @@
             <a:spLocks noGrp="1" noChangeArrowheads="1"/>
           </p:cNvSpPr>
           <p:nvPr>
-            <p:ph type="body" idx="1"/>
+            <p:ph idx="1"/>
           </p:nvPr>
         </p:nvSpPr>
         <p:spPr>
           <a:xfrm>
-            <a:off x="990600" y="1752600"/>
-            <a:ext cx="7315200" cy="3581400"/>
+            <a:off x="3505200" y="1981200"/>
+            <a:ext cx="6934200" cy="4267200"/>
           </a:xfrm>
         </p:spPr>
         <p:txBody>
@@ -3658,20 +5822,244 @@
               </a:lnSpc>
             </a:pPr>
             <a:r>
-              <a:rPr lang="en-US" altLang="ko-KR" sz="1800">
+              <a:rPr lang="en-US" altLang="ko-KR" sz="1800" dirty="0">
+                <a:solidFill>
+                  <a:schemeClr val="tx1"/>
+                </a:solidFill>
                 <a:latin typeface="Verdana" panose="020B0604030504040204" pitchFamily="34" charset="0"/>
                 <a:ea typeface="굴림" panose="020B0600000101010101" pitchFamily="34" charset="-127"/>
               </a:rPr>
               <a:t>Your Text here</a:t>
             </a:r>
           </a:p>
+        </p:txBody>
+      </p:sp>
+    </p:spTree>
+    <p:extLst>
+      <p:ext uri="{BB962C8B-B14F-4D97-AF65-F5344CB8AC3E}">
+        <p14:creationId xmlns:p14="http://schemas.microsoft.com/office/powerpoint/2010/main" val="3025235660"/>
+      </p:ext>
+    </p:extLst>
+  </p:cSld>
+  <p:clrMapOvr>
+    <a:masterClrMapping/>
+  </p:clrMapOvr>
+</p:sld>
+</file>
+
+<file path=ppt/slides/slide11.xml><?xml version="1.0" encoding="utf-8"?>
+<p:sld xmlns:a="http://schemas.openxmlformats.org/drawingml/2006/main" xmlns:r="http://schemas.openxmlformats.org/officeDocument/2006/relationships" xmlns:p="http://schemas.openxmlformats.org/presentationml/2006/main">
+  <p:cSld>
+    <p:bg>
+      <p:bgPr>
+        <a:blipFill dpi="0" rotWithShape="0">
+          <a:blip r:embed="rId3"/>
+          <a:srcRect/>
+          <a:stretch>
+            <a:fillRect/>
+          </a:stretch>
+        </a:blipFill>
+        <a:effectLst/>
+      </p:bgPr>
+    </p:bg>
+    <p:spTree>
+      <p:nvGrpSpPr>
+        <p:cNvPr id="1" name="">
+          <a:extLst>
+            <a:ext uri="{FF2B5EF4-FFF2-40B4-BE49-F238E27FC236}">
+              <a16:creationId xmlns:a16="http://schemas.microsoft.com/office/drawing/2014/main" id="{FF0ED261-ED3B-B64C-2751-C8692739BCFF}"/>
+            </a:ext>
+          </a:extLst>
+        </p:cNvPr>
+        <p:cNvGrpSpPr/>
+        <p:nvPr/>
+      </p:nvGrpSpPr>
+      <p:grpSpPr>
+        <a:xfrm>
+          <a:off x="0" y="0"/>
+          <a:ext cx="0" cy="0"/>
+          <a:chOff x="0" y="0"/>
+          <a:chExt cx="0" cy="0"/>
+        </a:xfrm>
+      </p:grpSpPr>
+      <p:sp>
+        <p:nvSpPr>
+          <p:cNvPr id="2053" name="Rectangle 5">
+            <a:extLst>
+              <a:ext uri="{FF2B5EF4-FFF2-40B4-BE49-F238E27FC236}">
+                <a16:creationId xmlns:a16="http://schemas.microsoft.com/office/drawing/2014/main" id="{234DA708-AFFF-29E4-AEEC-E17EF9976A53}"/>
+              </a:ext>
+            </a:extLst>
+          </p:cNvPr>
+          <p:cNvSpPr>
+            <a:spLocks noGrp="1" noChangeArrowheads="1"/>
+          </p:cNvSpPr>
+          <p:nvPr>
+            <p:ph type="title"/>
+          </p:nvPr>
+        </p:nvSpPr>
+        <p:spPr>
+          <a:xfrm>
+            <a:off x="6972300" y="990600"/>
+            <a:ext cx="4914900" cy="1600200"/>
+          </a:xfrm>
+          <a:extLst>
+            <a:ext uri="{AF507438-7753-43E0-B8FC-AC1667EBCBE1}">
+              <a14:hiddenEffects xmlns:a14="http://schemas.microsoft.com/office/drawing/2010/main">
+                <a:effectLst>
+                  <a:outerShdw dist="28398" dir="1593903" algn="ctr" rotWithShape="0">
+                    <a:srgbClr val="781705"/>
+                  </a:outerShdw>
+                </a:effectLst>
+              </a14:hiddenEffects>
+            </a:ext>
+          </a:extLst>
+        </p:spPr>
+        <p:txBody>
+          <a:bodyPr>
+            <a:normAutofit/>
+          </a:bodyPr>
+          <a:lstStyle/>
+          <a:p>
+            <a:pPr algn="ctr"/>
+            <a:r>
+              <a:rPr lang="en-US" altLang="en-US" sz="4500" dirty="0">
+                <a:solidFill>
+                  <a:schemeClr val="bg1"/>
+                </a:solidFill>
+              </a:rPr>
+              <a:t>Questions?</a:t>
+            </a:r>
+          </a:p>
+        </p:txBody>
+      </p:sp>
+    </p:spTree>
+    <p:extLst>
+      <p:ext uri="{BB962C8B-B14F-4D97-AF65-F5344CB8AC3E}">
+        <p14:creationId xmlns:p14="http://schemas.microsoft.com/office/powerpoint/2010/main" val="1147992668"/>
+      </p:ext>
+    </p:extLst>
+  </p:cSld>
+  <p:clrMapOvr>
+    <a:masterClrMapping/>
+  </p:clrMapOvr>
+</p:sld>
+</file>
+
+<file path=ppt/slides/slide2.xml><?xml version="1.0" encoding="utf-8"?>
+<p:sld xmlns:a="http://schemas.openxmlformats.org/drawingml/2006/main" xmlns:r="http://schemas.openxmlformats.org/officeDocument/2006/relationships" xmlns:p="http://schemas.openxmlformats.org/presentationml/2006/main">
+  <p:cSld>
+    <p:bg>
+      <p:bgPr>
+        <a:blipFill dpi="0" rotWithShape="0">
+          <a:blip r:embed="rId3"/>
+          <a:srcRect/>
+          <a:stretch>
+            <a:fillRect/>
+          </a:stretch>
+        </a:blipFill>
+        <a:effectLst/>
+      </p:bgPr>
+    </p:bg>
+    <p:spTree>
+      <p:nvGrpSpPr>
+        <p:cNvPr id="1" name="">
+          <a:extLst>
+            <a:ext uri="{FF2B5EF4-FFF2-40B4-BE49-F238E27FC236}">
+              <a16:creationId xmlns:a16="http://schemas.microsoft.com/office/drawing/2014/main" id="{80E1BF1B-E9E2-DA7D-0141-C922A1708147}"/>
+            </a:ext>
+          </a:extLst>
+        </p:cNvPr>
+        <p:cNvGrpSpPr/>
+        <p:nvPr/>
+      </p:nvGrpSpPr>
+      <p:grpSpPr>
+        <a:xfrm>
+          <a:off x="0" y="0"/>
+          <a:ext cx="0" cy="0"/>
+          <a:chOff x="0" y="0"/>
+          <a:chExt cx="0" cy="0"/>
+        </a:xfrm>
+      </p:grpSpPr>
+      <p:sp>
+        <p:nvSpPr>
+          <p:cNvPr id="60418" name="Rectangle 2">
+            <a:extLst>
+              <a:ext uri="{FF2B5EF4-FFF2-40B4-BE49-F238E27FC236}">
+                <a16:creationId xmlns:a16="http://schemas.microsoft.com/office/drawing/2014/main" id="{7AACFE46-1938-8D10-600A-F180AC6FE13A}"/>
+              </a:ext>
+            </a:extLst>
+          </p:cNvPr>
+          <p:cNvSpPr>
+            <a:spLocks noGrp="1" noChangeArrowheads="1"/>
+          </p:cNvSpPr>
+          <p:nvPr>
+            <p:ph type="title"/>
+          </p:nvPr>
+        </p:nvSpPr>
+        <p:spPr>
+          <a:xfrm>
+            <a:off x="3505200" y="762001"/>
+            <a:ext cx="6934200" cy="715963"/>
+          </a:xfrm>
+        </p:spPr>
+        <p:txBody>
+          <a:bodyPr/>
+          <a:lstStyle/>
+          <a:p>
+            <a:r>
+              <a:rPr lang="en-US" altLang="en-US" sz="4000" dirty="0">
+                <a:solidFill>
+                  <a:schemeClr val="tx1"/>
+                </a:solidFill>
+              </a:rPr>
+              <a:t>Agenda</a:t>
+            </a:r>
+          </a:p>
+        </p:txBody>
+      </p:sp>
+      <p:sp>
+        <p:nvSpPr>
+          <p:cNvPr id="60419" name="Rectangle 3">
+            <a:extLst>
+              <a:ext uri="{FF2B5EF4-FFF2-40B4-BE49-F238E27FC236}">
+                <a16:creationId xmlns:a16="http://schemas.microsoft.com/office/drawing/2014/main" id="{0CC9A297-94A8-2B14-FD36-F7FD5F97ACE3}"/>
+              </a:ext>
+            </a:extLst>
+          </p:cNvPr>
+          <p:cNvSpPr>
+            <a:spLocks noGrp="1" noChangeArrowheads="1"/>
+          </p:cNvSpPr>
+          <p:nvPr>
+            <p:ph idx="1"/>
+          </p:nvPr>
+        </p:nvSpPr>
+        <p:spPr>
+          <a:xfrm>
+            <a:off x="3505200" y="1981200"/>
+            <a:ext cx="6934200" cy="4267200"/>
+          </a:xfrm>
+        </p:spPr>
+        <p:txBody>
+          <a:bodyPr/>
+          <a:lstStyle/>
           <a:p>
             <a:pPr>
               <a:lnSpc>
                 <a:spcPct val="80000"/>
               </a:lnSpc>
             </a:pPr>
-            <a:endParaRPr lang="en-US" altLang="ko-KR" sz="1800">
+            <a:r>
+              <a:rPr lang="en-US" altLang="ko-KR" dirty="0">
+                <a:solidFill>
+                  <a:schemeClr val="tx1"/>
+                </a:solidFill>
+                <a:latin typeface="Verdana" panose="020B0604030504040204" pitchFamily="34" charset="0"/>
+                <a:ea typeface="굴림" panose="020B0600000101010101" pitchFamily="34" charset="-127"/>
+              </a:rPr>
+              <a:t>Project Description</a:t>
+            </a:r>
+            <a:endParaRPr lang="en-US" altLang="ko-KR" dirty="0">
               <a:latin typeface="Verdana" panose="020B0604030504040204" pitchFamily="34" charset="0"/>
               <a:ea typeface="굴림" panose="020B0600000101010101" pitchFamily="34" charset="-127"/>
             </a:endParaRPr>
@@ -3683,11 +6071,14 @@
               </a:lnSpc>
             </a:pPr>
             <a:r>
-              <a:rPr lang="en-US" altLang="ko-KR" sz="1800">
+              <a:rPr lang="en-US" altLang="ko-KR" dirty="0">
+                <a:solidFill>
+                  <a:schemeClr val="tx1"/>
+                </a:solidFill>
                 <a:latin typeface="Verdana" panose="020B0604030504040204" pitchFamily="34" charset="0"/>
                 <a:ea typeface="굴림" panose="020B0600000101010101" pitchFamily="34" charset="-127"/>
               </a:rPr>
-              <a:t>Lorem ipsum dolor sit amet, consectetuer adipiscing elit, sed diam nonummy nibh euismod tincidunt ut laoreet dolore magna aliquam erat volutpat. Ut wisi enim ad minim veniam, quis nostrud exerci tation ullamcorper suscipit lobortis nisl ut aliquip ex ea commodo consequat. </a:t>
+              <a:t>Goals</a:t>
             </a:r>
           </a:p>
           <a:p>
@@ -3696,10 +6087,13 @@
                 <a:spcPct val="80000"/>
               </a:lnSpc>
             </a:pPr>
-            <a:endParaRPr lang="en-US" altLang="ko-KR" sz="1800">
-              <a:latin typeface="Verdana" panose="020B0604030504040204" pitchFamily="34" charset="0"/>
-              <a:ea typeface="굴림" panose="020B0600000101010101" pitchFamily="34" charset="-127"/>
-            </a:endParaRPr>
+            <a:r>
+              <a:rPr lang="en-US" altLang="ko-KR" dirty="0">
+                <a:latin typeface="Verdana" panose="020B0604030504040204" pitchFamily="34" charset="0"/>
+                <a:ea typeface="굴림" panose="020B0600000101010101" pitchFamily="34" charset="-127"/>
+              </a:rPr>
+              <a:t>Data, cleanup, exploration</a:t>
+            </a:r>
           </a:p>
           <a:p>
             <a:pPr>
@@ -3708,13 +6102,15 @@
               </a:lnSpc>
             </a:pPr>
             <a:r>
-              <a:rPr lang="en-US" altLang="ko-KR" sz="1800">
+              <a:rPr lang="en-US" altLang="ko-KR" dirty="0">
+                <a:solidFill>
+                  <a:schemeClr val="tx1"/>
+                </a:solidFill>
                 <a:latin typeface="Verdana" panose="020B0604030504040204" pitchFamily="34" charset="0"/>
                 <a:ea typeface="굴림" panose="020B0600000101010101" pitchFamily="34" charset="-127"/>
               </a:rPr>
-              <a:t>Duis autem vel eum iriure dolor in hendrerit in vulputate velit esse molestie consequat, vel illum dolore eu feugiat nulla facilisis at vero eros et accumsan et iusto odio dignissim qui blandit praesent luptatum zzril delenit augue duis dolore te feugait nulla facilisi.</a:t>
-            </a:r>
-            <a:endParaRPr lang="en-US" altLang="en-US" sz="1800"/>
+              <a:t>Approach</a:t>
+            </a:r>
           </a:p>
           <a:p>
             <a:pPr>
@@ -3722,7 +6118,16 @@
                 <a:spcPct val="80000"/>
               </a:lnSpc>
             </a:pPr>
-            <a:endParaRPr lang="ru-RU" altLang="en-US" sz="1800"/>
+            <a:r>
+              <a:rPr lang="en-US" altLang="ko-KR" dirty="0">
+                <a:solidFill>
+                  <a:schemeClr val="tx1"/>
+                </a:solidFill>
+                <a:latin typeface="Verdana" panose="020B0604030504040204" pitchFamily="34" charset="0"/>
+                <a:ea typeface="굴림" panose="020B0600000101010101" pitchFamily="34" charset="-127"/>
+              </a:rPr>
+              <a:t>Results and Conclusion</a:t>
+            </a:r>
           </a:p>
           <a:p>
             <a:pPr>
@@ -3730,11 +6135,70 @@
                 <a:spcPct val="80000"/>
               </a:lnSpc>
             </a:pPr>
-            <a:endParaRPr lang="ru-RU" altLang="en-US" sz="1800"/>
+            <a:r>
+              <a:rPr lang="en-US" altLang="en-US" dirty="0">
+                <a:latin typeface="Verdana" panose="020B0604030504040204" pitchFamily="34" charset="0"/>
+                <a:ea typeface="굴림" panose="020B0600000101010101" pitchFamily="34" charset="-127"/>
+              </a:rPr>
+              <a:t>Summary</a:t>
+            </a:r>
+          </a:p>
+          <a:p>
+            <a:pPr>
+              <a:lnSpc>
+                <a:spcPct val="80000"/>
+              </a:lnSpc>
+            </a:pPr>
+            <a:r>
+              <a:rPr lang="en-US" altLang="en-US" dirty="0">
+                <a:solidFill>
+                  <a:schemeClr val="tx1"/>
+                </a:solidFill>
+                <a:latin typeface="Verdana" panose="020B0604030504040204" pitchFamily="34" charset="0"/>
+                <a:ea typeface="굴림" panose="020B0600000101010101" pitchFamily="34" charset="-127"/>
+              </a:rPr>
+              <a:t>Problems Encountered</a:t>
+            </a:r>
+          </a:p>
+          <a:p>
+            <a:pPr>
+              <a:lnSpc>
+                <a:spcPct val="80000"/>
+              </a:lnSpc>
+            </a:pPr>
+            <a:r>
+              <a:rPr lang="en-US" altLang="en-US" dirty="0">
+                <a:latin typeface="Verdana" panose="020B0604030504040204" pitchFamily="34" charset="0"/>
+                <a:ea typeface="굴림" panose="020B0600000101010101" pitchFamily="34" charset="-127"/>
+              </a:rPr>
+              <a:t>Future Considerations</a:t>
+            </a:r>
+            <a:endParaRPr lang="en-US" altLang="en-US" dirty="0">
+              <a:solidFill>
+                <a:schemeClr val="tx1"/>
+              </a:solidFill>
+            </a:endParaRPr>
+          </a:p>
+          <a:p>
+            <a:pPr>
+              <a:lnSpc>
+                <a:spcPct val="80000"/>
+              </a:lnSpc>
+            </a:pPr>
+            <a:endParaRPr lang="en-US" altLang="en-US" sz="1800" dirty="0">
+              <a:solidFill>
+                <a:schemeClr val="tx1"/>
+              </a:solidFill>
+            </a:endParaRPr>
           </a:p>
         </p:txBody>
       </p:sp>
     </p:spTree>
+    <p:extLst>
+      <p:ext uri="{BB962C8B-B14F-4D97-AF65-F5344CB8AC3E}">
+        <p14:creationId xmlns:p14="http://schemas.microsoft.com/office/powerpoint/2010/main" val="2251916252"/>
+      </p:ext>
+    </p:extLst>
   </p:cSld>
   <p:clrMapOvr>
     <a:masterClrMapping/>
@@ -3789,7 +6253,7 @@
         </p:nvSpPr>
         <p:spPr>
           <a:xfrm>
-            <a:off x="1981200" y="762000"/>
+            <a:off x="3505200" y="762001"/>
             <a:ext cx="6934200" cy="715963"/>
           </a:xfrm>
         </p:spPr>
@@ -3798,12 +6262,12 @@
           <a:lstStyle/>
           <a:p>
             <a:r>
-              <a:rPr lang="en-US" altLang="en-US" sz="4000">
+              <a:rPr lang="en-US" altLang="en-US" sz="4000" dirty="0">
                 <a:solidFill>
                   <a:schemeClr val="tx1"/>
                 </a:solidFill>
               </a:rPr>
-              <a:t>Print master</a:t>
+              <a:t>Project Description</a:t>
             </a:r>
           </a:p>
         </p:txBody>
@@ -3821,12 +6285,12 @@
             <a:spLocks noGrp="1" noChangeArrowheads="1"/>
           </p:cNvSpPr>
           <p:nvPr>
-            <p:ph type="body" idx="1"/>
+            <p:ph idx="1"/>
           </p:nvPr>
         </p:nvSpPr>
         <p:spPr>
           <a:xfrm>
-            <a:off x="1981200" y="1981200"/>
+            <a:off x="3505200" y="1981200"/>
             <a:ext cx="6934200" cy="4267200"/>
           </a:xfrm>
         </p:spPr>
@@ -3840,7 +6304,7 @@
               </a:lnSpc>
             </a:pPr>
             <a:r>
-              <a:rPr lang="en-US" altLang="ko-KR" sz="1800">
+              <a:rPr lang="en-US" altLang="ko-KR" sz="1800" dirty="0">
                 <a:solidFill>
                   <a:schemeClr val="tx1"/>
                 </a:solidFill>
@@ -3856,74 +6320,7 @@
                 <a:spcPct val="80000"/>
               </a:lnSpc>
             </a:pPr>
-            <a:endParaRPr lang="en-US" altLang="ko-KR" sz="1800">
-              <a:solidFill>
-                <a:schemeClr val="tx1"/>
-              </a:solidFill>
-              <a:latin typeface="Verdana" panose="020B0604030504040204" pitchFamily="34" charset="0"/>
-              <a:ea typeface="굴림" panose="020B0600000101010101" pitchFamily="34" charset="-127"/>
-            </a:endParaRPr>
-          </a:p>
-          <a:p>
-            <a:pPr>
-              <a:lnSpc>
-                <a:spcPct val="80000"/>
-              </a:lnSpc>
-            </a:pPr>
-            <a:r>
-              <a:rPr lang="en-US" altLang="ko-KR" sz="1800">
-                <a:solidFill>
-                  <a:schemeClr val="tx1"/>
-                </a:solidFill>
-                <a:latin typeface="Verdana" panose="020B0604030504040204" pitchFamily="34" charset="0"/>
-                <a:ea typeface="굴림" panose="020B0600000101010101" pitchFamily="34" charset="-127"/>
-              </a:rPr>
-              <a:t>Lorem ipsum dolor sit amet, consectetuer adipiscing elit, sed diam nonummy nibh euismod tincidunt ut laoreet dolore magna aliquam erat volutpat. Ut wisi enim ad minim veniam, quis nostrud exerci tation ullamcorper suscipit lobortis nisl ut aliquip ex ea commodo consequat. </a:t>
-            </a:r>
-          </a:p>
-          <a:p>
-            <a:pPr>
-              <a:lnSpc>
-                <a:spcPct val="80000"/>
-              </a:lnSpc>
-            </a:pPr>
-            <a:endParaRPr lang="en-US" altLang="ko-KR" sz="1800">
-              <a:solidFill>
-                <a:schemeClr val="tx1"/>
-              </a:solidFill>
-              <a:latin typeface="Verdana" panose="020B0604030504040204" pitchFamily="34" charset="0"/>
-              <a:ea typeface="굴림" panose="020B0600000101010101" pitchFamily="34" charset="-127"/>
-            </a:endParaRPr>
-          </a:p>
-          <a:p>
-            <a:pPr>
-              <a:lnSpc>
-                <a:spcPct val="80000"/>
-              </a:lnSpc>
-            </a:pPr>
-            <a:r>
-              <a:rPr lang="en-US" altLang="ko-KR" sz="1800">
-                <a:solidFill>
-                  <a:schemeClr val="tx1"/>
-                </a:solidFill>
-                <a:latin typeface="Verdana" panose="020B0604030504040204" pitchFamily="34" charset="0"/>
-                <a:ea typeface="굴림" panose="020B0600000101010101" pitchFamily="34" charset="-127"/>
-              </a:rPr>
-              <a:t>Duis autem vel eum iriure dolor in hendrerit in vulputate velit esse molestie consequat, vel illum dolore eu feugiat nulla facilisis at vero eros et accumsan et iusto odio dignissim qui blandit praesent luptatum zzril delenit augue duis dolore te feugait nulla facilisi.</a:t>
-            </a:r>
-            <a:endParaRPr lang="en-US" altLang="en-US" sz="1800">
-              <a:solidFill>
-                <a:schemeClr val="tx1"/>
-              </a:solidFill>
-            </a:endParaRPr>
-          </a:p>
-          <a:p>
-            <a:pPr>
-              <a:lnSpc>
-                <a:spcPct val="80000"/>
-              </a:lnSpc>
-            </a:pPr>
-            <a:endParaRPr lang="en-US" altLang="en-US" sz="1800">
+            <a:endParaRPr lang="en-US" altLang="en-US" sz="1800" dirty="0">
               <a:solidFill>
                 <a:schemeClr val="tx1"/>
               </a:solidFill>
@@ -3942,9 +6339,27 @@
 <file path=ppt/slides/slide4.xml><?xml version="1.0" encoding="utf-8"?>
 <p:sld xmlns:a="http://schemas.openxmlformats.org/drawingml/2006/main" xmlns:r="http://schemas.openxmlformats.org/officeDocument/2006/relationships" xmlns:p="http://schemas.openxmlformats.org/presentationml/2006/main">
   <p:cSld>
+    <p:bg>
+      <p:bgPr>
+        <a:blipFill dpi="0" rotWithShape="0">
+          <a:blip r:embed="rId3"/>
+          <a:srcRect/>
+          <a:stretch>
+            <a:fillRect/>
+          </a:stretch>
+        </a:blipFill>
+        <a:effectLst/>
+      </p:bgPr>
+    </p:bg>
     <p:spTree>
       <p:nvGrpSpPr>
-        <p:cNvPr id="1" name=""/>
+        <p:cNvPr id="1" name="">
+          <a:extLst>
+            <a:ext uri="{FF2B5EF4-FFF2-40B4-BE49-F238E27FC236}">
+              <a16:creationId xmlns:a16="http://schemas.microsoft.com/office/drawing/2014/main" id="{BEA5AE11-A0BC-E6ED-D7BE-946854D8AF15}"/>
+            </a:ext>
+          </a:extLst>
+        </p:cNvPr>
         <p:cNvGrpSpPr/>
         <p:nvPr/>
       </p:nvGrpSpPr>
@@ -3958,58 +6373,782 @@
       </p:grpSpPr>
       <p:sp>
         <p:nvSpPr>
-          <p:cNvPr id="2" name="Title 1">
+          <p:cNvPr id="60418" name="Rectangle 2">
             <a:extLst>
               <a:ext uri="{FF2B5EF4-FFF2-40B4-BE49-F238E27FC236}">
-                <a16:creationId xmlns:a16="http://schemas.microsoft.com/office/drawing/2014/main" id="{C59A0321-5CD8-D2E0-2D29-88156B7C5F38}"/>
+                <a16:creationId xmlns:a16="http://schemas.microsoft.com/office/drawing/2014/main" id="{8E4F9805-CC1E-B5B8-15A0-FC46ED72075F}"/>
               </a:ext>
             </a:extLst>
           </p:cNvPr>
           <p:cNvSpPr>
-            <a:spLocks noGrp="1"/>
+            <a:spLocks noGrp="1" noChangeArrowheads="1"/>
           </p:cNvSpPr>
           <p:nvPr>
             <p:ph type="title"/>
           </p:nvPr>
         </p:nvSpPr>
-        <p:spPr/>
-        <p:txBody>
-          <a:bodyPr/>
-          <a:lstStyle/>
-          <a:p>
-            <a:endParaRPr lang="en-US"/>
-          </a:p>
-        </p:txBody>
-      </p:sp>
-      <p:sp>
-        <p:nvSpPr>
-          <p:cNvPr id="3" name="Content Placeholder 2">
+        <p:spPr>
+          <a:xfrm>
+            <a:off x="3505200" y="762001"/>
+            <a:ext cx="6934200" cy="715963"/>
+          </a:xfrm>
+        </p:spPr>
+        <p:txBody>
+          <a:bodyPr/>
+          <a:lstStyle/>
+          <a:p>
+            <a:r>
+              <a:rPr lang="en-US" altLang="en-US" sz="4000" dirty="0">
+                <a:solidFill>
+                  <a:schemeClr val="tx1"/>
+                </a:solidFill>
+              </a:rPr>
+              <a:t>Goals</a:t>
+            </a:r>
+          </a:p>
+        </p:txBody>
+      </p:sp>
+      <p:sp>
+        <p:nvSpPr>
+          <p:cNvPr id="60419" name="Rectangle 3">
             <a:extLst>
               <a:ext uri="{FF2B5EF4-FFF2-40B4-BE49-F238E27FC236}">
-                <a16:creationId xmlns:a16="http://schemas.microsoft.com/office/drawing/2014/main" id="{A93BA1B0-EE28-9C01-DE65-C41CC6E1973A}"/>
+                <a16:creationId xmlns:a16="http://schemas.microsoft.com/office/drawing/2014/main" id="{949B5838-92C8-069A-F2C5-4B89ADE54B4D}"/>
               </a:ext>
             </a:extLst>
           </p:cNvPr>
           <p:cNvSpPr>
-            <a:spLocks noGrp="1"/>
+            <a:spLocks noGrp="1" noChangeArrowheads="1"/>
           </p:cNvSpPr>
           <p:nvPr>
             <p:ph idx="1"/>
           </p:nvPr>
         </p:nvSpPr>
-        <p:spPr/>
-        <p:txBody>
-          <a:bodyPr/>
-          <a:lstStyle/>
-          <a:p>
-            <a:endParaRPr lang="en-US"/>
+        <p:spPr>
+          <a:xfrm>
+            <a:off x="3505200" y="1981200"/>
+            <a:ext cx="6934200" cy="4267200"/>
+          </a:xfrm>
+        </p:spPr>
+        <p:txBody>
+          <a:bodyPr/>
+          <a:lstStyle/>
+          <a:p>
+            <a:pPr>
+              <a:lnSpc>
+                <a:spcPct val="80000"/>
+              </a:lnSpc>
+            </a:pPr>
+            <a:r>
+              <a:rPr lang="en-US" altLang="ko-KR" sz="1800" dirty="0">
+                <a:solidFill>
+                  <a:schemeClr val="tx1"/>
+                </a:solidFill>
+                <a:latin typeface="Verdana" panose="020B0604030504040204" pitchFamily="34" charset="0"/>
+                <a:ea typeface="굴림" panose="020B0600000101010101" pitchFamily="34" charset="-127"/>
+              </a:rPr>
+              <a:t>Your Text here</a:t>
+            </a:r>
+          </a:p>
+          <a:p>
+            <a:pPr>
+              <a:lnSpc>
+                <a:spcPct val="80000"/>
+              </a:lnSpc>
+            </a:pPr>
+            <a:endParaRPr lang="en-US" altLang="en-US" sz="1800" dirty="0">
+              <a:solidFill>
+                <a:schemeClr val="tx1"/>
+              </a:solidFill>
+            </a:endParaRPr>
           </a:p>
         </p:txBody>
       </p:sp>
     </p:spTree>
     <p:extLst>
       <p:ext uri="{BB962C8B-B14F-4D97-AF65-F5344CB8AC3E}">
-        <p14:creationId xmlns:p14="http://schemas.microsoft.com/office/powerpoint/2010/main" val="1390402765"/>
+        <p14:creationId xmlns:p14="http://schemas.microsoft.com/office/powerpoint/2010/main" val="497463052"/>
+      </p:ext>
+    </p:extLst>
+  </p:cSld>
+  <p:clrMapOvr>
+    <a:masterClrMapping/>
+  </p:clrMapOvr>
+</p:sld>
+</file>
+
+<file path=ppt/slides/slide5.xml><?xml version="1.0" encoding="utf-8"?>
+<p:sld xmlns:a="http://schemas.openxmlformats.org/drawingml/2006/main" xmlns:r="http://schemas.openxmlformats.org/officeDocument/2006/relationships" xmlns:p="http://schemas.openxmlformats.org/presentationml/2006/main">
+  <p:cSld>
+    <p:bg>
+      <p:bgPr>
+        <a:blipFill dpi="0" rotWithShape="0">
+          <a:blip r:embed="rId3"/>
+          <a:srcRect/>
+          <a:stretch>
+            <a:fillRect/>
+          </a:stretch>
+        </a:blipFill>
+        <a:effectLst/>
+      </p:bgPr>
+    </p:bg>
+    <p:spTree>
+      <p:nvGrpSpPr>
+        <p:cNvPr id="1" name="">
+          <a:extLst>
+            <a:ext uri="{FF2B5EF4-FFF2-40B4-BE49-F238E27FC236}">
+              <a16:creationId xmlns:a16="http://schemas.microsoft.com/office/drawing/2014/main" id="{03013529-0769-EA46-5516-28380C5DA67A}"/>
+            </a:ext>
+          </a:extLst>
+        </p:cNvPr>
+        <p:cNvGrpSpPr/>
+        <p:nvPr/>
+      </p:nvGrpSpPr>
+      <p:grpSpPr>
+        <a:xfrm>
+          <a:off x="0" y="0"/>
+          <a:ext cx="0" cy="0"/>
+          <a:chOff x="0" y="0"/>
+          <a:chExt cx="0" cy="0"/>
+        </a:xfrm>
+      </p:grpSpPr>
+      <p:sp>
+        <p:nvSpPr>
+          <p:cNvPr id="60418" name="Rectangle 2">
+            <a:extLst>
+              <a:ext uri="{FF2B5EF4-FFF2-40B4-BE49-F238E27FC236}">
+                <a16:creationId xmlns:a16="http://schemas.microsoft.com/office/drawing/2014/main" id="{C3B1486B-3323-583C-1E91-242909401F54}"/>
+              </a:ext>
+            </a:extLst>
+          </p:cNvPr>
+          <p:cNvSpPr>
+            <a:spLocks noGrp="1" noChangeArrowheads="1"/>
+          </p:cNvSpPr>
+          <p:nvPr>
+            <p:ph type="title"/>
+          </p:nvPr>
+        </p:nvSpPr>
+        <p:spPr>
+          <a:xfrm>
+            <a:off x="3505200" y="762001"/>
+            <a:ext cx="6934200" cy="715963"/>
+          </a:xfrm>
+        </p:spPr>
+        <p:txBody>
+          <a:bodyPr/>
+          <a:lstStyle/>
+          <a:p>
+            <a:r>
+              <a:rPr lang="en-US" altLang="en-US" sz="4000" dirty="0">
+                <a:solidFill>
+                  <a:schemeClr val="tx1"/>
+                </a:solidFill>
+              </a:rPr>
+              <a:t>Data, cleanup, exploration</a:t>
+            </a:r>
+          </a:p>
+        </p:txBody>
+      </p:sp>
+      <p:sp>
+        <p:nvSpPr>
+          <p:cNvPr id="60419" name="Rectangle 3">
+            <a:extLst>
+              <a:ext uri="{FF2B5EF4-FFF2-40B4-BE49-F238E27FC236}">
+                <a16:creationId xmlns:a16="http://schemas.microsoft.com/office/drawing/2014/main" id="{60F53B80-3D43-8FFD-1366-12955FB9BC19}"/>
+              </a:ext>
+            </a:extLst>
+          </p:cNvPr>
+          <p:cNvSpPr>
+            <a:spLocks noGrp="1" noChangeArrowheads="1"/>
+          </p:cNvSpPr>
+          <p:nvPr>
+            <p:ph idx="1"/>
+          </p:nvPr>
+        </p:nvSpPr>
+        <p:spPr>
+          <a:xfrm>
+            <a:off x="3505200" y="1981200"/>
+            <a:ext cx="6934200" cy="4267200"/>
+          </a:xfrm>
+        </p:spPr>
+        <p:txBody>
+          <a:bodyPr/>
+          <a:lstStyle/>
+          <a:p>
+            <a:pPr>
+              <a:lnSpc>
+                <a:spcPct val="80000"/>
+              </a:lnSpc>
+            </a:pPr>
+            <a:r>
+              <a:rPr lang="en-US" altLang="ko-KR" sz="1800" dirty="0">
+                <a:solidFill>
+                  <a:schemeClr val="tx1"/>
+                </a:solidFill>
+                <a:latin typeface="Verdana" panose="020B0604030504040204" pitchFamily="34" charset="0"/>
+                <a:ea typeface="굴림" panose="020B0600000101010101" pitchFamily="34" charset="-127"/>
+              </a:rPr>
+              <a:t>Your Text here</a:t>
+            </a:r>
+          </a:p>
+          <a:p>
+            <a:pPr>
+              <a:lnSpc>
+                <a:spcPct val="80000"/>
+              </a:lnSpc>
+            </a:pPr>
+            <a:endParaRPr lang="en-US" altLang="en-US" sz="1800" dirty="0">
+              <a:solidFill>
+                <a:schemeClr val="tx1"/>
+              </a:solidFill>
+            </a:endParaRPr>
+          </a:p>
+        </p:txBody>
+      </p:sp>
+    </p:spTree>
+    <p:extLst>
+      <p:ext uri="{BB962C8B-B14F-4D97-AF65-F5344CB8AC3E}">
+        <p14:creationId xmlns:p14="http://schemas.microsoft.com/office/powerpoint/2010/main" val="871028883"/>
+      </p:ext>
+    </p:extLst>
+  </p:cSld>
+  <p:clrMapOvr>
+    <a:masterClrMapping/>
+  </p:clrMapOvr>
+</p:sld>
+</file>
+
+<file path=ppt/slides/slide6.xml><?xml version="1.0" encoding="utf-8"?>
+<p:sld xmlns:a="http://schemas.openxmlformats.org/drawingml/2006/main" xmlns:r="http://schemas.openxmlformats.org/officeDocument/2006/relationships" xmlns:p="http://schemas.openxmlformats.org/presentationml/2006/main">
+  <p:cSld>
+    <p:bg>
+      <p:bgPr>
+        <a:blipFill dpi="0" rotWithShape="0">
+          <a:blip r:embed="rId3"/>
+          <a:srcRect/>
+          <a:stretch>
+            <a:fillRect/>
+          </a:stretch>
+        </a:blipFill>
+        <a:effectLst/>
+      </p:bgPr>
+    </p:bg>
+    <p:spTree>
+      <p:nvGrpSpPr>
+        <p:cNvPr id="1" name="">
+          <a:extLst>
+            <a:ext uri="{FF2B5EF4-FFF2-40B4-BE49-F238E27FC236}">
+              <a16:creationId xmlns:a16="http://schemas.microsoft.com/office/drawing/2014/main" id="{CDE5C5B1-7881-D539-56CF-BDD810BEF099}"/>
+            </a:ext>
+          </a:extLst>
+        </p:cNvPr>
+        <p:cNvGrpSpPr/>
+        <p:nvPr/>
+      </p:nvGrpSpPr>
+      <p:grpSpPr>
+        <a:xfrm>
+          <a:off x="0" y="0"/>
+          <a:ext cx="0" cy="0"/>
+          <a:chOff x="0" y="0"/>
+          <a:chExt cx="0" cy="0"/>
+        </a:xfrm>
+      </p:grpSpPr>
+      <p:sp>
+        <p:nvSpPr>
+          <p:cNvPr id="60418" name="Rectangle 2">
+            <a:extLst>
+              <a:ext uri="{FF2B5EF4-FFF2-40B4-BE49-F238E27FC236}">
+                <a16:creationId xmlns:a16="http://schemas.microsoft.com/office/drawing/2014/main" id="{C7BB92C0-CCEE-D74D-D97E-1184E4070CFE}"/>
+              </a:ext>
+            </a:extLst>
+          </p:cNvPr>
+          <p:cNvSpPr>
+            <a:spLocks noGrp="1" noChangeArrowheads="1"/>
+          </p:cNvSpPr>
+          <p:nvPr>
+            <p:ph type="title"/>
+          </p:nvPr>
+        </p:nvSpPr>
+        <p:spPr>
+          <a:xfrm>
+            <a:off x="3505200" y="762001"/>
+            <a:ext cx="6934200" cy="715963"/>
+          </a:xfrm>
+        </p:spPr>
+        <p:txBody>
+          <a:bodyPr/>
+          <a:lstStyle/>
+          <a:p>
+            <a:r>
+              <a:rPr lang="en-US" altLang="en-US" sz="4000" dirty="0">
+                <a:solidFill>
+                  <a:schemeClr val="tx1"/>
+                </a:solidFill>
+              </a:rPr>
+              <a:t>Approach</a:t>
+            </a:r>
+          </a:p>
+        </p:txBody>
+      </p:sp>
+      <p:sp>
+        <p:nvSpPr>
+          <p:cNvPr id="60419" name="Rectangle 3">
+            <a:extLst>
+              <a:ext uri="{FF2B5EF4-FFF2-40B4-BE49-F238E27FC236}">
+                <a16:creationId xmlns:a16="http://schemas.microsoft.com/office/drawing/2014/main" id="{61DBB77E-11F3-FD26-45DA-1C8E0117B90E}"/>
+              </a:ext>
+            </a:extLst>
+          </p:cNvPr>
+          <p:cNvSpPr>
+            <a:spLocks noGrp="1" noChangeArrowheads="1"/>
+          </p:cNvSpPr>
+          <p:nvPr>
+            <p:ph idx="1"/>
+          </p:nvPr>
+        </p:nvSpPr>
+        <p:spPr>
+          <a:xfrm>
+            <a:off x="3505200" y="1981200"/>
+            <a:ext cx="6934200" cy="4267200"/>
+          </a:xfrm>
+        </p:spPr>
+        <p:txBody>
+          <a:bodyPr/>
+          <a:lstStyle/>
+          <a:p>
+            <a:pPr>
+              <a:lnSpc>
+                <a:spcPct val="80000"/>
+              </a:lnSpc>
+            </a:pPr>
+            <a:r>
+              <a:rPr lang="en-US" altLang="ko-KR" sz="1800" dirty="0">
+                <a:solidFill>
+                  <a:schemeClr val="tx1"/>
+                </a:solidFill>
+                <a:latin typeface="Verdana" panose="020B0604030504040204" pitchFamily="34" charset="0"/>
+                <a:ea typeface="굴림" panose="020B0600000101010101" pitchFamily="34" charset="-127"/>
+              </a:rPr>
+              <a:t>Your Text here</a:t>
+            </a:r>
+          </a:p>
+          <a:p>
+            <a:pPr>
+              <a:lnSpc>
+                <a:spcPct val="80000"/>
+              </a:lnSpc>
+            </a:pPr>
+            <a:endParaRPr lang="en-US" altLang="en-US" sz="1800" dirty="0">
+              <a:solidFill>
+                <a:schemeClr val="tx1"/>
+              </a:solidFill>
+            </a:endParaRPr>
+          </a:p>
+        </p:txBody>
+      </p:sp>
+    </p:spTree>
+    <p:extLst>
+      <p:ext uri="{BB962C8B-B14F-4D97-AF65-F5344CB8AC3E}">
+        <p14:creationId xmlns:p14="http://schemas.microsoft.com/office/powerpoint/2010/main" val="4178781547"/>
+      </p:ext>
+    </p:extLst>
+  </p:cSld>
+  <p:clrMapOvr>
+    <a:masterClrMapping/>
+  </p:clrMapOvr>
+</p:sld>
+</file>
+
+<file path=ppt/slides/slide7.xml><?xml version="1.0" encoding="utf-8"?>
+<p:sld xmlns:a="http://schemas.openxmlformats.org/drawingml/2006/main" xmlns:r="http://schemas.openxmlformats.org/officeDocument/2006/relationships" xmlns:p="http://schemas.openxmlformats.org/presentationml/2006/main">
+  <p:cSld>
+    <p:bg>
+      <p:bgPr>
+        <a:blipFill dpi="0" rotWithShape="0">
+          <a:blip r:embed="rId3"/>
+          <a:srcRect/>
+          <a:stretch>
+            <a:fillRect/>
+          </a:stretch>
+        </a:blipFill>
+        <a:effectLst/>
+      </p:bgPr>
+    </p:bg>
+    <p:spTree>
+      <p:nvGrpSpPr>
+        <p:cNvPr id="1" name="">
+          <a:extLst>
+            <a:ext uri="{FF2B5EF4-FFF2-40B4-BE49-F238E27FC236}">
+              <a16:creationId xmlns:a16="http://schemas.microsoft.com/office/drawing/2014/main" id="{31A5A7F5-6799-45D1-AD38-23FAD0E7B72D}"/>
+            </a:ext>
+          </a:extLst>
+        </p:cNvPr>
+        <p:cNvGrpSpPr/>
+        <p:nvPr/>
+      </p:nvGrpSpPr>
+      <p:grpSpPr>
+        <a:xfrm>
+          <a:off x="0" y="0"/>
+          <a:ext cx="0" cy="0"/>
+          <a:chOff x="0" y="0"/>
+          <a:chExt cx="0" cy="0"/>
+        </a:xfrm>
+      </p:grpSpPr>
+      <p:sp>
+        <p:nvSpPr>
+          <p:cNvPr id="60418" name="Rectangle 2">
+            <a:extLst>
+              <a:ext uri="{FF2B5EF4-FFF2-40B4-BE49-F238E27FC236}">
+                <a16:creationId xmlns:a16="http://schemas.microsoft.com/office/drawing/2014/main" id="{C8B4D701-8BD7-D8AC-0D4D-0F6940BAE5D8}"/>
+              </a:ext>
+            </a:extLst>
+          </p:cNvPr>
+          <p:cNvSpPr>
+            <a:spLocks noGrp="1" noChangeArrowheads="1"/>
+          </p:cNvSpPr>
+          <p:nvPr>
+            <p:ph type="title"/>
+          </p:nvPr>
+        </p:nvSpPr>
+        <p:spPr>
+          <a:xfrm>
+            <a:off x="3505200" y="762001"/>
+            <a:ext cx="6934200" cy="715963"/>
+          </a:xfrm>
+        </p:spPr>
+        <p:txBody>
+          <a:bodyPr/>
+          <a:lstStyle/>
+          <a:p>
+            <a:r>
+              <a:rPr lang="en-US" altLang="en-US" sz="4000" dirty="0">
+                <a:solidFill>
+                  <a:schemeClr val="tx1"/>
+                </a:solidFill>
+              </a:rPr>
+              <a:t>Results and Conclusion</a:t>
+            </a:r>
+          </a:p>
+        </p:txBody>
+      </p:sp>
+      <p:sp>
+        <p:nvSpPr>
+          <p:cNvPr id="60419" name="Rectangle 3">
+            <a:extLst>
+              <a:ext uri="{FF2B5EF4-FFF2-40B4-BE49-F238E27FC236}">
+                <a16:creationId xmlns:a16="http://schemas.microsoft.com/office/drawing/2014/main" id="{3F2D526A-DA43-5DE9-EA63-EC936F0AA0EA}"/>
+              </a:ext>
+            </a:extLst>
+          </p:cNvPr>
+          <p:cNvSpPr>
+            <a:spLocks noGrp="1" noChangeArrowheads="1"/>
+          </p:cNvSpPr>
+          <p:nvPr>
+            <p:ph idx="1"/>
+          </p:nvPr>
+        </p:nvSpPr>
+        <p:spPr>
+          <a:xfrm>
+            <a:off x="3505200" y="1981200"/>
+            <a:ext cx="6934200" cy="4267200"/>
+          </a:xfrm>
+        </p:spPr>
+        <p:txBody>
+          <a:bodyPr/>
+          <a:lstStyle/>
+          <a:p>
+            <a:pPr>
+              <a:lnSpc>
+                <a:spcPct val="80000"/>
+              </a:lnSpc>
+            </a:pPr>
+            <a:r>
+              <a:rPr lang="en-US" altLang="ko-KR" sz="1800" dirty="0">
+                <a:solidFill>
+                  <a:schemeClr val="tx1"/>
+                </a:solidFill>
+                <a:latin typeface="Verdana" panose="020B0604030504040204" pitchFamily="34" charset="0"/>
+                <a:ea typeface="굴림" panose="020B0600000101010101" pitchFamily="34" charset="-127"/>
+              </a:rPr>
+              <a:t>Your Text here</a:t>
+            </a:r>
+          </a:p>
+          <a:p>
+            <a:pPr>
+              <a:lnSpc>
+                <a:spcPct val="80000"/>
+              </a:lnSpc>
+            </a:pPr>
+            <a:endParaRPr lang="en-US" altLang="en-US" sz="1800" dirty="0">
+              <a:solidFill>
+                <a:schemeClr val="tx1"/>
+              </a:solidFill>
+            </a:endParaRPr>
+          </a:p>
+        </p:txBody>
+      </p:sp>
+    </p:spTree>
+    <p:extLst>
+      <p:ext uri="{BB962C8B-B14F-4D97-AF65-F5344CB8AC3E}">
+        <p14:creationId xmlns:p14="http://schemas.microsoft.com/office/powerpoint/2010/main" val="4285789930"/>
+      </p:ext>
+    </p:extLst>
+  </p:cSld>
+  <p:clrMapOvr>
+    <a:masterClrMapping/>
+  </p:clrMapOvr>
+</p:sld>
+</file>
+
+<file path=ppt/slides/slide8.xml><?xml version="1.0" encoding="utf-8"?>
+<p:sld xmlns:a="http://schemas.openxmlformats.org/drawingml/2006/main" xmlns:r="http://schemas.openxmlformats.org/officeDocument/2006/relationships" xmlns:p="http://schemas.openxmlformats.org/presentationml/2006/main">
+  <p:cSld>
+    <p:bg>
+      <p:bgPr>
+        <a:blipFill dpi="0" rotWithShape="0">
+          <a:blip r:embed="rId3"/>
+          <a:srcRect/>
+          <a:stretch>
+            <a:fillRect/>
+          </a:stretch>
+        </a:blipFill>
+        <a:effectLst/>
+      </p:bgPr>
+    </p:bg>
+    <p:spTree>
+      <p:nvGrpSpPr>
+        <p:cNvPr id="1" name="">
+          <a:extLst>
+            <a:ext uri="{FF2B5EF4-FFF2-40B4-BE49-F238E27FC236}">
+              <a16:creationId xmlns:a16="http://schemas.microsoft.com/office/drawing/2014/main" id="{AE736900-577B-B485-1383-07FD6AF31C5E}"/>
+            </a:ext>
+          </a:extLst>
+        </p:cNvPr>
+        <p:cNvGrpSpPr/>
+        <p:nvPr/>
+      </p:nvGrpSpPr>
+      <p:grpSpPr>
+        <a:xfrm>
+          <a:off x="0" y="0"/>
+          <a:ext cx="0" cy="0"/>
+          <a:chOff x="0" y="0"/>
+          <a:chExt cx="0" cy="0"/>
+        </a:xfrm>
+      </p:grpSpPr>
+      <p:sp>
+        <p:nvSpPr>
+          <p:cNvPr id="60418" name="Rectangle 2">
+            <a:extLst>
+              <a:ext uri="{FF2B5EF4-FFF2-40B4-BE49-F238E27FC236}">
+                <a16:creationId xmlns:a16="http://schemas.microsoft.com/office/drawing/2014/main" id="{1459C886-B2F7-6ACE-A5F7-13335A4351DB}"/>
+              </a:ext>
+            </a:extLst>
+          </p:cNvPr>
+          <p:cNvSpPr>
+            <a:spLocks noGrp="1" noChangeArrowheads="1"/>
+          </p:cNvSpPr>
+          <p:nvPr>
+            <p:ph type="title"/>
+          </p:nvPr>
+        </p:nvSpPr>
+        <p:spPr>
+          <a:xfrm>
+            <a:off x="3505200" y="762001"/>
+            <a:ext cx="6934200" cy="715963"/>
+          </a:xfrm>
+        </p:spPr>
+        <p:txBody>
+          <a:bodyPr/>
+          <a:lstStyle/>
+          <a:p>
+            <a:r>
+              <a:rPr lang="en-US" altLang="en-US" sz="4000" dirty="0">
+                <a:solidFill>
+                  <a:schemeClr val="tx1"/>
+                </a:solidFill>
+              </a:rPr>
+              <a:t>Summary</a:t>
+            </a:r>
+          </a:p>
+        </p:txBody>
+      </p:sp>
+      <p:sp>
+        <p:nvSpPr>
+          <p:cNvPr id="60419" name="Rectangle 3">
+            <a:extLst>
+              <a:ext uri="{FF2B5EF4-FFF2-40B4-BE49-F238E27FC236}">
+                <a16:creationId xmlns:a16="http://schemas.microsoft.com/office/drawing/2014/main" id="{F57700C5-D0B9-18F0-7F0B-98E44CDD39C2}"/>
+              </a:ext>
+            </a:extLst>
+          </p:cNvPr>
+          <p:cNvSpPr>
+            <a:spLocks noGrp="1" noChangeArrowheads="1"/>
+          </p:cNvSpPr>
+          <p:nvPr>
+            <p:ph idx="1"/>
+          </p:nvPr>
+        </p:nvSpPr>
+        <p:spPr>
+          <a:xfrm>
+            <a:off x="3505200" y="1981200"/>
+            <a:ext cx="6934200" cy="4267200"/>
+          </a:xfrm>
+        </p:spPr>
+        <p:txBody>
+          <a:bodyPr/>
+          <a:lstStyle/>
+          <a:p>
+            <a:pPr>
+              <a:lnSpc>
+                <a:spcPct val="80000"/>
+              </a:lnSpc>
+            </a:pPr>
+            <a:r>
+              <a:rPr lang="en-US" altLang="ko-KR" sz="1800" dirty="0">
+                <a:solidFill>
+                  <a:schemeClr val="tx1"/>
+                </a:solidFill>
+                <a:latin typeface="Verdana" panose="020B0604030504040204" pitchFamily="34" charset="0"/>
+                <a:ea typeface="굴림" panose="020B0600000101010101" pitchFamily="34" charset="-127"/>
+              </a:rPr>
+              <a:t>Your Text here</a:t>
+            </a:r>
+          </a:p>
+        </p:txBody>
+      </p:sp>
+    </p:spTree>
+    <p:extLst>
+      <p:ext uri="{BB962C8B-B14F-4D97-AF65-F5344CB8AC3E}">
+        <p14:creationId xmlns:p14="http://schemas.microsoft.com/office/powerpoint/2010/main" val="1680910897"/>
+      </p:ext>
+    </p:extLst>
+  </p:cSld>
+  <p:clrMapOvr>
+    <a:masterClrMapping/>
+  </p:clrMapOvr>
+</p:sld>
+</file>
+
+<file path=ppt/slides/slide9.xml><?xml version="1.0" encoding="utf-8"?>
+<p:sld xmlns:a="http://schemas.openxmlformats.org/drawingml/2006/main" xmlns:r="http://schemas.openxmlformats.org/officeDocument/2006/relationships" xmlns:p="http://schemas.openxmlformats.org/presentationml/2006/main">
+  <p:cSld>
+    <p:bg>
+      <p:bgPr>
+        <a:blipFill dpi="0" rotWithShape="0">
+          <a:blip r:embed="rId3"/>
+          <a:srcRect/>
+          <a:stretch>
+            <a:fillRect/>
+          </a:stretch>
+        </a:blipFill>
+        <a:effectLst/>
+      </p:bgPr>
+    </p:bg>
+    <p:spTree>
+      <p:nvGrpSpPr>
+        <p:cNvPr id="1" name="">
+          <a:extLst>
+            <a:ext uri="{FF2B5EF4-FFF2-40B4-BE49-F238E27FC236}">
+              <a16:creationId xmlns:a16="http://schemas.microsoft.com/office/drawing/2014/main" id="{C69A9936-E4D3-5133-DA4E-F7EC6B0798B3}"/>
+            </a:ext>
+          </a:extLst>
+        </p:cNvPr>
+        <p:cNvGrpSpPr/>
+        <p:nvPr/>
+      </p:nvGrpSpPr>
+      <p:grpSpPr>
+        <a:xfrm>
+          <a:off x="0" y="0"/>
+          <a:ext cx="0" cy="0"/>
+          <a:chOff x="0" y="0"/>
+          <a:chExt cx="0" cy="0"/>
+        </a:xfrm>
+      </p:grpSpPr>
+      <p:sp>
+        <p:nvSpPr>
+          <p:cNvPr id="60418" name="Rectangle 2">
+            <a:extLst>
+              <a:ext uri="{FF2B5EF4-FFF2-40B4-BE49-F238E27FC236}">
+                <a16:creationId xmlns:a16="http://schemas.microsoft.com/office/drawing/2014/main" id="{0488DDC5-2CEC-1FC1-9EA8-BAEA655ED731}"/>
+              </a:ext>
+            </a:extLst>
+          </p:cNvPr>
+          <p:cNvSpPr>
+            <a:spLocks noGrp="1" noChangeArrowheads="1"/>
+          </p:cNvSpPr>
+          <p:nvPr>
+            <p:ph type="title"/>
+          </p:nvPr>
+        </p:nvSpPr>
+        <p:spPr>
+          <a:xfrm>
+            <a:off x="3505200" y="762001"/>
+            <a:ext cx="6934200" cy="715963"/>
+          </a:xfrm>
+        </p:spPr>
+        <p:txBody>
+          <a:bodyPr/>
+          <a:lstStyle/>
+          <a:p>
+            <a:r>
+              <a:rPr lang="en-US" altLang="en-US" sz="4000" dirty="0">
+                <a:solidFill>
+                  <a:schemeClr val="tx1"/>
+                </a:solidFill>
+              </a:rPr>
+              <a:t>Problems Encountered</a:t>
+            </a:r>
+          </a:p>
+        </p:txBody>
+      </p:sp>
+      <p:sp>
+        <p:nvSpPr>
+          <p:cNvPr id="60419" name="Rectangle 3">
+            <a:extLst>
+              <a:ext uri="{FF2B5EF4-FFF2-40B4-BE49-F238E27FC236}">
+                <a16:creationId xmlns:a16="http://schemas.microsoft.com/office/drawing/2014/main" id="{ECBA83B3-1AFB-3E21-4E28-947973CFCB9F}"/>
+              </a:ext>
+            </a:extLst>
+          </p:cNvPr>
+          <p:cNvSpPr>
+            <a:spLocks noGrp="1" noChangeArrowheads="1"/>
+          </p:cNvSpPr>
+          <p:nvPr>
+            <p:ph idx="1"/>
+          </p:nvPr>
+        </p:nvSpPr>
+        <p:spPr>
+          <a:xfrm>
+            <a:off x="3505200" y="1981200"/>
+            <a:ext cx="6934200" cy="4267200"/>
+          </a:xfrm>
+        </p:spPr>
+        <p:txBody>
+          <a:bodyPr/>
+          <a:lstStyle/>
+          <a:p>
+            <a:pPr>
+              <a:lnSpc>
+                <a:spcPct val="80000"/>
+              </a:lnSpc>
+            </a:pPr>
+            <a:r>
+              <a:rPr lang="en-US" altLang="ko-KR" sz="1800" dirty="0">
+                <a:solidFill>
+                  <a:schemeClr val="tx1"/>
+                </a:solidFill>
+                <a:latin typeface="Verdana" panose="020B0604030504040204" pitchFamily="34" charset="0"/>
+                <a:ea typeface="굴림" panose="020B0600000101010101" pitchFamily="34" charset="-127"/>
+              </a:rPr>
+              <a:t>Your Text here</a:t>
+            </a:r>
+          </a:p>
+        </p:txBody>
+      </p:sp>
+    </p:spTree>
+    <p:extLst>
+      <p:ext uri="{BB962C8B-B14F-4D97-AF65-F5344CB8AC3E}">
+        <p14:creationId xmlns:p14="http://schemas.microsoft.com/office/powerpoint/2010/main" val="2253827582"/>
       </p:ext>
     </p:extLst>
   </p:cSld>
@@ -4022,57 +7161,151 @@
 <file path=ppt/theme/theme1.xml><?xml version="1.0" encoding="utf-8"?>
 <a:theme xmlns:a="http://schemas.openxmlformats.org/drawingml/2006/main" name="powerpoint-template-24">
   <a:themeElements>
-    <a:clrScheme name="">
+    <a:clrScheme name="Office Theme">
       <a:dk1>
-        <a:srgbClr val="4D4D4D"/>
+        <a:sysClr val="windowText" lastClr="000000"/>
       </a:dk1>
       <a:lt1>
-        <a:srgbClr val="FFFFFF"/>
+        <a:sysClr val="window" lastClr="FFFFFF"/>
       </a:lt1>
       <a:dk2>
-        <a:srgbClr val="4D4D4D"/>
+        <a:srgbClr val="0E2841"/>
       </a:dk2>
       <a:lt2>
-        <a:srgbClr val="D60004"/>
+        <a:srgbClr val="E8E8E8"/>
       </a:lt2>
       <a:accent1>
-        <a:srgbClr val="FF292E"/>
+        <a:srgbClr val="156082"/>
       </a:accent1>
       <a:accent2>
-        <a:srgbClr val="FC4242"/>
+        <a:srgbClr val="E97132"/>
       </a:accent2>
       <a:accent3>
-        <a:srgbClr val="FFFFFF"/>
+        <a:srgbClr val="196B24"/>
       </a:accent3>
       <a:accent4>
-        <a:srgbClr val="404040"/>
+        <a:srgbClr val="0F9ED5"/>
       </a:accent4>
       <a:accent5>
-        <a:srgbClr val="FFACAD"/>
+        <a:srgbClr val="A02B93"/>
       </a:accent5>
       <a:accent6>
-        <a:srgbClr val="E43B3B"/>
+        <a:srgbClr val="4EA72E"/>
       </a:accent6>
       <a:hlink>
-        <a:srgbClr val="FFC247"/>
+        <a:srgbClr val="467886"/>
       </a:hlink>
       <a:folHlink>
-        <a:srgbClr val="FFFFFF"/>
+        <a:srgbClr val="96607D"/>
       </a:folHlink>
     </a:clrScheme>
-    <a:fontScheme name="powerpoint-template-24">
+    <a:fontScheme name="Office Theme">
       <a:majorFont>
-        <a:latin typeface="Microsoft Sans Serif"/>
+        <a:latin typeface="Aptos Display" panose="02110004020202020204"/>
         <a:ea typeface=""/>
         <a:cs typeface=""/>
+        <a:font script="Jpan" typeface="游ゴシック Light"/>
+        <a:font script="Hang" typeface="맑은 고딕"/>
+        <a:font script="Hans" typeface="等线 Light"/>
+        <a:font script="Hant" typeface="新細明體"/>
+        <a:font script="Arab" typeface="Times New Roman"/>
+        <a:font script="Hebr" typeface="Times New Roman"/>
+        <a:font script="Thai" typeface="Angsana New"/>
+        <a:font script="Ethi" typeface="Nyala"/>
+        <a:font script="Beng" typeface="Vrinda"/>
+        <a:font script="Gujr" typeface="Shruti"/>
+        <a:font script="Khmr" typeface="MoolBoran"/>
+        <a:font script="Knda" typeface="Tunga"/>
+        <a:font script="Guru" typeface="Raavi"/>
+        <a:font script="Cans" typeface="Euphemia"/>
+        <a:font script="Cher" typeface="Plantagenet Cherokee"/>
+        <a:font script="Yiii" typeface="Microsoft Yi Baiti"/>
+        <a:font script="Tibt" typeface="Microsoft Himalaya"/>
+        <a:font script="Thaa" typeface="MV Boli"/>
+        <a:font script="Deva" typeface="Mangal"/>
+        <a:font script="Telu" typeface="Gautami"/>
+        <a:font script="Taml" typeface="Latha"/>
+        <a:font script="Syrc" typeface="Estrangelo Edessa"/>
+        <a:font script="Orya" typeface="Kalinga"/>
+        <a:font script="Mlym" typeface="Kartika"/>
+        <a:font script="Laoo" typeface="DokChampa"/>
+        <a:font script="Sinh" typeface="Iskoola Pota"/>
+        <a:font script="Mong" typeface="Mongolian Baiti"/>
+        <a:font script="Viet" typeface="Times New Roman"/>
+        <a:font script="Uigh" typeface="Microsoft Uighur"/>
+        <a:font script="Geor" typeface="Sylfaen"/>
+        <a:font script="Armn" typeface="Arial"/>
+        <a:font script="Bugi" typeface="Leelawadee UI"/>
+        <a:font script="Bopo" typeface="Microsoft JhengHei"/>
+        <a:font script="Java" typeface="Javanese Text"/>
+        <a:font script="Lisu" typeface="Segoe UI"/>
+        <a:font script="Mymr" typeface="Myanmar Text"/>
+        <a:font script="Nkoo" typeface="Ebrima"/>
+        <a:font script="Olck" typeface="Nirmala UI"/>
+        <a:font script="Osma" typeface="Ebrima"/>
+        <a:font script="Phag" typeface="Phagspa"/>
+        <a:font script="Syrn" typeface="Estrangelo Edessa"/>
+        <a:font script="Syrj" typeface="Estrangelo Edessa"/>
+        <a:font script="Syre" typeface="Estrangelo Edessa"/>
+        <a:font script="Sora" typeface="Nirmala UI"/>
+        <a:font script="Tale" typeface="Microsoft Tai Le"/>
+        <a:font script="Talu" typeface="Microsoft New Tai Lue"/>
+        <a:font script="Tfng" typeface="Ebrima"/>
       </a:majorFont>
       <a:minorFont>
-        <a:latin typeface="Microsoft Sans Serif"/>
+        <a:latin typeface="Aptos" panose="02110004020202020204"/>
         <a:ea typeface=""/>
         <a:cs typeface=""/>
+        <a:font script="Jpan" typeface="游ゴシック"/>
+        <a:font script="Hang" typeface="맑은 고딕"/>
+        <a:font script="Hans" typeface="等线"/>
+        <a:font script="Hant" typeface="新細明體"/>
+        <a:font script="Arab" typeface="Arial"/>
+        <a:font script="Hebr" typeface="Arial"/>
+        <a:font script="Thai" typeface="Cordia New"/>
+        <a:font script="Ethi" typeface="Nyala"/>
+        <a:font script="Beng" typeface="Vrinda"/>
+        <a:font script="Gujr" typeface="Shruti"/>
+        <a:font script="Khmr" typeface="DaunPenh"/>
+        <a:font script="Knda" typeface="Tunga"/>
+        <a:font script="Guru" typeface="Raavi"/>
+        <a:font script="Cans" typeface="Euphemia"/>
+        <a:font script="Cher" typeface="Plantagenet Cherokee"/>
+        <a:font script="Yiii" typeface="Microsoft Yi Baiti"/>
+        <a:font script="Tibt" typeface="Microsoft Himalaya"/>
+        <a:font script="Thaa" typeface="MV Boli"/>
+        <a:font script="Deva" typeface="Mangal"/>
+        <a:font script="Telu" typeface="Gautami"/>
+        <a:font script="Taml" typeface="Latha"/>
+        <a:font script="Syrc" typeface="Estrangelo Edessa"/>
+        <a:font script="Orya" typeface="Kalinga"/>
+        <a:font script="Mlym" typeface="Kartika"/>
+        <a:font script="Laoo" typeface="DokChampa"/>
+        <a:font script="Sinh" typeface="Iskoola Pota"/>
+        <a:font script="Mong" typeface="Mongolian Baiti"/>
+        <a:font script="Viet" typeface="Arial"/>
+        <a:font script="Uigh" typeface="Microsoft Uighur"/>
+        <a:font script="Geor" typeface="Sylfaen"/>
+        <a:font script="Armn" typeface="Arial"/>
+        <a:font script="Bugi" typeface="Leelawadee UI"/>
+        <a:font script="Bopo" typeface="Microsoft JhengHei"/>
+        <a:font script="Java" typeface="Javanese Text"/>
+        <a:font script="Lisu" typeface="Segoe UI"/>
+        <a:font script="Mymr" typeface="Myanmar Text"/>
+        <a:font script="Nkoo" typeface="Ebrima"/>
+        <a:font script="Olck" typeface="Nirmala UI"/>
+        <a:font script="Osma" typeface="Ebrima"/>
+        <a:font script="Phag" typeface="Phagspa"/>
+        <a:font script="Syrn" typeface="Estrangelo Edessa"/>
+        <a:font script="Syrj" typeface="Estrangelo Edessa"/>
+        <a:font script="Syre" typeface="Estrangelo Edessa"/>
+        <a:font script="Sora" typeface="Nirmala UI"/>
+        <a:font script="Tale" typeface="Microsoft Tai Le"/>
+        <a:font script="Talu" typeface="Microsoft New Tai Lue"/>
+        <a:font script="Tfng" typeface="Ebrima"/>
       </a:minorFont>
     </a:fontScheme>
-    <a:fmtScheme name="Office">
+    <a:fmtScheme name="Office Theme">
       <a:fillStyleLst>
         <a:solidFill>
           <a:schemeClr val="phClr"/>
@@ -4211,849 +7444,27 @@
     </a:fmtScheme>
   </a:themeElements>
   <a:objectDefaults>
-    <a:spDef>
-      <a:spPr bwMode="auto">
-        <a:xfrm>
-          <a:off x="0" y="0"/>
-          <a:ext cx="1" cy="1"/>
-        </a:xfrm>
-        <a:custGeom>
-          <a:avLst/>
-          <a:gdLst/>
-          <a:ahLst/>
-          <a:cxnLst/>
-          <a:rect l="0" t="0" r="0" b="0"/>
-          <a:pathLst/>
-        </a:custGeom>
-        <a:gradFill rotWithShape="1">
-          <a:gsLst>
-            <a:gs pos="0">
-              <a:schemeClr val="bg2">
-                <a:gamma/>
-                <a:tint val="26667"/>
-                <a:invGamma/>
-              </a:schemeClr>
-            </a:gs>
-            <a:gs pos="100000">
-              <a:schemeClr val="bg2">
-                <a:alpha val="14999"/>
-              </a:schemeClr>
-            </a:gs>
-          </a:gsLst>
-          <a:lin ang="5400000" scaled="1"/>
-        </a:gradFill>
-        <a:ln>
-          <a:noFill/>
-        </a:ln>
-        <a:effectLst/>
-        <a:extLst>
-          <a:ext uri="{91240B29-F687-4F45-9708-019B960494DF}">
-            <a14:hiddenLine xmlns:a14="http://schemas.microsoft.com/office/drawing/2010/main" w="9525" cap="flat" cmpd="sng" algn="ctr">
-              <a:solidFill>
-                <a:schemeClr val="tx1"/>
-              </a:solidFill>
-              <a:prstDash val="solid"/>
-              <a:round/>
-              <a:headEnd type="none" w="med" len="med"/>
-              <a:tailEnd type="none" w="med" len="med"/>
-            </a14:hiddenLine>
-          </a:ext>
-          <a:ext uri="{AF507438-7753-43E0-B8FC-AC1667EBCBE1}">
-            <a14:hiddenEffects xmlns:a14="http://schemas.microsoft.com/office/drawing/2010/main">
-              <a:effectLst>
-                <a:outerShdw dist="35921" dir="2700000" algn="ctr" rotWithShape="0">
-                  <a:schemeClr val="bg2"/>
-                </a:outerShdw>
-              </a:effectLst>
-            </a14:hiddenEffects>
-          </a:ext>
-        </a:extLst>
-      </a:spPr>
-      <a:bodyPr vert="horz" wrap="none" lIns="91440" tIns="45720" rIns="91440" bIns="45720" numCol="1" anchor="ctr" anchorCtr="0" compatLnSpc="1">
-        <a:prstTxWarp prst="textNoShape">
-          <a:avLst/>
-        </a:prstTxWarp>
-      </a:bodyPr>
-      <a:lstStyle>
-        <a:defPPr marL="0" marR="0" indent="0" algn="ctr" defTabSz="914400" rtl="0" eaLnBrk="1" fontAlgn="base" latinLnBrk="0" hangingPunct="1">
-          <a:lnSpc>
-            <a:spcPct val="100000"/>
-          </a:lnSpc>
-          <a:spcBef>
-            <a:spcPct val="0"/>
-          </a:spcBef>
-          <a:spcAft>
-            <a:spcPct val="0"/>
-          </a:spcAft>
-          <a:buClrTx/>
-          <a:buSzTx/>
-          <a:buFontTx/>
-          <a:buNone/>
-          <a:tabLst/>
-          <a:defRPr kumimoji="0" lang="en-US" altLang="en-US" sz="2400" b="0" i="0" u="none" strike="noStrike" cap="none" normalizeH="0" baseline="0" smtClean="0">
-            <a:ln>
-              <a:noFill/>
-            </a:ln>
-            <a:solidFill>
-              <a:schemeClr val="tx1"/>
-            </a:solidFill>
-            <a:effectLst/>
-            <a:latin typeface="Arial" panose="020B0604020202020204" pitchFamily="34" charset="0"/>
-          </a:defRPr>
-        </a:defPPr>
-      </a:lstStyle>
-    </a:spDef>
     <a:lnDef>
-      <a:spPr bwMode="auto">
-        <a:xfrm>
-          <a:off x="0" y="0"/>
-          <a:ext cx="1" cy="1"/>
-        </a:xfrm>
-        <a:custGeom>
-          <a:avLst/>
-          <a:gdLst/>
-          <a:ahLst/>
-          <a:cxnLst/>
-          <a:rect l="0" t="0" r="0" b="0"/>
-          <a:pathLst/>
-        </a:custGeom>
-        <a:gradFill rotWithShape="1">
-          <a:gsLst>
-            <a:gs pos="0">
-              <a:schemeClr val="bg2">
-                <a:gamma/>
-                <a:tint val="26667"/>
-                <a:invGamma/>
-              </a:schemeClr>
-            </a:gs>
-            <a:gs pos="100000">
-              <a:schemeClr val="bg2">
-                <a:alpha val="14999"/>
-              </a:schemeClr>
-            </a:gs>
-          </a:gsLst>
-          <a:lin ang="5400000" scaled="1"/>
-        </a:gradFill>
-        <a:ln>
-          <a:noFill/>
-        </a:ln>
-        <a:effectLst/>
-        <a:extLst>
-          <a:ext uri="{91240B29-F687-4F45-9708-019B960494DF}">
-            <a14:hiddenLine xmlns:a14="http://schemas.microsoft.com/office/drawing/2010/main" w="9525" cap="flat" cmpd="sng" algn="ctr">
-              <a:solidFill>
-                <a:schemeClr val="tx1"/>
-              </a:solidFill>
-              <a:prstDash val="solid"/>
-              <a:round/>
-              <a:headEnd type="none" w="med" len="med"/>
-              <a:tailEnd type="none" w="med" len="med"/>
-            </a14:hiddenLine>
-          </a:ext>
-          <a:ext uri="{AF507438-7753-43E0-B8FC-AC1667EBCBE1}">
-            <a14:hiddenEffects xmlns:a14="http://schemas.microsoft.com/office/drawing/2010/main">
-              <a:effectLst>
-                <a:outerShdw dist="35921" dir="2700000" algn="ctr" rotWithShape="0">
-                  <a:schemeClr val="bg2"/>
-                </a:outerShdw>
-              </a:effectLst>
-            </a14:hiddenEffects>
-          </a:ext>
-        </a:extLst>
-      </a:spPr>
-      <a:bodyPr vert="horz" wrap="none" lIns="91440" tIns="45720" rIns="91440" bIns="45720" numCol="1" anchor="ctr" anchorCtr="0" compatLnSpc="1">
-        <a:prstTxWarp prst="textNoShape">
-          <a:avLst/>
-        </a:prstTxWarp>
-      </a:bodyPr>
-      <a:lstStyle>
-        <a:defPPr marL="0" marR="0" indent="0" algn="ctr" defTabSz="914400" rtl="0" eaLnBrk="1" fontAlgn="base" latinLnBrk="0" hangingPunct="1">
-          <a:lnSpc>
-            <a:spcPct val="100000"/>
-          </a:lnSpc>
-          <a:spcBef>
-            <a:spcPct val="0"/>
-          </a:spcBef>
-          <a:spcAft>
-            <a:spcPct val="0"/>
-          </a:spcAft>
-          <a:buClrTx/>
-          <a:buSzTx/>
-          <a:buFontTx/>
-          <a:buNone/>
-          <a:tabLst/>
-          <a:defRPr kumimoji="0" lang="en-US" altLang="en-US" sz="2400" b="0" i="0" u="none" strike="noStrike" cap="none" normalizeH="0" baseline="0" smtClean="0">
-            <a:ln>
-              <a:noFill/>
-            </a:ln>
-            <a:solidFill>
-              <a:schemeClr val="tx1"/>
-            </a:solidFill>
-            <a:effectLst/>
-            <a:latin typeface="Arial" panose="020B0604020202020204" pitchFamily="34" charset="0"/>
-          </a:defRPr>
-        </a:defPPr>
-      </a:lstStyle>
+      <a:spPr/>
+      <a:bodyPr/>
+      <a:lstStyle/>
+      <a:style>
+        <a:lnRef idx="2">
+          <a:schemeClr val="accent1"/>
+        </a:lnRef>
+        <a:fillRef idx="0">
+          <a:schemeClr val="accent1"/>
+        </a:fillRef>
+        <a:effectRef idx="1">
+          <a:schemeClr val="accent1"/>
+        </a:effectRef>
+        <a:fontRef idx="minor">
+          <a:schemeClr val="tx1"/>
+        </a:fontRef>
+      </a:style>
     </a:lnDef>
   </a:objectDefaults>
-  <a:extraClrSchemeLst>
-    <a:extraClrScheme>
-      <a:clrScheme name="powerpoint-template-24 1">
-        <a:dk1>
-          <a:srgbClr val="4D4D4D"/>
-        </a:dk1>
-        <a:lt1>
-          <a:srgbClr val="FFFFFF"/>
-        </a:lt1>
-        <a:dk2>
-          <a:srgbClr val="4D4D4D"/>
-        </a:dk2>
-        <a:lt2>
-          <a:srgbClr val="0C209B"/>
-        </a:lt2>
-        <a:accent1>
-          <a:srgbClr val="2167BF"/>
-        </a:accent1>
-        <a:accent2>
-          <a:srgbClr val="C60C0D"/>
-        </a:accent2>
-        <a:accent3>
-          <a:srgbClr val="FFFFFF"/>
-        </a:accent3>
-        <a:accent4>
-          <a:srgbClr val="404040"/>
-        </a:accent4>
-        <a:accent5>
-          <a:srgbClr val="ABB8DC"/>
-        </a:accent5>
-        <a:accent6>
-          <a:srgbClr val="B30A0B"/>
-        </a:accent6>
-        <a:hlink>
-          <a:srgbClr val="4793C7"/>
-        </a:hlink>
-        <a:folHlink>
-          <a:srgbClr val="DDDDDD"/>
-        </a:folHlink>
-      </a:clrScheme>
-      <a:clrMap bg1="lt1" tx1="dk1" bg2="lt2" tx2="dk2" accent1="accent1" accent2="accent2" accent3="accent3" accent4="accent4" accent5="accent5" accent6="accent6" hlink="hlink" folHlink="folHlink"/>
-    </a:extraClrScheme>
-    <a:extraClrScheme>
-      <a:clrScheme name="powerpoint-template-24 2">
-        <a:dk1>
-          <a:srgbClr val="4D4D4D"/>
-        </a:dk1>
-        <a:lt1>
-          <a:srgbClr val="FFFFFF"/>
-        </a:lt1>
-        <a:dk2>
-          <a:srgbClr val="4D4D4D"/>
-        </a:dk2>
-        <a:lt2>
-          <a:srgbClr val="CC0000"/>
-        </a:lt2>
-        <a:accent1>
-          <a:srgbClr val="FF9933"/>
-        </a:accent1>
-        <a:accent2>
-          <a:srgbClr val="009900"/>
-        </a:accent2>
-        <a:accent3>
-          <a:srgbClr val="FFFFFF"/>
-        </a:accent3>
-        <a:accent4>
-          <a:srgbClr val="404040"/>
-        </a:accent4>
-        <a:accent5>
-          <a:srgbClr val="FFCAAD"/>
-        </a:accent5>
-        <a:accent6>
-          <a:srgbClr val="008A00"/>
-        </a:accent6>
-        <a:hlink>
-          <a:srgbClr val="3366FF"/>
-        </a:hlink>
-        <a:folHlink>
-          <a:srgbClr val="DDDDDD"/>
-        </a:folHlink>
-      </a:clrScheme>
-      <a:clrMap bg1="lt1" tx1="dk1" bg2="lt2" tx2="dk2" accent1="accent1" accent2="accent2" accent3="accent3" accent4="accent4" accent5="accent5" accent6="accent6" hlink="hlink" folHlink="folHlink"/>
-    </a:extraClrScheme>
-    <a:extraClrScheme>
-      <a:clrScheme name="powerpoint-template-24 3">
-        <a:dk1>
-          <a:srgbClr val="4D4D4D"/>
-        </a:dk1>
-        <a:lt1>
-          <a:srgbClr val="FFFFFF"/>
-        </a:lt1>
-        <a:dk2>
-          <a:srgbClr val="4D4D4D"/>
-        </a:dk2>
-        <a:lt2>
-          <a:srgbClr val="116DE4"/>
-        </a:lt2>
-        <a:accent1>
-          <a:srgbClr val="235CAF"/>
-        </a:accent1>
-        <a:accent2>
-          <a:srgbClr val="54A1EE"/>
-        </a:accent2>
-        <a:accent3>
-          <a:srgbClr val="FFFFFF"/>
-        </a:accent3>
-        <a:accent4>
-          <a:srgbClr val="404040"/>
-        </a:accent4>
-        <a:accent5>
-          <a:srgbClr val="ACB5D4"/>
-        </a:accent5>
-        <a:accent6>
-          <a:srgbClr val="4B91D8"/>
-        </a:accent6>
-        <a:hlink>
-          <a:srgbClr val="1391EF"/>
-        </a:hlink>
-        <a:folHlink>
-          <a:srgbClr val="DDDDDD"/>
-        </a:folHlink>
-      </a:clrScheme>
-      <a:clrMap bg1="lt1" tx1="dk1" bg2="lt2" tx2="dk2" accent1="accent1" accent2="accent2" accent3="accent3" accent4="accent4" accent5="accent5" accent6="accent6" hlink="hlink" folHlink="folHlink"/>
-    </a:extraClrScheme>
-    <a:extraClrScheme>
-      <a:clrScheme name="powerpoint-template-24 4">
-        <a:dk1>
-          <a:srgbClr val="4D4D4D"/>
-        </a:dk1>
-        <a:lt1>
-          <a:srgbClr val="FFFFFF"/>
-        </a:lt1>
-        <a:dk2>
-          <a:srgbClr val="4D4D4D"/>
-        </a:dk2>
-        <a:lt2>
-          <a:srgbClr val="246DD8"/>
-        </a:lt2>
-        <a:accent1>
-          <a:srgbClr val="2FC5F1"/>
-        </a:accent1>
-        <a:accent2>
-          <a:srgbClr val="218DEB"/>
-        </a:accent2>
-        <a:accent3>
-          <a:srgbClr val="FFFFFF"/>
-        </a:accent3>
-        <a:accent4>
-          <a:srgbClr val="404040"/>
-        </a:accent4>
-        <a:accent5>
-          <a:srgbClr val="ADDFF7"/>
-        </a:accent5>
-        <a:accent6>
-          <a:srgbClr val="1D7FD5"/>
-        </a:accent6>
-        <a:hlink>
-          <a:srgbClr val="39A1EB"/>
-        </a:hlink>
-        <a:folHlink>
-          <a:srgbClr val="DDDDDD"/>
-        </a:folHlink>
-      </a:clrScheme>
-      <a:clrMap bg1="lt1" tx1="dk1" bg2="lt2" tx2="dk2" accent1="accent1" accent2="accent2" accent3="accent3" accent4="accent4" accent5="accent5" accent6="accent6" hlink="hlink" folHlink="folHlink"/>
-    </a:extraClrScheme>
-    <a:extraClrScheme>
-      <a:clrScheme name="powerpoint-template-24 5">
-        <a:dk1>
-          <a:srgbClr val="4D4D4D"/>
-        </a:dk1>
-        <a:lt1>
-          <a:srgbClr val="FFFFFF"/>
-        </a:lt1>
-        <a:dk2>
-          <a:srgbClr val="4D4D4D"/>
-        </a:dk2>
-        <a:lt2>
-          <a:srgbClr val="4377BA"/>
-        </a:lt2>
-        <a:accent1>
-          <a:srgbClr val="5793D1"/>
-        </a:accent1>
-        <a:accent2>
-          <a:srgbClr val="5FA2DB"/>
-        </a:accent2>
-        <a:accent3>
-          <a:srgbClr val="FFFFFF"/>
-        </a:accent3>
-        <a:accent4>
-          <a:srgbClr val="404040"/>
-        </a:accent4>
-        <a:accent5>
-          <a:srgbClr val="B4C8E5"/>
-        </a:accent5>
-        <a:accent6>
-          <a:srgbClr val="5592C6"/>
-        </a:accent6>
-        <a:hlink>
-          <a:srgbClr val="68AEE3"/>
-        </a:hlink>
-        <a:folHlink>
-          <a:srgbClr val="DDDDDD"/>
-        </a:folHlink>
-      </a:clrScheme>
-      <a:clrMap bg1="lt1" tx1="dk1" bg2="lt2" tx2="dk2" accent1="accent1" accent2="accent2" accent3="accent3" accent4="accent4" accent5="accent5" accent6="accent6" hlink="hlink" folHlink="folHlink"/>
-    </a:extraClrScheme>
-    <a:extraClrScheme>
-      <a:clrScheme name="powerpoint-template-24 6">
-        <a:dk1>
-          <a:srgbClr val="4D4D4D"/>
-        </a:dk1>
-        <a:lt1>
-          <a:srgbClr val="FFFFFF"/>
-        </a:lt1>
-        <a:dk2>
-          <a:srgbClr val="4D4D4D"/>
-        </a:dk2>
-        <a:lt2>
-          <a:srgbClr val="0067B5"/>
-        </a:lt2>
-        <a:accent1>
-          <a:srgbClr val="1881BF"/>
-        </a:accent1>
-        <a:accent2>
-          <a:srgbClr val="39B0DA"/>
-        </a:accent2>
-        <a:accent3>
-          <a:srgbClr val="FFFFFF"/>
-        </a:accent3>
-        <a:accent4>
-          <a:srgbClr val="404040"/>
-        </a:accent4>
-        <a:accent5>
-          <a:srgbClr val="ABC1DC"/>
-        </a:accent5>
-        <a:accent6>
-          <a:srgbClr val="339FC5"/>
-        </a:accent6>
-        <a:hlink>
-          <a:srgbClr val="40B0DB"/>
-        </a:hlink>
-        <a:folHlink>
-          <a:srgbClr val="DDDDDD"/>
-        </a:folHlink>
-      </a:clrScheme>
-      <a:clrMap bg1="lt1" tx1="dk1" bg2="lt2" tx2="dk2" accent1="accent1" accent2="accent2" accent3="accent3" accent4="accent4" accent5="accent5" accent6="accent6" hlink="hlink" folHlink="folHlink"/>
-    </a:extraClrScheme>
-    <a:extraClrScheme>
-      <a:clrScheme name="powerpoint-template-24 7">
-        <a:dk1>
-          <a:srgbClr val="4D4D4D"/>
-        </a:dk1>
-        <a:lt1>
-          <a:srgbClr val="FFFFFF"/>
-        </a:lt1>
-        <a:dk2>
-          <a:srgbClr val="4D4D4D"/>
-        </a:dk2>
-        <a:lt2>
-          <a:srgbClr val="026788"/>
-        </a:lt2>
-        <a:accent1>
-          <a:srgbClr val="0089B3"/>
-        </a:accent1>
-        <a:accent2>
-          <a:srgbClr val="01A2CE"/>
-        </a:accent2>
-        <a:accent3>
-          <a:srgbClr val="FFFFFF"/>
-        </a:accent3>
-        <a:accent4>
-          <a:srgbClr val="404040"/>
-        </a:accent4>
-        <a:accent5>
-          <a:srgbClr val="AAC4D6"/>
-        </a:accent5>
-        <a:accent6>
-          <a:srgbClr val="0192BA"/>
-        </a:accent6>
-        <a:hlink>
-          <a:srgbClr val="01B3D8"/>
-        </a:hlink>
-        <a:folHlink>
-          <a:srgbClr val="DDDDDD"/>
-        </a:folHlink>
-      </a:clrScheme>
-      <a:clrMap bg1="lt1" tx1="dk1" bg2="lt2" tx2="dk2" accent1="accent1" accent2="accent2" accent3="accent3" accent4="accent4" accent5="accent5" accent6="accent6" hlink="hlink" folHlink="folHlink"/>
-    </a:extraClrScheme>
-    <a:extraClrScheme>
-      <a:clrScheme name="powerpoint-template-24 8">
-        <a:dk1>
-          <a:srgbClr val="4D4D4D"/>
-        </a:dk1>
-        <a:lt1>
-          <a:srgbClr val="FFFFFF"/>
-        </a:lt1>
-        <a:dk2>
-          <a:srgbClr val="4D4D4D"/>
-        </a:dk2>
-        <a:lt2>
-          <a:srgbClr val="036CB7"/>
-        </a:lt2>
-        <a:accent1>
-          <a:srgbClr val="1878BD"/>
-        </a:accent1>
-        <a:accent2>
-          <a:srgbClr val="3E8EC8"/>
-        </a:accent2>
-        <a:accent3>
-          <a:srgbClr val="FFFFFF"/>
-        </a:accent3>
-        <a:accent4>
-          <a:srgbClr val="404040"/>
-        </a:accent4>
-        <a:accent5>
-          <a:srgbClr val="ABBEDB"/>
-        </a:accent5>
-        <a:accent6>
-          <a:srgbClr val="3780B5"/>
-        </a:accent6>
-        <a:hlink>
-          <a:srgbClr val="559CCE"/>
-        </a:hlink>
-        <a:folHlink>
-          <a:srgbClr val="DDDDDD"/>
-        </a:folHlink>
-      </a:clrScheme>
-      <a:clrMap bg1="lt1" tx1="dk1" bg2="lt2" tx2="dk2" accent1="accent1" accent2="accent2" accent3="accent3" accent4="accent4" accent5="accent5" accent6="accent6" hlink="hlink" folHlink="folHlink"/>
-    </a:extraClrScheme>
-    <a:extraClrScheme>
-      <a:clrScheme name="powerpoint-template-24 9">
-        <a:dk1>
-          <a:srgbClr val="4D4D4D"/>
-        </a:dk1>
-        <a:lt1>
-          <a:srgbClr val="FFFFFF"/>
-        </a:lt1>
-        <a:dk2>
-          <a:srgbClr val="4D4D4D"/>
-        </a:dk2>
-        <a:lt2>
-          <a:srgbClr val="036CB7"/>
-        </a:lt2>
-        <a:accent1>
-          <a:srgbClr val="1878BD"/>
-        </a:accent1>
-        <a:accent2>
-          <a:srgbClr val="3E8EC8"/>
-        </a:accent2>
-        <a:accent3>
-          <a:srgbClr val="FFFFFF"/>
-        </a:accent3>
-        <a:accent4>
-          <a:srgbClr val="404040"/>
-        </a:accent4>
-        <a:accent5>
-          <a:srgbClr val="ABBEDB"/>
-        </a:accent5>
-        <a:accent6>
-          <a:srgbClr val="3780B5"/>
-        </a:accent6>
-        <a:hlink>
-          <a:srgbClr val="006AB6"/>
-        </a:hlink>
-        <a:folHlink>
-          <a:srgbClr val="DDDDDD"/>
-        </a:folHlink>
-      </a:clrScheme>
-      <a:clrMap bg1="lt1" tx1="dk1" bg2="lt2" tx2="dk2" accent1="accent1" accent2="accent2" accent3="accent3" accent4="accent4" accent5="accent5" accent6="accent6" hlink="hlink" folHlink="folHlink"/>
-    </a:extraClrScheme>
-    <a:extraClrScheme>
-      <a:clrScheme name="powerpoint-template-24 10">
-        <a:dk1>
-          <a:srgbClr val="4D4D4D"/>
-        </a:dk1>
-        <a:lt1>
-          <a:srgbClr val="FFFFFF"/>
-        </a:lt1>
-        <a:dk2>
-          <a:srgbClr val="4D4D4D"/>
-        </a:dk2>
-        <a:lt2>
-          <a:srgbClr val="0045A3"/>
-        </a:lt2>
-        <a:accent1>
-          <a:srgbClr val="005AB6"/>
-        </a:accent1>
-        <a:accent2>
-          <a:srgbClr val="0073CF"/>
-        </a:accent2>
-        <a:accent3>
-          <a:srgbClr val="FFFFFF"/>
-        </a:accent3>
-        <a:accent4>
-          <a:srgbClr val="404040"/>
-        </a:accent4>
-        <a:accent5>
-          <a:srgbClr val="AAB5D7"/>
-        </a:accent5>
-        <a:accent6>
-          <a:srgbClr val="0068BB"/>
-        </a:accent6>
-        <a:hlink>
-          <a:srgbClr val="0084D9"/>
-        </a:hlink>
-        <a:folHlink>
-          <a:srgbClr val="DDDDDD"/>
-        </a:folHlink>
-      </a:clrScheme>
-      <a:clrMap bg1="lt1" tx1="dk1" bg2="lt2" tx2="dk2" accent1="accent1" accent2="accent2" accent3="accent3" accent4="accent4" accent5="accent5" accent6="accent6" hlink="hlink" folHlink="folHlink"/>
-    </a:extraClrScheme>
-    <a:extraClrScheme>
-      <a:clrScheme name="powerpoint-template-24 11">
-        <a:dk1>
-          <a:srgbClr val="4D4D4D"/>
-        </a:dk1>
-        <a:lt1>
-          <a:srgbClr val="FFFFFF"/>
-        </a:lt1>
-        <a:dk2>
-          <a:srgbClr val="4D4D4D"/>
-        </a:dk2>
-        <a:lt2>
-          <a:srgbClr val="205EDC"/>
-        </a:lt2>
-        <a:accent1>
-          <a:srgbClr val="3488E9"/>
-        </a:accent1>
-        <a:accent2>
-          <a:srgbClr val="50B3F5"/>
-        </a:accent2>
-        <a:accent3>
-          <a:srgbClr val="FFFFFF"/>
-        </a:accent3>
-        <a:accent4>
-          <a:srgbClr val="404040"/>
-        </a:accent4>
-        <a:accent5>
-          <a:srgbClr val="AEC3F2"/>
-        </a:accent5>
-        <a:accent6>
-          <a:srgbClr val="48A2DE"/>
-        </a:accent6>
-        <a:hlink>
-          <a:srgbClr val="65D4FF"/>
-        </a:hlink>
-        <a:folHlink>
-          <a:srgbClr val="DDDDDD"/>
-        </a:folHlink>
-      </a:clrScheme>
-      <a:clrMap bg1="lt1" tx1="dk1" bg2="lt2" tx2="dk2" accent1="accent1" accent2="accent2" accent3="accent3" accent4="accent4" accent5="accent5" accent6="accent6" hlink="hlink" folHlink="folHlink"/>
-    </a:extraClrScheme>
-    <a:extraClrScheme>
-      <a:clrScheme name="powerpoint-template-24 12">
-        <a:dk1>
-          <a:srgbClr val="4D4D4D"/>
-        </a:dk1>
-        <a:lt1>
-          <a:srgbClr val="FFFFFF"/>
-        </a:lt1>
-        <a:dk2>
-          <a:srgbClr val="4D4D4D"/>
-        </a:dk2>
-        <a:lt2>
-          <a:srgbClr val="0045A3"/>
-        </a:lt2>
-        <a:accent1>
-          <a:srgbClr val="005AB6"/>
-        </a:accent1>
-        <a:accent2>
-          <a:srgbClr val="0073CF"/>
-        </a:accent2>
-        <a:accent3>
-          <a:srgbClr val="FFFFFF"/>
-        </a:accent3>
-        <a:accent4>
-          <a:srgbClr val="404040"/>
-        </a:accent4>
-        <a:accent5>
-          <a:srgbClr val="AAB5D7"/>
-        </a:accent5>
-        <a:accent6>
-          <a:srgbClr val="0068BB"/>
-        </a:accent6>
-        <a:hlink>
-          <a:srgbClr val="EE0808"/>
-        </a:hlink>
-        <a:folHlink>
-          <a:srgbClr val="DDDDDD"/>
-        </a:folHlink>
-      </a:clrScheme>
-      <a:clrMap bg1="lt1" tx1="dk1" bg2="lt2" tx2="dk2" accent1="accent1" accent2="accent2" accent3="accent3" accent4="accent4" accent5="accent5" accent6="accent6" hlink="hlink" folHlink="folHlink"/>
-    </a:extraClrScheme>
-    <a:extraClrScheme>
-      <a:clrScheme name="powerpoint-template-24 13">
-        <a:dk1>
-          <a:srgbClr val="4D4D4D"/>
-        </a:dk1>
-        <a:lt1>
-          <a:srgbClr val="FFFFFF"/>
-        </a:lt1>
-        <a:dk2>
-          <a:srgbClr val="4D4D4D"/>
-        </a:dk2>
-        <a:lt2>
-          <a:srgbClr val="0045A3"/>
-        </a:lt2>
-        <a:accent1>
-          <a:srgbClr val="005AB6"/>
-        </a:accent1>
-        <a:accent2>
-          <a:srgbClr val="0073CF"/>
-        </a:accent2>
-        <a:accent3>
-          <a:srgbClr val="FFFFFF"/>
-        </a:accent3>
-        <a:accent4>
-          <a:srgbClr val="404040"/>
-        </a:accent4>
-        <a:accent5>
-          <a:srgbClr val="AAB5D7"/>
-        </a:accent5>
-        <a:accent6>
-          <a:srgbClr val="0068BB"/>
-        </a:accent6>
-        <a:hlink>
-          <a:srgbClr val="F3B211"/>
-        </a:hlink>
-        <a:folHlink>
-          <a:srgbClr val="DDDDDD"/>
-        </a:folHlink>
-      </a:clrScheme>
-      <a:clrMap bg1="lt1" tx1="dk1" bg2="lt2" tx2="dk2" accent1="accent1" accent2="accent2" accent3="accent3" accent4="accent4" accent5="accent5" accent6="accent6" hlink="hlink" folHlink="folHlink"/>
-    </a:extraClrScheme>
-    <a:extraClrScheme>
-      <a:clrScheme name="powerpoint-template-24 14">
-        <a:dk1>
-          <a:srgbClr val="4D4D4D"/>
-        </a:dk1>
-        <a:lt1>
-          <a:srgbClr val="FFFFFF"/>
-        </a:lt1>
-        <a:dk2>
-          <a:srgbClr val="4D4D4D"/>
-        </a:dk2>
-        <a:lt2>
-          <a:srgbClr val="0045A3"/>
-        </a:lt2>
-        <a:accent1>
-          <a:srgbClr val="005AB6"/>
-        </a:accent1>
-        <a:accent2>
-          <a:srgbClr val="0073CF"/>
-        </a:accent2>
-        <a:accent3>
-          <a:srgbClr val="FFFFFF"/>
-        </a:accent3>
-        <a:accent4>
-          <a:srgbClr val="404040"/>
-        </a:accent4>
-        <a:accent5>
-          <a:srgbClr val="AAB5D7"/>
-        </a:accent5>
-        <a:accent6>
-          <a:srgbClr val="0068BB"/>
-        </a:accent6>
-        <a:hlink>
-          <a:srgbClr val="109B09"/>
-        </a:hlink>
-        <a:folHlink>
-          <a:srgbClr val="DDDDDD"/>
-        </a:folHlink>
-      </a:clrScheme>
-      <a:clrMap bg1="lt1" tx1="dk1" bg2="lt2" tx2="dk2" accent1="accent1" accent2="accent2" accent3="accent3" accent4="accent4" accent5="accent5" accent6="accent6" hlink="hlink" folHlink="folHlink"/>
-    </a:extraClrScheme>
-    <a:extraClrScheme>
-      <a:clrScheme name="powerpoint-template-24 15">
-        <a:dk1>
-          <a:srgbClr val="4D4D4D"/>
-        </a:dk1>
-        <a:lt1>
-          <a:srgbClr val="FFFFFF"/>
-        </a:lt1>
-        <a:dk2>
-          <a:srgbClr val="4D4D4D"/>
-        </a:dk2>
-        <a:lt2>
-          <a:srgbClr val="025A9C"/>
-        </a:lt2>
-        <a:accent1>
-          <a:srgbClr val="166FB2"/>
-        </a:accent1>
-        <a:accent2>
-          <a:srgbClr val="3580B9"/>
-        </a:accent2>
-        <a:accent3>
-          <a:srgbClr val="FFFFFF"/>
-        </a:accent3>
-        <a:accent4>
-          <a:srgbClr val="404040"/>
-        </a:accent4>
-        <a:accent5>
-          <a:srgbClr val="ABBBD5"/>
-        </a:accent5>
-        <a:accent6>
-          <a:srgbClr val="2F73A7"/>
-        </a:accent6>
-        <a:hlink>
-          <a:srgbClr val="559CCE"/>
-        </a:hlink>
-        <a:folHlink>
-          <a:srgbClr val="DDDDDD"/>
-        </a:folHlink>
-      </a:clrScheme>
-      <a:clrMap bg1="lt1" tx1="dk1" bg2="lt2" tx2="dk2" accent1="accent1" accent2="accent2" accent3="accent3" accent4="accent4" accent5="accent5" accent6="accent6" hlink="hlink" folHlink="folHlink"/>
-    </a:extraClrScheme>
-    <a:extraClrScheme>
-      <a:clrScheme name="powerpoint-template-24 16">
-        <a:dk1>
-          <a:srgbClr val="4D4D4D"/>
-        </a:dk1>
-        <a:lt1>
-          <a:srgbClr val="FFFFFF"/>
-        </a:lt1>
-        <a:dk2>
-          <a:srgbClr val="4D4D4D"/>
-        </a:dk2>
-        <a:lt2>
-          <a:srgbClr val="08745C"/>
-        </a:lt2>
-        <a:accent1>
-          <a:srgbClr val="0A9474"/>
-        </a:accent1>
-        <a:accent2>
-          <a:srgbClr val="0BB994"/>
-        </a:accent2>
-        <a:accent3>
-          <a:srgbClr val="FFFFFF"/>
-        </a:accent3>
-        <a:accent4>
-          <a:srgbClr val="404040"/>
-        </a:accent4>
-        <a:accent5>
-          <a:srgbClr val="AAC8BC"/>
-        </a:accent5>
-        <a:accent6>
-          <a:srgbClr val="09A786"/>
-        </a:accent6>
-        <a:hlink>
-          <a:srgbClr val="53C8B1"/>
-        </a:hlink>
-        <a:folHlink>
-          <a:srgbClr val="DDDDDD"/>
-        </a:folHlink>
-      </a:clrScheme>
-      <a:clrMap bg1="lt1" tx1="dk1" bg2="lt2" tx2="dk2" accent1="accent1" accent2="accent2" accent3="accent3" accent4="accent4" accent5="accent5" accent6="accent6" hlink="hlink" folHlink="folHlink"/>
-    </a:extraClrScheme>
-  </a:extraClrSchemeLst>
+  <a:extraClrSchemeLst/>
   <a:extLst>
     <a:ext uri="{05A4C25C-085E-4340-85A3-A5531E510DB2}">
       <thm15:themeFamily xmlns:thm15="http://schemas.microsoft.com/office/thememl/2012/main" name="Office Theme" id="{2E142A2C-CD16-42D6-873A-C26D2A0506FA}" vid="{1BDDFF52-6CD6-40A5-AB3C-68EB2F1E4D0A}"/>

--- a/MovieChatBot.pptx
+++ b/MovieChatBot.pptx
@@ -5,7 +5,7 @@
     <p:sldMasterId id="2147483661" r:id="rId1"/>
   </p:sldMasterIdLst>
   <p:notesMasterIdLst>
-    <p:notesMasterId r:id="rId13"/>
+    <p:notesMasterId r:id="rId17"/>
   </p:notesMasterIdLst>
   <p:sldIdLst>
     <p:sldId id="256" r:id="rId2"/>
@@ -15,10 +15,14 @@
     <p:sldId id="282" r:id="rId6"/>
     <p:sldId id="283" r:id="rId7"/>
     <p:sldId id="284" r:id="rId8"/>
-    <p:sldId id="285" r:id="rId9"/>
-    <p:sldId id="287" r:id="rId10"/>
-    <p:sldId id="288" r:id="rId11"/>
-    <p:sldId id="289" r:id="rId12"/>
+    <p:sldId id="290" r:id="rId9"/>
+    <p:sldId id="291" r:id="rId10"/>
+    <p:sldId id="292" r:id="rId11"/>
+    <p:sldId id="293" r:id="rId12"/>
+    <p:sldId id="285" r:id="rId13"/>
+    <p:sldId id="287" r:id="rId14"/>
+    <p:sldId id="288" r:id="rId15"/>
+    <p:sldId id="289" r:id="rId16"/>
   </p:sldIdLst>
   <p:sldSz cx="12192000" cy="6858000"/>
   <p:notesSz cx="6858000" cy="9144000"/>
@@ -139,7 +143,7 @@
 <file path=ppt/revisionInfo.xml><?xml version="1.0" encoding="utf-8"?>
 <p1510:revInfo xmlns:a="http://schemas.openxmlformats.org/drawingml/2006/main" xmlns:r="http://schemas.openxmlformats.org/officeDocument/2006/relationships" xmlns:p1510="http://schemas.microsoft.com/office/powerpoint/2015/10/main">
   <p1510:revLst>
-    <p1510:client id="{332BE8A4-B281-294F-AB14-0DCB2E557640}" v="10" dt="2024-10-30T23:22:40.694"/>
+    <p1510:client id="{332BE8A4-B281-294F-AB14-0DCB2E557640}" v="20" dt="2024-10-31T00:31:39.896"/>
   </p1510:revLst>
 </p1510:revInfo>
 </file>
@@ -148,8 +152,8 @@
 <pc:chgInfo xmlns:a="http://schemas.openxmlformats.org/drawingml/2006/main" xmlns:r="http://schemas.openxmlformats.org/officeDocument/2006/relationships" xmlns:ac="http://schemas.microsoft.com/office/drawing/2013/main/command" xmlns:pc="http://schemas.microsoft.com/office/powerpoint/2013/main/command">
   <pc:docChgLst>
     <pc:chgData name="Brian Campbell" userId="a27f3cf3f583021c" providerId="LiveId" clId="{332BE8A4-B281-294F-AB14-0DCB2E557640}"/>
-    <pc:docChg chg="custSel addSld delSld modSld sldOrd modMainMaster modNotesMaster">
-      <pc:chgData name="Brian Campbell" userId="a27f3cf3f583021c" providerId="LiveId" clId="{332BE8A4-B281-294F-AB14-0DCB2E557640}" dt="2024-10-30T23:23:03.306" v="448" actId="2696"/>
+    <pc:docChg chg="undo custSel addSld delSld modSld sldOrd modMainMaster modNotesMaster">
+      <pc:chgData name="Brian Campbell" userId="a27f3cf3f583021c" providerId="LiveId" clId="{332BE8A4-B281-294F-AB14-0DCB2E557640}" dt="2024-10-31T00:35:08.423" v="2954" actId="14100"/>
       <pc:docMkLst>
         <pc:docMk/>
       </pc:docMkLst>
@@ -199,12 +203,20 @@
           </ac:spMkLst>
         </pc:spChg>
       </pc:sldChg>
-      <pc:sldChg chg="modSp mod ord modNotes">
-        <pc:chgData name="Brian Campbell" userId="a27f3cf3f583021c" providerId="LiveId" clId="{332BE8A4-B281-294F-AB14-0DCB2E557640}" dt="2024-10-30T23:21:36.907" v="375" actId="20577"/>
+      <pc:sldChg chg="addSp delSp modSp mod ord modNotes">
+        <pc:chgData name="Brian Campbell" userId="a27f3cf3f583021c" providerId="LiveId" clId="{332BE8A4-B281-294F-AB14-0DCB2E557640}" dt="2024-10-30T23:50:45.719" v="714"/>
         <pc:sldMkLst>
           <pc:docMk/>
           <pc:sldMk cId="0" sldId="279"/>
         </pc:sldMkLst>
+        <pc:spChg chg="add del mod">
+          <ac:chgData name="Brian Campbell" userId="a27f3cf3f583021c" providerId="LiveId" clId="{332BE8A4-B281-294F-AB14-0DCB2E557640}" dt="2024-10-30T23:50:45.719" v="714"/>
+          <ac:spMkLst>
+            <pc:docMk/>
+            <pc:sldMk cId="0" sldId="279"/>
+            <ac:spMk id="2" creationId="{AC5BE47C-2CBD-A494-EA0D-5AAD6DAA8726}"/>
+          </ac:spMkLst>
+        </pc:spChg>
         <pc:spChg chg="mod">
           <ac:chgData name="Brian Campbell" userId="a27f3cf3f583021c" providerId="LiveId" clId="{332BE8A4-B281-294F-AB14-0DCB2E557640}" dt="2024-10-30T23:20:01.280" v="297" actId="20577"/>
           <ac:spMkLst>
@@ -214,7 +226,7 @@
           </ac:spMkLst>
         </pc:spChg>
         <pc:spChg chg="mod">
-          <ac:chgData name="Brian Campbell" userId="a27f3cf3f583021c" providerId="LiveId" clId="{332BE8A4-B281-294F-AB14-0DCB2E557640}" dt="2024-10-30T23:21:36.907" v="375" actId="20577"/>
+          <ac:chgData name="Brian Campbell" userId="a27f3cf3f583021c" providerId="LiveId" clId="{332BE8A4-B281-294F-AB14-0DCB2E557640}" dt="2024-10-30T23:50:44.745" v="712" actId="14100"/>
           <ac:spMkLst>
             <pc:docMk/>
             <pc:sldMk cId="0" sldId="279"/>
@@ -253,7 +265,7 @@
         </pc:sldMkLst>
       </pc:sldChg>
       <pc:sldChg chg="modSp add mod">
-        <pc:chgData name="Brian Campbell" userId="a27f3cf3f583021c" providerId="LiveId" clId="{332BE8A4-B281-294F-AB14-0DCB2E557640}" dt="2024-10-30T23:21:33.740" v="374" actId="20577"/>
+        <pc:chgData name="Brian Campbell" userId="a27f3cf3f583021c" providerId="LiveId" clId="{332BE8A4-B281-294F-AB14-0DCB2E557640}" dt="2024-10-31T00:33:15.830" v="2949" actId="2711"/>
         <pc:sldMkLst>
           <pc:docMk/>
           <pc:sldMk cId="497463052" sldId="281"/>
@@ -267,7 +279,7 @@
           </ac:spMkLst>
         </pc:spChg>
         <pc:spChg chg="mod">
-          <ac:chgData name="Brian Campbell" userId="a27f3cf3f583021c" providerId="LiveId" clId="{332BE8A4-B281-294F-AB14-0DCB2E557640}" dt="2024-10-30T23:21:33.740" v="374" actId="20577"/>
+          <ac:chgData name="Brian Campbell" userId="a27f3cf3f583021c" providerId="LiveId" clId="{332BE8A4-B281-294F-AB14-0DCB2E557640}" dt="2024-10-31T00:33:15.830" v="2949" actId="2711"/>
           <ac:spMkLst>
             <pc:docMk/>
             <pc:sldMk cId="497463052" sldId="281"/>
@@ -276,7 +288,7 @@
         </pc:spChg>
       </pc:sldChg>
       <pc:sldChg chg="modSp add mod">
-        <pc:chgData name="Brian Campbell" userId="a27f3cf3f583021c" providerId="LiveId" clId="{332BE8A4-B281-294F-AB14-0DCB2E557640}" dt="2024-10-30T23:21:30.002" v="373" actId="20577"/>
+        <pc:chgData name="Brian Campbell" userId="a27f3cf3f583021c" providerId="LiveId" clId="{332BE8A4-B281-294F-AB14-0DCB2E557640}" dt="2024-10-31T00:33:28.109" v="2950" actId="2711"/>
         <pc:sldMkLst>
           <pc:docMk/>
           <pc:sldMk cId="871028883" sldId="282"/>
@@ -290,7 +302,7 @@
           </ac:spMkLst>
         </pc:spChg>
         <pc:spChg chg="mod">
-          <ac:chgData name="Brian Campbell" userId="a27f3cf3f583021c" providerId="LiveId" clId="{332BE8A4-B281-294F-AB14-0DCB2E557640}" dt="2024-10-30T23:21:30.002" v="373" actId="20577"/>
+          <ac:chgData name="Brian Campbell" userId="a27f3cf3f583021c" providerId="LiveId" clId="{332BE8A4-B281-294F-AB14-0DCB2E557640}" dt="2024-10-31T00:33:28.109" v="2950" actId="2711"/>
           <ac:spMkLst>
             <pc:docMk/>
             <pc:sldMk cId="871028883" sldId="282"/>
@@ -298,12 +310,28 @@
           </ac:spMkLst>
         </pc:spChg>
       </pc:sldChg>
-      <pc:sldChg chg="modSp add mod">
-        <pc:chgData name="Brian Campbell" userId="a27f3cf3f583021c" providerId="LiveId" clId="{332BE8A4-B281-294F-AB14-0DCB2E557640}" dt="2024-10-30T23:21:25.240" v="372" actId="20577"/>
+      <pc:sldChg chg="addSp delSp modSp add mod">
+        <pc:chgData name="Brian Campbell" userId="a27f3cf3f583021c" providerId="LiveId" clId="{332BE8A4-B281-294F-AB14-0DCB2E557640}" dt="2024-10-31T00:33:41.871" v="2951" actId="2711"/>
         <pc:sldMkLst>
           <pc:docMk/>
           <pc:sldMk cId="4178781547" sldId="283"/>
         </pc:sldMkLst>
+        <pc:spChg chg="add del mod">
+          <ac:chgData name="Brian Campbell" userId="a27f3cf3f583021c" providerId="LiveId" clId="{332BE8A4-B281-294F-AB14-0DCB2E557640}" dt="2024-10-30T23:57:19.235" v="1095"/>
+          <ac:spMkLst>
+            <pc:docMk/>
+            <pc:sldMk cId="4178781547" sldId="283"/>
+            <ac:spMk id="2" creationId="{8C4E6184-14AB-9E1B-265A-538AC2B7F451}"/>
+          </ac:spMkLst>
+        </pc:spChg>
+        <pc:spChg chg="add del mod">
+          <ac:chgData name="Brian Campbell" userId="a27f3cf3f583021c" providerId="LiveId" clId="{332BE8A4-B281-294F-AB14-0DCB2E557640}" dt="2024-10-30T23:57:25.337" v="1097" actId="478"/>
+          <ac:spMkLst>
+            <pc:docMk/>
+            <pc:sldMk cId="4178781547" sldId="283"/>
+            <ac:spMk id="3" creationId="{F788514C-C94D-2C75-4DC3-8F92EF11A353}"/>
+          </ac:spMkLst>
+        </pc:spChg>
         <pc:spChg chg="mod">
           <ac:chgData name="Brian Campbell" userId="a27f3cf3f583021c" providerId="LiveId" clId="{332BE8A4-B281-294F-AB14-0DCB2E557640}" dt="2024-10-30T23:20:42.720" v="336" actId="20577"/>
           <ac:spMkLst>
@@ -313,7 +341,7 @@
           </ac:spMkLst>
         </pc:spChg>
         <pc:spChg chg="mod">
-          <ac:chgData name="Brian Campbell" userId="a27f3cf3f583021c" providerId="LiveId" clId="{332BE8A4-B281-294F-AB14-0DCB2E557640}" dt="2024-10-30T23:21:25.240" v="372" actId="20577"/>
+          <ac:chgData name="Brian Campbell" userId="a27f3cf3f583021c" providerId="LiveId" clId="{332BE8A4-B281-294F-AB14-0DCB2E557640}" dt="2024-10-31T00:33:41.871" v="2951" actId="2711"/>
           <ac:spMkLst>
             <pc:docMk/>
             <pc:sldMk cId="4178781547" sldId="283"/>
@@ -321,12 +349,20 @@
           </ac:spMkLst>
         </pc:spChg>
       </pc:sldChg>
-      <pc:sldChg chg="modSp add mod">
-        <pc:chgData name="Brian Campbell" userId="a27f3cf3f583021c" providerId="LiveId" clId="{332BE8A4-B281-294F-AB14-0DCB2E557640}" dt="2024-10-30T23:21:19.158" v="371" actId="20577"/>
+      <pc:sldChg chg="addSp delSp modSp add mod">
+        <pc:chgData name="Brian Campbell" userId="a27f3cf3f583021c" providerId="LiveId" clId="{332BE8A4-B281-294F-AB14-0DCB2E557640}" dt="2024-10-31T00:33:54.430" v="2953" actId="27636"/>
         <pc:sldMkLst>
           <pc:docMk/>
           <pc:sldMk cId="4285789930" sldId="284"/>
         </pc:sldMkLst>
+        <pc:spChg chg="add del mod">
+          <ac:chgData name="Brian Campbell" userId="a27f3cf3f583021c" providerId="LiveId" clId="{332BE8A4-B281-294F-AB14-0DCB2E557640}" dt="2024-10-31T00:02:13.582" v="1626"/>
+          <ac:spMkLst>
+            <pc:docMk/>
+            <pc:sldMk cId="4285789930" sldId="284"/>
+            <ac:spMk id="2" creationId="{AF67FC3F-7C43-F61C-B623-E8FFAC02E792}"/>
+          </ac:spMkLst>
+        </pc:spChg>
         <pc:spChg chg="mod">
           <ac:chgData name="Brian Campbell" userId="a27f3cf3f583021c" providerId="LiveId" clId="{332BE8A4-B281-294F-AB14-0DCB2E557640}" dt="2024-10-30T23:20:55.758" v="358" actId="20577"/>
           <ac:spMkLst>
@@ -336,7 +372,7 @@
           </ac:spMkLst>
         </pc:spChg>
         <pc:spChg chg="mod">
-          <ac:chgData name="Brian Campbell" userId="a27f3cf3f583021c" providerId="LiveId" clId="{332BE8A4-B281-294F-AB14-0DCB2E557640}" dt="2024-10-30T23:21:19.158" v="371" actId="20577"/>
+          <ac:chgData name="Brian Campbell" userId="a27f3cf3f583021c" providerId="LiveId" clId="{332BE8A4-B281-294F-AB14-0DCB2E557640}" dt="2024-10-31T00:33:54.430" v="2953" actId="27636"/>
           <ac:spMkLst>
             <pc:docMk/>
             <pc:sldMk cId="4285789930" sldId="284"/>
@@ -345,7 +381,7 @@
         </pc:spChg>
       </pc:sldChg>
       <pc:sldChg chg="modSp add mod">
-        <pc:chgData name="Brian Campbell" userId="a27f3cf3f583021c" providerId="LiveId" clId="{332BE8A4-B281-294F-AB14-0DCB2E557640}" dt="2024-10-30T23:21:12.510" v="370" actId="20577"/>
+        <pc:chgData name="Brian Campbell" userId="a27f3cf3f583021c" providerId="LiveId" clId="{332BE8A4-B281-294F-AB14-0DCB2E557640}" dt="2024-10-31T00:07:13.959" v="2020" actId="20577"/>
         <pc:sldMkLst>
           <pc:docMk/>
           <pc:sldMk cId="1680910897" sldId="285"/>
@@ -359,7 +395,7 @@
           </ac:spMkLst>
         </pc:spChg>
         <pc:spChg chg="mod">
-          <ac:chgData name="Brian Campbell" userId="a27f3cf3f583021c" providerId="LiveId" clId="{332BE8A4-B281-294F-AB14-0DCB2E557640}" dt="2024-10-30T23:21:12.510" v="370" actId="20577"/>
+          <ac:chgData name="Brian Campbell" userId="a27f3cf3f583021c" providerId="LiveId" clId="{332BE8A4-B281-294F-AB14-0DCB2E557640}" dt="2024-10-31T00:07:13.959" v="2020" actId="20577"/>
           <ac:spMkLst>
             <pc:docMk/>
             <pc:sldMk cId="1680910897" sldId="285"/>
@@ -391,7 +427,7 @@
         </pc:spChg>
       </pc:sldChg>
       <pc:sldChg chg="modSp add mod">
-        <pc:chgData name="Brian Campbell" userId="a27f3cf3f583021c" providerId="LiveId" clId="{332BE8A4-B281-294F-AB14-0DCB2E557640}" dt="2024-10-30T23:21:52.409" v="404" actId="20577"/>
+        <pc:chgData name="Brian Campbell" userId="a27f3cf3f583021c" providerId="LiveId" clId="{332BE8A4-B281-294F-AB14-0DCB2E557640}" dt="2024-10-31T00:15:53.455" v="2480" actId="20577"/>
         <pc:sldMkLst>
           <pc:docMk/>
           <pc:sldMk cId="2253827582" sldId="287"/>
@@ -404,9 +440,17 @@
             <ac:spMk id="60418" creationId="{0488DDC5-2CEC-1FC1-9EA8-BAEA655ED731}"/>
           </ac:spMkLst>
         </pc:spChg>
+        <pc:spChg chg="mod">
+          <ac:chgData name="Brian Campbell" userId="a27f3cf3f583021c" providerId="LiveId" clId="{332BE8A4-B281-294F-AB14-0DCB2E557640}" dt="2024-10-31T00:15:53.455" v="2480" actId="20577"/>
+          <ac:spMkLst>
+            <pc:docMk/>
+            <pc:sldMk cId="2253827582" sldId="287"/>
+            <ac:spMk id="60419" creationId="{ECBA83B3-1AFB-3E21-4E28-947973CFCB9F}"/>
+          </ac:spMkLst>
+        </pc:spChg>
       </pc:sldChg>
       <pc:sldChg chg="modSp add mod">
-        <pc:chgData name="Brian Campbell" userId="a27f3cf3f583021c" providerId="LiveId" clId="{332BE8A4-B281-294F-AB14-0DCB2E557640}" dt="2024-10-30T23:22:09.014" v="428" actId="20577"/>
+        <pc:chgData name="Brian Campbell" userId="a27f3cf3f583021c" providerId="LiveId" clId="{332BE8A4-B281-294F-AB14-0DCB2E557640}" dt="2024-10-31T00:23:01.294" v="2849" actId="20577"/>
         <pc:sldMkLst>
           <pc:docMk/>
           <pc:sldMk cId="3025235660" sldId="288"/>
@@ -417,6 +461,14 @@
             <pc:docMk/>
             <pc:sldMk cId="3025235660" sldId="288"/>
             <ac:spMk id="60418" creationId="{803D9B48-C227-49B8-9254-F04579ABD5C5}"/>
+          </ac:spMkLst>
+        </pc:spChg>
+        <pc:spChg chg="mod">
+          <ac:chgData name="Brian Campbell" userId="a27f3cf3f583021c" providerId="LiveId" clId="{332BE8A4-B281-294F-AB14-0DCB2E557640}" dt="2024-10-31T00:23:01.294" v="2849" actId="20577"/>
+          <ac:spMkLst>
+            <pc:docMk/>
+            <pc:sldMk cId="3025235660" sldId="288"/>
+            <ac:spMk id="60419" creationId="{5158D3F5-80BA-21E4-9713-657455F14F79}"/>
           </ac:spMkLst>
         </pc:spChg>
       </pc:sldChg>
@@ -450,12 +502,158 @@
           <pc:sldMk cId="1609846788" sldId="290"/>
         </pc:sldMkLst>
       </pc:sldChg>
+      <pc:sldChg chg="addSp delSp modSp new mod">
+        <pc:chgData name="Brian Campbell" userId="a27f3cf3f583021c" providerId="LiveId" clId="{332BE8A4-B281-294F-AB14-0DCB2E557640}" dt="2024-10-31T00:27:47.011" v="2877" actId="20577"/>
+        <pc:sldMkLst>
+          <pc:docMk/>
+          <pc:sldMk cId="3857845618" sldId="290"/>
+        </pc:sldMkLst>
+        <pc:spChg chg="del">
+          <ac:chgData name="Brian Campbell" userId="a27f3cf3f583021c" providerId="LiveId" clId="{332BE8A4-B281-294F-AB14-0DCB2E557640}" dt="2024-10-31T00:27:03.787" v="2854" actId="478"/>
+          <ac:spMkLst>
+            <pc:docMk/>
+            <pc:sldMk cId="3857845618" sldId="290"/>
+            <ac:spMk id="2" creationId="{B4E3150E-F2F9-277C-9B88-E40B8ABB93B7}"/>
+          </ac:spMkLst>
+        </pc:spChg>
+        <pc:spChg chg="del">
+          <ac:chgData name="Brian Campbell" userId="a27f3cf3f583021c" providerId="LiveId" clId="{332BE8A4-B281-294F-AB14-0DCB2E557640}" dt="2024-10-31T00:27:02.546" v="2853" actId="478"/>
+          <ac:spMkLst>
+            <pc:docMk/>
+            <pc:sldMk cId="3857845618" sldId="290"/>
+            <ac:spMk id="3" creationId="{4672EBFC-2CFE-E791-51C3-5F645CFB77BC}"/>
+          </ac:spMkLst>
+        </pc:spChg>
+        <pc:spChg chg="add mod">
+          <ac:chgData name="Brian Campbell" userId="a27f3cf3f583021c" providerId="LiveId" clId="{332BE8A4-B281-294F-AB14-0DCB2E557640}" dt="2024-10-31T00:27:47.011" v="2877" actId="20577"/>
+          <ac:spMkLst>
+            <pc:docMk/>
+            <pc:sldMk cId="3857845618" sldId="290"/>
+            <ac:spMk id="5" creationId="{47276D1B-9046-5046-E932-B17DC1A6D64A}"/>
+          </ac:spMkLst>
+        </pc:spChg>
+        <pc:picChg chg="add mod">
+          <ac:chgData name="Brian Campbell" userId="a27f3cf3f583021c" providerId="LiveId" clId="{332BE8A4-B281-294F-AB14-0DCB2E557640}" dt="2024-10-31T00:27:31.761" v="2861" actId="1076"/>
+          <ac:picMkLst>
+            <pc:docMk/>
+            <pc:sldMk cId="3857845618" sldId="290"/>
+            <ac:picMk id="4" creationId="{55BECEE8-E9B6-ADF4-9A93-1B85D3846788}"/>
+          </ac:picMkLst>
+        </pc:picChg>
+      </pc:sldChg>
+      <pc:sldChg chg="addSp delSp modSp add mod">
+        <pc:chgData name="Brian Campbell" userId="a27f3cf3f583021c" providerId="LiveId" clId="{332BE8A4-B281-294F-AB14-0DCB2E557640}" dt="2024-10-31T00:35:08.423" v="2954" actId="14100"/>
+        <pc:sldMkLst>
+          <pc:docMk/>
+          <pc:sldMk cId="179728464" sldId="291"/>
+        </pc:sldMkLst>
+        <pc:spChg chg="mod">
+          <ac:chgData name="Brian Campbell" userId="a27f3cf3f583021c" providerId="LiveId" clId="{332BE8A4-B281-294F-AB14-0DCB2E557640}" dt="2024-10-31T00:28:29.242" v="2895" actId="20577"/>
+          <ac:spMkLst>
+            <pc:docMk/>
+            <pc:sldMk cId="179728464" sldId="291"/>
+            <ac:spMk id="5" creationId="{58484436-A49F-E8A3-F3A7-92698CBD55BC}"/>
+          </ac:spMkLst>
+        </pc:spChg>
+        <pc:picChg chg="add mod">
+          <ac:chgData name="Brian Campbell" userId="a27f3cf3f583021c" providerId="LiveId" clId="{332BE8A4-B281-294F-AB14-0DCB2E557640}" dt="2024-10-31T00:35:08.423" v="2954" actId="14100"/>
+          <ac:picMkLst>
+            <pc:docMk/>
+            <pc:sldMk cId="179728464" sldId="291"/>
+            <ac:picMk id="2" creationId="{951B85EB-1BC2-42A1-752B-F81FBFF028E9}"/>
+          </ac:picMkLst>
+        </pc:picChg>
+        <pc:picChg chg="add mod">
+          <ac:chgData name="Brian Campbell" userId="a27f3cf3f583021c" providerId="LiveId" clId="{332BE8A4-B281-294F-AB14-0DCB2E557640}" dt="2024-10-31T00:29:39.800" v="2905" actId="14100"/>
+          <ac:picMkLst>
+            <pc:docMk/>
+            <pc:sldMk cId="179728464" sldId="291"/>
+            <ac:picMk id="3" creationId="{CD50C381-C366-75D7-A0A9-B8ABB00C0C48}"/>
+          </ac:picMkLst>
+        </pc:picChg>
+        <pc:picChg chg="del">
+          <ac:chgData name="Brian Campbell" userId="a27f3cf3f583021c" providerId="LiveId" clId="{332BE8A4-B281-294F-AB14-0DCB2E557640}" dt="2024-10-31T00:28:33.189" v="2896" actId="478"/>
+          <ac:picMkLst>
+            <pc:docMk/>
+            <pc:sldMk cId="179728464" sldId="291"/>
+            <ac:picMk id="4" creationId="{F859FE85-E9B6-83D1-9E26-741B193341BC}"/>
+          </ac:picMkLst>
+        </pc:picChg>
+      </pc:sldChg>
       <pc:sldChg chg="add del">
         <pc:chgData name="Brian Campbell" userId="a27f3cf3f583021c" providerId="LiveId" clId="{332BE8A4-B281-294F-AB14-0DCB2E557640}" dt="2024-10-30T23:23:03.304" v="447" actId="2696"/>
         <pc:sldMkLst>
           <pc:docMk/>
           <pc:sldMk cId="582738402" sldId="291"/>
         </pc:sldMkLst>
+      </pc:sldChg>
+      <pc:sldChg chg="new del">
+        <pc:chgData name="Brian Campbell" userId="a27f3cf3f583021c" providerId="LiveId" clId="{332BE8A4-B281-294F-AB14-0DCB2E557640}" dt="2024-10-31T00:27:56.440" v="2879" actId="2696"/>
+        <pc:sldMkLst>
+          <pc:docMk/>
+          <pc:sldMk cId="3238584414" sldId="291"/>
+        </pc:sldMkLst>
+      </pc:sldChg>
+      <pc:sldChg chg="new del">
+        <pc:chgData name="Brian Campbell" userId="a27f3cf3f583021c" providerId="LiveId" clId="{332BE8A4-B281-294F-AB14-0DCB2E557640}" dt="2024-10-31T00:27:55.610" v="2878" actId="2696"/>
+        <pc:sldMkLst>
+          <pc:docMk/>
+          <pc:sldMk cId="548855526" sldId="292"/>
+        </pc:sldMkLst>
+      </pc:sldChg>
+      <pc:sldChg chg="addSp delSp modSp add mod">
+        <pc:chgData name="Brian Campbell" userId="a27f3cf3f583021c" providerId="LiveId" clId="{332BE8A4-B281-294F-AB14-0DCB2E557640}" dt="2024-10-31T00:31:27.957" v="2941" actId="14100"/>
+        <pc:sldMkLst>
+          <pc:docMk/>
+          <pc:sldMk cId="1153388040" sldId="292"/>
+        </pc:sldMkLst>
+        <pc:spChg chg="mod">
+          <ac:chgData name="Brian Campbell" userId="a27f3cf3f583021c" providerId="LiveId" clId="{332BE8A4-B281-294F-AB14-0DCB2E557640}" dt="2024-10-31T00:30:23.838" v="2934" actId="20577"/>
+          <ac:spMkLst>
+            <pc:docMk/>
+            <pc:sldMk cId="1153388040" sldId="292"/>
+            <ac:spMk id="5" creationId="{99C6C44C-5E11-D616-288B-3393E8436B1C}"/>
+          </ac:spMkLst>
+        </pc:spChg>
+        <pc:picChg chg="add mod">
+          <ac:chgData name="Brian Campbell" userId="a27f3cf3f583021c" providerId="LiveId" clId="{332BE8A4-B281-294F-AB14-0DCB2E557640}" dt="2024-10-31T00:31:27.957" v="2941" actId="14100"/>
+          <ac:picMkLst>
+            <pc:docMk/>
+            <pc:sldMk cId="1153388040" sldId="292"/>
+            <ac:picMk id="2" creationId="{C35F9519-B174-CA81-AF7A-E1D3DB3A4B11}"/>
+          </ac:picMkLst>
+        </pc:picChg>
+        <pc:picChg chg="del">
+          <ac:chgData name="Brian Campbell" userId="a27f3cf3f583021c" providerId="LiveId" clId="{332BE8A4-B281-294F-AB14-0DCB2E557640}" dt="2024-10-31T00:30:09.182" v="2907" actId="478"/>
+          <ac:picMkLst>
+            <pc:docMk/>
+            <pc:sldMk cId="1153388040" sldId="292"/>
+            <ac:picMk id="4" creationId="{33CE0510-E4D8-4B47-EDA8-78CFC4C4B045}"/>
+          </ac:picMkLst>
+        </pc:picChg>
+      </pc:sldChg>
+      <pc:sldChg chg="addSp delSp modSp add mod">
+        <pc:chgData name="Brian Campbell" userId="a27f3cf3f583021c" providerId="LiveId" clId="{332BE8A4-B281-294F-AB14-0DCB2E557640}" dt="2024-10-31T00:31:59.487" v="2948" actId="1076"/>
+        <pc:sldMkLst>
+          <pc:docMk/>
+          <pc:sldMk cId="1915812848" sldId="293"/>
+        </pc:sldMkLst>
+        <pc:picChg chg="del">
+          <ac:chgData name="Brian Campbell" userId="a27f3cf3f583021c" providerId="LiveId" clId="{332BE8A4-B281-294F-AB14-0DCB2E557640}" dt="2024-10-31T00:31:34.327" v="2943" actId="478"/>
+          <ac:picMkLst>
+            <pc:docMk/>
+            <pc:sldMk cId="1915812848" sldId="293"/>
+            <ac:picMk id="2" creationId="{6BB20643-3697-40DB-6A45-FE9E6E275746}"/>
+          </ac:picMkLst>
+        </pc:picChg>
+        <pc:picChg chg="add mod">
+          <ac:chgData name="Brian Campbell" userId="a27f3cf3f583021c" providerId="LiveId" clId="{332BE8A4-B281-294F-AB14-0DCB2E557640}" dt="2024-10-31T00:31:59.487" v="2948" actId="1076"/>
+          <ac:picMkLst>
+            <pc:docMk/>
+            <pc:sldMk cId="1915812848" sldId="293"/>
+            <ac:picMk id="3" creationId="{B32D1792-55F2-3C24-5AC1-CB53EAC18FB3}"/>
+          </ac:picMkLst>
+        </pc:picChg>
       </pc:sldChg>
       <pc:sldMasterChg chg="modSp modSldLayout">
         <pc:chgData name="Brian Campbell" userId="a27f3cf3f583021c" providerId="LiveId" clId="{332BE8A4-B281-294F-AB14-0DCB2E557640}" dt="2024-10-30T23:12:50.963" v="25"/>
@@ -1499,7 +1697,7 @@
             <a:fld id="{72714AC3-856D-8240-A596-99823160380B}" type="slidenum">
               <a:rPr lang="en-US" altLang="en-US"/>
               <a:pPr/>
-              <a:t>10</a:t>
+              <a:t>14</a:t>
             </a:fld>
             <a:endParaRPr lang="en-US" altLang="en-US"/>
           </a:p>
@@ -1616,7 +1814,7 @@
             <a:fld id="{4BD7FB76-6670-314C-87BE-DA7DB39FC241}" type="slidenum">
               <a:rPr lang="en-US" altLang="en-US"/>
               <a:pPr/>
-              <a:t>11</a:t>
+              <a:t>15</a:t>
             </a:fld>
             <a:endParaRPr lang="en-US" altLang="en-US"/>
           </a:p>
@@ -2424,7 +2622,7 @@
             <a:fld id="{72714AC3-856D-8240-A596-99823160380B}" type="slidenum">
               <a:rPr lang="en-US" altLang="en-US"/>
               <a:pPr/>
-              <a:t>8</a:t>
+              <a:t>12</a:t>
             </a:fld>
             <a:endParaRPr lang="en-US" altLang="en-US"/>
           </a:p>
@@ -2541,7 +2739,7 @@
             <a:fld id="{72714AC3-856D-8240-A596-99823160380B}" type="slidenum">
               <a:rPr lang="en-US" altLang="en-US"/>
               <a:pPr/>
-              <a:t>9</a:t>
+              <a:t>13</a:t>
             </a:fld>
             <a:endParaRPr lang="en-US" altLang="en-US"/>
           </a:p>
@@ -5721,6 +5919,712 @@
 <file path=ppt/slides/slide10.xml><?xml version="1.0" encoding="utf-8"?>
 <p:sld xmlns:a="http://schemas.openxmlformats.org/drawingml/2006/main" xmlns:r="http://schemas.openxmlformats.org/officeDocument/2006/relationships" xmlns:p="http://schemas.openxmlformats.org/presentationml/2006/main">
   <p:cSld>
+    <p:spTree>
+      <p:nvGrpSpPr>
+        <p:cNvPr id="1" name="">
+          <a:extLst>
+            <a:ext uri="{FF2B5EF4-FFF2-40B4-BE49-F238E27FC236}">
+              <a16:creationId xmlns:a16="http://schemas.microsoft.com/office/drawing/2014/main" id="{DF6EC961-15EB-6CAC-D6B3-E576883106EC}"/>
+            </a:ext>
+          </a:extLst>
+        </p:cNvPr>
+        <p:cNvGrpSpPr/>
+        <p:nvPr/>
+      </p:nvGrpSpPr>
+      <p:grpSpPr>
+        <a:xfrm>
+          <a:off x="0" y="0"/>
+          <a:ext cx="0" cy="0"/>
+          <a:chOff x="0" y="0"/>
+          <a:chExt cx="0" cy="0"/>
+        </a:xfrm>
+      </p:grpSpPr>
+      <p:sp>
+        <p:nvSpPr>
+          <p:cNvPr id="5" name="Rectangle 2">
+            <a:extLst>
+              <a:ext uri="{FF2B5EF4-FFF2-40B4-BE49-F238E27FC236}">
+                <a16:creationId xmlns:a16="http://schemas.microsoft.com/office/drawing/2014/main" id="{99C6C44C-5E11-D616-288B-3393E8436B1C}"/>
+              </a:ext>
+            </a:extLst>
+          </p:cNvPr>
+          <p:cNvSpPr>
+            <a:spLocks noGrp="1" noChangeArrowheads="1"/>
+          </p:cNvSpPr>
+          <p:nvPr>
+            <p:ph type="title"/>
+          </p:nvPr>
+        </p:nvSpPr>
+        <p:spPr>
+          <a:xfrm>
+            <a:off x="228600" y="304800"/>
+            <a:ext cx="6934200" cy="715963"/>
+          </a:xfrm>
+        </p:spPr>
+        <p:txBody>
+          <a:bodyPr/>
+          <a:lstStyle/>
+          <a:p>
+            <a:r>
+              <a:rPr lang="en-US" altLang="en-US" sz="4000" dirty="0" err="1"/>
+              <a:t>spaCy</a:t>
+            </a:r>
+            <a:r>
+              <a:rPr lang="en-US" altLang="en-US" sz="4000" dirty="0"/>
+              <a:t> and Whisper</a:t>
+            </a:r>
+            <a:endParaRPr lang="en-US" altLang="en-US" sz="4000" dirty="0">
+              <a:solidFill>
+                <a:schemeClr val="tx1"/>
+              </a:solidFill>
+            </a:endParaRPr>
+          </a:p>
+        </p:txBody>
+      </p:sp>
+      <p:pic>
+        <p:nvPicPr>
+          <p:cNvPr id="2" name="Picture 1">
+            <a:extLst>
+              <a:ext uri="{FF2B5EF4-FFF2-40B4-BE49-F238E27FC236}">
+                <a16:creationId xmlns:a16="http://schemas.microsoft.com/office/drawing/2014/main" id="{C35F9519-B174-CA81-AF7A-E1D3DB3A4B11}"/>
+              </a:ext>
+            </a:extLst>
+          </p:cNvPr>
+          <p:cNvPicPr>
+            <a:picLocks noChangeAspect="1"/>
+          </p:cNvPicPr>
+          <p:nvPr/>
+        </p:nvPicPr>
+        <p:blipFill>
+          <a:blip r:embed="rId2"/>
+          <a:stretch>
+            <a:fillRect/>
+          </a:stretch>
+        </p:blipFill>
+        <p:spPr>
+          <a:xfrm>
+            <a:off x="152400" y="1020762"/>
+            <a:ext cx="11887200" cy="3932237"/>
+          </a:xfrm>
+          <a:prstGeom prst="rect">
+            <a:avLst/>
+          </a:prstGeom>
+        </p:spPr>
+      </p:pic>
+    </p:spTree>
+    <p:extLst>
+      <p:ext uri="{BB962C8B-B14F-4D97-AF65-F5344CB8AC3E}">
+        <p14:creationId xmlns:p14="http://schemas.microsoft.com/office/powerpoint/2010/main" val="1153388040"/>
+      </p:ext>
+    </p:extLst>
+  </p:cSld>
+  <p:clrMapOvr>
+    <a:masterClrMapping/>
+  </p:clrMapOvr>
+</p:sld>
+</file>
+
+<file path=ppt/slides/slide11.xml><?xml version="1.0" encoding="utf-8"?>
+<p:sld xmlns:a="http://schemas.openxmlformats.org/drawingml/2006/main" xmlns:r="http://schemas.openxmlformats.org/officeDocument/2006/relationships" xmlns:p="http://schemas.openxmlformats.org/presentationml/2006/main">
+  <p:cSld>
+    <p:spTree>
+      <p:nvGrpSpPr>
+        <p:cNvPr id="1" name="">
+          <a:extLst>
+            <a:ext uri="{FF2B5EF4-FFF2-40B4-BE49-F238E27FC236}">
+              <a16:creationId xmlns:a16="http://schemas.microsoft.com/office/drawing/2014/main" id="{4E47928C-F1B1-DE4A-6BEF-74F4109F4C68}"/>
+            </a:ext>
+          </a:extLst>
+        </p:cNvPr>
+        <p:cNvGrpSpPr/>
+        <p:nvPr/>
+      </p:nvGrpSpPr>
+      <p:grpSpPr>
+        <a:xfrm>
+          <a:off x="0" y="0"/>
+          <a:ext cx="0" cy="0"/>
+          <a:chOff x="0" y="0"/>
+          <a:chExt cx="0" cy="0"/>
+        </a:xfrm>
+      </p:grpSpPr>
+      <p:sp>
+        <p:nvSpPr>
+          <p:cNvPr id="5" name="Rectangle 2">
+            <a:extLst>
+              <a:ext uri="{FF2B5EF4-FFF2-40B4-BE49-F238E27FC236}">
+                <a16:creationId xmlns:a16="http://schemas.microsoft.com/office/drawing/2014/main" id="{DF1DD304-FE9E-A947-CC96-FF851293328A}"/>
+              </a:ext>
+            </a:extLst>
+          </p:cNvPr>
+          <p:cNvSpPr>
+            <a:spLocks noGrp="1" noChangeArrowheads="1"/>
+          </p:cNvSpPr>
+          <p:nvPr>
+            <p:ph type="title"/>
+          </p:nvPr>
+        </p:nvSpPr>
+        <p:spPr>
+          <a:xfrm>
+            <a:off x="228600" y="304800"/>
+            <a:ext cx="6934200" cy="715963"/>
+          </a:xfrm>
+        </p:spPr>
+        <p:txBody>
+          <a:bodyPr/>
+          <a:lstStyle/>
+          <a:p>
+            <a:r>
+              <a:rPr lang="en-US" altLang="en-US" sz="4000" dirty="0" err="1"/>
+              <a:t>spaCy</a:t>
+            </a:r>
+            <a:r>
+              <a:rPr lang="en-US" altLang="en-US" sz="4000" dirty="0"/>
+              <a:t> and Whisper</a:t>
+            </a:r>
+            <a:endParaRPr lang="en-US" altLang="en-US" sz="4000" dirty="0">
+              <a:solidFill>
+                <a:schemeClr val="tx1"/>
+              </a:solidFill>
+            </a:endParaRPr>
+          </a:p>
+        </p:txBody>
+      </p:sp>
+      <p:pic>
+        <p:nvPicPr>
+          <p:cNvPr id="3" name="Picture 2">
+            <a:extLst>
+              <a:ext uri="{FF2B5EF4-FFF2-40B4-BE49-F238E27FC236}">
+                <a16:creationId xmlns:a16="http://schemas.microsoft.com/office/drawing/2014/main" id="{B32D1792-55F2-3C24-5AC1-CB53EAC18FB3}"/>
+              </a:ext>
+            </a:extLst>
+          </p:cNvPr>
+          <p:cNvPicPr>
+            <a:picLocks noChangeAspect="1"/>
+          </p:cNvPicPr>
+          <p:nvPr/>
+        </p:nvPicPr>
+        <p:blipFill>
+          <a:blip r:embed="rId2"/>
+          <a:stretch>
+            <a:fillRect/>
+          </a:stretch>
+        </p:blipFill>
+        <p:spPr>
+          <a:xfrm>
+            <a:off x="177830" y="1143000"/>
+            <a:ext cx="11836340" cy="4877810"/>
+          </a:xfrm>
+          <a:prstGeom prst="rect">
+            <a:avLst/>
+          </a:prstGeom>
+        </p:spPr>
+      </p:pic>
+    </p:spTree>
+    <p:extLst>
+      <p:ext uri="{BB962C8B-B14F-4D97-AF65-F5344CB8AC3E}">
+        <p14:creationId xmlns:p14="http://schemas.microsoft.com/office/powerpoint/2010/main" val="1915812848"/>
+      </p:ext>
+    </p:extLst>
+  </p:cSld>
+  <p:clrMapOvr>
+    <a:masterClrMapping/>
+  </p:clrMapOvr>
+</p:sld>
+</file>
+
+<file path=ppt/slides/slide12.xml><?xml version="1.0" encoding="utf-8"?>
+<p:sld xmlns:a="http://schemas.openxmlformats.org/drawingml/2006/main" xmlns:r="http://schemas.openxmlformats.org/officeDocument/2006/relationships" xmlns:p="http://schemas.openxmlformats.org/presentationml/2006/main">
+  <p:cSld>
+    <p:bg>
+      <p:bgPr>
+        <a:blipFill dpi="0" rotWithShape="0">
+          <a:blip r:embed="rId3"/>
+          <a:srcRect/>
+          <a:stretch>
+            <a:fillRect/>
+          </a:stretch>
+        </a:blipFill>
+        <a:effectLst/>
+      </p:bgPr>
+    </p:bg>
+    <p:spTree>
+      <p:nvGrpSpPr>
+        <p:cNvPr id="1" name="">
+          <a:extLst>
+            <a:ext uri="{FF2B5EF4-FFF2-40B4-BE49-F238E27FC236}">
+              <a16:creationId xmlns:a16="http://schemas.microsoft.com/office/drawing/2014/main" id="{AE736900-577B-B485-1383-07FD6AF31C5E}"/>
+            </a:ext>
+          </a:extLst>
+        </p:cNvPr>
+        <p:cNvGrpSpPr/>
+        <p:nvPr/>
+      </p:nvGrpSpPr>
+      <p:grpSpPr>
+        <a:xfrm>
+          <a:off x="0" y="0"/>
+          <a:ext cx="0" cy="0"/>
+          <a:chOff x="0" y="0"/>
+          <a:chExt cx="0" cy="0"/>
+        </a:xfrm>
+      </p:grpSpPr>
+      <p:sp>
+        <p:nvSpPr>
+          <p:cNvPr id="60418" name="Rectangle 2">
+            <a:extLst>
+              <a:ext uri="{FF2B5EF4-FFF2-40B4-BE49-F238E27FC236}">
+                <a16:creationId xmlns:a16="http://schemas.microsoft.com/office/drawing/2014/main" id="{1459C886-B2F7-6ACE-A5F7-13335A4351DB}"/>
+              </a:ext>
+            </a:extLst>
+          </p:cNvPr>
+          <p:cNvSpPr>
+            <a:spLocks noGrp="1" noChangeArrowheads="1"/>
+          </p:cNvSpPr>
+          <p:nvPr>
+            <p:ph type="title"/>
+          </p:nvPr>
+        </p:nvSpPr>
+        <p:spPr>
+          <a:xfrm>
+            <a:off x="3505200" y="762001"/>
+            <a:ext cx="6934200" cy="715963"/>
+          </a:xfrm>
+        </p:spPr>
+        <p:txBody>
+          <a:bodyPr/>
+          <a:lstStyle/>
+          <a:p>
+            <a:r>
+              <a:rPr lang="en-US" altLang="en-US" sz="4000" dirty="0">
+                <a:solidFill>
+                  <a:schemeClr val="tx1"/>
+                </a:solidFill>
+              </a:rPr>
+              <a:t>Summary</a:t>
+            </a:r>
+          </a:p>
+        </p:txBody>
+      </p:sp>
+      <p:sp>
+        <p:nvSpPr>
+          <p:cNvPr id="60419" name="Rectangle 3">
+            <a:extLst>
+              <a:ext uri="{FF2B5EF4-FFF2-40B4-BE49-F238E27FC236}">
+                <a16:creationId xmlns:a16="http://schemas.microsoft.com/office/drawing/2014/main" id="{F57700C5-D0B9-18F0-7F0B-98E44CDD39C2}"/>
+              </a:ext>
+            </a:extLst>
+          </p:cNvPr>
+          <p:cNvSpPr>
+            <a:spLocks noGrp="1" noChangeArrowheads="1"/>
+          </p:cNvSpPr>
+          <p:nvPr>
+            <p:ph idx="1"/>
+          </p:nvPr>
+        </p:nvSpPr>
+        <p:spPr>
+          <a:xfrm>
+            <a:off x="3505200" y="1981200"/>
+            <a:ext cx="6934200" cy="4267200"/>
+          </a:xfrm>
+        </p:spPr>
+        <p:txBody>
+          <a:bodyPr>
+            <a:normAutofit/>
+          </a:bodyPr>
+          <a:lstStyle/>
+          <a:p>
+            <a:pPr>
+              <a:lnSpc>
+                <a:spcPct val="80000"/>
+              </a:lnSpc>
+            </a:pPr>
+            <a:r>
+              <a:rPr lang="en-US" altLang="ko-KR" sz="2000" dirty="0">
+                <a:latin typeface="Verdana" panose="020B0604030504040204" pitchFamily="34" charset="0"/>
+                <a:ea typeface="굴림" panose="020B0600000101010101" pitchFamily="34" charset="-127"/>
+              </a:rPr>
+              <a:t>Easy to do something very basic but becomes very hard very fast once you want to get sophisticated.</a:t>
+            </a:r>
+            <a:endParaRPr lang="en-US" altLang="ko-KR" sz="2400" dirty="0">
+              <a:solidFill>
+                <a:schemeClr val="tx1"/>
+              </a:solidFill>
+              <a:latin typeface="Verdana" panose="020B0604030504040204" pitchFamily="34" charset="0"/>
+              <a:ea typeface="굴림" panose="020B0600000101010101" pitchFamily="34" charset="-127"/>
+            </a:endParaRPr>
+          </a:p>
+        </p:txBody>
+      </p:sp>
+    </p:spTree>
+    <p:extLst>
+      <p:ext uri="{BB962C8B-B14F-4D97-AF65-F5344CB8AC3E}">
+        <p14:creationId xmlns:p14="http://schemas.microsoft.com/office/powerpoint/2010/main" val="1680910897"/>
+      </p:ext>
+    </p:extLst>
+  </p:cSld>
+  <p:clrMapOvr>
+    <a:masterClrMapping/>
+  </p:clrMapOvr>
+</p:sld>
+</file>
+
+<file path=ppt/slides/slide13.xml><?xml version="1.0" encoding="utf-8"?>
+<p:sld xmlns:a="http://schemas.openxmlformats.org/drawingml/2006/main" xmlns:r="http://schemas.openxmlformats.org/officeDocument/2006/relationships" xmlns:p="http://schemas.openxmlformats.org/presentationml/2006/main">
+  <p:cSld>
+    <p:bg>
+      <p:bgPr>
+        <a:blipFill dpi="0" rotWithShape="0">
+          <a:blip r:embed="rId3"/>
+          <a:srcRect/>
+          <a:stretch>
+            <a:fillRect/>
+          </a:stretch>
+        </a:blipFill>
+        <a:effectLst/>
+      </p:bgPr>
+    </p:bg>
+    <p:spTree>
+      <p:nvGrpSpPr>
+        <p:cNvPr id="1" name="">
+          <a:extLst>
+            <a:ext uri="{FF2B5EF4-FFF2-40B4-BE49-F238E27FC236}">
+              <a16:creationId xmlns:a16="http://schemas.microsoft.com/office/drawing/2014/main" id="{C69A9936-E4D3-5133-DA4E-F7EC6B0798B3}"/>
+            </a:ext>
+          </a:extLst>
+        </p:cNvPr>
+        <p:cNvGrpSpPr/>
+        <p:nvPr/>
+      </p:nvGrpSpPr>
+      <p:grpSpPr>
+        <a:xfrm>
+          <a:off x="0" y="0"/>
+          <a:ext cx="0" cy="0"/>
+          <a:chOff x="0" y="0"/>
+          <a:chExt cx="0" cy="0"/>
+        </a:xfrm>
+      </p:grpSpPr>
+      <p:sp>
+        <p:nvSpPr>
+          <p:cNvPr id="60418" name="Rectangle 2">
+            <a:extLst>
+              <a:ext uri="{FF2B5EF4-FFF2-40B4-BE49-F238E27FC236}">
+                <a16:creationId xmlns:a16="http://schemas.microsoft.com/office/drawing/2014/main" id="{0488DDC5-2CEC-1FC1-9EA8-BAEA655ED731}"/>
+              </a:ext>
+            </a:extLst>
+          </p:cNvPr>
+          <p:cNvSpPr>
+            <a:spLocks noGrp="1" noChangeArrowheads="1"/>
+          </p:cNvSpPr>
+          <p:nvPr>
+            <p:ph type="title"/>
+          </p:nvPr>
+        </p:nvSpPr>
+        <p:spPr>
+          <a:xfrm>
+            <a:off x="3505200" y="762001"/>
+            <a:ext cx="6934200" cy="715963"/>
+          </a:xfrm>
+        </p:spPr>
+        <p:txBody>
+          <a:bodyPr/>
+          <a:lstStyle/>
+          <a:p>
+            <a:r>
+              <a:rPr lang="en-US" altLang="en-US" sz="4000" dirty="0">
+                <a:solidFill>
+                  <a:schemeClr val="tx1"/>
+                </a:solidFill>
+              </a:rPr>
+              <a:t>Problems Encountered</a:t>
+            </a:r>
+          </a:p>
+        </p:txBody>
+      </p:sp>
+      <p:sp>
+        <p:nvSpPr>
+          <p:cNvPr id="60419" name="Rectangle 3">
+            <a:extLst>
+              <a:ext uri="{FF2B5EF4-FFF2-40B4-BE49-F238E27FC236}">
+                <a16:creationId xmlns:a16="http://schemas.microsoft.com/office/drawing/2014/main" id="{ECBA83B3-1AFB-3E21-4E28-947973CFCB9F}"/>
+              </a:ext>
+            </a:extLst>
+          </p:cNvPr>
+          <p:cNvSpPr>
+            <a:spLocks noGrp="1" noChangeArrowheads="1"/>
+          </p:cNvSpPr>
+          <p:nvPr>
+            <p:ph idx="1"/>
+          </p:nvPr>
+        </p:nvSpPr>
+        <p:spPr>
+          <a:xfrm>
+            <a:off x="3505200" y="1676400"/>
+            <a:ext cx="8153400" cy="4572000"/>
+          </a:xfrm>
+        </p:spPr>
+        <p:txBody>
+          <a:bodyPr>
+            <a:normAutofit/>
+          </a:bodyPr>
+          <a:lstStyle/>
+          <a:p>
+            <a:pPr>
+              <a:lnSpc>
+                <a:spcPct val="80000"/>
+              </a:lnSpc>
+            </a:pPr>
+            <a:r>
+              <a:rPr lang="en-US" altLang="ko-KR" sz="2000" dirty="0">
+                <a:solidFill>
+                  <a:schemeClr val="tx1"/>
+                </a:solidFill>
+                <a:latin typeface="Verdana" panose="020B0604030504040204" pitchFamily="34" charset="0"/>
+                <a:ea typeface="굴림" panose="020B0600000101010101" pitchFamily="34" charset="-127"/>
+              </a:rPr>
+              <a:t>ChatGPT</a:t>
+            </a:r>
+          </a:p>
+          <a:p>
+            <a:pPr lvl="1">
+              <a:lnSpc>
+                <a:spcPct val="80000"/>
+              </a:lnSpc>
+            </a:pPr>
+            <a:r>
+              <a:rPr lang="en-US" altLang="ko-KR" sz="1600" dirty="0">
+                <a:latin typeface="Verdana" panose="020B0604030504040204" pitchFamily="34" charset="0"/>
+                <a:ea typeface="굴림" panose="020B0600000101010101" pitchFamily="34" charset="-127"/>
+              </a:rPr>
+              <a:t>Depending upon interface used, data returned was not what we expected.</a:t>
+            </a:r>
+            <a:endParaRPr lang="en-US" altLang="ko-KR" sz="1600" dirty="0">
+              <a:solidFill>
+                <a:schemeClr val="tx1"/>
+              </a:solidFill>
+              <a:latin typeface="Verdana" panose="020B0604030504040204" pitchFamily="34" charset="0"/>
+              <a:ea typeface="굴림" panose="020B0600000101010101" pitchFamily="34" charset="-127"/>
+            </a:endParaRPr>
+          </a:p>
+          <a:p>
+            <a:pPr>
+              <a:lnSpc>
+                <a:spcPct val="80000"/>
+              </a:lnSpc>
+            </a:pPr>
+            <a:endParaRPr lang="en-US" altLang="ko-KR" sz="2000" dirty="0">
+              <a:latin typeface="Verdana" panose="020B0604030504040204" pitchFamily="34" charset="0"/>
+              <a:ea typeface="굴림" panose="020B0600000101010101" pitchFamily="34" charset="-127"/>
+            </a:endParaRPr>
+          </a:p>
+          <a:p>
+            <a:pPr>
+              <a:lnSpc>
+                <a:spcPct val="80000"/>
+              </a:lnSpc>
+            </a:pPr>
+            <a:r>
+              <a:rPr lang="en-US" altLang="ko-KR" sz="2000" dirty="0">
+                <a:solidFill>
+                  <a:schemeClr val="tx1"/>
+                </a:solidFill>
+                <a:latin typeface="Verdana" panose="020B0604030504040204" pitchFamily="34" charset="0"/>
+                <a:ea typeface="굴림" panose="020B0600000101010101" pitchFamily="34" charset="-127"/>
+              </a:rPr>
+              <a:t>TMDB</a:t>
+            </a:r>
+          </a:p>
+          <a:p>
+            <a:pPr lvl="1">
+              <a:lnSpc>
+                <a:spcPct val="80000"/>
+              </a:lnSpc>
+            </a:pPr>
+            <a:r>
+              <a:rPr lang="en-US" altLang="ko-KR" sz="1600" dirty="0">
+                <a:latin typeface="Verdana" panose="020B0604030504040204" pitchFamily="34" charset="0"/>
+                <a:ea typeface="굴림" panose="020B0600000101010101" pitchFamily="34" charset="-127"/>
+              </a:rPr>
+              <a:t>Interface wasn’t random and too strict.</a:t>
+            </a:r>
+          </a:p>
+          <a:p>
+            <a:pPr>
+              <a:lnSpc>
+                <a:spcPct val="80000"/>
+              </a:lnSpc>
+            </a:pPr>
+            <a:endParaRPr lang="en-US" altLang="ko-KR" sz="2000" dirty="0">
+              <a:latin typeface="Verdana" panose="020B0604030504040204" pitchFamily="34" charset="0"/>
+              <a:ea typeface="굴림" panose="020B0600000101010101" pitchFamily="34" charset="-127"/>
+            </a:endParaRPr>
+          </a:p>
+          <a:p>
+            <a:pPr>
+              <a:lnSpc>
+                <a:spcPct val="80000"/>
+              </a:lnSpc>
+            </a:pPr>
+            <a:r>
+              <a:rPr lang="en-US" altLang="ko-KR" sz="2000" dirty="0" err="1">
+                <a:latin typeface="Verdana" panose="020B0604030504040204" pitchFamily="34" charset="0"/>
+                <a:ea typeface="굴림" panose="020B0600000101010101" pitchFamily="34" charset="-127"/>
+              </a:rPr>
+              <a:t>spaCy</a:t>
+            </a:r>
+            <a:r>
+              <a:rPr lang="en-US" altLang="ko-KR" sz="2000" dirty="0">
+                <a:latin typeface="Verdana" panose="020B0604030504040204" pitchFamily="34" charset="0"/>
+                <a:ea typeface="굴림" panose="020B0600000101010101" pitchFamily="34" charset="-127"/>
+              </a:rPr>
+              <a:t> NLP</a:t>
+            </a:r>
+          </a:p>
+          <a:p>
+            <a:pPr lvl="1">
+              <a:lnSpc>
+                <a:spcPct val="80000"/>
+              </a:lnSpc>
+            </a:pPr>
+            <a:r>
+              <a:rPr lang="en-US" altLang="ko-KR" sz="1600" dirty="0">
+                <a:solidFill>
+                  <a:schemeClr val="tx1"/>
+                </a:solidFill>
+                <a:latin typeface="Verdana" panose="020B0604030504040204" pitchFamily="34" charset="0"/>
+                <a:ea typeface="굴림" panose="020B0600000101010101" pitchFamily="34" charset="-127"/>
+              </a:rPr>
+              <a:t>Tokens returned were too too pedantic:  “sci-fi”</a:t>
+            </a:r>
+          </a:p>
+          <a:p>
+            <a:pPr lvl="2">
+              <a:lnSpc>
+                <a:spcPct val="80000"/>
+              </a:lnSpc>
+            </a:pPr>
+            <a:r>
+              <a:rPr lang="en-US" altLang="ko-KR" sz="1400" dirty="0">
+                <a:latin typeface="Verdana" panose="020B0604030504040204" pitchFamily="34" charset="0"/>
+                <a:ea typeface="굴림" panose="020B0600000101010101" pitchFamily="34" charset="-127"/>
+              </a:rPr>
+              <a:t>Required custom Tokenizer for </a:t>
+            </a:r>
+            <a:r>
+              <a:rPr lang="en-US" altLang="ko-KR" sz="1400" dirty="0" err="1">
+                <a:latin typeface="Verdana" panose="020B0604030504040204" pitchFamily="34" charset="0"/>
+                <a:ea typeface="굴림" panose="020B0600000101010101" pitchFamily="34" charset="-127"/>
+              </a:rPr>
+              <a:t>spaCy</a:t>
+            </a:r>
+            <a:endParaRPr lang="en-US" altLang="ko-KR" sz="1400" dirty="0">
+              <a:latin typeface="Verdana" panose="020B0604030504040204" pitchFamily="34" charset="0"/>
+              <a:ea typeface="굴림" panose="020B0600000101010101" pitchFamily="34" charset="-127"/>
+            </a:endParaRPr>
+          </a:p>
+          <a:p>
+            <a:pPr lvl="1">
+              <a:lnSpc>
+                <a:spcPct val="80000"/>
+              </a:lnSpc>
+            </a:pPr>
+            <a:r>
+              <a:rPr lang="en-US" altLang="ko-KR" sz="1600" dirty="0">
+                <a:solidFill>
+                  <a:schemeClr val="tx1"/>
+                </a:solidFill>
+                <a:latin typeface="Verdana" panose="020B0604030504040204" pitchFamily="34" charset="0"/>
+                <a:ea typeface="굴림" panose="020B0600000101010101" pitchFamily="34" charset="-127"/>
+              </a:rPr>
+              <a:t>Entrie</a:t>
+            </a:r>
+            <a:r>
+              <a:rPr lang="en-US" altLang="ko-KR" sz="1600" dirty="0">
+                <a:latin typeface="Verdana" panose="020B0604030504040204" pitchFamily="34" charset="0"/>
+                <a:ea typeface="굴림" panose="020B0600000101010101" pitchFamily="34" charset="-127"/>
+              </a:rPr>
+              <a:t>s not fully captured and returned as hoped</a:t>
+            </a:r>
+          </a:p>
+          <a:p>
+            <a:pPr lvl="2">
+              <a:lnSpc>
+                <a:spcPct val="80000"/>
+              </a:lnSpc>
+            </a:pPr>
+            <a:r>
+              <a:rPr lang="en-US" altLang="ko-KR" sz="1400" dirty="0">
+                <a:solidFill>
+                  <a:schemeClr val="tx1"/>
+                </a:solidFill>
+                <a:latin typeface="Verdana" panose="020B0604030504040204" pitchFamily="34" charset="0"/>
+                <a:ea typeface="굴림" panose="020B0600000101010101" pitchFamily="34" charset="-127"/>
+              </a:rPr>
+              <a:t>Required manual parsing</a:t>
+            </a:r>
+          </a:p>
+          <a:p>
+            <a:pPr marL="457200" lvl="1" indent="0">
+              <a:lnSpc>
+                <a:spcPct val="80000"/>
+              </a:lnSpc>
+              <a:buNone/>
+            </a:pPr>
+            <a:endParaRPr lang="en-US" altLang="ko-KR" sz="1600" dirty="0">
+              <a:solidFill>
+                <a:schemeClr val="tx1"/>
+              </a:solidFill>
+              <a:latin typeface="Verdana" panose="020B0604030504040204" pitchFamily="34" charset="0"/>
+              <a:ea typeface="굴림" panose="020B0600000101010101" pitchFamily="34" charset="-127"/>
+            </a:endParaRPr>
+          </a:p>
+          <a:p>
+            <a:pPr>
+              <a:lnSpc>
+                <a:spcPct val="80000"/>
+              </a:lnSpc>
+            </a:pPr>
+            <a:r>
+              <a:rPr lang="en-US" altLang="ko-KR" sz="2000" dirty="0">
+                <a:latin typeface="Verdana" panose="020B0604030504040204" pitchFamily="34" charset="0"/>
+                <a:ea typeface="굴림" panose="020B0600000101010101" pitchFamily="34" charset="-127"/>
+              </a:rPr>
+              <a:t>Whisper</a:t>
+            </a:r>
+          </a:p>
+          <a:p>
+            <a:pPr lvl="1">
+              <a:lnSpc>
+                <a:spcPct val="80000"/>
+              </a:lnSpc>
+            </a:pPr>
+            <a:r>
+              <a:rPr lang="en-US" altLang="ko-KR" sz="1600" dirty="0">
+                <a:solidFill>
+                  <a:schemeClr val="tx1"/>
+                </a:solidFill>
+                <a:latin typeface="Verdana" panose="020B0604030504040204" pitchFamily="34" charset="0"/>
+                <a:ea typeface="굴림" panose="020B0600000101010101" pitchFamily="34" charset="-127"/>
+              </a:rPr>
+              <a:t>Local storage of translated files caused caching problems</a:t>
+            </a:r>
+          </a:p>
+        </p:txBody>
+      </p:sp>
+    </p:spTree>
+    <p:extLst>
+      <p:ext uri="{BB962C8B-B14F-4D97-AF65-F5344CB8AC3E}">
+        <p14:creationId xmlns:p14="http://schemas.microsoft.com/office/powerpoint/2010/main" val="2253827582"/>
+      </p:ext>
+    </p:extLst>
+  </p:cSld>
+  <p:clrMapOvr>
+    <a:masterClrMapping/>
+  </p:clrMapOvr>
+</p:sld>
+</file>
+
+<file path=ppt/slides/slide14.xml><?xml version="1.0" encoding="utf-8"?>
+<p:sld xmlns:a="http://schemas.openxmlformats.org/drawingml/2006/main" xmlns:r="http://schemas.openxmlformats.org/officeDocument/2006/relationships" xmlns:p="http://schemas.openxmlformats.org/presentationml/2006/main">
+  <p:cSld>
     <p:bg>
       <p:bgPr>
         <a:blipFill dpi="0" rotWithShape="0">
@@ -5808,12 +6712,14 @@
         </p:nvSpPr>
         <p:spPr>
           <a:xfrm>
-            <a:off x="3505200" y="1981200"/>
-            <a:ext cx="6934200" cy="4267200"/>
+            <a:off x="3505200" y="1477964"/>
+            <a:ext cx="8153400" cy="4770436"/>
           </a:xfrm>
         </p:spPr>
         <p:txBody>
-          <a:bodyPr/>
+          <a:bodyPr>
+            <a:normAutofit/>
+          </a:bodyPr>
           <a:lstStyle/>
           <a:p>
             <a:pPr>
@@ -5822,15 +6728,113 @@
               </a:lnSpc>
             </a:pPr>
             <a:r>
-              <a:rPr lang="en-US" altLang="ko-KR" sz="1800" dirty="0">
+              <a:rPr lang="en-US" altLang="ko-KR" sz="2000" dirty="0">
+                <a:latin typeface="Verdana" panose="020B0604030504040204" pitchFamily="34" charset="0"/>
+                <a:ea typeface="굴림" panose="020B0600000101010101" pitchFamily="34" charset="-127"/>
+              </a:rPr>
+              <a:t>F</a:t>
+            </a:r>
+            <a:r>
+              <a:rPr lang="en-US" altLang="ko-KR" sz="2000" dirty="0">
                 <a:solidFill>
                   <a:schemeClr val="tx1"/>
                 </a:solidFill>
                 <a:latin typeface="Verdana" panose="020B0604030504040204" pitchFamily="34" charset="0"/>
                 <a:ea typeface="굴림" panose="020B0600000101010101" pitchFamily="34" charset="-127"/>
               </a:rPr>
-              <a:t>Your Text here</a:t>
-            </a:r>
+              <a:t>ilter out bad results from ChatGPT</a:t>
+            </a:r>
+          </a:p>
+          <a:p>
+            <a:pPr lvl="1">
+              <a:lnSpc>
+                <a:spcPct val="80000"/>
+              </a:lnSpc>
+            </a:pPr>
+            <a:r>
+              <a:rPr lang="en-US" altLang="ko-KR" sz="1600" dirty="0">
+                <a:latin typeface="Verdana" panose="020B0604030504040204" pitchFamily="34" charset="0"/>
+                <a:ea typeface="굴림" panose="020B0600000101010101" pitchFamily="34" charset="-127"/>
+              </a:rPr>
+              <a:t>Possible code a “fail safe” that queries Google directly</a:t>
+            </a:r>
+          </a:p>
+          <a:p>
+            <a:pPr lvl="1">
+              <a:lnSpc>
+                <a:spcPct val="80000"/>
+              </a:lnSpc>
+            </a:pPr>
+            <a:endParaRPr lang="en-US" altLang="ko-KR" sz="1600" dirty="0">
+              <a:solidFill>
+                <a:schemeClr val="tx1"/>
+              </a:solidFill>
+              <a:latin typeface="Verdana" panose="020B0604030504040204" pitchFamily="34" charset="0"/>
+              <a:ea typeface="굴림" panose="020B0600000101010101" pitchFamily="34" charset="-127"/>
+            </a:endParaRPr>
+          </a:p>
+          <a:p>
+            <a:pPr>
+              <a:lnSpc>
+                <a:spcPct val="80000"/>
+              </a:lnSpc>
+            </a:pPr>
+            <a:r>
+              <a:rPr lang="en-US" altLang="ko-KR" sz="2000" dirty="0">
+                <a:latin typeface="Verdana" panose="020B0604030504040204" pitchFamily="34" charset="0"/>
+                <a:ea typeface="굴림" panose="020B0600000101010101" pitchFamily="34" charset="-127"/>
+              </a:rPr>
+              <a:t>Create custom code to generate </a:t>
+            </a:r>
+            <a:r>
+              <a:rPr lang="en-US" altLang="ko-KR" sz="2000" dirty="0" err="1">
+                <a:latin typeface="Verdana" panose="020B0604030504040204" pitchFamily="34" charset="0"/>
+                <a:ea typeface="굴림" panose="020B0600000101010101" pitchFamily="34" charset="-127"/>
+              </a:rPr>
+              <a:t>spaCy</a:t>
+            </a:r>
+            <a:r>
+              <a:rPr lang="en-US" altLang="ko-KR" sz="2000" dirty="0">
+                <a:latin typeface="Verdana" panose="020B0604030504040204" pitchFamily="34" charset="0"/>
+                <a:ea typeface="굴림" panose="020B0600000101010101" pitchFamily="34" charset="-127"/>
+              </a:rPr>
+              <a:t> entries that match our data requirements (e.g., movie genre)</a:t>
+            </a:r>
+          </a:p>
+          <a:p>
+            <a:pPr>
+              <a:lnSpc>
+                <a:spcPct val="80000"/>
+              </a:lnSpc>
+            </a:pPr>
+            <a:endParaRPr lang="en-US" altLang="ko-KR" sz="2000" dirty="0">
+              <a:solidFill>
+                <a:schemeClr val="tx1"/>
+              </a:solidFill>
+              <a:latin typeface="Verdana" panose="020B0604030504040204" pitchFamily="34" charset="0"/>
+              <a:ea typeface="굴림" panose="020B0600000101010101" pitchFamily="34" charset="-127"/>
+            </a:endParaRPr>
+          </a:p>
+          <a:p>
+            <a:pPr>
+              <a:lnSpc>
+                <a:spcPct val="80000"/>
+              </a:lnSpc>
+            </a:pPr>
+            <a:r>
+              <a:rPr lang="en-US" altLang="ko-KR" sz="2000" dirty="0">
+                <a:latin typeface="Verdana" panose="020B0604030504040204" pitchFamily="34" charset="0"/>
+                <a:ea typeface="굴림" panose="020B0600000101010101" pitchFamily="34" charset="-127"/>
+              </a:rPr>
+              <a:t>Create interface for direct capture of audio to process with Whisper</a:t>
+            </a:r>
+            <a:endParaRPr lang="en-US" altLang="ko-KR" sz="2000" dirty="0">
+              <a:solidFill>
+                <a:schemeClr val="tx1"/>
+              </a:solidFill>
+              <a:latin typeface="Verdana" panose="020B0604030504040204" pitchFamily="34" charset="0"/>
+              <a:ea typeface="굴림" panose="020B0600000101010101" pitchFamily="34" charset="-127"/>
+            </a:endParaRPr>
           </a:p>
         </p:txBody>
       </p:sp>
@@ -5847,7 +6851,7 @@
 </p:sld>
 </file>
 
-<file path=ppt/slides/slide11.xml><?xml version="1.0" encoding="utf-8"?>
+<file path=ppt/slides/slide15.xml><?xml version="1.0" encoding="utf-8"?>
 <p:sld xmlns:a="http://schemas.openxmlformats.org/drawingml/2006/main" xmlns:r="http://schemas.openxmlformats.org/officeDocument/2006/relationships" xmlns:p="http://schemas.openxmlformats.org/presentationml/2006/main">
   <p:cSld>
     <p:bg>
@@ -6291,7 +7295,7 @@
         <p:spPr>
           <a:xfrm>
             <a:off x="3505200" y="1981200"/>
-            <a:ext cx="6934200" cy="4267200"/>
+            <a:ext cx="8229600" cy="4267200"/>
           </a:xfrm>
         </p:spPr>
         <p:txBody>
@@ -6304,15 +7308,39 @@
               </a:lnSpc>
             </a:pPr>
             <a:r>
-              <a:rPr lang="en-US" altLang="ko-KR" sz="1800" dirty="0">
+              <a:rPr lang="en-US" altLang="ko-KR" dirty="0">
                 <a:solidFill>
                   <a:schemeClr val="tx1"/>
                 </a:solidFill>
                 <a:latin typeface="Verdana" panose="020B0604030504040204" pitchFamily="34" charset="0"/>
                 <a:ea typeface="굴림" panose="020B0600000101010101" pitchFamily="34" charset="-127"/>
               </a:rPr>
-              <a:t>Your Text here</a:t>
-            </a:r>
+              <a:t>Create a chatbot like application that uses OpenAI, </a:t>
+            </a:r>
+            <a:r>
+              <a:rPr lang="en-US" altLang="ko-KR" dirty="0" err="1">
+                <a:solidFill>
+                  <a:schemeClr val="tx1"/>
+                </a:solidFill>
+                <a:latin typeface="Verdana" panose="020B0604030504040204" pitchFamily="34" charset="0"/>
+                <a:ea typeface="굴림" panose="020B0600000101010101" pitchFamily="34" charset="-127"/>
+              </a:rPr>
+              <a:t>spaCy</a:t>
+            </a:r>
+            <a:r>
+              <a:rPr lang="en-US" altLang="ko-KR" dirty="0">
+                <a:latin typeface="Verdana" panose="020B0604030504040204" pitchFamily="34" charset="0"/>
+                <a:ea typeface="굴림" panose="020B0600000101010101" pitchFamily="34" charset="-127"/>
+              </a:rPr>
+              <a:t>, and Whisper to allow a user to request a recommendation for a movie based on their interests and specific movie attributes such as release year, rating, etc.</a:t>
+            </a:r>
+            <a:endParaRPr lang="en-US" altLang="ko-KR" dirty="0">
+              <a:solidFill>
+                <a:schemeClr val="tx1"/>
+              </a:solidFill>
+              <a:latin typeface="Verdana" panose="020B0604030504040204" pitchFamily="34" charset="0"/>
+              <a:ea typeface="굴림" panose="020B0600000101010101" pitchFamily="34" charset="-127"/>
+            </a:endParaRPr>
           </a:p>
           <a:p>
             <a:pPr>
@@ -6440,15 +7468,69 @@
               </a:lnSpc>
             </a:pPr>
             <a:r>
-              <a:rPr lang="en-US" altLang="ko-KR" sz="1800" dirty="0">
+              <a:rPr lang="en-US" altLang="ko-KR" dirty="0">
                 <a:solidFill>
                   <a:schemeClr val="tx1"/>
                 </a:solidFill>
                 <a:latin typeface="Verdana" panose="020B0604030504040204" pitchFamily="34" charset="0"/>
                 <a:ea typeface="굴림" panose="020B0600000101010101" pitchFamily="34" charset="-127"/>
               </a:rPr>
-              <a:t>Your Text here</a:t>
-            </a:r>
+              <a:t>Question to be answered:</a:t>
+            </a:r>
+          </a:p>
+          <a:p>
+            <a:pPr marL="457200" lvl="1" indent="0">
+              <a:buNone/>
+            </a:pPr>
+            <a:r>
+              <a:rPr lang="en-US" sz="1800" b="0" i="0" dirty="0">
+                <a:effectLst/>
+                <a:latin typeface="Verdana" panose="020B0604030504040204" pitchFamily="34" charset="0"/>
+                <a:ea typeface="Verdana" panose="020B0604030504040204" pitchFamily="34" charset="0"/>
+                <a:cs typeface="Verdana" panose="020B0604030504040204" pitchFamily="34" charset="0"/>
+              </a:rPr>
+              <a:t>Given movie review datasets that includes names, length, rating, etc., can we create a chatbot that processes user requests for movie recommendations based on user requirements such as certain years (can be a range), length (can be a range), rating (can be a range), genre, etc.?</a:t>
+            </a:r>
+          </a:p>
+          <a:p>
+            <a:pPr marL="0" indent="0" algn="l">
+              <a:buNone/>
+            </a:pPr>
+            <a:endParaRPr lang="en-US" sz="2000" b="0" i="0" dirty="0">
+              <a:effectLst/>
+              <a:latin typeface="Verdana" panose="020B0604030504040204" pitchFamily="34" charset="0"/>
+              <a:ea typeface="Verdana" panose="020B0604030504040204" pitchFamily="34" charset="0"/>
+              <a:cs typeface="Verdana" panose="020B0604030504040204" pitchFamily="34" charset="0"/>
+            </a:endParaRPr>
+          </a:p>
+          <a:p>
+            <a:pPr marL="457200" lvl="1" indent="0">
+              <a:buNone/>
+            </a:pPr>
+            <a:r>
+              <a:rPr lang="en-US" sz="1800" b="0" i="0" dirty="0">
+                <a:effectLst/>
+                <a:latin typeface="Verdana" panose="020B0604030504040204" pitchFamily="34" charset="0"/>
+                <a:ea typeface="Verdana" panose="020B0604030504040204" pitchFamily="34" charset="0"/>
+                <a:cs typeface="Verdana" panose="020B0604030504040204" pitchFamily="34" charset="0"/>
+              </a:rPr>
+              <a:t>"Suggest an action movie made between 2018-2019 that has a rating of 8.0 or greater."</a:t>
+            </a:r>
+          </a:p>
+          <a:p>
+            <a:pPr lvl="1">
+              <a:lnSpc>
+                <a:spcPct val="80000"/>
+              </a:lnSpc>
+            </a:pPr>
+            <a:endParaRPr lang="en-US" altLang="ko-KR" sz="2800" dirty="0">
+              <a:solidFill>
+                <a:schemeClr val="tx1"/>
+              </a:solidFill>
+              <a:latin typeface="Verdana" panose="020B0604030504040204" pitchFamily="34" charset="0"/>
+              <a:ea typeface="Verdana" panose="020B0604030504040204" pitchFamily="34" charset="0"/>
+              <a:cs typeface="Verdana" panose="020B0604030504040204" pitchFamily="34" charset="0"/>
+            </a:endParaRPr>
           </a:p>
           <a:p>
             <a:pPr>
@@ -6456,11 +7538,39 @@
                 <a:spcPct val="80000"/>
               </a:lnSpc>
             </a:pPr>
-            <a:endParaRPr lang="en-US" altLang="en-US" sz="1800" dirty="0">
-              <a:solidFill>
-                <a:schemeClr val="tx1"/>
-              </a:solidFill>
-            </a:endParaRPr>
+            <a:r>
+              <a:rPr lang="en-US" altLang="en-US" sz="1800" dirty="0">
+                <a:solidFill>
+                  <a:schemeClr val="tx1"/>
+                </a:solidFill>
+                <a:latin typeface="Verdana" panose="020B0604030504040204" pitchFamily="34" charset="0"/>
+                <a:ea typeface="Verdana" panose="020B0604030504040204" pitchFamily="34" charset="0"/>
+                <a:cs typeface="Verdana" panose="020B0604030504040204" pitchFamily="34" charset="0"/>
+              </a:rPr>
+              <a:t>Using OpenAI, </a:t>
+            </a:r>
+            <a:r>
+              <a:rPr lang="en-US" altLang="en-US" sz="1800" dirty="0" err="1">
+                <a:solidFill>
+                  <a:schemeClr val="tx1"/>
+                </a:solidFill>
+                <a:latin typeface="Verdana" panose="020B0604030504040204" pitchFamily="34" charset="0"/>
+                <a:ea typeface="Verdana" panose="020B0604030504040204" pitchFamily="34" charset="0"/>
+                <a:cs typeface="Verdana" panose="020B0604030504040204" pitchFamily="34" charset="0"/>
+              </a:rPr>
+              <a:t>spaCy</a:t>
+            </a:r>
+            <a:r>
+              <a:rPr lang="en-US" altLang="en-US" sz="1800" dirty="0">
+                <a:solidFill>
+                  <a:schemeClr val="tx1"/>
+                </a:solidFill>
+                <a:latin typeface="Verdana" panose="020B0604030504040204" pitchFamily="34" charset="0"/>
+                <a:ea typeface="Verdana" panose="020B0604030504040204" pitchFamily="34" charset="0"/>
+                <a:cs typeface="Verdana" panose="020B0604030504040204" pitchFamily="34" charset="0"/>
+              </a:rPr>
+              <a:t>, and Whisper</a:t>
+            </a:r>
           </a:p>
         </p:txBody>
       </p:sp>
@@ -6572,7 +7682,9 @@
           </a:xfrm>
         </p:spPr>
         <p:txBody>
-          <a:bodyPr/>
+          <a:bodyPr>
+            <a:normAutofit/>
+          </a:bodyPr>
           <a:lstStyle/>
           <a:p>
             <a:pPr>
@@ -6581,14 +7693,30 @@
               </a:lnSpc>
             </a:pPr>
             <a:r>
-              <a:rPr lang="en-US" altLang="ko-KR" sz="1800" dirty="0">
+              <a:rPr lang="en-US" altLang="ko-KR" sz="2000" dirty="0">
                 <a:solidFill>
                   <a:schemeClr val="tx1"/>
                 </a:solidFill>
                 <a:latin typeface="Verdana" panose="020B0604030504040204" pitchFamily="34" charset="0"/>
-                <a:ea typeface="굴림" panose="020B0600000101010101" pitchFamily="34" charset="-127"/>
+                <a:ea typeface="Verdana" panose="020B0604030504040204" pitchFamily="34" charset="0"/>
+                <a:cs typeface="Verdana" panose="020B0604030504040204" pitchFamily="34" charset="0"/>
               </a:rPr>
-              <a:t>Your Text here</a:t>
+              <a:t>Originally considered Movie Review Dataset from Kaggle.</a:t>
+            </a:r>
+          </a:p>
+          <a:p>
+            <a:pPr lvl="1">
+              <a:lnSpc>
+                <a:spcPct val="80000"/>
+              </a:lnSpc>
+            </a:pPr>
+            <a:r>
+              <a:rPr lang="en-US" altLang="ko-KR" sz="1600" dirty="0">
+                <a:latin typeface="Verdana" panose="020B0604030504040204" pitchFamily="34" charset="0"/>
+                <a:ea typeface="Verdana" panose="020B0604030504040204" pitchFamily="34" charset="0"/>
+                <a:cs typeface="Verdana" panose="020B0604030504040204" pitchFamily="34" charset="0"/>
+              </a:rPr>
+              <a:t>Data was limited – rejected</a:t>
             </a:r>
           </a:p>
           <a:p>
@@ -6597,10 +7725,151 @@
                 <a:spcPct val="80000"/>
               </a:lnSpc>
             </a:pPr>
-            <a:endParaRPr lang="en-US" altLang="en-US" sz="1800" dirty="0">
+            <a:endParaRPr lang="en-US" altLang="ko-KR" sz="2000" dirty="0">
               <a:solidFill>
                 <a:schemeClr val="tx1"/>
               </a:solidFill>
+              <a:latin typeface="Verdana" panose="020B0604030504040204" pitchFamily="34" charset="0"/>
+              <a:ea typeface="Verdana" panose="020B0604030504040204" pitchFamily="34" charset="0"/>
+              <a:cs typeface="Verdana" panose="020B0604030504040204" pitchFamily="34" charset="0"/>
+            </a:endParaRPr>
+          </a:p>
+          <a:p>
+            <a:pPr>
+              <a:lnSpc>
+                <a:spcPct val="80000"/>
+              </a:lnSpc>
+            </a:pPr>
+            <a:r>
+              <a:rPr lang="en-US" altLang="en-US" sz="2000" dirty="0">
+                <a:solidFill>
+                  <a:schemeClr val="tx1"/>
+                </a:solidFill>
+                <a:latin typeface="Verdana" panose="020B0604030504040204" pitchFamily="34" charset="0"/>
+                <a:ea typeface="Verdana" panose="020B0604030504040204" pitchFamily="34" charset="0"/>
+                <a:cs typeface="Verdana" panose="020B0604030504040204" pitchFamily="34" charset="0"/>
+              </a:rPr>
+              <a:t>Considered real-time query of IMDB</a:t>
+            </a:r>
+          </a:p>
+          <a:p>
+            <a:pPr lvl="1">
+              <a:lnSpc>
+                <a:spcPct val="80000"/>
+              </a:lnSpc>
+            </a:pPr>
+            <a:r>
+              <a:rPr lang="en-US" altLang="en-US" sz="1600" dirty="0">
+                <a:solidFill>
+                  <a:schemeClr val="tx1"/>
+                </a:solidFill>
+                <a:latin typeface="Verdana" panose="020B0604030504040204" pitchFamily="34" charset="0"/>
+                <a:ea typeface="Verdana" panose="020B0604030504040204" pitchFamily="34" charset="0"/>
+                <a:cs typeface="Verdana" panose="020B0604030504040204" pitchFamily="34" charset="0"/>
+              </a:rPr>
+              <a:t>Query data and </a:t>
+            </a:r>
+            <a:r>
+              <a:rPr lang="en-US" altLang="en-US" sz="1600" dirty="0">
+                <a:latin typeface="Verdana" panose="020B0604030504040204" pitchFamily="34" charset="0"/>
+                <a:ea typeface="Verdana" panose="020B0604030504040204" pitchFamily="34" charset="0"/>
+                <a:cs typeface="Verdana" panose="020B0604030504040204" pitchFamily="34" charset="0"/>
+              </a:rPr>
+              <a:t>interface was limited – rejected</a:t>
+            </a:r>
+          </a:p>
+          <a:p>
+            <a:pPr lvl="1">
+              <a:lnSpc>
+                <a:spcPct val="80000"/>
+              </a:lnSpc>
+            </a:pPr>
+            <a:endParaRPr lang="en-US" altLang="en-US" sz="1600" dirty="0">
+              <a:solidFill>
+                <a:schemeClr val="tx1"/>
+              </a:solidFill>
+              <a:latin typeface="Verdana" panose="020B0604030504040204" pitchFamily="34" charset="0"/>
+              <a:ea typeface="Verdana" panose="020B0604030504040204" pitchFamily="34" charset="0"/>
+              <a:cs typeface="Verdana" panose="020B0604030504040204" pitchFamily="34" charset="0"/>
+            </a:endParaRPr>
+          </a:p>
+          <a:p>
+            <a:pPr lvl="1">
+              <a:lnSpc>
+                <a:spcPct val="80000"/>
+              </a:lnSpc>
+            </a:pPr>
+            <a:endParaRPr lang="en-US" altLang="en-US" sz="1600" dirty="0">
+              <a:latin typeface="Verdana" panose="020B0604030504040204" pitchFamily="34" charset="0"/>
+              <a:ea typeface="Verdana" panose="020B0604030504040204" pitchFamily="34" charset="0"/>
+              <a:cs typeface="Verdana" panose="020B0604030504040204" pitchFamily="34" charset="0"/>
+            </a:endParaRPr>
+          </a:p>
+          <a:p>
+            <a:pPr>
+              <a:lnSpc>
+                <a:spcPct val="80000"/>
+              </a:lnSpc>
+            </a:pPr>
+            <a:r>
+              <a:rPr lang="en-US" altLang="en-US" sz="2000" dirty="0">
+                <a:solidFill>
+                  <a:schemeClr val="tx1"/>
+                </a:solidFill>
+                <a:latin typeface="Verdana" panose="020B0604030504040204" pitchFamily="34" charset="0"/>
+                <a:ea typeface="Verdana" panose="020B0604030504040204" pitchFamily="34" charset="0"/>
+                <a:cs typeface="Verdana" panose="020B0604030504040204" pitchFamily="34" charset="0"/>
+              </a:rPr>
+              <a:t>Settled</a:t>
+            </a:r>
+            <a:r>
+              <a:rPr lang="en-US" altLang="en-US" sz="2000" dirty="0">
+                <a:latin typeface="Verdana" panose="020B0604030504040204" pitchFamily="34" charset="0"/>
+                <a:ea typeface="Verdana" panose="020B0604030504040204" pitchFamily="34" charset="0"/>
+                <a:cs typeface="Verdana" panose="020B0604030504040204" pitchFamily="34" charset="0"/>
+              </a:rPr>
+              <a:t>:</a:t>
+            </a:r>
+          </a:p>
+          <a:p>
+            <a:pPr lvl="1">
+              <a:lnSpc>
+                <a:spcPct val="80000"/>
+              </a:lnSpc>
+            </a:pPr>
+            <a:r>
+              <a:rPr lang="en-US" altLang="en-US" sz="1600" dirty="0">
+                <a:solidFill>
+                  <a:schemeClr val="tx1"/>
+                </a:solidFill>
+                <a:latin typeface="Verdana" panose="020B0604030504040204" pitchFamily="34" charset="0"/>
+                <a:ea typeface="Verdana" panose="020B0604030504040204" pitchFamily="34" charset="0"/>
+                <a:cs typeface="Verdana" panose="020B0604030504040204" pitchFamily="34" charset="0"/>
+              </a:rPr>
+              <a:t>Direct ChatGPT interface</a:t>
+            </a:r>
+          </a:p>
+          <a:p>
+            <a:pPr lvl="1">
+              <a:lnSpc>
+                <a:spcPct val="80000"/>
+              </a:lnSpc>
+            </a:pPr>
+            <a:r>
+              <a:rPr lang="en-US" altLang="en-US" sz="1600" dirty="0">
+                <a:latin typeface="Verdana" panose="020B0604030504040204" pitchFamily="34" charset="0"/>
+                <a:ea typeface="Verdana" panose="020B0604030504040204" pitchFamily="34" charset="0"/>
+                <a:cs typeface="Verdana" panose="020B0604030504040204" pitchFamily="34" charset="0"/>
+              </a:rPr>
+              <a:t>Real-time query of TMDB instead of IMDB</a:t>
+            </a:r>
+            <a:endParaRPr lang="en-US" altLang="en-US" sz="1600" dirty="0">
+              <a:solidFill>
+                <a:schemeClr val="tx1"/>
+              </a:solidFill>
+              <a:latin typeface="Verdana" panose="020B0604030504040204" pitchFamily="34" charset="0"/>
+              <a:ea typeface="Verdana" panose="020B0604030504040204" pitchFamily="34" charset="0"/>
+              <a:cs typeface="Verdana" panose="020B0604030504040204" pitchFamily="34" charset="0"/>
             </a:endParaRPr>
           </a:p>
         </p:txBody>
@@ -6709,11 +7978,13 @@
         <p:spPr>
           <a:xfrm>
             <a:off x="3505200" y="1981200"/>
-            <a:ext cx="6934200" cy="4267200"/>
+            <a:ext cx="8153400" cy="4572000"/>
           </a:xfrm>
         </p:spPr>
         <p:txBody>
-          <a:bodyPr/>
+          <a:bodyPr>
+            <a:normAutofit lnSpcReduction="10000"/>
+          </a:bodyPr>
           <a:lstStyle/>
           <a:p>
             <a:pPr>
@@ -6722,14 +7993,122 @@
               </a:lnSpc>
             </a:pPr>
             <a:r>
-              <a:rPr lang="en-US" altLang="ko-KR" sz="1800" dirty="0">
+              <a:rPr lang="en-US" altLang="ko-KR" sz="2000" dirty="0">
+                <a:latin typeface="Verdana" panose="020B0604030504040204" pitchFamily="34" charset="0"/>
+                <a:ea typeface="Verdana" panose="020B0604030504040204" pitchFamily="34" charset="0"/>
+                <a:cs typeface="Verdana" panose="020B0604030504040204" pitchFamily="34" charset="0"/>
+              </a:rPr>
+              <a:t>Create simple but reusable code to query TMDB based on a limited set of attributes:</a:t>
+            </a:r>
+          </a:p>
+          <a:p>
+            <a:pPr lvl="1">
+              <a:lnSpc>
+                <a:spcPct val="80000"/>
+              </a:lnSpc>
+            </a:pPr>
+            <a:r>
+              <a:rPr lang="en-US" altLang="ko-KR" sz="1600" dirty="0">
                 <a:solidFill>
                   <a:schemeClr val="tx1"/>
                 </a:solidFill>
                 <a:latin typeface="Verdana" panose="020B0604030504040204" pitchFamily="34" charset="0"/>
-                <a:ea typeface="굴림" panose="020B0600000101010101" pitchFamily="34" charset="-127"/>
+                <a:ea typeface="Verdana" panose="020B0604030504040204" pitchFamily="34" charset="0"/>
+                <a:cs typeface="Verdana" panose="020B0604030504040204" pitchFamily="34" charset="0"/>
               </a:rPr>
-              <a:t>Your Text here</a:t>
+              <a:t>Genre</a:t>
+            </a:r>
+          </a:p>
+          <a:p>
+            <a:pPr lvl="1">
+              <a:lnSpc>
+                <a:spcPct val="80000"/>
+              </a:lnSpc>
+            </a:pPr>
+            <a:r>
+              <a:rPr lang="en-US" altLang="ko-KR" sz="1600" dirty="0">
+                <a:latin typeface="Verdana" panose="020B0604030504040204" pitchFamily="34" charset="0"/>
+                <a:ea typeface="Verdana" panose="020B0604030504040204" pitchFamily="34" charset="0"/>
+                <a:cs typeface="Verdana" panose="020B0604030504040204" pitchFamily="34" charset="0"/>
+              </a:rPr>
+              <a:t>Minimum release date</a:t>
+            </a:r>
+          </a:p>
+          <a:p>
+            <a:pPr lvl="1">
+              <a:lnSpc>
+                <a:spcPct val="80000"/>
+              </a:lnSpc>
+            </a:pPr>
+            <a:r>
+              <a:rPr lang="en-US" altLang="ko-KR" sz="1600" dirty="0">
+                <a:solidFill>
+                  <a:schemeClr val="tx1"/>
+                </a:solidFill>
+                <a:latin typeface="Verdana" panose="020B0604030504040204" pitchFamily="34" charset="0"/>
+                <a:ea typeface="Verdana" panose="020B0604030504040204" pitchFamily="34" charset="0"/>
+                <a:cs typeface="Verdana" panose="020B0604030504040204" pitchFamily="34" charset="0"/>
+              </a:rPr>
+              <a:t>Maximum release dat</a:t>
+            </a:r>
+            <a:r>
+              <a:rPr lang="en-US" altLang="ko-KR" sz="1600" dirty="0">
+                <a:latin typeface="Verdana" panose="020B0604030504040204" pitchFamily="34" charset="0"/>
+                <a:ea typeface="Verdana" panose="020B0604030504040204" pitchFamily="34" charset="0"/>
+                <a:cs typeface="Verdana" panose="020B0604030504040204" pitchFamily="34" charset="0"/>
+              </a:rPr>
+              <a:t>e</a:t>
+            </a:r>
+          </a:p>
+          <a:p>
+            <a:pPr lvl="1">
+              <a:lnSpc>
+                <a:spcPct val="80000"/>
+              </a:lnSpc>
+            </a:pPr>
+            <a:r>
+              <a:rPr lang="en-US" altLang="ko-KR" sz="1600" dirty="0">
+                <a:solidFill>
+                  <a:schemeClr val="tx1"/>
+                </a:solidFill>
+                <a:latin typeface="Verdana" panose="020B0604030504040204" pitchFamily="34" charset="0"/>
+                <a:ea typeface="Verdana" panose="020B0604030504040204" pitchFamily="34" charset="0"/>
+                <a:cs typeface="Verdana" panose="020B0604030504040204" pitchFamily="34" charset="0"/>
+              </a:rPr>
+              <a:t>Average rating</a:t>
+            </a:r>
+          </a:p>
+          <a:p>
+            <a:pPr lvl="1">
+              <a:lnSpc>
+                <a:spcPct val="80000"/>
+              </a:lnSpc>
+            </a:pPr>
+            <a:r>
+              <a:rPr lang="en-US" altLang="ko-KR" sz="1600" dirty="0">
+                <a:latin typeface="Verdana" panose="020B0604030504040204" pitchFamily="34" charset="0"/>
+                <a:ea typeface="Verdana" panose="020B0604030504040204" pitchFamily="34" charset="0"/>
+                <a:cs typeface="Verdana" panose="020B0604030504040204" pitchFamily="34" charset="0"/>
+              </a:rPr>
+              <a:t>Minimum runtime length</a:t>
+            </a:r>
+          </a:p>
+          <a:p>
+            <a:pPr lvl="1">
+              <a:lnSpc>
+                <a:spcPct val="80000"/>
+              </a:lnSpc>
+            </a:pPr>
+            <a:r>
+              <a:rPr lang="en-US" altLang="ko-KR" sz="1600" dirty="0">
+                <a:solidFill>
+                  <a:schemeClr val="tx1"/>
+                </a:solidFill>
+                <a:latin typeface="Verdana" panose="020B0604030504040204" pitchFamily="34" charset="0"/>
+                <a:ea typeface="Verdana" panose="020B0604030504040204" pitchFamily="34" charset="0"/>
+                <a:cs typeface="Verdana" panose="020B0604030504040204" pitchFamily="34" charset="0"/>
+              </a:rPr>
+              <a:t>Maximum runtime length</a:t>
             </a:r>
           </a:p>
           <a:p>
@@ -6738,10 +8117,146 @@
                 <a:spcPct val="80000"/>
               </a:lnSpc>
             </a:pPr>
-            <a:endParaRPr lang="en-US" altLang="en-US" sz="1800" dirty="0">
+            <a:endParaRPr lang="en-US" altLang="en-US" sz="2000" dirty="0">
               <a:solidFill>
                 <a:schemeClr val="tx1"/>
               </a:solidFill>
+              <a:latin typeface="Verdana" panose="020B0604030504040204" pitchFamily="34" charset="0"/>
+              <a:ea typeface="Verdana" panose="020B0604030504040204" pitchFamily="34" charset="0"/>
+              <a:cs typeface="Verdana" panose="020B0604030504040204" pitchFamily="34" charset="0"/>
+            </a:endParaRPr>
+          </a:p>
+          <a:p>
+            <a:pPr>
+              <a:lnSpc>
+                <a:spcPct val="80000"/>
+              </a:lnSpc>
+            </a:pPr>
+            <a:r>
+              <a:rPr lang="en-US" altLang="en-US" sz="2000" dirty="0">
+                <a:solidFill>
+                  <a:schemeClr val="tx1"/>
+                </a:solidFill>
+                <a:latin typeface="Verdana" panose="020B0604030504040204" pitchFamily="34" charset="0"/>
+                <a:ea typeface="Verdana" panose="020B0604030504040204" pitchFamily="34" charset="0"/>
+                <a:cs typeface="Verdana" panose="020B0604030504040204" pitchFamily="34" charset="0"/>
+              </a:rPr>
+              <a:t>Keep it simple at first</a:t>
+            </a:r>
+          </a:p>
+          <a:p>
+            <a:pPr lvl="1">
+              <a:lnSpc>
+                <a:spcPct val="80000"/>
+              </a:lnSpc>
+            </a:pPr>
+            <a:r>
+              <a:rPr lang="en-US" altLang="en-US" sz="1600" dirty="0">
+                <a:latin typeface="Verdana" panose="020B0604030504040204" pitchFamily="34" charset="0"/>
+                <a:ea typeface="Verdana" panose="020B0604030504040204" pitchFamily="34" charset="0"/>
+                <a:cs typeface="Verdana" panose="020B0604030504040204" pitchFamily="34" charset="0"/>
+              </a:rPr>
+              <a:t>Interface with ChatGPT directly (let ChatGPT/OpenAI do ALL the work)</a:t>
+            </a:r>
+          </a:p>
+          <a:p>
+            <a:pPr lvl="1">
+              <a:lnSpc>
+                <a:spcPct val="80000"/>
+              </a:lnSpc>
+            </a:pPr>
+            <a:endParaRPr lang="en-US" altLang="en-US" sz="1600" dirty="0">
+              <a:solidFill>
+                <a:schemeClr val="tx1"/>
+              </a:solidFill>
+              <a:latin typeface="Verdana" panose="020B0604030504040204" pitchFamily="34" charset="0"/>
+              <a:ea typeface="Verdana" panose="020B0604030504040204" pitchFamily="34" charset="0"/>
+              <a:cs typeface="Verdana" panose="020B0604030504040204" pitchFamily="34" charset="0"/>
+            </a:endParaRPr>
+          </a:p>
+          <a:p>
+            <a:pPr>
+              <a:lnSpc>
+                <a:spcPct val="80000"/>
+              </a:lnSpc>
+            </a:pPr>
+            <a:r>
+              <a:rPr lang="en-US" altLang="en-US" sz="2000" dirty="0">
+                <a:latin typeface="Verdana" panose="020B0604030504040204" pitchFamily="34" charset="0"/>
+                <a:ea typeface="Verdana" panose="020B0604030504040204" pitchFamily="34" charset="0"/>
+                <a:cs typeface="Verdana" panose="020B0604030504040204" pitchFamily="34" charset="0"/>
+              </a:rPr>
+              <a:t>Replace ChatGPT with </a:t>
+            </a:r>
+            <a:r>
+              <a:rPr lang="en-US" altLang="en-US" sz="2000" dirty="0" err="1">
+                <a:latin typeface="Verdana" panose="020B0604030504040204" pitchFamily="34" charset="0"/>
+                <a:ea typeface="Verdana" panose="020B0604030504040204" pitchFamily="34" charset="0"/>
+                <a:cs typeface="Verdana" panose="020B0604030504040204" pitchFamily="34" charset="0"/>
+              </a:rPr>
+              <a:t>spaCy</a:t>
+            </a:r>
+            <a:r>
+              <a:rPr lang="en-US" altLang="en-US" sz="2000" dirty="0">
+                <a:latin typeface="Verdana" panose="020B0604030504040204" pitchFamily="34" charset="0"/>
+                <a:ea typeface="Verdana" panose="020B0604030504040204" pitchFamily="34" charset="0"/>
+                <a:cs typeface="Verdana" panose="020B0604030504040204" pitchFamily="34" charset="0"/>
+              </a:rPr>
+              <a:t> NLP to parse data and request data from TMDB</a:t>
+            </a:r>
+          </a:p>
+          <a:p>
+            <a:pPr>
+              <a:lnSpc>
+                <a:spcPct val="80000"/>
+              </a:lnSpc>
+            </a:pPr>
+            <a:endParaRPr lang="en-US" altLang="en-US" sz="2000" dirty="0">
+              <a:solidFill>
+                <a:schemeClr val="tx1"/>
+              </a:solidFill>
+              <a:latin typeface="Verdana" panose="020B0604030504040204" pitchFamily="34" charset="0"/>
+              <a:ea typeface="Verdana" panose="020B0604030504040204" pitchFamily="34" charset="0"/>
+              <a:cs typeface="Verdana" panose="020B0604030504040204" pitchFamily="34" charset="0"/>
+            </a:endParaRPr>
+          </a:p>
+          <a:p>
+            <a:pPr>
+              <a:lnSpc>
+                <a:spcPct val="80000"/>
+              </a:lnSpc>
+            </a:pPr>
+            <a:r>
+              <a:rPr lang="en-US" altLang="en-US" sz="2000" dirty="0">
+                <a:latin typeface="Verdana" panose="020B0604030504040204" pitchFamily="34" charset="0"/>
+                <a:ea typeface="Verdana" panose="020B0604030504040204" pitchFamily="34" charset="0"/>
+                <a:cs typeface="Verdana" panose="020B0604030504040204" pitchFamily="34" charset="0"/>
+              </a:rPr>
+              <a:t>Translate audio to text and process using </a:t>
+            </a:r>
+            <a:r>
+              <a:rPr lang="en-US" altLang="en-US" sz="2000" dirty="0" err="1">
+                <a:latin typeface="Verdana" panose="020B0604030504040204" pitchFamily="34" charset="0"/>
+                <a:ea typeface="Verdana" panose="020B0604030504040204" pitchFamily="34" charset="0"/>
+                <a:cs typeface="Verdana" panose="020B0604030504040204" pitchFamily="34" charset="0"/>
+              </a:rPr>
+              <a:t>spaCy</a:t>
+            </a:r>
+            <a:r>
+              <a:rPr lang="en-US" altLang="en-US" sz="2000" dirty="0">
+                <a:latin typeface="Verdana" panose="020B0604030504040204" pitchFamily="34" charset="0"/>
+                <a:ea typeface="Verdana" panose="020B0604030504040204" pitchFamily="34" charset="0"/>
+                <a:cs typeface="Verdana" panose="020B0604030504040204" pitchFamily="34" charset="0"/>
+              </a:rPr>
+              <a:t> NLP and TMDB query.</a:t>
+            </a:r>
+            <a:endParaRPr lang="en-US" altLang="en-US" sz="2000" dirty="0">
+              <a:solidFill>
+                <a:schemeClr val="tx1"/>
+              </a:solidFill>
+              <a:latin typeface="Verdana" panose="020B0604030504040204" pitchFamily="34" charset="0"/>
+              <a:ea typeface="Verdana" panose="020B0604030504040204" pitchFamily="34" charset="0"/>
+              <a:cs typeface="Verdana" panose="020B0604030504040204" pitchFamily="34" charset="0"/>
             </a:endParaRPr>
           </a:p>
         </p:txBody>
@@ -6854,7 +8369,9 @@
           </a:xfrm>
         </p:spPr>
         <p:txBody>
-          <a:bodyPr/>
+          <a:bodyPr>
+            <a:normAutofit/>
+          </a:bodyPr>
           <a:lstStyle/>
           <a:p>
             <a:pPr>
@@ -6863,15 +8380,106 @@
               </a:lnSpc>
             </a:pPr>
             <a:r>
+              <a:rPr lang="en-US" altLang="ko-KR" sz="2400" dirty="0">
+                <a:solidFill>
+                  <a:schemeClr val="tx1"/>
+                </a:solidFill>
+                <a:latin typeface="Verdana" panose="020B0604030504040204" pitchFamily="34" charset="0"/>
+                <a:ea typeface="Verdana" panose="020B0604030504040204" pitchFamily="34" charset="0"/>
+                <a:cs typeface="Verdana" panose="020B0604030504040204" pitchFamily="34" charset="0"/>
+              </a:rPr>
+              <a:t>ChatGPT</a:t>
+            </a:r>
+          </a:p>
+          <a:p>
+            <a:pPr lvl="1">
+              <a:lnSpc>
+                <a:spcPct val="80000"/>
+              </a:lnSpc>
+            </a:pPr>
+            <a:r>
+              <a:rPr lang="en-US" altLang="ko-KR" sz="1800" dirty="0">
+                <a:latin typeface="Verdana" panose="020B0604030504040204" pitchFamily="34" charset="0"/>
+                <a:ea typeface="Verdana" panose="020B0604030504040204" pitchFamily="34" charset="0"/>
+                <a:cs typeface="Verdana" panose="020B0604030504040204" pitchFamily="34" charset="0"/>
+              </a:rPr>
+              <a:t>Plain</a:t>
+            </a:r>
+          </a:p>
+          <a:p>
+            <a:pPr lvl="2">
+              <a:lnSpc>
+                <a:spcPct val="80000"/>
+              </a:lnSpc>
+            </a:pPr>
+            <a:r>
+              <a:rPr lang="en-US" altLang="ko-KR" sz="1600" dirty="0">
+                <a:latin typeface="Verdana" panose="020B0604030504040204" pitchFamily="34" charset="0"/>
+                <a:ea typeface="Verdana" panose="020B0604030504040204" pitchFamily="34" charset="0"/>
+                <a:cs typeface="Verdana" panose="020B0604030504040204" pitchFamily="34" charset="0"/>
+              </a:rPr>
+              <a:t>Easy to do</a:t>
+            </a:r>
+          </a:p>
+          <a:p>
+            <a:pPr lvl="1">
+              <a:lnSpc>
+                <a:spcPct val="80000"/>
+              </a:lnSpc>
+            </a:pPr>
+            <a:r>
               <a:rPr lang="en-US" altLang="ko-KR" sz="1800" dirty="0">
                 <a:solidFill>
                   <a:schemeClr val="tx1"/>
                 </a:solidFill>
                 <a:latin typeface="Verdana" panose="020B0604030504040204" pitchFamily="34" charset="0"/>
-                <a:ea typeface="굴림" panose="020B0600000101010101" pitchFamily="34" charset="-127"/>
+                <a:ea typeface="Verdana" panose="020B0604030504040204" pitchFamily="34" charset="0"/>
+                <a:cs typeface="Verdana" panose="020B0604030504040204" pitchFamily="34" charset="0"/>
               </a:rPr>
-              <a:t>Your Text here</a:t>
-            </a:r>
+              <a:t>With </a:t>
+            </a:r>
+            <a:r>
+              <a:rPr lang="en-US" altLang="ko-KR" sz="1800" dirty="0" err="1">
+                <a:solidFill>
+                  <a:schemeClr val="tx1"/>
+                </a:solidFill>
+                <a:latin typeface="Verdana" panose="020B0604030504040204" pitchFamily="34" charset="0"/>
+                <a:ea typeface="Verdana" panose="020B0604030504040204" pitchFamily="34" charset="0"/>
+                <a:cs typeface="Verdana" panose="020B0604030504040204" pitchFamily="34" charset="0"/>
+              </a:rPr>
+              <a:t>ConversationChain</a:t>
+            </a:r>
+            <a:endParaRPr lang="en-US" altLang="ko-KR" sz="1800" dirty="0">
+              <a:solidFill>
+                <a:schemeClr val="tx1"/>
+              </a:solidFill>
+              <a:latin typeface="Verdana" panose="020B0604030504040204" pitchFamily="34" charset="0"/>
+              <a:ea typeface="Verdana" panose="020B0604030504040204" pitchFamily="34" charset="0"/>
+              <a:cs typeface="Verdana" panose="020B0604030504040204" pitchFamily="34" charset="0"/>
+            </a:endParaRPr>
+          </a:p>
+          <a:p>
+            <a:pPr lvl="2">
+              <a:lnSpc>
+                <a:spcPct val="80000"/>
+              </a:lnSpc>
+            </a:pPr>
+            <a:r>
+              <a:rPr lang="en-US" altLang="ko-KR" sz="1600" dirty="0">
+                <a:latin typeface="Verdana" panose="020B0604030504040204" pitchFamily="34" charset="0"/>
+                <a:ea typeface="Verdana" panose="020B0604030504040204" pitchFamily="34" charset="0"/>
+                <a:cs typeface="Verdana" panose="020B0604030504040204" pitchFamily="34" charset="0"/>
+              </a:rPr>
+              <a:t>Semi-easy but issues (more later)</a:t>
+            </a:r>
+            <a:endParaRPr lang="en-US" altLang="ko-KR" sz="1600" dirty="0">
+              <a:solidFill>
+                <a:schemeClr val="tx1"/>
+              </a:solidFill>
+              <a:latin typeface="Verdana" panose="020B0604030504040204" pitchFamily="34" charset="0"/>
+              <a:ea typeface="Verdana" panose="020B0604030504040204" pitchFamily="34" charset="0"/>
+              <a:cs typeface="Verdana" panose="020B0604030504040204" pitchFamily="34" charset="0"/>
+            </a:endParaRPr>
           </a:p>
           <a:p>
             <a:pPr>
@@ -6879,11 +8487,137 @@
                 <a:spcPct val="80000"/>
               </a:lnSpc>
             </a:pPr>
-            <a:endParaRPr lang="en-US" altLang="en-US" sz="1800" dirty="0">
+            <a:endParaRPr lang="en-US" altLang="en-US" sz="2400" dirty="0">
               <a:solidFill>
                 <a:schemeClr val="tx1"/>
               </a:solidFill>
+              <a:latin typeface="Verdana" panose="020B0604030504040204" pitchFamily="34" charset="0"/>
+              <a:ea typeface="Verdana" panose="020B0604030504040204" pitchFamily="34" charset="0"/>
+              <a:cs typeface="Verdana" panose="020B0604030504040204" pitchFamily="34" charset="0"/>
             </a:endParaRPr>
+          </a:p>
+          <a:p>
+            <a:pPr>
+              <a:lnSpc>
+                <a:spcPct val="80000"/>
+              </a:lnSpc>
+            </a:pPr>
+            <a:r>
+              <a:rPr lang="en-US" altLang="en-US" sz="2400" dirty="0" err="1">
+                <a:latin typeface="Verdana" panose="020B0604030504040204" pitchFamily="34" charset="0"/>
+                <a:ea typeface="Verdana" panose="020B0604030504040204" pitchFamily="34" charset="0"/>
+                <a:cs typeface="Verdana" panose="020B0604030504040204" pitchFamily="34" charset="0"/>
+              </a:rPr>
+              <a:t>spaCy</a:t>
+            </a:r>
+            <a:r>
+              <a:rPr lang="en-US" altLang="en-US" sz="2400" dirty="0">
+                <a:latin typeface="Verdana" panose="020B0604030504040204" pitchFamily="34" charset="0"/>
+                <a:ea typeface="Verdana" panose="020B0604030504040204" pitchFamily="34" charset="0"/>
+                <a:cs typeface="Verdana" panose="020B0604030504040204" pitchFamily="34" charset="0"/>
+              </a:rPr>
+              <a:t> NLP</a:t>
+            </a:r>
+          </a:p>
+          <a:p>
+            <a:pPr lvl="1">
+              <a:lnSpc>
+                <a:spcPct val="80000"/>
+              </a:lnSpc>
+            </a:pPr>
+            <a:r>
+              <a:rPr lang="en-US" altLang="en-US" sz="2000" dirty="0">
+                <a:solidFill>
+                  <a:schemeClr val="tx1"/>
+                </a:solidFill>
+                <a:latin typeface="Verdana" panose="020B0604030504040204" pitchFamily="34" charset="0"/>
+                <a:ea typeface="Verdana" panose="020B0604030504040204" pitchFamily="34" charset="0"/>
+                <a:cs typeface="Verdana" panose="020B0604030504040204" pitchFamily="34" charset="0"/>
+              </a:rPr>
+              <a:t>Easy to parse data</a:t>
+            </a:r>
+          </a:p>
+          <a:p>
+            <a:pPr lvl="1">
+              <a:lnSpc>
+                <a:spcPct val="80000"/>
+              </a:lnSpc>
+            </a:pPr>
+            <a:r>
+              <a:rPr lang="en-US" altLang="en-US" sz="2000" dirty="0">
+                <a:latin typeface="Verdana" panose="020B0604030504040204" pitchFamily="34" charset="0"/>
+                <a:ea typeface="Verdana" panose="020B0604030504040204" pitchFamily="34" charset="0"/>
+                <a:cs typeface="Verdana" panose="020B0604030504040204" pitchFamily="34" charset="0"/>
+              </a:rPr>
+              <a:t>Parsed data has some limitations</a:t>
+            </a:r>
+          </a:p>
+          <a:p>
+            <a:pPr lvl="1">
+              <a:lnSpc>
+                <a:spcPct val="80000"/>
+              </a:lnSpc>
+            </a:pPr>
+            <a:r>
+              <a:rPr lang="en-US" altLang="en-US" sz="2000" dirty="0">
+                <a:solidFill>
+                  <a:schemeClr val="tx1"/>
+                </a:solidFill>
+                <a:latin typeface="Verdana" panose="020B0604030504040204" pitchFamily="34" charset="0"/>
+                <a:ea typeface="Verdana" panose="020B0604030504040204" pitchFamily="34" charset="0"/>
+                <a:cs typeface="Verdana" panose="020B0604030504040204" pitchFamily="34" charset="0"/>
+              </a:rPr>
+              <a:t>Querying TMDB was easy but some limitations</a:t>
+            </a:r>
+          </a:p>
+          <a:p>
+            <a:pPr marL="457200" lvl="1" indent="0">
+              <a:lnSpc>
+                <a:spcPct val="80000"/>
+              </a:lnSpc>
+              <a:buNone/>
+            </a:pPr>
+            <a:endParaRPr lang="en-US" altLang="en-US" sz="2000" dirty="0">
+              <a:solidFill>
+                <a:schemeClr val="tx1"/>
+              </a:solidFill>
+              <a:latin typeface="Verdana" panose="020B0604030504040204" pitchFamily="34" charset="0"/>
+              <a:ea typeface="Verdana" panose="020B0604030504040204" pitchFamily="34" charset="0"/>
+              <a:cs typeface="Verdana" panose="020B0604030504040204" pitchFamily="34" charset="0"/>
+            </a:endParaRPr>
+          </a:p>
+          <a:p>
+            <a:pPr>
+              <a:lnSpc>
+                <a:spcPct val="80000"/>
+              </a:lnSpc>
+            </a:pPr>
+            <a:r>
+              <a:rPr lang="en-US" altLang="en-US" sz="2400" dirty="0">
+                <a:latin typeface="Verdana" panose="020B0604030504040204" pitchFamily="34" charset="0"/>
+                <a:ea typeface="Verdana" panose="020B0604030504040204" pitchFamily="34" charset="0"/>
+                <a:cs typeface="Verdana" panose="020B0604030504040204" pitchFamily="34" charset="0"/>
+              </a:rPr>
+              <a:t>Whisper</a:t>
+            </a:r>
+          </a:p>
+          <a:p>
+            <a:pPr lvl="1">
+              <a:lnSpc>
+                <a:spcPct val="80000"/>
+              </a:lnSpc>
+            </a:pPr>
+            <a:r>
+              <a:rPr lang="en-US" altLang="en-US" sz="2000" dirty="0">
+                <a:solidFill>
+                  <a:schemeClr val="tx1"/>
+                </a:solidFill>
+                <a:latin typeface="Verdana" panose="020B0604030504040204" pitchFamily="34" charset="0"/>
+                <a:ea typeface="Verdana" panose="020B0604030504040204" pitchFamily="34" charset="0"/>
+                <a:cs typeface="Verdana" panose="020B0604030504040204" pitchFamily="34" charset="0"/>
+              </a:rPr>
+              <a:t>Easy to use but with limitations</a:t>
+            </a:r>
           </a:p>
         </p:txBody>
       </p:sp>
@@ -6903,24 +8637,109 @@
 <file path=ppt/slides/slide8.xml><?xml version="1.0" encoding="utf-8"?>
 <p:sld xmlns:a="http://schemas.openxmlformats.org/drawingml/2006/main" xmlns:r="http://schemas.openxmlformats.org/officeDocument/2006/relationships" xmlns:p="http://schemas.openxmlformats.org/presentationml/2006/main">
   <p:cSld>
-    <p:bg>
-      <p:bgPr>
-        <a:blipFill dpi="0" rotWithShape="0">
-          <a:blip r:embed="rId3"/>
-          <a:srcRect/>
+    <p:spTree>
+      <p:nvGrpSpPr>
+        <p:cNvPr id="1" name=""/>
+        <p:cNvGrpSpPr/>
+        <p:nvPr/>
+      </p:nvGrpSpPr>
+      <p:grpSpPr>
+        <a:xfrm>
+          <a:off x="0" y="0"/>
+          <a:ext cx="0" cy="0"/>
+          <a:chOff x="0" y="0"/>
+          <a:chExt cx="0" cy="0"/>
+        </a:xfrm>
+      </p:grpSpPr>
+      <p:pic>
+        <p:nvPicPr>
+          <p:cNvPr id="4" name="Picture 3">
+            <a:extLst>
+              <a:ext uri="{FF2B5EF4-FFF2-40B4-BE49-F238E27FC236}">
+                <a16:creationId xmlns:a16="http://schemas.microsoft.com/office/drawing/2014/main" id="{55BECEE8-E9B6-ADF4-9A93-1B85D3846788}"/>
+              </a:ext>
+            </a:extLst>
+          </p:cNvPr>
+          <p:cNvPicPr>
+            <a:picLocks noChangeAspect="1"/>
+          </p:cNvPicPr>
+          <p:nvPr/>
+        </p:nvPicPr>
+        <p:blipFill>
+          <a:blip r:embed="rId2"/>
           <a:stretch>
             <a:fillRect/>
           </a:stretch>
-        </a:blipFill>
-        <a:effectLst/>
-      </p:bgPr>
-    </p:bg>
+        </p:blipFill>
+        <p:spPr>
+          <a:xfrm>
+            <a:off x="76200" y="1447800"/>
+            <a:ext cx="12039600" cy="4267200"/>
+          </a:xfrm>
+          <a:prstGeom prst="rect">
+            <a:avLst/>
+          </a:prstGeom>
+        </p:spPr>
+      </p:pic>
+      <p:sp>
+        <p:nvSpPr>
+          <p:cNvPr id="5" name="Rectangle 2">
+            <a:extLst>
+              <a:ext uri="{FF2B5EF4-FFF2-40B4-BE49-F238E27FC236}">
+                <a16:creationId xmlns:a16="http://schemas.microsoft.com/office/drawing/2014/main" id="{47276D1B-9046-5046-E932-B17DC1A6D64A}"/>
+              </a:ext>
+            </a:extLst>
+          </p:cNvPr>
+          <p:cNvSpPr>
+            <a:spLocks noGrp="1" noChangeArrowheads="1"/>
+          </p:cNvSpPr>
+          <p:nvPr>
+            <p:ph type="title"/>
+          </p:nvPr>
+        </p:nvSpPr>
+        <p:spPr>
+          <a:xfrm>
+            <a:off x="228600" y="304800"/>
+            <a:ext cx="6934200" cy="715963"/>
+          </a:xfrm>
+        </p:spPr>
+        <p:txBody>
+          <a:bodyPr/>
+          <a:lstStyle/>
+          <a:p>
+            <a:r>
+              <a:rPr lang="en-US" altLang="en-US" sz="4000" dirty="0">
+                <a:solidFill>
+                  <a:schemeClr val="tx1"/>
+                </a:solidFill>
+              </a:rPr>
+              <a:t>ChatGPT Direct</a:t>
+            </a:r>
+          </a:p>
+        </p:txBody>
+      </p:sp>
+    </p:spTree>
+    <p:extLst>
+      <p:ext uri="{BB962C8B-B14F-4D97-AF65-F5344CB8AC3E}">
+        <p14:creationId xmlns:p14="http://schemas.microsoft.com/office/powerpoint/2010/main" val="3857845618"/>
+      </p:ext>
+    </p:extLst>
+  </p:cSld>
+  <p:clrMapOvr>
+    <a:masterClrMapping/>
+  </p:clrMapOvr>
+</p:sld>
+</file>
+
+<file path=ppt/slides/slide9.xml><?xml version="1.0" encoding="utf-8"?>
+<p:sld xmlns:a="http://schemas.openxmlformats.org/drawingml/2006/main" xmlns:r="http://schemas.openxmlformats.org/officeDocument/2006/relationships" xmlns:p="http://schemas.openxmlformats.org/presentationml/2006/main">
+  <p:cSld>
     <p:spTree>
       <p:nvGrpSpPr>
         <p:cNvPr id="1" name="">
           <a:extLst>
             <a:ext uri="{FF2B5EF4-FFF2-40B4-BE49-F238E27FC236}">
-              <a16:creationId xmlns:a16="http://schemas.microsoft.com/office/drawing/2014/main" id="{AE736900-577B-B485-1383-07FD6AF31C5E}"/>
+              <a16:creationId xmlns:a16="http://schemas.microsoft.com/office/drawing/2014/main" id="{8F69DFA1-2F89-9451-96EE-0B74AA39A314}"/>
             </a:ext>
           </a:extLst>
         </p:cNvPr>
@@ -6937,10 +8756,10 @@
       </p:grpSpPr>
       <p:sp>
         <p:nvSpPr>
-          <p:cNvPr id="60418" name="Rectangle 2">
+          <p:cNvPr id="5" name="Rectangle 2">
             <a:extLst>
               <a:ext uri="{FF2B5EF4-FFF2-40B4-BE49-F238E27FC236}">
-                <a16:creationId xmlns:a16="http://schemas.microsoft.com/office/drawing/2014/main" id="{1459C886-B2F7-6ACE-A5F7-13335A4351DB}"/>
+                <a16:creationId xmlns:a16="http://schemas.microsoft.com/office/drawing/2014/main" id="{58484436-A49F-E8A3-F3A7-92698CBD55BC}"/>
               </a:ext>
             </a:extLst>
           </p:cNvPr>
@@ -6953,7 +8772,7 @@
         </p:nvSpPr>
         <p:spPr>
           <a:xfrm>
-            <a:off x="3505200" y="762001"/>
+            <a:off x="228600" y="304800"/>
             <a:ext cx="6934200" cy="715963"/>
           </a:xfrm>
         </p:spPr>
@@ -6967,188 +8786,75 @@
                   <a:schemeClr val="tx1"/>
                 </a:solidFill>
               </a:rPr>
-              <a:t>Summary</a:t>
-            </a:r>
-          </a:p>
-        </p:txBody>
-      </p:sp>
-      <p:sp>
-        <p:nvSpPr>
-          <p:cNvPr id="60419" name="Rectangle 3">
+              <a:t>ChatGPT w/Conversation</a:t>
+            </a:r>
+          </a:p>
+        </p:txBody>
+      </p:sp>
+      <p:pic>
+        <p:nvPicPr>
+          <p:cNvPr id="2" name="Picture 1">
             <a:extLst>
               <a:ext uri="{FF2B5EF4-FFF2-40B4-BE49-F238E27FC236}">
-                <a16:creationId xmlns:a16="http://schemas.microsoft.com/office/drawing/2014/main" id="{F57700C5-D0B9-18F0-7F0B-98E44CDD39C2}"/>
+                <a16:creationId xmlns:a16="http://schemas.microsoft.com/office/drawing/2014/main" id="{951B85EB-1BC2-42A1-752B-F81FBFF028E9}"/>
               </a:ext>
             </a:extLst>
           </p:cNvPr>
-          <p:cNvSpPr>
-            <a:spLocks noGrp="1" noChangeArrowheads="1"/>
-          </p:cNvSpPr>
-          <p:nvPr>
-            <p:ph idx="1"/>
-          </p:nvPr>
-        </p:nvSpPr>
+          <p:cNvPicPr>
+            <a:picLocks noChangeAspect="1"/>
+          </p:cNvPicPr>
+          <p:nvPr/>
+        </p:nvPicPr>
+        <p:blipFill>
+          <a:blip r:embed="rId2"/>
+          <a:stretch>
+            <a:fillRect/>
+          </a:stretch>
+        </p:blipFill>
         <p:spPr>
           <a:xfrm>
-            <a:off x="3505200" y="1981200"/>
-            <a:ext cx="6934200" cy="4267200"/>
+            <a:off x="152400" y="914400"/>
+            <a:ext cx="11887200" cy="2925761"/>
           </a:xfrm>
+          <a:prstGeom prst="rect">
+            <a:avLst/>
+          </a:prstGeom>
         </p:spPr>
-        <p:txBody>
-          <a:bodyPr/>
-          <a:lstStyle/>
-          <a:p>
-            <a:pPr>
-              <a:lnSpc>
-                <a:spcPct val="80000"/>
-              </a:lnSpc>
-            </a:pPr>
-            <a:r>
-              <a:rPr lang="en-US" altLang="ko-KR" sz="1800" dirty="0">
-                <a:solidFill>
-                  <a:schemeClr val="tx1"/>
-                </a:solidFill>
-                <a:latin typeface="Verdana" panose="020B0604030504040204" pitchFamily="34" charset="0"/>
-                <a:ea typeface="굴림" panose="020B0600000101010101" pitchFamily="34" charset="-127"/>
-              </a:rPr>
-              <a:t>Your Text here</a:t>
-            </a:r>
-          </a:p>
-        </p:txBody>
-      </p:sp>
+      </p:pic>
+      <p:pic>
+        <p:nvPicPr>
+          <p:cNvPr id="3" name="Picture 2">
+            <a:extLst>
+              <a:ext uri="{FF2B5EF4-FFF2-40B4-BE49-F238E27FC236}">
+                <a16:creationId xmlns:a16="http://schemas.microsoft.com/office/drawing/2014/main" id="{CD50C381-C366-75D7-A0A9-B8ABB00C0C48}"/>
+              </a:ext>
+            </a:extLst>
+          </p:cNvPr>
+          <p:cNvPicPr>
+            <a:picLocks noChangeAspect="1"/>
+          </p:cNvPicPr>
+          <p:nvPr/>
+        </p:nvPicPr>
+        <p:blipFill>
+          <a:blip r:embed="rId3"/>
+          <a:stretch>
+            <a:fillRect/>
+          </a:stretch>
+        </p:blipFill>
+        <p:spPr>
+          <a:xfrm>
+            <a:off x="121920" y="3962400"/>
+            <a:ext cx="11917680" cy="2819400"/>
+          </a:xfrm>
+          <a:prstGeom prst="rect">
+            <a:avLst/>
+          </a:prstGeom>
+        </p:spPr>
+      </p:pic>
     </p:spTree>
     <p:extLst>
       <p:ext uri="{BB962C8B-B14F-4D97-AF65-F5344CB8AC3E}">
-        <p14:creationId xmlns:p14="http://schemas.microsoft.com/office/powerpoint/2010/main" val="1680910897"/>
-      </p:ext>
-    </p:extLst>
-  </p:cSld>
-  <p:clrMapOvr>
-    <a:masterClrMapping/>
-  </p:clrMapOvr>
-</p:sld>
-</file>
-
-<file path=ppt/slides/slide9.xml><?xml version="1.0" encoding="utf-8"?>
-<p:sld xmlns:a="http://schemas.openxmlformats.org/drawingml/2006/main" xmlns:r="http://schemas.openxmlformats.org/officeDocument/2006/relationships" xmlns:p="http://schemas.openxmlformats.org/presentationml/2006/main">
-  <p:cSld>
-    <p:bg>
-      <p:bgPr>
-        <a:blipFill dpi="0" rotWithShape="0">
-          <a:blip r:embed="rId3"/>
-          <a:srcRect/>
-          <a:stretch>
-            <a:fillRect/>
-          </a:stretch>
-        </a:blipFill>
-        <a:effectLst/>
-      </p:bgPr>
-    </p:bg>
-    <p:spTree>
-      <p:nvGrpSpPr>
-        <p:cNvPr id="1" name="">
-          <a:extLst>
-            <a:ext uri="{FF2B5EF4-FFF2-40B4-BE49-F238E27FC236}">
-              <a16:creationId xmlns:a16="http://schemas.microsoft.com/office/drawing/2014/main" id="{C69A9936-E4D3-5133-DA4E-F7EC6B0798B3}"/>
-            </a:ext>
-          </a:extLst>
-        </p:cNvPr>
-        <p:cNvGrpSpPr/>
-        <p:nvPr/>
-      </p:nvGrpSpPr>
-      <p:grpSpPr>
-        <a:xfrm>
-          <a:off x="0" y="0"/>
-          <a:ext cx="0" cy="0"/>
-          <a:chOff x="0" y="0"/>
-          <a:chExt cx="0" cy="0"/>
-        </a:xfrm>
-      </p:grpSpPr>
-      <p:sp>
-        <p:nvSpPr>
-          <p:cNvPr id="60418" name="Rectangle 2">
-            <a:extLst>
-              <a:ext uri="{FF2B5EF4-FFF2-40B4-BE49-F238E27FC236}">
-                <a16:creationId xmlns:a16="http://schemas.microsoft.com/office/drawing/2014/main" id="{0488DDC5-2CEC-1FC1-9EA8-BAEA655ED731}"/>
-              </a:ext>
-            </a:extLst>
-          </p:cNvPr>
-          <p:cNvSpPr>
-            <a:spLocks noGrp="1" noChangeArrowheads="1"/>
-          </p:cNvSpPr>
-          <p:nvPr>
-            <p:ph type="title"/>
-          </p:nvPr>
-        </p:nvSpPr>
-        <p:spPr>
-          <a:xfrm>
-            <a:off x="3505200" y="762001"/>
-            <a:ext cx="6934200" cy="715963"/>
-          </a:xfrm>
-        </p:spPr>
-        <p:txBody>
-          <a:bodyPr/>
-          <a:lstStyle/>
-          <a:p>
-            <a:r>
-              <a:rPr lang="en-US" altLang="en-US" sz="4000" dirty="0">
-                <a:solidFill>
-                  <a:schemeClr val="tx1"/>
-                </a:solidFill>
-              </a:rPr>
-              <a:t>Problems Encountered</a:t>
-            </a:r>
-          </a:p>
-        </p:txBody>
-      </p:sp>
-      <p:sp>
-        <p:nvSpPr>
-          <p:cNvPr id="60419" name="Rectangle 3">
-            <a:extLst>
-              <a:ext uri="{FF2B5EF4-FFF2-40B4-BE49-F238E27FC236}">
-                <a16:creationId xmlns:a16="http://schemas.microsoft.com/office/drawing/2014/main" id="{ECBA83B3-1AFB-3E21-4E28-947973CFCB9F}"/>
-              </a:ext>
-            </a:extLst>
-          </p:cNvPr>
-          <p:cNvSpPr>
-            <a:spLocks noGrp="1" noChangeArrowheads="1"/>
-          </p:cNvSpPr>
-          <p:nvPr>
-            <p:ph idx="1"/>
-          </p:nvPr>
-        </p:nvSpPr>
-        <p:spPr>
-          <a:xfrm>
-            <a:off x="3505200" y="1981200"/>
-            <a:ext cx="6934200" cy="4267200"/>
-          </a:xfrm>
-        </p:spPr>
-        <p:txBody>
-          <a:bodyPr/>
-          <a:lstStyle/>
-          <a:p>
-            <a:pPr>
-              <a:lnSpc>
-                <a:spcPct val="80000"/>
-              </a:lnSpc>
-            </a:pPr>
-            <a:r>
-              <a:rPr lang="en-US" altLang="ko-KR" sz="1800" dirty="0">
-                <a:solidFill>
-                  <a:schemeClr val="tx1"/>
-                </a:solidFill>
-                <a:latin typeface="Verdana" panose="020B0604030504040204" pitchFamily="34" charset="0"/>
-                <a:ea typeface="굴림" panose="020B0600000101010101" pitchFamily="34" charset="-127"/>
-              </a:rPr>
-              <a:t>Your Text here</a:t>
-            </a:r>
-          </a:p>
-        </p:txBody>
-      </p:sp>
-    </p:spTree>
-    <p:extLst>
-      <p:ext uri="{BB962C8B-B14F-4D97-AF65-F5344CB8AC3E}">
-        <p14:creationId xmlns:p14="http://schemas.microsoft.com/office/powerpoint/2010/main" val="2253827582"/>
+        <p14:creationId xmlns:p14="http://schemas.microsoft.com/office/powerpoint/2010/main" val="179728464"/>
       </p:ext>
     </p:extLst>
   </p:cSld>
